--- a/clases/Cap08_Segmentacion/presentations/IMG08_Hough.pptx
+++ b/clases/Cap08_Segmentacion/presentations/IMG08_Hough.pptx
@@ -243,7 +243,7 @@
           <a:p>
             <a:fld id="{678C770B-B503-C841-A55C-00AF9EBD4322}" type="datetimeFigureOut">
               <a:rPr lang="en-US" smtClean="0"/>
-              <a:t>11/16/20</a:t>
+              <a:t>11/17/20</a:t>
             </a:fld>
             <a:endParaRPr lang="en-US"/>
           </a:p>
@@ -785,7 +785,7 @@
           <a:p>
             <a:fld id="{2D6C505C-4733-2D4D-B465-C1E86A553F67}" type="datetimeFigureOut">
               <a:rPr lang="en-US" smtClean="0"/>
-              <a:t>11/16/20</a:t>
+              <a:t>11/17/20</a:t>
             </a:fld>
             <a:endParaRPr lang="en-US"/>
           </a:p>
@@ -955,7 +955,7 @@
           <a:p>
             <a:fld id="{2D6C505C-4733-2D4D-B465-C1E86A553F67}" type="datetimeFigureOut">
               <a:rPr lang="en-US" smtClean="0"/>
-              <a:t>11/16/20</a:t>
+              <a:t>11/17/20</a:t>
             </a:fld>
             <a:endParaRPr lang="en-US"/>
           </a:p>
@@ -1135,7 +1135,7 @@
           <a:p>
             <a:fld id="{2D6C505C-4733-2D4D-B465-C1E86A553F67}" type="datetimeFigureOut">
               <a:rPr lang="en-US" smtClean="0"/>
-              <a:t>11/16/20</a:t>
+              <a:t>11/17/20</a:t>
             </a:fld>
             <a:endParaRPr lang="en-US"/>
           </a:p>
@@ -1305,7 +1305,7 @@
           <a:p>
             <a:fld id="{2D6C505C-4733-2D4D-B465-C1E86A553F67}" type="datetimeFigureOut">
               <a:rPr lang="en-US" smtClean="0"/>
-              <a:t>11/16/20</a:t>
+              <a:t>11/17/20</a:t>
             </a:fld>
             <a:endParaRPr lang="en-US"/>
           </a:p>
@@ -1551,7 +1551,7 @@
           <a:p>
             <a:fld id="{2D6C505C-4733-2D4D-B465-C1E86A553F67}" type="datetimeFigureOut">
               <a:rPr lang="en-US" smtClean="0"/>
-              <a:t>11/16/20</a:t>
+              <a:t>11/17/20</a:t>
             </a:fld>
             <a:endParaRPr lang="en-US"/>
           </a:p>
@@ -1839,7 +1839,7 @@
           <a:p>
             <a:fld id="{2D6C505C-4733-2D4D-B465-C1E86A553F67}" type="datetimeFigureOut">
               <a:rPr lang="en-US" smtClean="0"/>
-              <a:t>11/16/20</a:t>
+              <a:t>11/17/20</a:t>
             </a:fld>
             <a:endParaRPr lang="en-US"/>
           </a:p>
@@ -2261,7 +2261,7 @@
           <a:p>
             <a:fld id="{2D6C505C-4733-2D4D-B465-C1E86A553F67}" type="datetimeFigureOut">
               <a:rPr lang="en-US" smtClean="0"/>
-              <a:t>11/16/20</a:t>
+              <a:t>11/17/20</a:t>
             </a:fld>
             <a:endParaRPr lang="en-US"/>
           </a:p>
@@ -2379,7 +2379,7 @@
           <a:p>
             <a:fld id="{2D6C505C-4733-2D4D-B465-C1E86A553F67}" type="datetimeFigureOut">
               <a:rPr lang="en-US" smtClean="0"/>
-              <a:t>11/16/20</a:t>
+              <a:t>11/17/20</a:t>
             </a:fld>
             <a:endParaRPr lang="en-US"/>
           </a:p>
@@ -2474,7 +2474,7 @@
           <a:p>
             <a:fld id="{2D6C505C-4733-2D4D-B465-C1E86A553F67}" type="datetimeFigureOut">
               <a:rPr lang="en-US" smtClean="0"/>
-              <a:t>11/16/20</a:t>
+              <a:t>11/17/20</a:t>
             </a:fld>
             <a:endParaRPr lang="en-US"/>
           </a:p>
@@ -2751,7 +2751,7 @@
           <a:p>
             <a:fld id="{2D6C505C-4733-2D4D-B465-C1E86A553F67}" type="datetimeFigureOut">
               <a:rPr lang="en-US" smtClean="0"/>
-              <a:t>11/16/20</a:t>
+              <a:t>11/17/20</a:t>
             </a:fld>
             <a:endParaRPr lang="en-US"/>
           </a:p>
@@ -3004,7 +3004,7 @@
           <a:p>
             <a:fld id="{2D6C505C-4733-2D4D-B465-C1E86A553F67}" type="datetimeFigureOut">
               <a:rPr lang="en-US" smtClean="0"/>
-              <a:t>11/16/20</a:t>
+              <a:t>11/17/20</a:t>
             </a:fld>
             <a:endParaRPr lang="en-US"/>
           </a:p>
@@ -3217,7 +3217,7 @@
           <a:p>
             <a:fld id="{2D6C505C-4733-2D4D-B465-C1E86A553F67}" type="datetimeFigureOut">
               <a:rPr lang="en-US" smtClean="0"/>
-              <a:t>11/16/20</a:t>
+              <a:t>11/17/20</a:t>
             </a:fld>
             <a:endParaRPr lang="en-US"/>
           </a:p>
@@ -5560,36 +5560,6 @@
           </a:prstGeom>
         </p:spPr>
       </p:pic>
-      <p:pic>
-        <p:nvPicPr>
-          <p:cNvPr id="20" name="Picture 19">
-            <a:extLst>
-              <a:ext uri="{FF2B5EF4-FFF2-40B4-BE49-F238E27FC236}">
-                <a16:creationId xmlns:a16="http://schemas.microsoft.com/office/drawing/2014/main" id="{D22491DD-17C4-4544-AACD-3356762B6913}"/>
-              </a:ext>
-            </a:extLst>
-          </p:cNvPr>
-          <p:cNvPicPr>
-            <a:picLocks noChangeAspect="1"/>
-          </p:cNvPicPr>
-          <p:nvPr/>
-        </p:nvPicPr>
-        <p:blipFill>
-          <a:blip r:embed="rId4"/>
-          <a:stretch>
-            <a:fillRect/>
-          </a:stretch>
-        </p:blipFill>
-        <p:spPr>
-          <a:xfrm>
-            <a:off x="870519" y="2493830"/>
-            <a:ext cx="177800" cy="330200"/>
-          </a:xfrm>
-          <a:prstGeom prst="rect">
-            <a:avLst/>
-          </a:prstGeom>
-        </p:spPr>
-      </p:pic>
       <p:sp>
         <p:nvSpPr>
           <p:cNvPr id="10" name="Rounded Rectangle 9">
@@ -5693,7 +5663,7 @@
           <p:nvPr/>
         </p:nvPicPr>
         <p:blipFill>
-          <a:blip r:embed="rId5"/>
+          <a:blip r:embed="rId4"/>
           <a:stretch>
             <a:fillRect/>
           </a:stretch>
@@ -5723,7 +5693,7 @@
           <p:nvPr/>
         </p:nvPicPr>
         <p:blipFill>
-          <a:blip r:embed="rId6"/>
+          <a:blip r:embed="rId5"/>
           <a:stretch>
             <a:fillRect/>
           </a:stretch>
@@ -5792,7 +5762,7 @@
           <p:nvPr/>
         </p:nvPicPr>
         <p:blipFill>
-          <a:blip r:embed="rId7"/>
+          <a:blip r:embed="rId6"/>
           <a:stretch>
             <a:fillRect/>
           </a:stretch>
@@ -5822,7 +5792,7 @@
           <p:nvPr/>
         </p:nvPicPr>
         <p:blipFill>
-          <a:blip r:embed="rId8"/>
+          <a:blip r:embed="rId7"/>
           <a:stretch>
             <a:fillRect/>
           </a:stretch>
@@ -6725,7 +6695,7 @@
                   <a:rPr lang="es-ES_tradnl" sz="1600" dirty="0">
                     <a:latin typeface="Trebuchet MS" panose="020B0703020202090204" pitchFamily="34" charset="0"/>
                   </a:rPr>
-                  <a:t>Cada punto en el plano </a:t>
+                  <a:t>Cada punto en la curva </a:t>
                 </a:r>
               </a:p>
               <a:p>
@@ -7870,7 +7840,7 @@
                   <a:rPr lang="es-ES_tradnl" sz="1600" dirty="0">
                     <a:latin typeface="Trebuchet MS" panose="020B0703020202090204" pitchFamily="34" charset="0"/>
                   </a:rPr>
-                  <a:t>Cada punto en el plano </a:t>
+                  <a:t>Cada punto en la curva </a:t>
                 </a:r>
               </a:p>
               <a:p>
@@ -8850,7 +8820,7 @@
                   <a:rPr lang="es-ES_tradnl" sz="1600" dirty="0">
                     <a:latin typeface="Trebuchet MS" panose="020B0703020202090204" pitchFamily="34" charset="0"/>
                   </a:rPr>
-                  <a:t>Cada punto en el plano </a:t>
+                  <a:t>Cada punto en la curva </a:t>
                 </a:r>
               </a:p>
               <a:p>
@@ -9830,7 +9800,7 @@
                   <a:rPr lang="es-ES_tradnl" sz="1600" dirty="0">
                     <a:latin typeface="Trebuchet MS" panose="020B0703020202090204" pitchFamily="34" charset="0"/>
                   </a:rPr>
-                  <a:t>Cada punto en el plano </a:t>
+                  <a:t>Cada punto en la curva </a:t>
                 </a:r>
               </a:p>
               <a:p>
@@ -10724,7 +10694,7 @@
                   <a:rPr lang="es-ES_tradnl" sz="1600" dirty="0">
                     <a:latin typeface="Trebuchet MS" panose="020B0703020202090204" pitchFamily="34" charset="0"/>
                   </a:rPr>
-                  <a:t>Cada punto en el plano </a:t>
+                  <a:t>Cada punto en la curva </a:t>
                 </a:r>
               </a:p>
               <a:p>
@@ -14432,36 +14402,6 @@
           <a:xfrm>
             <a:off x="7825142" y="6187205"/>
             <a:ext cx="241300" cy="215900"/>
-          </a:xfrm>
-          <a:prstGeom prst="rect">
-            <a:avLst/>
-          </a:prstGeom>
-        </p:spPr>
-      </p:pic>
-      <p:pic>
-        <p:nvPicPr>
-          <p:cNvPr id="20" name="Picture 19">
-            <a:extLst>
-              <a:ext uri="{FF2B5EF4-FFF2-40B4-BE49-F238E27FC236}">
-                <a16:creationId xmlns:a16="http://schemas.microsoft.com/office/drawing/2014/main" id="{D22491DD-17C4-4544-AACD-3356762B6913}"/>
-              </a:ext>
-            </a:extLst>
-          </p:cNvPr>
-          <p:cNvPicPr>
-            <a:picLocks noChangeAspect="1"/>
-          </p:cNvPicPr>
-          <p:nvPr/>
-        </p:nvPicPr>
-        <p:blipFill>
-          <a:blip r:embed="rId5"/>
-          <a:stretch>
-            <a:fillRect/>
-          </a:stretch>
-        </p:blipFill>
-        <p:spPr>
-          <a:xfrm>
-            <a:off x="870519" y="2493830"/>
-            <a:ext cx="177800" cy="330200"/>
           </a:xfrm>
           <a:prstGeom prst="rect">
             <a:avLst/>

--- a/clases/Cap08_Segmentacion/presentations/IMG08_Hough.pptx
+++ b/clases/Cap08_Segmentacion/presentations/IMG08_Hough.pptx
@@ -5,7 +5,7 @@
     <p:sldMasterId id="2147483648" r:id="rId1"/>
   </p:sldMasterIdLst>
   <p:notesMasterIdLst>
-    <p:notesMasterId r:id="rId38"/>
+    <p:notesMasterId r:id="rId48"/>
   </p:notesMasterIdLst>
   <p:sldIdLst>
     <p:sldId id="307" r:id="rId2"/>
@@ -28,22 +28,32 @@
     <p:sldId id="813" r:id="rId19"/>
     <p:sldId id="814" r:id="rId20"/>
     <p:sldId id="819" r:id="rId21"/>
-    <p:sldId id="820" r:id="rId22"/>
-    <p:sldId id="827" r:id="rId23"/>
-    <p:sldId id="821" r:id="rId24"/>
-    <p:sldId id="822" r:id="rId25"/>
-    <p:sldId id="823" r:id="rId26"/>
-    <p:sldId id="824" r:id="rId27"/>
-    <p:sldId id="825" r:id="rId28"/>
-    <p:sldId id="826" r:id="rId29"/>
-    <p:sldId id="829" r:id="rId30"/>
-    <p:sldId id="830" r:id="rId31"/>
-    <p:sldId id="831" r:id="rId32"/>
-    <p:sldId id="828" r:id="rId33"/>
-    <p:sldId id="832" r:id="rId34"/>
-    <p:sldId id="833" r:id="rId35"/>
-    <p:sldId id="834" r:id="rId36"/>
-    <p:sldId id="835" r:id="rId37"/>
+    <p:sldId id="843" r:id="rId22"/>
+    <p:sldId id="848" r:id="rId23"/>
+    <p:sldId id="847" r:id="rId24"/>
+    <p:sldId id="844" r:id="rId25"/>
+    <p:sldId id="845" r:id="rId26"/>
+    <p:sldId id="846" r:id="rId27"/>
+    <p:sldId id="849" r:id="rId28"/>
+    <p:sldId id="836" r:id="rId29"/>
+    <p:sldId id="820" r:id="rId30"/>
+    <p:sldId id="827" r:id="rId31"/>
+    <p:sldId id="821" r:id="rId32"/>
+    <p:sldId id="822" r:id="rId33"/>
+    <p:sldId id="823" r:id="rId34"/>
+    <p:sldId id="824" r:id="rId35"/>
+    <p:sldId id="825" r:id="rId36"/>
+    <p:sldId id="826" r:id="rId37"/>
+    <p:sldId id="829" r:id="rId38"/>
+    <p:sldId id="830" r:id="rId39"/>
+    <p:sldId id="831" r:id="rId40"/>
+    <p:sldId id="828" r:id="rId41"/>
+    <p:sldId id="832" r:id="rId42"/>
+    <p:sldId id="833" r:id="rId43"/>
+    <p:sldId id="834" r:id="rId44"/>
+    <p:sldId id="835" r:id="rId45"/>
+    <p:sldId id="850" r:id="rId46"/>
+    <p:sldId id="851" r:id="rId47"/>
   </p:sldIdLst>
   <p:sldSz cx="9144000" cy="6858000" type="screen4x3"/>
   <p:notesSz cx="6858000" cy="9144000"/>
@@ -243,7 +253,7 @@
           <a:p>
             <a:fld id="{678C770B-B503-C841-A55C-00AF9EBD4322}" type="datetimeFigureOut">
               <a:rPr lang="en-US" smtClean="0"/>
-              <a:t>11/17/20</a:t>
+              <a:t>11/18/21</a:t>
             </a:fld>
             <a:endParaRPr lang="en-US"/>
           </a:p>
@@ -785,7 +795,7 @@
           <a:p>
             <a:fld id="{2D6C505C-4733-2D4D-B465-C1E86A553F67}" type="datetimeFigureOut">
               <a:rPr lang="en-US" smtClean="0"/>
-              <a:t>11/17/20</a:t>
+              <a:t>11/18/21</a:t>
             </a:fld>
             <a:endParaRPr lang="en-US"/>
           </a:p>
@@ -955,7 +965,7 @@
           <a:p>
             <a:fld id="{2D6C505C-4733-2D4D-B465-C1E86A553F67}" type="datetimeFigureOut">
               <a:rPr lang="en-US" smtClean="0"/>
-              <a:t>11/17/20</a:t>
+              <a:t>11/18/21</a:t>
             </a:fld>
             <a:endParaRPr lang="en-US"/>
           </a:p>
@@ -1135,7 +1145,7 @@
           <a:p>
             <a:fld id="{2D6C505C-4733-2D4D-B465-C1E86A553F67}" type="datetimeFigureOut">
               <a:rPr lang="en-US" smtClean="0"/>
-              <a:t>11/17/20</a:t>
+              <a:t>11/18/21</a:t>
             </a:fld>
             <a:endParaRPr lang="en-US"/>
           </a:p>
@@ -1305,7 +1315,7 @@
           <a:p>
             <a:fld id="{2D6C505C-4733-2D4D-B465-C1E86A553F67}" type="datetimeFigureOut">
               <a:rPr lang="en-US" smtClean="0"/>
-              <a:t>11/17/20</a:t>
+              <a:t>11/18/21</a:t>
             </a:fld>
             <a:endParaRPr lang="en-US"/>
           </a:p>
@@ -1551,7 +1561,7 @@
           <a:p>
             <a:fld id="{2D6C505C-4733-2D4D-B465-C1E86A553F67}" type="datetimeFigureOut">
               <a:rPr lang="en-US" smtClean="0"/>
-              <a:t>11/17/20</a:t>
+              <a:t>11/18/21</a:t>
             </a:fld>
             <a:endParaRPr lang="en-US"/>
           </a:p>
@@ -1839,7 +1849,7 @@
           <a:p>
             <a:fld id="{2D6C505C-4733-2D4D-B465-C1E86A553F67}" type="datetimeFigureOut">
               <a:rPr lang="en-US" smtClean="0"/>
-              <a:t>11/17/20</a:t>
+              <a:t>11/18/21</a:t>
             </a:fld>
             <a:endParaRPr lang="en-US"/>
           </a:p>
@@ -2261,7 +2271,7 @@
           <a:p>
             <a:fld id="{2D6C505C-4733-2D4D-B465-C1E86A553F67}" type="datetimeFigureOut">
               <a:rPr lang="en-US" smtClean="0"/>
-              <a:t>11/17/20</a:t>
+              <a:t>11/18/21</a:t>
             </a:fld>
             <a:endParaRPr lang="en-US"/>
           </a:p>
@@ -2379,7 +2389,7 @@
           <a:p>
             <a:fld id="{2D6C505C-4733-2D4D-B465-C1E86A553F67}" type="datetimeFigureOut">
               <a:rPr lang="en-US" smtClean="0"/>
-              <a:t>11/17/20</a:t>
+              <a:t>11/18/21</a:t>
             </a:fld>
             <a:endParaRPr lang="en-US"/>
           </a:p>
@@ -2474,7 +2484,7 @@
           <a:p>
             <a:fld id="{2D6C505C-4733-2D4D-B465-C1E86A553F67}" type="datetimeFigureOut">
               <a:rPr lang="en-US" smtClean="0"/>
-              <a:t>11/17/20</a:t>
+              <a:t>11/18/21</a:t>
             </a:fld>
             <a:endParaRPr lang="en-US"/>
           </a:p>
@@ -2751,7 +2761,7 @@
           <a:p>
             <a:fld id="{2D6C505C-4733-2D4D-B465-C1E86A553F67}" type="datetimeFigureOut">
               <a:rPr lang="en-US" smtClean="0"/>
-              <a:t>11/17/20</a:t>
+              <a:t>11/18/21</a:t>
             </a:fld>
             <a:endParaRPr lang="en-US"/>
           </a:p>
@@ -3004,7 +3014,7 @@
           <a:p>
             <a:fld id="{2D6C505C-4733-2D4D-B465-C1E86A553F67}" type="datetimeFigureOut">
               <a:rPr lang="en-US" smtClean="0"/>
-              <a:t>11/17/20</a:t>
+              <a:t>11/18/21</a:t>
             </a:fld>
             <a:endParaRPr lang="en-US"/>
           </a:p>
@@ -3217,7 +3227,7 @@
           <a:p>
             <a:fld id="{2D6C505C-4733-2D4D-B465-C1E86A553F67}" type="datetimeFigureOut">
               <a:rPr lang="en-US" smtClean="0"/>
-              <a:t>11/17/20</a:t>
+              <a:t>11/18/21</a:t>
             </a:fld>
             <a:endParaRPr lang="en-US"/>
           </a:p>
@@ -15861,7 +15871,7 @@
           <p:cNvPr id="4" name="Text Box 2">
             <a:extLst>
               <a:ext uri="{FF2B5EF4-FFF2-40B4-BE49-F238E27FC236}">
-                <a16:creationId xmlns:a16="http://schemas.microsoft.com/office/drawing/2014/main" id="{169F15D0-9E86-EA4B-8E06-54E7069F9496}"/>
+                <a16:creationId xmlns:a16="http://schemas.microsoft.com/office/drawing/2014/main" id="{607B9EB0-E241-3846-9636-071FFE114F6E}"/>
               </a:ext>
             </a:extLst>
           </p:cNvPr>
@@ -15873,7 +15883,7 @@
         <p:spPr bwMode="auto">
           <a:xfrm>
             <a:off x="595313" y="329248"/>
-            <a:ext cx="8218487" cy="1200329"/>
+            <a:ext cx="8218487" cy="461665"/>
           </a:xfrm>
           <a:prstGeom prst="rect">
             <a:avLst/>
@@ -15900,11 +15910,8 @@
                 </a:solidFill>
                 <a:latin typeface="Trebuchet MS" pitchFamily="34" charset="0"/>
               </a:rPr>
-              <a:t>Algoritmo de detección de líneas rectas en imágenes</a:t>
+              <a:t>Ejemplo: Puntos que pertenecen a dos líneas</a:t>
             </a:r>
-          </a:p>
-          <a:p>
-            <a:pPr eaLnBrk="0" hangingPunct="0"/>
             <a:endParaRPr lang="es-ES_tradnl" sz="2400" dirty="0">
               <a:solidFill>
                 <a:srgbClr val="0000FF"/>
@@ -15912,21 +15919,102 @@
               <a:latin typeface="Trebuchet MS" pitchFamily="34" charset="0"/>
             </a:endParaRPr>
           </a:p>
-          <a:p>
-            <a:pPr eaLnBrk="0" hangingPunct="0"/>
-            <a:endParaRPr lang="es-ES_tradnl" sz="2400" dirty="0">
-              <a:solidFill>
-                <a:srgbClr val="0000FF"/>
-              </a:solidFill>
-              <a:latin typeface="Trebuchet MS" pitchFamily="34" charset="0"/>
-            </a:endParaRPr>
-          </a:p>
         </p:txBody>
       </p:sp>
+      <p:pic>
+        <p:nvPicPr>
+          <p:cNvPr id="5" name="Picture 4">
+            <a:extLst>
+              <a:ext uri="{FF2B5EF4-FFF2-40B4-BE49-F238E27FC236}">
+                <a16:creationId xmlns:a16="http://schemas.microsoft.com/office/drawing/2014/main" id="{CA174907-7E18-664F-A33E-8022FE1FCCFF}"/>
+              </a:ext>
+            </a:extLst>
+          </p:cNvPr>
+          <p:cNvPicPr>
+            <a:picLocks noChangeAspect="1"/>
+          </p:cNvPicPr>
+          <p:nvPr/>
+        </p:nvPicPr>
+        <p:blipFill>
+          <a:blip r:embed="rId2"/>
+          <a:stretch>
+            <a:fillRect/>
+          </a:stretch>
+        </p:blipFill>
+        <p:spPr>
+          <a:xfrm>
+            <a:off x="720000" y="1800000"/>
+            <a:ext cx="3600000" cy="3600000"/>
+          </a:xfrm>
+          <a:prstGeom prst="rect">
+            <a:avLst/>
+          </a:prstGeom>
+        </p:spPr>
+      </p:pic>
+      <p:pic>
+        <p:nvPicPr>
+          <p:cNvPr id="8" name="Picture 7">
+            <a:extLst>
+              <a:ext uri="{FF2B5EF4-FFF2-40B4-BE49-F238E27FC236}">
+                <a16:creationId xmlns:a16="http://schemas.microsoft.com/office/drawing/2014/main" id="{52A230D1-356A-1E48-AB53-7370541424FC}"/>
+              </a:ext>
+            </a:extLst>
+          </p:cNvPr>
+          <p:cNvPicPr>
+            <a:picLocks noChangeAspect="1"/>
+          </p:cNvPicPr>
+          <p:nvPr/>
+        </p:nvPicPr>
+        <p:blipFill>
+          <a:blip r:embed="rId3"/>
+          <a:stretch>
+            <a:fillRect/>
+          </a:stretch>
+        </p:blipFill>
+        <p:spPr>
+          <a:xfrm>
+            <a:off x="612050" y="3383175"/>
+            <a:ext cx="127500" cy="180000"/>
+          </a:xfrm>
+          <a:prstGeom prst="rect">
+            <a:avLst/>
+          </a:prstGeom>
+        </p:spPr>
+      </p:pic>
+      <p:pic>
+        <p:nvPicPr>
+          <p:cNvPr id="9" name="Picture 8">
+            <a:extLst>
+              <a:ext uri="{FF2B5EF4-FFF2-40B4-BE49-F238E27FC236}">
+                <a16:creationId xmlns:a16="http://schemas.microsoft.com/office/drawing/2014/main" id="{EED9D556-B7E3-E44F-AE05-102D5A4FCA77}"/>
+              </a:ext>
+            </a:extLst>
+          </p:cNvPr>
+          <p:cNvPicPr>
+            <a:picLocks noChangeAspect="1"/>
+          </p:cNvPicPr>
+          <p:nvPr/>
+        </p:nvPicPr>
+        <p:blipFill>
+          <a:blip r:embed="rId4"/>
+          <a:stretch>
+            <a:fillRect/>
+          </a:stretch>
+        </p:blipFill>
+        <p:spPr>
+          <a:xfrm>
+            <a:off x="2384242" y="5374600"/>
+            <a:ext cx="160941" cy="144000"/>
+          </a:xfrm>
+          <a:prstGeom prst="rect">
+            <a:avLst/>
+          </a:prstGeom>
+        </p:spPr>
+      </p:pic>
     </p:spTree>
     <p:extLst>
       <p:ext uri="{BB962C8B-B14F-4D97-AF65-F5344CB8AC3E}">
-        <p14:creationId xmlns:p14="http://schemas.microsoft.com/office/powerpoint/2010/main" val="1463893563"/>
+        <p14:creationId xmlns:p14="http://schemas.microsoft.com/office/powerpoint/2010/main" val="437726165"/>
       </p:ext>
     </p:extLst>
   </p:cSld>
@@ -15958,6 +16046,2471 @@
           <p:cNvPr id="4" name="Text Box 2">
             <a:extLst>
               <a:ext uri="{FF2B5EF4-FFF2-40B4-BE49-F238E27FC236}">
+                <a16:creationId xmlns:a16="http://schemas.microsoft.com/office/drawing/2014/main" id="{607B9EB0-E241-3846-9636-071FFE114F6E}"/>
+              </a:ext>
+            </a:extLst>
+          </p:cNvPr>
+          <p:cNvSpPr txBox="1">
+            <a:spLocks noChangeArrowheads="1"/>
+          </p:cNvSpPr>
+          <p:nvPr/>
+        </p:nvSpPr>
+        <p:spPr bwMode="auto">
+          <a:xfrm>
+            <a:off x="595313" y="329248"/>
+            <a:ext cx="8218487" cy="461665"/>
+          </a:xfrm>
+          <a:prstGeom prst="rect">
+            <a:avLst/>
+          </a:prstGeom>
+          <a:noFill/>
+          <a:ln w="9525">
+            <a:noFill/>
+            <a:miter lim="800000"/>
+            <a:headEnd/>
+            <a:tailEnd/>
+          </a:ln>
+        </p:spPr>
+        <p:txBody>
+          <a:bodyPr>
+            <a:spAutoFit/>
+          </a:bodyPr>
+          <a:lstStyle/>
+          <a:p>
+            <a:pPr eaLnBrk="0" hangingPunct="0"/>
+            <a:r>
+              <a:rPr lang="es-ES_tradnl" sz="2400" dirty="0">
+                <a:solidFill>
+                  <a:srgbClr val="FF9300"/>
+                </a:solidFill>
+                <a:latin typeface="Trebuchet MS" pitchFamily="34" charset="0"/>
+              </a:rPr>
+              <a:t>Ejemplo: Puntos que pertenecen a dos líneas</a:t>
+            </a:r>
+            <a:endParaRPr lang="es-ES_tradnl" sz="2400" dirty="0">
+              <a:solidFill>
+                <a:srgbClr val="0000FF"/>
+              </a:solidFill>
+              <a:latin typeface="Trebuchet MS" pitchFamily="34" charset="0"/>
+            </a:endParaRPr>
+          </a:p>
+        </p:txBody>
+      </p:sp>
+      <p:pic>
+        <p:nvPicPr>
+          <p:cNvPr id="6" name="Picture 5">
+            <a:extLst>
+              <a:ext uri="{FF2B5EF4-FFF2-40B4-BE49-F238E27FC236}">
+                <a16:creationId xmlns:a16="http://schemas.microsoft.com/office/drawing/2014/main" id="{6AC44AC0-2767-C847-A898-EE700372AB69}"/>
+              </a:ext>
+            </a:extLst>
+          </p:cNvPr>
+          <p:cNvPicPr>
+            <a:picLocks noChangeAspect="1"/>
+          </p:cNvPicPr>
+          <p:nvPr/>
+        </p:nvPicPr>
+        <p:blipFill>
+          <a:blip r:embed="rId2"/>
+          <a:stretch>
+            <a:fillRect/>
+          </a:stretch>
+        </p:blipFill>
+        <p:spPr>
+          <a:xfrm>
+            <a:off x="720000" y="1800000"/>
+            <a:ext cx="3600000" cy="3600000"/>
+          </a:xfrm>
+          <a:prstGeom prst="rect">
+            <a:avLst/>
+          </a:prstGeom>
+        </p:spPr>
+      </p:pic>
+      <p:pic>
+        <p:nvPicPr>
+          <p:cNvPr id="7" name="Picture 6">
+            <a:extLst>
+              <a:ext uri="{FF2B5EF4-FFF2-40B4-BE49-F238E27FC236}">
+                <a16:creationId xmlns:a16="http://schemas.microsoft.com/office/drawing/2014/main" id="{91C98332-C3F8-894D-BA0E-F6D4634E08CC}"/>
+              </a:ext>
+            </a:extLst>
+          </p:cNvPr>
+          <p:cNvPicPr>
+            <a:picLocks noChangeAspect="1"/>
+          </p:cNvPicPr>
+          <p:nvPr/>
+        </p:nvPicPr>
+        <p:blipFill>
+          <a:blip r:embed="rId3"/>
+          <a:stretch>
+            <a:fillRect/>
+          </a:stretch>
+        </p:blipFill>
+        <p:spPr>
+          <a:xfrm>
+            <a:off x="5040000" y="1800000"/>
+            <a:ext cx="3600000" cy="3600000"/>
+          </a:xfrm>
+          <a:prstGeom prst="rect">
+            <a:avLst/>
+          </a:prstGeom>
+        </p:spPr>
+      </p:pic>
+      <p:pic>
+        <p:nvPicPr>
+          <p:cNvPr id="8" name="Picture 7">
+            <a:extLst>
+              <a:ext uri="{FF2B5EF4-FFF2-40B4-BE49-F238E27FC236}">
+                <a16:creationId xmlns:a16="http://schemas.microsoft.com/office/drawing/2014/main" id="{1312B17B-2E74-FB4F-9E2E-C8FCE5C58A40}"/>
+              </a:ext>
+            </a:extLst>
+          </p:cNvPr>
+          <p:cNvPicPr>
+            <a:picLocks noChangeAspect="1"/>
+          </p:cNvPicPr>
+          <p:nvPr/>
+        </p:nvPicPr>
+        <p:blipFill>
+          <a:blip r:embed="rId4"/>
+          <a:stretch>
+            <a:fillRect/>
+          </a:stretch>
+        </p:blipFill>
+        <p:spPr>
+          <a:xfrm>
+            <a:off x="5040000" y="3505108"/>
+            <a:ext cx="139700" cy="177800"/>
+          </a:xfrm>
+          <a:prstGeom prst="rect">
+            <a:avLst/>
+          </a:prstGeom>
+        </p:spPr>
+      </p:pic>
+      <p:pic>
+        <p:nvPicPr>
+          <p:cNvPr id="9" name="Picture 8">
+            <a:extLst>
+              <a:ext uri="{FF2B5EF4-FFF2-40B4-BE49-F238E27FC236}">
+                <a16:creationId xmlns:a16="http://schemas.microsoft.com/office/drawing/2014/main" id="{B0ECC894-3A99-9343-9706-5427EB7DBDAC}"/>
+              </a:ext>
+            </a:extLst>
+          </p:cNvPr>
+          <p:cNvPicPr>
+            <a:picLocks noChangeAspect="1"/>
+          </p:cNvPicPr>
+          <p:nvPr/>
+        </p:nvPicPr>
+        <p:blipFill>
+          <a:blip r:embed="rId5"/>
+          <a:stretch>
+            <a:fillRect/>
+          </a:stretch>
+        </p:blipFill>
+        <p:spPr>
+          <a:xfrm>
+            <a:off x="6978174" y="5400000"/>
+            <a:ext cx="114300" cy="190500"/>
+          </a:xfrm>
+          <a:prstGeom prst="rect">
+            <a:avLst/>
+          </a:prstGeom>
+        </p:spPr>
+      </p:pic>
+      <p:pic>
+        <p:nvPicPr>
+          <p:cNvPr id="10" name="Picture 9">
+            <a:extLst>
+              <a:ext uri="{FF2B5EF4-FFF2-40B4-BE49-F238E27FC236}">
+                <a16:creationId xmlns:a16="http://schemas.microsoft.com/office/drawing/2014/main" id="{9E0777DD-475D-D647-977D-6A989E7C7D4C}"/>
+              </a:ext>
+            </a:extLst>
+          </p:cNvPr>
+          <p:cNvPicPr>
+            <a:picLocks noChangeAspect="1"/>
+          </p:cNvPicPr>
+          <p:nvPr/>
+        </p:nvPicPr>
+        <p:blipFill>
+          <a:blip r:embed="rId6"/>
+          <a:stretch>
+            <a:fillRect/>
+          </a:stretch>
+        </p:blipFill>
+        <p:spPr>
+          <a:xfrm>
+            <a:off x="612050" y="3383175"/>
+            <a:ext cx="127500" cy="180000"/>
+          </a:xfrm>
+          <a:prstGeom prst="rect">
+            <a:avLst/>
+          </a:prstGeom>
+        </p:spPr>
+      </p:pic>
+      <p:pic>
+        <p:nvPicPr>
+          <p:cNvPr id="11" name="Picture 10">
+            <a:extLst>
+              <a:ext uri="{FF2B5EF4-FFF2-40B4-BE49-F238E27FC236}">
+                <a16:creationId xmlns:a16="http://schemas.microsoft.com/office/drawing/2014/main" id="{2CC45A6F-BDAB-A845-9F77-60CD50CE82E7}"/>
+              </a:ext>
+            </a:extLst>
+          </p:cNvPr>
+          <p:cNvPicPr>
+            <a:picLocks noChangeAspect="1"/>
+          </p:cNvPicPr>
+          <p:nvPr/>
+        </p:nvPicPr>
+        <p:blipFill>
+          <a:blip r:embed="rId7"/>
+          <a:stretch>
+            <a:fillRect/>
+          </a:stretch>
+        </p:blipFill>
+        <p:spPr>
+          <a:xfrm>
+            <a:off x="2384242" y="5374600"/>
+            <a:ext cx="160941" cy="144000"/>
+          </a:xfrm>
+          <a:prstGeom prst="rect">
+            <a:avLst/>
+          </a:prstGeom>
+        </p:spPr>
+      </p:pic>
+    </p:spTree>
+    <p:extLst>
+      <p:ext uri="{BB962C8B-B14F-4D97-AF65-F5344CB8AC3E}">
+        <p14:creationId xmlns:p14="http://schemas.microsoft.com/office/powerpoint/2010/main" val="1766380559"/>
+      </p:ext>
+    </p:extLst>
+  </p:cSld>
+  <p:clrMapOvr>
+    <a:masterClrMapping/>
+  </p:clrMapOvr>
+</p:sld>
+</file>
+
+<file path=ppt/slides/slide23.xml><?xml version="1.0" encoding="utf-8"?>
+<p:sld xmlns:a="http://schemas.openxmlformats.org/drawingml/2006/main" xmlns:r="http://schemas.openxmlformats.org/officeDocument/2006/relationships" xmlns:p="http://schemas.openxmlformats.org/presentationml/2006/main">
+  <p:cSld>
+    <p:spTree>
+      <p:nvGrpSpPr>
+        <p:cNvPr id="1" name=""/>
+        <p:cNvGrpSpPr/>
+        <p:nvPr/>
+      </p:nvGrpSpPr>
+      <p:grpSpPr>
+        <a:xfrm>
+          <a:off x="0" y="0"/>
+          <a:ext cx="0" cy="0"/>
+          <a:chOff x="0" y="0"/>
+          <a:chExt cx="0" cy="0"/>
+        </a:xfrm>
+      </p:grpSpPr>
+      <p:sp>
+        <p:nvSpPr>
+          <p:cNvPr id="4" name="Text Box 2">
+            <a:extLst>
+              <a:ext uri="{FF2B5EF4-FFF2-40B4-BE49-F238E27FC236}">
+                <a16:creationId xmlns:a16="http://schemas.microsoft.com/office/drawing/2014/main" id="{607B9EB0-E241-3846-9636-071FFE114F6E}"/>
+              </a:ext>
+            </a:extLst>
+          </p:cNvPr>
+          <p:cNvSpPr txBox="1">
+            <a:spLocks noChangeArrowheads="1"/>
+          </p:cNvSpPr>
+          <p:nvPr/>
+        </p:nvSpPr>
+        <p:spPr bwMode="auto">
+          <a:xfrm>
+            <a:off x="595313" y="329248"/>
+            <a:ext cx="8218487" cy="461665"/>
+          </a:xfrm>
+          <a:prstGeom prst="rect">
+            <a:avLst/>
+          </a:prstGeom>
+          <a:noFill/>
+          <a:ln w="9525">
+            <a:noFill/>
+            <a:miter lim="800000"/>
+            <a:headEnd/>
+            <a:tailEnd/>
+          </a:ln>
+        </p:spPr>
+        <p:txBody>
+          <a:bodyPr>
+            <a:spAutoFit/>
+          </a:bodyPr>
+          <a:lstStyle/>
+          <a:p>
+            <a:pPr eaLnBrk="0" hangingPunct="0"/>
+            <a:r>
+              <a:rPr lang="es-ES_tradnl" sz="2400" dirty="0">
+                <a:solidFill>
+                  <a:srgbClr val="FF9300"/>
+                </a:solidFill>
+                <a:latin typeface="Trebuchet MS" pitchFamily="34" charset="0"/>
+              </a:rPr>
+              <a:t>Ejemplo: Puntos que pertenecen a dos líneas</a:t>
+            </a:r>
+            <a:endParaRPr lang="es-ES_tradnl" sz="2400" dirty="0">
+              <a:solidFill>
+                <a:srgbClr val="0000FF"/>
+              </a:solidFill>
+              <a:latin typeface="Trebuchet MS" pitchFamily="34" charset="0"/>
+            </a:endParaRPr>
+          </a:p>
+        </p:txBody>
+      </p:sp>
+      <p:pic>
+        <p:nvPicPr>
+          <p:cNvPr id="3" name="Picture 2">
+            <a:extLst>
+              <a:ext uri="{FF2B5EF4-FFF2-40B4-BE49-F238E27FC236}">
+                <a16:creationId xmlns:a16="http://schemas.microsoft.com/office/drawing/2014/main" id="{E04E814B-C413-3945-A023-33284ADA9707}"/>
+              </a:ext>
+            </a:extLst>
+          </p:cNvPr>
+          <p:cNvPicPr>
+            <a:picLocks noChangeAspect="1"/>
+          </p:cNvPicPr>
+          <p:nvPr/>
+        </p:nvPicPr>
+        <p:blipFill>
+          <a:blip r:embed="rId2"/>
+          <a:stretch>
+            <a:fillRect/>
+          </a:stretch>
+        </p:blipFill>
+        <p:spPr>
+          <a:xfrm>
+            <a:off x="720000" y="1800000"/>
+            <a:ext cx="3600000" cy="3600000"/>
+          </a:xfrm>
+          <a:prstGeom prst="rect">
+            <a:avLst/>
+          </a:prstGeom>
+        </p:spPr>
+      </p:pic>
+      <p:pic>
+        <p:nvPicPr>
+          <p:cNvPr id="5" name="Picture 4">
+            <a:extLst>
+              <a:ext uri="{FF2B5EF4-FFF2-40B4-BE49-F238E27FC236}">
+                <a16:creationId xmlns:a16="http://schemas.microsoft.com/office/drawing/2014/main" id="{A1F6C709-93D5-1441-9904-DD8D7CB9C987}"/>
+              </a:ext>
+            </a:extLst>
+          </p:cNvPr>
+          <p:cNvPicPr>
+            <a:picLocks noChangeAspect="1"/>
+          </p:cNvPicPr>
+          <p:nvPr/>
+        </p:nvPicPr>
+        <p:blipFill>
+          <a:blip r:embed="rId3"/>
+          <a:stretch>
+            <a:fillRect/>
+          </a:stretch>
+        </p:blipFill>
+        <p:spPr>
+          <a:xfrm>
+            <a:off x="5040000" y="1800000"/>
+            <a:ext cx="3600000" cy="3600000"/>
+          </a:xfrm>
+          <a:prstGeom prst="rect">
+            <a:avLst/>
+          </a:prstGeom>
+        </p:spPr>
+      </p:pic>
+      <p:pic>
+        <p:nvPicPr>
+          <p:cNvPr id="6" name="Picture 5">
+            <a:extLst>
+              <a:ext uri="{FF2B5EF4-FFF2-40B4-BE49-F238E27FC236}">
+                <a16:creationId xmlns:a16="http://schemas.microsoft.com/office/drawing/2014/main" id="{234CAE5F-D15B-1A40-84A3-2ED91DCBCBF2}"/>
+              </a:ext>
+            </a:extLst>
+          </p:cNvPr>
+          <p:cNvPicPr>
+            <a:picLocks noChangeAspect="1"/>
+          </p:cNvPicPr>
+          <p:nvPr/>
+        </p:nvPicPr>
+        <p:blipFill>
+          <a:blip r:embed="rId4"/>
+          <a:stretch>
+            <a:fillRect/>
+          </a:stretch>
+        </p:blipFill>
+        <p:spPr>
+          <a:xfrm>
+            <a:off x="5040000" y="3505108"/>
+            <a:ext cx="139700" cy="177800"/>
+          </a:xfrm>
+          <a:prstGeom prst="rect">
+            <a:avLst/>
+          </a:prstGeom>
+        </p:spPr>
+      </p:pic>
+      <p:pic>
+        <p:nvPicPr>
+          <p:cNvPr id="7" name="Picture 6">
+            <a:extLst>
+              <a:ext uri="{FF2B5EF4-FFF2-40B4-BE49-F238E27FC236}">
+                <a16:creationId xmlns:a16="http://schemas.microsoft.com/office/drawing/2014/main" id="{66F14EC9-0B3A-7B45-9A4C-644543394BBD}"/>
+              </a:ext>
+            </a:extLst>
+          </p:cNvPr>
+          <p:cNvPicPr>
+            <a:picLocks noChangeAspect="1"/>
+          </p:cNvPicPr>
+          <p:nvPr/>
+        </p:nvPicPr>
+        <p:blipFill>
+          <a:blip r:embed="rId5"/>
+          <a:stretch>
+            <a:fillRect/>
+          </a:stretch>
+        </p:blipFill>
+        <p:spPr>
+          <a:xfrm>
+            <a:off x="6978174" y="5400000"/>
+            <a:ext cx="114300" cy="190500"/>
+          </a:xfrm>
+          <a:prstGeom prst="rect">
+            <a:avLst/>
+          </a:prstGeom>
+        </p:spPr>
+      </p:pic>
+      <p:pic>
+        <p:nvPicPr>
+          <p:cNvPr id="8" name="Picture 7">
+            <a:extLst>
+              <a:ext uri="{FF2B5EF4-FFF2-40B4-BE49-F238E27FC236}">
+                <a16:creationId xmlns:a16="http://schemas.microsoft.com/office/drawing/2014/main" id="{AEBB73DA-2FC6-6F49-B1FB-C1CCDF3FE943}"/>
+              </a:ext>
+            </a:extLst>
+          </p:cNvPr>
+          <p:cNvPicPr>
+            <a:picLocks noChangeAspect="1"/>
+          </p:cNvPicPr>
+          <p:nvPr/>
+        </p:nvPicPr>
+        <p:blipFill>
+          <a:blip r:embed="rId6"/>
+          <a:stretch>
+            <a:fillRect/>
+          </a:stretch>
+        </p:blipFill>
+        <p:spPr>
+          <a:xfrm>
+            <a:off x="612050" y="3383175"/>
+            <a:ext cx="127500" cy="180000"/>
+          </a:xfrm>
+          <a:prstGeom prst="rect">
+            <a:avLst/>
+          </a:prstGeom>
+        </p:spPr>
+      </p:pic>
+      <p:pic>
+        <p:nvPicPr>
+          <p:cNvPr id="9" name="Picture 8">
+            <a:extLst>
+              <a:ext uri="{FF2B5EF4-FFF2-40B4-BE49-F238E27FC236}">
+                <a16:creationId xmlns:a16="http://schemas.microsoft.com/office/drawing/2014/main" id="{73E71593-EDB9-564F-BC0F-D1E13D5A5C33}"/>
+              </a:ext>
+            </a:extLst>
+          </p:cNvPr>
+          <p:cNvPicPr>
+            <a:picLocks noChangeAspect="1"/>
+          </p:cNvPicPr>
+          <p:nvPr/>
+        </p:nvPicPr>
+        <p:blipFill>
+          <a:blip r:embed="rId7"/>
+          <a:stretch>
+            <a:fillRect/>
+          </a:stretch>
+        </p:blipFill>
+        <p:spPr>
+          <a:xfrm>
+            <a:off x="2384242" y="5374600"/>
+            <a:ext cx="160941" cy="144000"/>
+          </a:xfrm>
+          <a:prstGeom prst="rect">
+            <a:avLst/>
+          </a:prstGeom>
+        </p:spPr>
+      </p:pic>
+    </p:spTree>
+    <p:extLst>
+      <p:ext uri="{BB962C8B-B14F-4D97-AF65-F5344CB8AC3E}">
+        <p14:creationId xmlns:p14="http://schemas.microsoft.com/office/powerpoint/2010/main" val="3952583365"/>
+      </p:ext>
+    </p:extLst>
+  </p:cSld>
+  <p:clrMapOvr>
+    <a:masterClrMapping/>
+  </p:clrMapOvr>
+</p:sld>
+</file>
+
+<file path=ppt/slides/slide24.xml><?xml version="1.0" encoding="utf-8"?>
+<p:sld xmlns:a="http://schemas.openxmlformats.org/drawingml/2006/main" xmlns:r="http://schemas.openxmlformats.org/officeDocument/2006/relationships" xmlns:p="http://schemas.openxmlformats.org/presentationml/2006/main">
+  <p:cSld>
+    <p:spTree>
+      <p:nvGrpSpPr>
+        <p:cNvPr id="1" name=""/>
+        <p:cNvGrpSpPr/>
+        <p:nvPr/>
+      </p:nvGrpSpPr>
+      <p:grpSpPr>
+        <a:xfrm>
+          <a:off x="0" y="0"/>
+          <a:ext cx="0" cy="0"/>
+          <a:chOff x="0" y="0"/>
+          <a:chExt cx="0" cy="0"/>
+        </a:xfrm>
+      </p:grpSpPr>
+      <p:sp>
+        <p:nvSpPr>
+          <p:cNvPr id="4" name="Text Box 2">
+            <a:extLst>
+              <a:ext uri="{FF2B5EF4-FFF2-40B4-BE49-F238E27FC236}">
+                <a16:creationId xmlns:a16="http://schemas.microsoft.com/office/drawing/2014/main" id="{607B9EB0-E241-3846-9636-071FFE114F6E}"/>
+              </a:ext>
+            </a:extLst>
+          </p:cNvPr>
+          <p:cNvSpPr txBox="1">
+            <a:spLocks noChangeArrowheads="1"/>
+          </p:cNvSpPr>
+          <p:nvPr/>
+        </p:nvSpPr>
+        <p:spPr bwMode="auto">
+          <a:xfrm>
+            <a:off x="595313" y="329248"/>
+            <a:ext cx="8218487" cy="461665"/>
+          </a:xfrm>
+          <a:prstGeom prst="rect">
+            <a:avLst/>
+          </a:prstGeom>
+          <a:noFill/>
+          <a:ln w="9525">
+            <a:noFill/>
+            <a:miter lim="800000"/>
+            <a:headEnd/>
+            <a:tailEnd/>
+          </a:ln>
+        </p:spPr>
+        <p:txBody>
+          <a:bodyPr>
+            <a:spAutoFit/>
+          </a:bodyPr>
+          <a:lstStyle/>
+          <a:p>
+            <a:pPr eaLnBrk="0" hangingPunct="0"/>
+            <a:r>
+              <a:rPr lang="es-ES_tradnl" sz="2400" dirty="0">
+                <a:solidFill>
+                  <a:srgbClr val="FF9300"/>
+                </a:solidFill>
+                <a:latin typeface="Trebuchet MS" pitchFamily="34" charset="0"/>
+              </a:rPr>
+              <a:t>Ejemplo: Puntos que pertenecen a dos líneas</a:t>
+            </a:r>
+            <a:endParaRPr lang="es-ES_tradnl" sz="2400" dirty="0">
+              <a:solidFill>
+                <a:srgbClr val="0000FF"/>
+              </a:solidFill>
+              <a:latin typeface="Trebuchet MS" pitchFamily="34" charset="0"/>
+            </a:endParaRPr>
+          </a:p>
+        </p:txBody>
+      </p:sp>
+      <p:pic>
+        <p:nvPicPr>
+          <p:cNvPr id="6" name="Picture 5">
+            <a:extLst>
+              <a:ext uri="{FF2B5EF4-FFF2-40B4-BE49-F238E27FC236}">
+                <a16:creationId xmlns:a16="http://schemas.microsoft.com/office/drawing/2014/main" id="{679E160A-2CAD-DE46-A24C-E8010CBB4CE5}"/>
+              </a:ext>
+            </a:extLst>
+          </p:cNvPr>
+          <p:cNvPicPr>
+            <a:picLocks noChangeAspect="1"/>
+          </p:cNvPicPr>
+          <p:nvPr/>
+        </p:nvPicPr>
+        <p:blipFill>
+          <a:blip r:embed="rId2"/>
+          <a:stretch>
+            <a:fillRect/>
+          </a:stretch>
+        </p:blipFill>
+        <p:spPr>
+          <a:xfrm>
+            <a:off x="720000" y="1800000"/>
+            <a:ext cx="3600000" cy="3600000"/>
+          </a:xfrm>
+          <a:prstGeom prst="rect">
+            <a:avLst/>
+          </a:prstGeom>
+        </p:spPr>
+      </p:pic>
+      <p:pic>
+        <p:nvPicPr>
+          <p:cNvPr id="7" name="Picture 6">
+            <a:extLst>
+              <a:ext uri="{FF2B5EF4-FFF2-40B4-BE49-F238E27FC236}">
+                <a16:creationId xmlns:a16="http://schemas.microsoft.com/office/drawing/2014/main" id="{FE6C0F5F-217D-4F49-BC95-B9ACCF5C62D8}"/>
+              </a:ext>
+            </a:extLst>
+          </p:cNvPr>
+          <p:cNvPicPr>
+            <a:picLocks noChangeAspect="1"/>
+          </p:cNvPicPr>
+          <p:nvPr/>
+        </p:nvPicPr>
+        <p:blipFill>
+          <a:blip r:embed="rId3"/>
+          <a:stretch>
+            <a:fillRect/>
+          </a:stretch>
+        </p:blipFill>
+        <p:spPr>
+          <a:xfrm>
+            <a:off x="5040000" y="1800000"/>
+            <a:ext cx="3600000" cy="3600000"/>
+          </a:xfrm>
+          <a:prstGeom prst="rect">
+            <a:avLst/>
+          </a:prstGeom>
+        </p:spPr>
+      </p:pic>
+      <p:pic>
+        <p:nvPicPr>
+          <p:cNvPr id="8" name="Picture 7">
+            <a:extLst>
+              <a:ext uri="{FF2B5EF4-FFF2-40B4-BE49-F238E27FC236}">
+                <a16:creationId xmlns:a16="http://schemas.microsoft.com/office/drawing/2014/main" id="{5713FDB0-4791-E845-994C-65F10D38E749}"/>
+              </a:ext>
+            </a:extLst>
+          </p:cNvPr>
+          <p:cNvPicPr>
+            <a:picLocks noChangeAspect="1"/>
+          </p:cNvPicPr>
+          <p:nvPr/>
+        </p:nvPicPr>
+        <p:blipFill>
+          <a:blip r:embed="rId4"/>
+          <a:stretch>
+            <a:fillRect/>
+          </a:stretch>
+        </p:blipFill>
+        <p:spPr>
+          <a:xfrm>
+            <a:off x="5040000" y="3505108"/>
+            <a:ext cx="139700" cy="177800"/>
+          </a:xfrm>
+          <a:prstGeom prst="rect">
+            <a:avLst/>
+          </a:prstGeom>
+        </p:spPr>
+      </p:pic>
+      <p:pic>
+        <p:nvPicPr>
+          <p:cNvPr id="9" name="Picture 8">
+            <a:extLst>
+              <a:ext uri="{FF2B5EF4-FFF2-40B4-BE49-F238E27FC236}">
+                <a16:creationId xmlns:a16="http://schemas.microsoft.com/office/drawing/2014/main" id="{96291ABB-CC32-1147-BEC0-FF0C17DDC1FE}"/>
+              </a:ext>
+            </a:extLst>
+          </p:cNvPr>
+          <p:cNvPicPr>
+            <a:picLocks noChangeAspect="1"/>
+          </p:cNvPicPr>
+          <p:nvPr/>
+        </p:nvPicPr>
+        <p:blipFill>
+          <a:blip r:embed="rId5"/>
+          <a:stretch>
+            <a:fillRect/>
+          </a:stretch>
+        </p:blipFill>
+        <p:spPr>
+          <a:xfrm>
+            <a:off x="6978174" y="5400000"/>
+            <a:ext cx="114300" cy="190500"/>
+          </a:xfrm>
+          <a:prstGeom prst="rect">
+            <a:avLst/>
+          </a:prstGeom>
+        </p:spPr>
+      </p:pic>
+      <p:pic>
+        <p:nvPicPr>
+          <p:cNvPr id="10" name="Picture 9">
+            <a:extLst>
+              <a:ext uri="{FF2B5EF4-FFF2-40B4-BE49-F238E27FC236}">
+                <a16:creationId xmlns:a16="http://schemas.microsoft.com/office/drawing/2014/main" id="{2CCE626F-F072-2447-9CA2-8CFEC0095E83}"/>
+              </a:ext>
+            </a:extLst>
+          </p:cNvPr>
+          <p:cNvPicPr>
+            <a:picLocks noChangeAspect="1"/>
+          </p:cNvPicPr>
+          <p:nvPr/>
+        </p:nvPicPr>
+        <p:blipFill>
+          <a:blip r:embed="rId6"/>
+          <a:stretch>
+            <a:fillRect/>
+          </a:stretch>
+        </p:blipFill>
+        <p:spPr>
+          <a:xfrm>
+            <a:off x="612050" y="3383175"/>
+            <a:ext cx="127500" cy="180000"/>
+          </a:xfrm>
+          <a:prstGeom prst="rect">
+            <a:avLst/>
+          </a:prstGeom>
+        </p:spPr>
+      </p:pic>
+      <p:pic>
+        <p:nvPicPr>
+          <p:cNvPr id="11" name="Picture 10">
+            <a:extLst>
+              <a:ext uri="{FF2B5EF4-FFF2-40B4-BE49-F238E27FC236}">
+                <a16:creationId xmlns:a16="http://schemas.microsoft.com/office/drawing/2014/main" id="{A2D9B973-CE5A-044D-A4C7-82952E45C483}"/>
+              </a:ext>
+            </a:extLst>
+          </p:cNvPr>
+          <p:cNvPicPr>
+            <a:picLocks noChangeAspect="1"/>
+          </p:cNvPicPr>
+          <p:nvPr/>
+        </p:nvPicPr>
+        <p:blipFill>
+          <a:blip r:embed="rId7"/>
+          <a:stretch>
+            <a:fillRect/>
+          </a:stretch>
+        </p:blipFill>
+        <p:spPr>
+          <a:xfrm>
+            <a:off x="2384242" y="5374600"/>
+            <a:ext cx="160941" cy="144000"/>
+          </a:xfrm>
+          <a:prstGeom prst="rect">
+            <a:avLst/>
+          </a:prstGeom>
+        </p:spPr>
+      </p:pic>
+    </p:spTree>
+    <p:extLst>
+      <p:ext uri="{BB962C8B-B14F-4D97-AF65-F5344CB8AC3E}">
+        <p14:creationId xmlns:p14="http://schemas.microsoft.com/office/powerpoint/2010/main" val="2916695179"/>
+      </p:ext>
+    </p:extLst>
+  </p:cSld>
+  <p:clrMapOvr>
+    <a:masterClrMapping/>
+  </p:clrMapOvr>
+</p:sld>
+</file>
+
+<file path=ppt/slides/slide25.xml><?xml version="1.0" encoding="utf-8"?>
+<p:sld xmlns:a="http://schemas.openxmlformats.org/drawingml/2006/main" xmlns:r="http://schemas.openxmlformats.org/officeDocument/2006/relationships" xmlns:p="http://schemas.openxmlformats.org/presentationml/2006/main">
+  <p:cSld>
+    <p:spTree>
+      <p:nvGrpSpPr>
+        <p:cNvPr id="1" name=""/>
+        <p:cNvGrpSpPr/>
+        <p:nvPr/>
+      </p:nvGrpSpPr>
+      <p:grpSpPr>
+        <a:xfrm>
+          <a:off x="0" y="0"/>
+          <a:ext cx="0" cy="0"/>
+          <a:chOff x="0" y="0"/>
+          <a:chExt cx="0" cy="0"/>
+        </a:xfrm>
+      </p:grpSpPr>
+      <p:sp>
+        <p:nvSpPr>
+          <p:cNvPr id="4" name="Text Box 2">
+            <a:extLst>
+              <a:ext uri="{FF2B5EF4-FFF2-40B4-BE49-F238E27FC236}">
+                <a16:creationId xmlns:a16="http://schemas.microsoft.com/office/drawing/2014/main" id="{607B9EB0-E241-3846-9636-071FFE114F6E}"/>
+              </a:ext>
+            </a:extLst>
+          </p:cNvPr>
+          <p:cNvSpPr txBox="1">
+            <a:spLocks noChangeArrowheads="1"/>
+          </p:cNvSpPr>
+          <p:nvPr/>
+        </p:nvSpPr>
+        <p:spPr bwMode="auto">
+          <a:xfrm>
+            <a:off x="595313" y="329248"/>
+            <a:ext cx="8218487" cy="461665"/>
+          </a:xfrm>
+          <a:prstGeom prst="rect">
+            <a:avLst/>
+          </a:prstGeom>
+          <a:noFill/>
+          <a:ln w="9525">
+            <a:noFill/>
+            <a:miter lim="800000"/>
+            <a:headEnd/>
+            <a:tailEnd/>
+          </a:ln>
+        </p:spPr>
+        <p:txBody>
+          <a:bodyPr>
+            <a:spAutoFit/>
+          </a:bodyPr>
+          <a:lstStyle/>
+          <a:p>
+            <a:pPr eaLnBrk="0" hangingPunct="0"/>
+            <a:r>
+              <a:rPr lang="es-ES_tradnl" sz="2400" dirty="0">
+                <a:solidFill>
+                  <a:srgbClr val="FF9300"/>
+                </a:solidFill>
+                <a:latin typeface="Trebuchet MS" pitchFamily="34" charset="0"/>
+              </a:rPr>
+              <a:t>Ejemplo: Puntos que pertenecen a dos líneas</a:t>
+            </a:r>
+            <a:endParaRPr lang="es-ES_tradnl" sz="2400" dirty="0">
+              <a:solidFill>
+                <a:srgbClr val="0000FF"/>
+              </a:solidFill>
+              <a:latin typeface="Trebuchet MS" pitchFamily="34" charset="0"/>
+            </a:endParaRPr>
+          </a:p>
+        </p:txBody>
+      </p:sp>
+      <p:pic>
+        <p:nvPicPr>
+          <p:cNvPr id="6" name="Picture 5">
+            <a:extLst>
+              <a:ext uri="{FF2B5EF4-FFF2-40B4-BE49-F238E27FC236}">
+                <a16:creationId xmlns:a16="http://schemas.microsoft.com/office/drawing/2014/main" id="{ED55CC16-CD51-554D-9425-F5035B8DC990}"/>
+              </a:ext>
+            </a:extLst>
+          </p:cNvPr>
+          <p:cNvPicPr>
+            <a:picLocks noChangeAspect="1"/>
+          </p:cNvPicPr>
+          <p:nvPr/>
+        </p:nvPicPr>
+        <p:blipFill>
+          <a:blip r:embed="rId2"/>
+          <a:stretch>
+            <a:fillRect/>
+          </a:stretch>
+        </p:blipFill>
+        <p:spPr>
+          <a:xfrm>
+            <a:off x="720000" y="1800000"/>
+            <a:ext cx="3600000" cy="3600000"/>
+          </a:xfrm>
+          <a:prstGeom prst="rect">
+            <a:avLst/>
+          </a:prstGeom>
+        </p:spPr>
+      </p:pic>
+      <p:pic>
+        <p:nvPicPr>
+          <p:cNvPr id="7" name="Picture 6">
+            <a:extLst>
+              <a:ext uri="{FF2B5EF4-FFF2-40B4-BE49-F238E27FC236}">
+                <a16:creationId xmlns:a16="http://schemas.microsoft.com/office/drawing/2014/main" id="{61D89282-9134-7840-BCF5-1E06A21C41DA}"/>
+              </a:ext>
+            </a:extLst>
+          </p:cNvPr>
+          <p:cNvPicPr>
+            <a:picLocks noChangeAspect="1"/>
+          </p:cNvPicPr>
+          <p:nvPr/>
+        </p:nvPicPr>
+        <p:blipFill>
+          <a:blip r:embed="rId3"/>
+          <a:stretch>
+            <a:fillRect/>
+          </a:stretch>
+        </p:blipFill>
+        <p:spPr>
+          <a:xfrm>
+            <a:off x="5040000" y="1800000"/>
+            <a:ext cx="3600000" cy="3600000"/>
+          </a:xfrm>
+          <a:prstGeom prst="rect">
+            <a:avLst/>
+          </a:prstGeom>
+        </p:spPr>
+      </p:pic>
+      <p:pic>
+        <p:nvPicPr>
+          <p:cNvPr id="8" name="Picture 7">
+            <a:extLst>
+              <a:ext uri="{FF2B5EF4-FFF2-40B4-BE49-F238E27FC236}">
+                <a16:creationId xmlns:a16="http://schemas.microsoft.com/office/drawing/2014/main" id="{264F2091-FBDD-E449-A2A3-25016760598D}"/>
+              </a:ext>
+            </a:extLst>
+          </p:cNvPr>
+          <p:cNvPicPr>
+            <a:picLocks noChangeAspect="1"/>
+          </p:cNvPicPr>
+          <p:nvPr/>
+        </p:nvPicPr>
+        <p:blipFill>
+          <a:blip r:embed="rId4"/>
+          <a:stretch>
+            <a:fillRect/>
+          </a:stretch>
+        </p:blipFill>
+        <p:spPr>
+          <a:xfrm>
+            <a:off x="5040000" y="3505108"/>
+            <a:ext cx="139700" cy="177800"/>
+          </a:xfrm>
+          <a:prstGeom prst="rect">
+            <a:avLst/>
+          </a:prstGeom>
+        </p:spPr>
+      </p:pic>
+      <p:pic>
+        <p:nvPicPr>
+          <p:cNvPr id="9" name="Picture 8">
+            <a:extLst>
+              <a:ext uri="{FF2B5EF4-FFF2-40B4-BE49-F238E27FC236}">
+                <a16:creationId xmlns:a16="http://schemas.microsoft.com/office/drawing/2014/main" id="{3D9DBBB8-73B3-CF4D-B4EB-C7784FAA1850}"/>
+              </a:ext>
+            </a:extLst>
+          </p:cNvPr>
+          <p:cNvPicPr>
+            <a:picLocks noChangeAspect="1"/>
+          </p:cNvPicPr>
+          <p:nvPr/>
+        </p:nvPicPr>
+        <p:blipFill>
+          <a:blip r:embed="rId5"/>
+          <a:stretch>
+            <a:fillRect/>
+          </a:stretch>
+        </p:blipFill>
+        <p:spPr>
+          <a:xfrm>
+            <a:off x="6978174" y="5400000"/>
+            <a:ext cx="114300" cy="190500"/>
+          </a:xfrm>
+          <a:prstGeom prst="rect">
+            <a:avLst/>
+          </a:prstGeom>
+        </p:spPr>
+      </p:pic>
+      <p:pic>
+        <p:nvPicPr>
+          <p:cNvPr id="10" name="Picture 9">
+            <a:extLst>
+              <a:ext uri="{FF2B5EF4-FFF2-40B4-BE49-F238E27FC236}">
+                <a16:creationId xmlns:a16="http://schemas.microsoft.com/office/drawing/2014/main" id="{4368E592-AD4B-D34D-AEF7-4C7D7BBA17F5}"/>
+              </a:ext>
+            </a:extLst>
+          </p:cNvPr>
+          <p:cNvPicPr>
+            <a:picLocks noChangeAspect="1"/>
+          </p:cNvPicPr>
+          <p:nvPr/>
+        </p:nvPicPr>
+        <p:blipFill>
+          <a:blip r:embed="rId6"/>
+          <a:stretch>
+            <a:fillRect/>
+          </a:stretch>
+        </p:blipFill>
+        <p:spPr>
+          <a:xfrm>
+            <a:off x="612050" y="3383175"/>
+            <a:ext cx="127500" cy="180000"/>
+          </a:xfrm>
+          <a:prstGeom prst="rect">
+            <a:avLst/>
+          </a:prstGeom>
+        </p:spPr>
+      </p:pic>
+      <p:pic>
+        <p:nvPicPr>
+          <p:cNvPr id="11" name="Picture 10">
+            <a:extLst>
+              <a:ext uri="{FF2B5EF4-FFF2-40B4-BE49-F238E27FC236}">
+                <a16:creationId xmlns:a16="http://schemas.microsoft.com/office/drawing/2014/main" id="{D6C1F3A6-DEEF-A344-9762-C8FA971CC608}"/>
+              </a:ext>
+            </a:extLst>
+          </p:cNvPr>
+          <p:cNvPicPr>
+            <a:picLocks noChangeAspect="1"/>
+          </p:cNvPicPr>
+          <p:nvPr/>
+        </p:nvPicPr>
+        <p:blipFill>
+          <a:blip r:embed="rId7"/>
+          <a:stretch>
+            <a:fillRect/>
+          </a:stretch>
+        </p:blipFill>
+        <p:spPr>
+          <a:xfrm>
+            <a:off x="2384242" y="5374600"/>
+            <a:ext cx="160941" cy="144000"/>
+          </a:xfrm>
+          <a:prstGeom prst="rect">
+            <a:avLst/>
+          </a:prstGeom>
+        </p:spPr>
+      </p:pic>
+      <p:sp>
+        <p:nvSpPr>
+          <p:cNvPr id="2" name="Oval 1">
+            <a:extLst>
+              <a:ext uri="{FF2B5EF4-FFF2-40B4-BE49-F238E27FC236}">
+                <a16:creationId xmlns:a16="http://schemas.microsoft.com/office/drawing/2014/main" id="{9593080D-D44D-704B-B107-18ED1D3CE984}"/>
+              </a:ext>
+            </a:extLst>
+          </p:cNvPr>
+          <p:cNvSpPr/>
+          <p:nvPr/>
+        </p:nvSpPr>
+        <p:spPr>
+          <a:xfrm>
+            <a:off x="6412089" y="2810933"/>
+            <a:ext cx="124178" cy="146756"/>
+          </a:xfrm>
+          <a:prstGeom prst="ellipse">
+            <a:avLst/>
+          </a:prstGeom>
+        </p:spPr>
+        <p:style>
+          <a:lnRef idx="1">
+            <a:schemeClr val="accent1"/>
+          </a:lnRef>
+          <a:fillRef idx="3">
+            <a:schemeClr val="accent1"/>
+          </a:fillRef>
+          <a:effectRef idx="2">
+            <a:schemeClr val="accent1"/>
+          </a:effectRef>
+          <a:fontRef idx="minor">
+            <a:schemeClr val="lt1"/>
+          </a:fontRef>
+        </p:style>
+        <p:txBody>
+          <a:bodyPr rtlCol="0" anchor="ctr"/>
+          <a:lstStyle/>
+          <a:p>
+            <a:pPr algn="ctr"/>
+            <a:endParaRPr lang="es-ES_tradnl"/>
+          </a:p>
+        </p:txBody>
+      </p:sp>
+      <p:cxnSp>
+        <p:nvCxnSpPr>
+          <p:cNvPr id="13" name="Straight Connector 12">
+            <a:extLst>
+              <a:ext uri="{FF2B5EF4-FFF2-40B4-BE49-F238E27FC236}">
+                <a16:creationId xmlns:a16="http://schemas.microsoft.com/office/drawing/2014/main" id="{041D5B9A-FA6B-5440-9DD7-94D7B04C3718}"/>
+              </a:ext>
+            </a:extLst>
+          </p:cNvPr>
+          <p:cNvCxnSpPr/>
+          <p:nvPr/>
+        </p:nvCxnSpPr>
+        <p:spPr>
+          <a:xfrm>
+            <a:off x="1162756" y="2054578"/>
+            <a:ext cx="2844800" cy="3036711"/>
+          </a:xfrm>
+          <a:prstGeom prst="line">
+            <a:avLst/>
+          </a:prstGeom>
+        </p:spPr>
+        <p:style>
+          <a:lnRef idx="2">
+            <a:schemeClr val="accent1"/>
+          </a:lnRef>
+          <a:fillRef idx="0">
+            <a:schemeClr val="accent1"/>
+          </a:fillRef>
+          <a:effectRef idx="1">
+            <a:schemeClr val="accent1"/>
+          </a:effectRef>
+          <a:fontRef idx="minor">
+            <a:schemeClr val="tx1"/>
+          </a:fontRef>
+        </p:style>
+      </p:cxnSp>
+    </p:spTree>
+    <p:extLst>
+      <p:ext uri="{BB962C8B-B14F-4D97-AF65-F5344CB8AC3E}">
+        <p14:creationId xmlns:p14="http://schemas.microsoft.com/office/powerpoint/2010/main" val="2026858252"/>
+      </p:ext>
+    </p:extLst>
+  </p:cSld>
+  <p:clrMapOvr>
+    <a:masterClrMapping/>
+  </p:clrMapOvr>
+  <p:timing>
+    <p:tnLst>
+      <p:par>
+        <p:cTn id="1" dur="indefinite" restart="never" nodeType="tmRoot">
+          <p:childTnLst>
+            <p:seq concurrent="1" nextAc="seek">
+              <p:cTn id="2" dur="indefinite" nodeType="mainSeq">
+                <p:childTnLst>
+                  <p:par>
+                    <p:cTn id="3" fill="hold">
+                      <p:stCondLst>
+                        <p:cond delay="indefinite"/>
+                      </p:stCondLst>
+                      <p:childTnLst>
+                        <p:par>
+                          <p:cTn id="4" fill="hold">
+                            <p:stCondLst>
+                              <p:cond delay="0"/>
+                            </p:stCondLst>
+                            <p:childTnLst>
+                              <p:par>
+                                <p:cTn id="5" presetID="1" presetClass="entr" presetSubtype="0" fill="hold" grpId="0" nodeType="clickEffect">
+                                  <p:stCondLst>
+                                    <p:cond delay="0"/>
+                                  </p:stCondLst>
+                                  <p:childTnLst>
+                                    <p:set>
+                                      <p:cBhvr>
+                                        <p:cTn id="6" dur="1" fill="hold">
+                                          <p:stCondLst>
+                                            <p:cond delay="0"/>
+                                          </p:stCondLst>
+                                        </p:cTn>
+                                        <p:tgtEl>
+                                          <p:spTgt spid="2"/>
+                                        </p:tgtEl>
+                                        <p:attrNameLst>
+                                          <p:attrName>style.visibility</p:attrName>
+                                        </p:attrNameLst>
+                                      </p:cBhvr>
+                                      <p:to>
+                                        <p:strVal val="visible"/>
+                                      </p:to>
+                                    </p:set>
+                                  </p:childTnLst>
+                                </p:cTn>
+                              </p:par>
+                            </p:childTnLst>
+                          </p:cTn>
+                        </p:par>
+                      </p:childTnLst>
+                    </p:cTn>
+                  </p:par>
+                  <p:par>
+                    <p:cTn id="7" fill="hold">
+                      <p:stCondLst>
+                        <p:cond delay="indefinite"/>
+                      </p:stCondLst>
+                      <p:childTnLst>
+                        <p:par>
+                          <p:cTn id="8" fill="hold">
+                            <p:stCondLst>
+                              <p:cond delay="0"/>
+                            </p:stCondLst>
+                            <p:childTnLst>
+                              <p:par>
+                                <p:cTn id="9" presetID="1" presetClass="entr" presetSubtype="0" fill="hold" nodeType="clickEffect">
+                                  <p:stCondLst>
+                                    <p:cond delay="0"/>
+                                  </p:stCondLst>
+                                  <p:childTnLst>
+                                    <p:set>
+                                      <p:cBhvr>
+                                        <p:cTn id="10" dur="1" fill="hold">
+                                          <p:stCondLst>
+                                            <p:cond delay="0"/>
+                                          </p:stCondLst>
+                                        </p:cTn>
+                                        <p:tgtEl>
+                                          <p:spTgt spid="13"/>
+                                        </p:tgtEl>
+                                        <p:attrNameLst>
+                                          <p:attrName>style.visibility</p:attrName>
+                                        </p:attrNameLst>
+                                      </p:cBhvr>
+                                      <p:to>
+                                        <p:strVal val="visible"/>
+                                      </p:to>
+                                    </p:set>
+                                  </p:childTnLst>
+                                </p:cTn>
+                              </p:par>
+                            </p:childTnLst>
+                          </p:cTn>
+                        </p:par>
+                      </p:childTnLst>
+                    </p:cTn>
+                  </p:par>
+                </p:childTnLst>
+              </p:cTn>
+              <p:prevCondLst>
+                <p:cond evt="onPrev" delay="0">
+                  <p:tgtEl>
+                    <p:sldTgt/>
+                  </p:tgtEl>
+                </p:cond>
+              </p:prevCondLst>
+              <p:nextCondLst>
+                <p:cond evt="onNext" delay="0">
+                  <p:tgtEl>
+                    <p:sldTgt/>
+                  </p:tgtEl>
+                </p:cond>
+              </p:nextCondLst>
+            </p:seq>
+          </p:childTnLst>
+        </p:cTn>
+      </p:par>
+    </p:tnLst>
+    <p:bldLst>
+      <p:bldP spid="2" grpId="0" animBg="1"/>
+    </p:bldLst>
+  </p:timing>
+</p:sld>
+</file>
+
+<file path=ppt/slides/slide26.xml><?xml version="1.0" encoding="utf-8"?>
+<p:sld xmlns:a="http://schemas.openxmlformats.org/drawingml/2006/main" xmlns:r="http://schemas.openxmlformats.org/officeDocument/2006/relationships" xmlns:p="http://schemas.openxmlformats.org/presentationml/2006/main">
+  <p:cSld>
+    <p:spTree>
+      <p:nvGrpSpPr>
+        <p:cNvPr id="1" name=""/>
+        <p:cNvGrpSpPr/>
+        <p:nvPr/>
+      </p:nvGrpSpPr>
+      <p:grpSpPr>
+        <a:xfrm>
+          <a:off x="0" y="0"/>
+          <a:ext cx="0" cy="0"/>
+          <a:chOff x="0" y="0"/>
+          <a:chExt cx="0" cy="0"/>
+        </a:xfrm>
+      </p:grpSpPr>
+      <p:sp>
+        <p:nvSpPr>
+          <p:cNvPr id="4" name="Text Box 2">
+            <a:extLst>
+              <a:ext uri="{FF2B5EF4-FFF2-40B4-BE49-F238E27FC236}">
+                <a16:creationId xmlns:a16="http://schemas.microsoft.com/office/drawing/2014/main" id="{607B9EB0-E241-3846-9636-071FFE114F6E}"/>
+              </a:ext>
+            </a:extLst>
+          </p:cNvPr>
+          <p:cNvSpPr txBox="1">
+            <a:spLocks noChangeArrowheads="1"/>
+          </p:cNvSpPr>
+          <p:nvPr/>
+        </p:nvSpPr>
+        <p:spPr bwMode="auto">
+          <a:xfrm>
+            <a:off x="595313" y="329248"/>
+            <a:ext cx="8218487" cy="461665"/>
+          </a:xfrm>
+          <a:prstGeom prst="rect">
+            <a:avLst/>
+          </a:prstGeom>
+          <a:noFill/>
+          <a:ln w="9525">
+            <a:noFill/>
+            <a:miter lim="800000"/>
+            <a:headEnd/>
+            <a:tailEnd/>
+          </a:ln>
+        </p:spPr>
+        <p:txBody>
+          <a:bodyPr>
+            <a:spAutoFit/>
+          </a:bodyPr>
+          <a:lstStyle/>
+          <a:p>
+            <a:pPr eaLnBrk="0" hangingPunct="0"/>
+            <a:r>
+              <a:rPr lang="es-ES_tradnl" sz="2400" dirty="0">
+                <a:solidFill>
+                  <a:srgbClr val="FF9300"/>
+                </a:solidFill>
+                <a:latin typeface="Trebuchet MS" pitchFamily="34" charset="0"/>
+              </a:rPr>
+              <a:t>Ejemplo: Puntos que pertenecen a dos líneas</a:t>
+            </a:r>
+            <a:endParaRPr lang="es-ES_tradnl" sz="2400" dirty="0">
+              <a:solidFill>
+                <a:srgbClr val="0000FF"/>
+              </a:solidFill>
+              <a:latin typeface="Trebuchet MS" pitchFamily="34" charset="0"/>
+            </a:endParaRPr>
+          </a:p>
+        </p:txBody>
+      </p:sp>
+      <p:pic>
+        <p:nvPicPr>
+          <p:cNvPr id="3" name="Picture 2">
+            <a:extLst>
+              <a:ext uri="{FF2B5EF4-FFF2-40B4-BE49-F238E27FC236}">
+                <a16:creationId xmlns:a16="http://schemas.microsoft.com/office/drawing/2014/main" id="{C27B1B8A-7250-A54D-8ABC-AD0D3CC494D5}"/>
+              </a:ext>
+            </a:extLst>
+          </p:cNvPr>
+          <p:cNvPicPr>
+            <a:picLocks noChangeAspect="1"/>
+          </p:cNvPicPr>
+          <p:nvPr/>
+        </p:nvPicPr>
+        <p:blipFill>
+          <a:blip r:embed="rId2"/>
+          <a:stretch>
+            <a:fillRect/>
+          </a:stretch>
+        </p:blipFill>
+        <p:spPr>
+          <a:xfrm>
+            <a:off x="5040000" y="1800000"/>
+            <a:ext cx="3600000" cy="3600000"/>
+          </a:xfrm>
+          <a:prstGeom prst="rect">
+            <a:avLst/>
+          </a:prstGeom>
+        </p:spPr>
+      </p:pic>
+      <p:pic>
+        <p:nvPicPr>
+          <p:cNvPr id="6" name="Picture 5">
+            <a:extLst>
+              <a:ext uri="{FF2B5EF4-FFF2-40B4-BE49-F238E27FC236}">
+                <a16:creationId xmlns:a16="http://schemas.microsoft.com/office/drawing/2014/main" id="{B19169F4-B2B4-6946-86C4-A1200FA48BF2}"/>
+              </a:ext>
+            </a:extLst>
+          </p:cNvPr>
+          <p:cNvPicPr>
+            <a:picLocks noChangeAspect="1"/>
+          </p:cNvPicPr>
+          <p:nvPr/>
+        </p:nvPicPr>
+        <p:blipFill>
+          <a:blip r:embed="rId3"/>
+          <a:stretch>
+            <a:fillRect/>
+          </a:stretch>
+        </p:blipFill>
+        <p:spPr>
+          <a:xfrm>
+            <a:off x="720000" y="1800000"/>
+            <a:ext cx="3600000" cy="3600000"/>
+          </a:xfrm>
+          <a:prstGeom prst="rect">
+            <a:avLst/>
+          </a:prstGeom>
+        </p:spPr>
+      </p:pic>
+      <p:pic>
+        <p:nvPicPr>
+          <p:cNvPr id="7" name="Picture 6">
+            <a:extLst>
+              <a:ext uri="{FF2B5EF4-FFF2-40B4-BE49-F238E27FC236}">
+                <a16:creationId xmlns:a16="http://schemas.microsoft.com/office/drawing/2014/main" id="{19942CAE-5085-B640-8841-818DDD53CC27}"/>
+              </a:ext>
+            </a:extLst>
+          </p:cNvPr>
+          <p:cNvPicPr>
+            <a:picLocks noChangeAspect="1"/>
+          </p:cNvPicPr>
+          <p:nvPr/>
+        </p:nvPicPr>
+        <p:blipFill>
+          <a:blip r:embed="rId4"/>
+          <a:stretch>
+            <a:fillRect/>
+          </a:stretch>
+        </p:blipFill>
+        <p:spPr>
+          <a:xfrm>
+            <a:off x="5040000" y="3505108"/>
+            <a:ext cx="139700" cy="177800"/>
+          </a:xfrm>
+          <a:prstGeom prst="rect">
+            <a:avLst/>
+          </a:prstGeom>
+        </p:spPr>
+      </p:pic>
+      <p:pic>
+        <p:nvPicPr>
+          <p:cNvPr id="8" name="Picture 7">
+            <a:extLst>
+              <a:ext uri="{FF2B5EF4-FFF2-40B4-BE49-F238E27FC236}">
+                <a16:creationId xmlns:a16="http://schemas.microsoft.com/office/drawing/2014/main" id="{37BC2DF4-9D81-2C4B-94B8-BA21B02C87B5}"/>
+              </a:ext>
+            </a:extLst>
+          </p:cNvPr>
+          <p:cNvPicPr>
+            <a:picLocks noChangeAspect="1"/>
+          </p:cNvPicPr>
+          <p:nvPr/>
+        </p:nvPicPr>
+        <p:blipFill>
+          <a:blip r:embed="rId5"/>
+          <a:stretch>
+            <a:fillRect/>
+          </a:stretch>
+        </p:blipFill>
+        <p:spPr>
+          <a:xfrm>
+            <a:off x="6978174" y="5400000"/>
+            <a:ext cx="114300" cy="190500"/>
+          </a:xfrm>
+          <a:prstGeom prst="rect">
+            <a:avLst/>
+          </a:prstGeom>
+        </p:spPr>
+      </p:pic>
+      <p:pic>
+        <p:nvPicPr>
+          <p:cNvPr id="9" name="Picture 8">
+            <a:extLst>
+              <a:ext uri="{FF2B5EF4-FFF2-40B4-BE49-F238E27FC236}">
+                <a16:creationId xmlns:a16="http://schemas.microsoft.com/office/drawing/2014/main" id="{1078CAD6-2C91-544A-BC22-C13906C4E11C}"/>
+              </a:ext>
+            </a:extLst>
+          </p:cNvPr>
+          <p:cNvPicPr>
+            <a:picLocks noChangeAspect="1"/>
+          </p:cNvPicPr>
+          <p:nvPr/>
+        </p:nvPicPr>
+        <p:blipFill>
+          <a:blip r:embed="rId6"/>
+          <a:stretch>
+            <a:fillRect/>
+          </a:stretch>
+        </p:blipFill>
+        <p:spPr>
+          <a:xfrm>
+            <a:off x="612050" y="3383175"/>
+            <a:ext cx="127500" cy="180000"/>
+          </a:xfrm>
+          <a:prstGeom prst="rect">
+            <a:avLst/>
+          </a:prstGeom>
+        </p:spPr>
+      </p:pic>
+      <p:pic>
+        <p:nvPicPr>
+          <p:cNvPr id="10" name="Picture 9">
+            <a:extLst>
+              <a:ext uri="{FF2B5EF4-FFF2-40B4-BE49-F238E27FC236}">
+                <a16:creationId xmlns:a16="http://schemas.microsoft.com/office/drawing/2014/main" id="{4B2A3003-17A1-8E4F-8258-FD889AF5A7EB}"/>
+              </a:ext>
+            </a:extLst>
+          </p:cNvPr>
+          <p:cNvPicPr>
+            <a:picLocks noChangeAspect="1"/>
+          </p:cNvPicPr>
+          <p:nvPr/>
+        </p:nvPicPr>
+        <p:blipFill>
+          <a:blip r:embed="rId7"/>
+          <a:stretch>
+            <a:fillRect/>
+          </a:stretch>
+        </p:blipFill>
+        <p:spPr>
+          <a:xfrm>
+            <a:off x="2384242" y="5374600"/>
+            <a:ext cx="160941" cy="144000"/>
+          </a:xfrm>
+          <a:prstGeom prst="rect">
+            <a:avLst/>
+          </a:prstGeom>
+        </p:spPr>
+      </p:pic>
+      <p:sp>
+        <p:nvSpPr>
+          <p:cNvPr id="11" name="Oval 10">
+            <a:extLst>
+              <a:ext uri="{FF2B5EF4-FFF2-40B4-BE49-F238E27FC236}">
+                <a16:creationId xmlns:a16="http://schemas.microsoft.com/office/drawing/2014/main" id="{1C5F5BE1-AE63-8A45-B27F-2F5E25D1D00F}"/>
+              </a:ext>
+            </a:extLst>
+          </p:cNvPr>
+          <p:cNvSpPr/>
+          <p:nvPr/>
+        </p:nvSpPr>
+        <p:spPr>
+          <a:xfrm>
+            <a:off x="7032982" y="3352803"/>
+            <a:ext cx="124178" cy="146756"/>
+          </a:xfrm>
+          <a:prstGeom prst="ellipse">
+            <a:avLst/>
+          </a:prstGeom>
+        </p:spPr>
+        <p:style>
+          <a:lnRef idx="1">
+            <a:schemeClr val="accent1"/>
+          </a:lnRef>
+          <a:fillRef idx="3">
+            <a:schemeClr val="accent1"/>
+          </a:fillRef>
+          <a:effectRef idx="2">
+            <a:schemeClr val="accent1"/>
+          </a:effectRef>
+          <a:fontRef idx="minor">
+            <a:schemeClr val="lt1"/>
+          </a:fontRef>
+        </p:style>
+        <p:txBody>
+          <a:bodyPr rtlCol="0" anchor="ctr"/>
+          <a:lstStyle/>
+          <a:p>
+            <a:pPr algn="ctr"/>
+            <a:endParaRPr lang="es-ES_tradnl"/>
+          </a:p>
+        </p:txBody>
+      </p:sp>
+      <p:cxnSp>
+        <p:nvCxnSpPr>
+          <p:cNvPr id="12" name="Straight Connector 11">
+            <a:extLst>
+              <a:ext uri="{FF2B5EF4-FFF2-40B4-BE49-F238E27FC236}">
+                <a16:creationId xmlns:a16="http://schemas.microsoft.com/office/drawing/2014/main" id="{F0DB54A1-915E-A34A-AB71-BE8B0C0E1446}"/>
+              </a:ext>
+            </a:extLst>
+          </p:cNvPr>
+          <p:cNvCxnSpPr>
+            <a:cxnSpLocks/>
+          </p:cNvCxnSpPr>
+          <p:nvPr/>
+        </p:nvCxnSpPr>
+        <p:spPr>
+          <a:xfrm flipV="1">
+            <a:off x="1151467" y="3273778"/>
+            <a:ext cx="2856089" cy="1185333"/>
+          </a:xfrm>
+          <a:prstGeom prst="line">
+            <a:avLst/>
+          </a:prstGeom>
+        </p:spPr>
+        <p:style>
+          <a:lnRef idx="2">
+            <a:schemeClr val="accent1"/>
+          </a:lnRef>
+          <a:fillRef idx="0">
+            <a:schemeClr val="accent1"/>
+          </a:fillRef>
+          <a:effectRef idx="1">
+            <a:schemeClr val="accent1"/>
+          </a:effectRef>
+          <a:fontRef idx="minor">
+            <a:schemeClr val="tx1"/>
+          </a:fontRef>
+        </p:style>
+      </p:cxnSp>
+    </p:spTree>
+    <p:extLst>
+      <p:ext uri="{BB962C8B-B14F-4D97-AF65-F5344CB8AC3E}">
+        <p14:creationId xmlns:p14="http://schemas.microsoft.com/office/powerpoint/2010/main" val="1828944733"/>
+      </p:ext>
+    </p:extLst>
+  </p:cSld>
+  <p:clrMapOvr>
+    <a:masterClrMapping/>
+  </p:clrMapOvr>
+  <p:timing>
+    <p:tnLst>
+      <p:par>
+        <p:cTn id="1" dur="indefinite" restart="never" nodeType="tmRoot">
+          <p:childTnLst>
+            <p:seq concurrent="1" nextAc="seek">
+              <p:cTn id="2" dur="indefinite" nodeType="mainSeq">
+                <p:childTnLst>
+                  <p:par>
+                    <p:cTn id="3" fill="hold">
+                      <p:stCondLst>
+                        <p:cond delay="indefinite"/>
+                      </p:stCondLst>
+                      <p:childTnLst>
+                        <p:par>
+                          <p:cTn id="4" fill="hold">
+                            <p:stCondLst>
+                              <p:cond delay="0"/>
+                            </p:stCondLst>
+                            <p:childTnLst>
+                              <p:par>
+                                <p:cTn id="5" presetID="1" presetClass="entr" presetSubtype="0" fill="hold" grpId="0" nodeType="clickEffect">
+                                  <p:stCondLst>
+                                    <p:cond delay="0"/>
+                                  </p:stCondLst>
+                                  <p:childTnLst>
+                                    <p:set>
+                                      <p:cBhvr>
+                                        <p:cTn id="6" dur="1" fill="hold">
+                                          <p:stCondLst>
+                                            <p:cond delay="0"/>
+                                          </p:stCondLst>
+                                        </p:cTn>
+                                        <p:tgtEl>
+                                          <p:spTgt spid="11"/>
+                                        </p:tgtEl>
+                                        <p:attrNameLst>
+                                          <p:attrName>style.visibility</p:attrName>
+                                        </p:attrNameLst>
+                                      </p:cBhvr>
+                                      <p:to>
+                                        <p:strVal val="visible"/>
+                                      </p:to>
+                                    </p:set>
+                                  </p:childTnLst>
+                                </p:cTn>
+                              </p:par>
+                            </p:childTnLst>
+                          </p:cTn>
+                        </p:par>
+                      </p:childTnLst>
+                    </p:cTn>
+                  </p:par>
+                  <p:par>
+                    <p:cTn id="7" fill="hold">
+                      <p:stCondLst>
+                        <p:cond delay="indefinite"/>
+                      </p:stCondLst>
+                      <p:childTnLst>
+                        <p:par>
+                          <p:cTn id="8" fill="hold">
+                            <p:stCondLst>
+                              <p:cond delay="0"/>
+                            </p:stCondLst>
+                            <p:childTnLst>
+                              <p:par>
+                                <p:cTn id="9" presetID="1" presetClass="entr" presetSubtype="0" fill="hold" nodeType="clickEffect">
+                                  <p:stCondLst>
+                                    <p:cond delay="0"/>
+                                  </p:stCondLst>
+                                  <p:childTnLst>
+                                    <p:set>
+                                      <p:cBhvr>
+                                        <p:cTn id="10" dur="1" fill="hold">
+                                          <p:stCondLst>
+                                            <p:cond delay="0"/>
+                                          </p:stCondLst>
+                                        </p:cTn>
+                                        <p:tgtEl>
+                                          <p:spTgt spid="12"/>
+                                        </p:tgtEl>
+                                        <p:attrNameLst>
+                                          <p:attrName>style.visibility</p:attrName>
+                                        </p:attrNameLst>
+                                      </p:cBhvr>
+                                      <p:to>
+                                        <p:strVal val="visible"/>
+                                      </p:to>
+                                    </p:set>
+                                  </p:childTnLst>
+                                </p:cTn>
+                              </p:par>
+                            </p:childTnLst>
+                          </p:cTn>
+                        </p:par>
+                      </p:childTnLst>
+                    </p:cTn>
+                  </p:par>
+                </p:childTnLst>
+              </p:cTn>
+              <p:prevCondLst>
+                <p:cond evt="onPrev" delay="0">
+                  <p:tgtEl>
+                    <p:sldTgt/>
+                  </p:tgtEl>
+                </p:cond>
+              </p:prevCondLst>
+              <p:nextCondLst>
+                <p:cond evt="onNext" delay="0">
+                  <p:tgtEl>
+                    <p:sldTgt/>
+                  </p:tgtEl>
+                </p:cond>
+              </p:nextCondLst>
+            </p:seq>
+          </p:childTnLst>
+        </p:cTn>
+      </p:par>
+    </p:tnLst>
+    <p:bldLst>
+      <p:bldP spid="11" grpId="0" animBg="1"/>
+    </p:bldLst>
+  </p:timing>
+</p:sld>
+</file>
+
+<file path=ppt/slides/slide27.xml><?xml version="1.0" encoding="utf-8"?>
+<p:sld xmlns:a="http://schemas.openxmlformats.org/drawingml/2006/main" xmlns:r="http://schemas.openxmlformats.org/officeDocument/2006/relationships" xmlns:p="http://schemas.openxmlformats.org/presentationml/2006/main">
+  <p:cSld>
+    <p:spTree>
+      <p:nvGrpSpPr>
+        <p:cNvPr id="1" name=""/>
+        <p:cNvGrpSpPr/>
+        <p:nvPr/>
+      </p:nvGrpSpPr>
+      <p:grpSpPr>
+        <a:xfrm>
+          <a:off x="0" y="0"/>
+          <a:ext cx="0" cy="0"/>
+          <a:chOff x="0" y="0"/>
+          <a:chExt cx="0" cy="0"/>
+        </a:xfrm>
+      </p:grpSpPr>
+      <p:sp>
+        <p:nvSpPr>
+          <p:cNvPr id="4" name="Text Box 2">
+            <a:extLst>
+              <a:ext uri="{FF2B5EF4-FFF2-40B4-BE49-F238E27FC236}">
+                <a16:creationId xmlns:a16="http://schemas.microsoft.com/office/drawing/2014/main" id="{607B9EB0-E241-3846-9636-071FFE114F6E}"/>
+              </a:ext>
+            </a:extLst>
+          </p:cNvPr>
+          <p:cNvSpPr txBox="1">
+            <a:spLocks noChangeArrowheads="1"/>
+          </p:cNvSpPr>
+          <p:nvPr/>
+        </p:nvSpPr>
+        <p:spPr bwMode="auto">
+          <a:xfrm>
+            <a:off x="595313" y="329248"/>
+            <a:ext cx="8218487" cy="461665"/>
+          </a:xfrm>
+          <a:prstGeom prst="rect">
+            <a:avLst/>
+          </a:prstGeom>
+          <a:noFill/>
+          <a:ln w="9525">
+            <a:noFill/>
+            <a:miter lim="800000"/>
+            <a:headEnd/>
+            <a:tailEnd/>
+          </a:ln>
+        </p:spPr>
+        <p:txBody>
+          <a:bodyPr>
+            <a:spAutoFit/>
+          </a:bodyPr>
+          <a:lstStyle/>
+          <a:p>
+            <a:pPr eaLnBrk="0" hangingPunct="0"/>
+            <a:r>
+              <a:rPr lang="es-ES_tradnl" sz="2400" dirty="0">
+                <a:solidFill>
+                  <a:srgbClr val="FF9300"/>
+                </a:solidFill>
+                <a:latin typeface="Trebuchet MS" pitchFamily="34" charset="0"/>
+              </a:rPr>
+              <a:t>Ejemplo: Puntos que pertenecen a dos líneas</a:t>
+            </a:r>
+            <a:endParaRPr lang="es-ES_tradnl" sz="2400" dirty="0">
+              <a:solidFill>
+                <a:srgbClr val="0000FF"/>
+              </a:solidFill>
+              <a:latin typeface="Trebuchet MS" pitchFamily="34" charset="0"/>
+            </a:endParaRPr>
+          </a:p>
+        </p:txBody>
+      </p:sp>
+      <p:pic>
+        <p:nvPicPr>
+          <p:cNvPr id="3" name="Picture 2">
+            <a:extLst>
+              <a:ext uri="{FF2B5EF4-FFF2-40B4-BE49-F238E27FC236}">
+                <a16:creationId xmlns:a16="http://schemas.microsoft.com/office/drawing/2014/main" id="{C27B1B8A-7250-A54D-8ABC-AD0D3CC494D5}"/>
+              </a:ext>
+            </a:extLst>
+          </p:cNvPr>
+          <p:cNvPicPr>
+            <a:picLocks noChangeAspect="1"/>
+          </p:cNvPicPr>
+          <p:nvPr/>
+        </p:nvPicPr>
+        <p:blipFill>
+          <a:blip r:embed="rId2"/>
+          <a:stretch>
+            <a:fillRect/>
+          </a:stretch>
+        </p:blipFill>
+        <p:spPr>
+          <a:xfrm>
+            <a:off x="5040000" y="1800000"/>
+            <a:ext cx="3600000" cy="3600000"/>
+          </a:xfrm>
+          <a:prstGeom prst="rect">
+            <a:avLst/>
+          </a:prstGeom>
+        </p:spPr>
+      </p:pic>
+      <p:pic>
+        <p:nvPicPr>
+          <p:cNvPr id="5" name="Picture 4">
+            <a:extLst>
+              <a:ext uri="{FF2B5EF4-FFF2-40B4-BE49-F238E27FC236}">
+                <a16:creationId xmlns:a16="http://schemas.microsoft.com/office/drawing/2014/main" id="{D0AA8C18-EF2D-1741-8650-9BE2F754F927}"/>
+              </a:ext>
+            </a:extLst>
+          </p:cNvPr>
+          <p:cNvPicPr>
+            <a:picLocks noChangeAspect="1"/>
+          </p:cNvPicPr>
+          <p:nvPr/>
+        </p:nvPicPr>
+        <p:blipFill>
+          <a:blip r:embed="rId3"/>
+          <a:stretch>
+            <a:fillRect/>
+          </a:stretch>
+        </p:blipFill>
+        <p:spPr>
+          <a:xfrm>
+            <a:off x="720000" y="1800000"/>
+            <a:ext cx="3600000" cy="3600000"/>
+          </a:xfrm>
+          <a:prstGeom prst="rect">
+            <a:avLst/>
+          </a:prstGeom>
+        </p:spPr>
+      </p:pic>
+      <p:pic>
+        <p:nvPicPr>
+          <p:cNvPr id="6" name="Picture 5">
+            <a:extLst>
+              <a:ext uri="{FF2B5EF4-FFF2-40B4-BE49-F238E27FC236}">
+                <a16:creationId xmlns:a16="http://schemas.microsoft.com/office/drawing/2014/main" id="{24F2AF9F-9A01-E24A-8F54-5E9C10C8A4DF}"/>
+              </a:ext>
+            </a:extLst>
+          </p:cNvPr>
+          <p:cNvPicPr>
+            <a:picLocks noChangeAspect="1"/>
+          </p:cNvPicPr>
+          <p:nvPr/>
+        </p:nvPicPr>
+        <p:blipFill>
+          <a:blip r:embed="rId4"/>
+          <a:stretch>
+            <a:fillRect/>
+          </a:stretch>
+        </p:blipFill>
+        <p:spPr>
+          <a:xfrm>
+            <a:off x="5040000" y="3505108"/>
+            <a:ext cx="139700" cy="177800"/>
+          </a:xfrm>
+          <a:prstGeom prst="rect">
+            <a:avLst/>
+          </a:prstGeom>
+        </p:spPr>
+      </p:pic>
+      <p:pic>
+        <p:nvPicPr>
+          <p:cNvPr id="7" name="Picture 6">
+            <a:extLst>
+              <a:ext uri="{FF2B5EF4-FFF2-40B4-BE49-F238E27FC236}">
+                <a16:creationId xmlns:a16="http://schemas.microsoft.com/office/drawing/2014/main" id="{4C9C3936-6142-894D-9955-4FF1DB0D3A21}"/>
+              </a:ext>
+            </a:extLst>
+          </p:cNvPr>
+          <p:cNvPicPr>
+            <a:picLocks noChangeAspect="1"/>
+          </p:cNvPicPr>
+          <p:nvPr/>
+        </p:nvPicPr>
+        <p:blipFill>
+          <a:blip r:embed="rId5"/>
+          <a:stretch>
+            <a:fillRect/>
+          </a:stretch>
+        </p:blipFill>
+        <p:spPr>
+          <a:xfrm>
+            <a:off x="6978174" y="5400000"/>
+            <a:ext cx="114300" cy="190500"/>
+          </a:xfrm>
+          <a:prstGeom prst="rect">
+            <a:avLst/>
+          </a:prstGeom>
+        </p:spPr>
+      </p:pic>
+      <p:pic>
+        <p:nvPicPr>
+          <p:cNvPr id="8" name="Picture 7">
+            <a:extLst>
+              <a:ext uri="{FF2B5EF4-FFF2-40B4-BE49-F238E27FC236}">
+                <a16:creationId xmlns:a16="http://schemas.microsoft.com/office/drawing/2014/main" id="{11C848DA-CA90-8F40-BBB7-724A79279B74}"/>
+              </a:ext>
+            </a:extLst>
+          </p:cNvPr>
+          <p:cNvPicPr>
+            <a:picLocks noChangeAspect="1"/>
+          </p:cNvPicPr>
+          <p:nvPr/>
+        </p:nvPicPr>
+        <p:blipFill>
+          <a:blip r:embed="rId6"/>
+          <a:stretch>
+            <a:fillRect/>
+          </a:stretch>
+        </p:blipFill>
+        <p:spPr>
+          <a:xfrm>
+            <a:off x="612050" y="3383175"/>
+            <a:ext cx="127500" cy="180000"/>
+          </a:xfrm>
+          <a:prstGeom prst="rect">
+            <a:avLst/>
+          </a:prstGeom>
+        </p:spPr>
+      </p:pic>
+      <p:pic>
+        <p:nvPicPr>
+          <p:cNvPr id="9" name="Picture 8">
+            <a:extLst>
+              <a:ext uri="{FF2B5EF4-FFF2-40B4-BE49-F238E27FC236}">
+                <a16:creationId xmlns:a16="http://schemas.microsoft.com/office/drawing/2014/main" id="{6962EE2B-48F2-DC44-8CF7-FE9553A6B55C}"/>
+              </a:ext>
+            </a:extLst>
+          </p:cNvPr>
+          <p:cNvPicPr>
+            <a:picLocks noChangeAspect="1"/>
+          </p:cNvPicPr>
+          <p:nvPr/>
+        </p:nvPicPr>
+        <p:blipFill>
+          <a:blip r:embed="rId7"/>
+          <a:stretch>
+            <a:fillRect/>
+          </a:stretch>
+        </p:blipFill>
+        <p:spPr>
+          <a:xfrm>
+            <a:off x="2384242" y="5374600"/>
+            <a:ext cx="160941" cy="144000"/>
+          </a:xfrm>
+          <a:prstGeom prst="rect">
+            <a:avLst/>
+          </a:prstGeom>
+        </p:spPr>
+      </p:pic>
+    </p:spTree>
+    <p:extLst>
+      <p:ext uri="{BB962C8B-B14F-4D97-AF65-F5344CB8AC3E}">
+        <p14:creationId xmlns:p14="http://schemas.microsoft.com/office/powerpoint/2010/main" val="2080890879"/>
+      </p:ext>
+    </p:extLst>
+  </p:cSld>
+  <p:clrMapOvr>
+    <a:masterClrMapping/>
+  </p:clrMapOvr>
+</p:sld>
+</file>
+
+<file path=ppt/slides/slide28.xml><?xml version="1.0" encoding="utf-8"?>
+<p:sld xmlns:a="http://schemas.openxmlformats.org/drawingml/2006/main" xmlns:r="http://schemas.openxmlformats.org/officeDocument/2006/relationships" xmlns:p="http://schemas.openxmlformats.org/presentationml/2006/main">
+  <p:cSld>
+    <p:spTree>
+      <p:nvGrpSpPr>
+        <p:cNvPr id="1" name=""/>
+        <p:cNvGrpSpPr/>
+        <p:nvPr/>
+      </p:nvGrpSpPr>
+      <p:grpSpPr>
+        <a:xfrm>
+          <a:off x="0" y="0"/>
+          <a:ext cx="0" cy="0"/>
+          <a:chOff x="0" y="0"/>
+          <a:chExt cx="0" cy="0"/>
+        </a:xfrm>
+      </p:grpSpPr>
+    </p:spTree>
+    <p:extLst>
+      <p:ext uri="{BB962C8B-B14F-4D97-AF65-F5344CB8AC3E}">
+        <p14:creationId xmlns:p14="http://schemas.microsoft.com/office/powerpoint/2010/main" val="1998094467"/>
+      </p:ext>
+    </p:extLst>
+  </p:cSld>
+  <p:clrMapOvr>
+    <a:masterClrMapping/>
+  </p:clrMapOvr>
+</p:sld>
+</file>
+
+<file path=ppt/slides/slide29.xml><?xml version="1.0" encoding="utf-8"?>
+<p:sld xmlns:a="http://schemas.openxmlformats.org/drawingml/2006/main" xmlns:r="http://schemas.openxmlformats.org/officeDocument/2006/relationships" xmlns:p="http://schemas.openxmlformats.org/presentationml/2006/main">
+  <p:cSld>
+    <p:spTree>
+      <p:nvGrpSpPr>
+        <p:cNvPr id="1" name=""/>
+        <p:cNvGrpSpPr/>
+        <p:nvPr/>
+      </p:nvGrpSpPr>
+      <p:grpSpPr>
+        <a:xfrm>
+          <a:off x="0" y="0"/>
+          <a:ext cx="0" cy="0"/>
+          <a:chOff x="0" y="0"/>
+          <a:chExt cx="0" cy="0"/>
+        </a:xfrm>
+      </p:grpSpPr>
+      <p:sp>
+        <p:nvSpPr>
+          <p:cNvPr id="4" name="Text Box 2">
+            <a:extLst>
+              <a:ext uri="{FF2B5EF4-FFF2-40B4-BE49-F238E27FC236}">
+                <a16:creationId xmlns:a16="http://schemas.microsoft.com/office/drawing/2014/main" id="{169F15D0-9E86-EA4B-8E06-54E7069F9496}"/>
+              </a:ext>
+            </a:extLst>
+          </p:cNvPr>
+          <p:cNvSpPr txBox="1">
+            <a:spLocks noChangeArrowheads="1"/>
+          </p:cNvSpPr>
+          <p:nvPr/>
+        </p:nvSpPr>
+        <p:spPr bwMode="auto">
+          <a:xfrm>
+            <a:off x="595313" y="329248"/>
+            <a:ext cx="8218487" cy="1200329"/>
+          </a:xfrm>
+          <a:prstGeom prst="rect">
+            <a:avLst/>
+          </a:prstGeom>
+          <a:noFill/>
+          <a:ln w="9525">
+            <a:noFill/>
+            <a:miter lim="800000"/>
+            <a:headEnd/>
+            <a:tailEnd/>
+          </a:ln>
+        </p:spPr>
+        <p:txBody>
+          <a:bodyPr>
+            <a:spAutoFit/>
+          </a:bodyPr>
+          <a:lstStyle/>
+          <a:p>
+            <a:pPr eaLnBrk="0" hangingPunct="0"/>
+            <a:r>
+              <a:rPr lang="es-ES_tradnl" sz="2400" dirty="0">
+                <a:solidFill>
+                  <a:srgbClr val="FF9300"/>
+                </a:solidFill>
+                <a:latin typeface="Trebuchet MS" pitchFamily="34" charset="0"/>
+              </a:rPr>
+              <a:t>Algoritmo de detección de líneas rectas en imágenes</a:t>
+            </a:r>
+          </a:p>
+          <a:p>
+            <a:pPr eaLnBrk="0" hangingPunct="0"/>
+            <a:endParaRPr lang="es-ES_tradnl" sz="2400" dirty="0">
+              <a:solidFill>
+                <a:srgbClr val="0000FF"/>
+              </a:solidFill>
+              <a:latin typeface="Trebuchet MS" pitchFamily="34" charset="0"/>
+            </a:endParaRPr>
+          </a:p>
+          <a:p>
+            <a:pPr eaLnBrk="0" hangingPunct="0"/>
+            <a:endParaRPr lang="es-ES_tradnl" sz="2400" dirty="0">
+              <a:solidFill>
+                <a:srgbClr val="0000FF"/>
+              </a:solidFill>
+              <a:latin typeface="Trebuchet MS" pitchFamily="34" charset="0"/>
+            </a:endParaRPr>
+          </a:p>
+        </p:txBody>
+      </p:sp>
+    </p:spTree>
+    <p:extLst>
+      <p:ext uri="{BB962C8B-B14F-4D97-AF65-F5344CB8AC3E}">
+        <p14:creationId xmlns:p14="http://schemas.microsoft.com/office/powerpoint/2010/main" val="1463893563"/>
+      </p:ext>
+    </p:extLst>
+  </p:cSld>
+  <p:clrMapOvr>
+    <a:masterClrMapping/>
+  </p:clrMapOvr>
+</p:sld>
+</file>
+
+<file path=ppt/slides/slide3.xml><?xml version="1.0" encoding="utf-8"?>
+<p:sld xmlns:a="http://schemas.openxmlformats.org/drawingml/2006/main" xmlns:r="http://schemas.openxmlformats.org/officeDocument/2006/relationships" xmlns:p="http://schemas.openxmlformats.org/presentationml/2006/main">
+  <p:cSld>
+    <p:spTree>
+      <p:nvGrpSpPr>
+        <p:cNvPr id="1" name=""/>
+        <p:cNvGrpSpPr/>
+        <p:nvPr/>
+      </p:nvGrpSpPr>
+      <p:grpSpPr>
+        <a:xfrm>
+          <a:off x="0" y="0"/>
+          <a:ext cx="0" cy="0"/>
+          <a:chOff x="0" y="0"/>
+          <a:chExt cx="0" cy="0"/>
+        </a:xfrm>
+      </p:grpSpPr>
+      <p:cxnSp>
+        <p:nvCxnSpPr>
+          <p:cNvPr id="4" name="Straight Arrow Connector 3">
+            <a:extLst>
+              <a:ext uri="{FF2B5EF4-FFF2-40B4-BE49-F238E27FC236}">
+                <a16:creationId xmlns:a16="http://schemas.microsoft.com/office/drawing/2014/main" id="{F7C163C7-6389-894E-921C-5D10C9551E0F}"/>
+              </a:ext>
+            </a:extLst>
+          </p:cNvPr>
+          <p:cNvCxnSpPr/>
+          <p:nvPr/>
+        </p:nvCxnSpPr>
+        <p:spPr>
+          <a:xfrm flipV="1">
+            <a:off x="1226371" y="1645920"/>
+            <a:ext cx="0" cy="4356847"/>
+          </a:xfrm>
+          <a:prstGeom prst="straightConnector1">
+            <a:avLst/>
+          </a:prstGeom>
+          <a:ln>
+            <a:tailEnd type="triangle"/>
+          </a:ln>
+          <a:effectLst/>
+        </p:spPr>
+        <p:style>
+          <a:lnRef idx="2">
+            <a:schemeClr val="accent1"/>
+          </a:lnRef>
+          <a:fillRef idx="0">
+            <a:schemeClr val="accent1"/>
+          </a:fillRef>
+          <a:effectRef idx="1">
+            <a:schemeClr val="accent1"/>
+          </a:effectRef>
+          <a:fontRef idx="minor">
+            <a:schemeClr val="tx1"/>
+          </a:fontRef>
+        </p:style>
+      </p:cxnSp>
+      <p:sp>
+        <p:nvSpPr>
+          <p:cNvPr id="14" name="Rectangle 13">
+            <a:extLst>
+              <a:ext uri="{FF2B5EF4-FFF2-40B4-BE49-F238E27FC236}">
+                <a16:creationId xmlns:a16="http://schemas.microsoft.com/office/drawing/2014/main" id="{EAB98CC8-5841-6E4B-B3F7-B13D1F406B06}"/>
+              </a:ext>
+            </a:extLst>
+          </p:cNvPr>
+          <p:cNvSpPr/>
+          <p:nvPr/>
+        </p:nvSpPr>
+        <p:spPr>
+          <a:xfrm>
+            <a:off x="950757" y="562845"/>
+            <a:ext cx="5524718" cy="584775"/>
+          </a:xfrm>
+          <a:prstGeom prst="rect">
+            <a:avLst/>
+          </a:prstGeom>
+        </p:spPr>
+        <p:txBody>
+          <a:bodyPr wrap="none">
+            <a:spAutoFit/>
+          </a:bodyPr>
+          <a:lstStyle/>
+          <a:p>
+            <a:r>
+              <a:rPr lang="es-CL" sz="3200" dirty="0">
+                <a:solidFill>
+                  <a:srgbClr val="FF9300"/>
+                </a:solidFill>
+                <a:latin typeface="Trebuchet MS" pitchFamily="34" charset="0"/>
+              </a:rPr>
+              <a:t>Representación de una Recta</a:t>
+            </a:r>
+          </a:p>
+        </p:txBody>
+      </p:sp>
+      <p:cxnSp>
+        <p:nvCxnSpPr>
+          <p:cNvPr id="15" name="Straight Arrow Connector 14">
+            <a:extLst>
+              <a:ext uri="{FF2B5EF4-FFF2-40B4-BE49-F238E27FC236}">
+                <a16:creationId xmlns:a16="http://schemas.microsoft.com/office/drawing/2014/main" id="{C19ECE64-9AAA-CC4F-A738-6F8EBEA0AAEB}"/>
+              </a:ext>
+            </a:extLst>
+          </p:cNvPr>
+          <p:cNvCxnSpPr>
+            <a:cxnSpLocks/>
+          </p:cNvCxnSpPr>
+          <p:nvPr/>
+        </p:nvCxnSpPr>
+        <p:spPr>
+          <a:xfrm flipV="1">
+            <a:off x="1226371" y="6002767"/>
+            <a:ext cx="6840071" cy="1"/>
+          </a:xfrm>
+          <a:prstGeom prst="straightConnector1">
+            <a:avLst/>
+          </a:prstGeom>
+          <a:ln>
+            <a:tailEnd type="triangle"/>
+          </a:ln>
+          <a:effectLst/>
+        </p:spPr>
+        <p:style>
+          <a:lnRef idx="2">
+            <a:schemeClr val="accent1"/>
+          </a:lnRef>
+          <a:fillRef idx="0">
+            <a:schemeClr val="accent1"/>
+          </a:fillRef>
+          <a:effectRef idx="1">
+            <a:schemeClr val="accent1"/>
+          </a:effectRef>
+          <a:fontRef idx="minor">
+            <a:schemeClr val="tx1"/>
+          </a:fontRef>
+        </p:style>
+      </p:cxnSp>
+      <p:cxnSp>
+        <p:nvCxnSpPr>
+          <p:cNvPr id="12" name="Straight Connector 11">
+            <a:extLst>
+              <a:ext uri="{FF2B5EF4-FFF2-40B4-BE49-F238E27FC236}">
+                <a16:creationId xmlns:a16="http://schemas.microsoft.com/office/drawing/2014/main" id="{AB07C504-D7AF-4F42-A452-EF4F5A82A749}"/>
+              </a:ext>
+            </a:extLst>
+          </p:cNvPr>
+          <p:cNvCxnSpPr>
+            <a:cxnSpLocks/>
+          </p:cNvCxnSpPr>
+          <p:nvPr/>
+        </p:nvCxnSpPr>
+        <p:spPr>
+          <a:xfrm>
+            <a:off x="1226370" y="2658930"/>
+            <a:ext cx="5637009" cy="3343837"/>
+          </a:xfrm>
+          <a:prstGeom prst="line">
+            <a:avLst/>
+          </a:prstGeom>
+          <a:effectLst/>
+        </p:spPr>
+        <p:style>
+          <a:lnRef idx="2">
+            <a:schemeClr val="dk1"/>
+          </a:lnRef>
+          <a:fillRef idx="0">
+            <a:schemeClr val="dk1"/>
+          </a:fillRef>
+          <a:effectRef idx="1">
+            <a:schemeClr val="dk1"/>
+          </a:effectRef>
+          <a:fontRef idx="minor">
+            <a:schemeClr val="tx1"/>
+          </a:fontRef>
+        </p:style>
+      </p:cxnSp>
+      <p:pic>
+        <p:nvPicPr>
+          <p:cNvPr id="13" name="Picture 12">
+            <a:extLst>
+              <a:ext uri="{FF2B5EF4-FFF2-40B4-BE49-F238E27FC236}">
+                <a16:creationId xmlns:a16="http://schemas.microsoft.com/office/drawing/2014/main" id="{FA479032-EF6D-2C45-B495-BEC505CB8437}"/>
+              </a:ext>
+            </a:extLst>
+          </p:cNvPr>
+          <p:cNvPicPr>
+            <a:picLocks noChangeAspect="1"/>
+          </p:cNvPicPr>
+          <p:nvPr/>
+        </p:nvPicPr>
+        <p:blipFill>
+          <a:blip r:embed="rId2"/>
+          <a:stretch>
+            <a:fillRect/>
+          </a:stretch>
+        </p:blipFill>
+        <p:spPr>
+          <a:xfrm>
+            <a:off x="3796701" y="1687156"/>
+            <a:ext cx="2260600" cy="419100"/>
+          </a:xfrm>
+          <a:prstGeom prst="rect">
+            <a:avLst/>
+          </a:prstGeom>
+        </p:spPr>
+      </p:pic>
+      <p:pic>
+        <p:nvPicPr>
+          <p:cNvPr id="16" name="Picture 15">
+            <a:extLst>
+              <a:ext uri="{FF2B5EF4-FFF2-40B4-BE49-F238E27FC236}">
+                <a16:creationId xmlns:a16="http://schemas.microsoft.com/office/drawing/2014/main" id="{06BFEFF4-359F-724D-B134-BE02058FE0EC}"/>
+              </a:ext>
+            </a:extLst>
+          </p:cNvPr>
+          <p:cNvPicPr>
+            <a:picLocks noChangeAspect="1"/>
+          </p:cNvPicPr>
+          <p:nvPr/>
+        </p:nvPicPr>
+        <p:blipFill>
+          <a:blip r:embed="rId3"/>
+          <a:stretch>
+            <a:fillRect/>
+          </a:stretch>
+        </p:blipFill>
+        <p:spPr>
+          <a:xfrm>
+            <a:off x="832419" y="1687156"/>
+            <a:ext cx="215900" cy="304800"/>
+          </a:xfrm>
+          <a:prstGeom prst="rect">
+            <a:avLst/>
+          </a:prstGeom>
+        </p:spPr>
+      </p:pic>
+      <p:pic>
+        <p:nvPicPr>
+          <p:cNvPr id="19" name="Picture 18">
+            <a:extLst>
+              <a:ext uri="{FF2B5EF4-FFF2-40B4-BE49-F238E27FC236}">
+                <a16:creationId xmlns:a16="http://schemas.microsoft.com/office/drawing/2014/main" id="{49979498-437F-4445-A1DE-AE0AE52963C3}"/>
+              </a:ext>
+            </a:extLst>
+          </p:cNvPr>
+          <p:cNvPicPr>
+            <a:picLocks noChangeAspect="1"/>
+          </p:cNvPicPr>
+          <p:nvPr/>
+        </p:nvPicPr>
+        <p:blipFill>
+          <a:blip r:embed="rId4"/>
+          <a:stretch>
+            <a:fillRect/>
+          </a:stretch>
+        </p:blipFill>
+        <p:spPr>
+          <a:xfrm>
+            <a:off x="7825142" y="6187205"/>
+            <a:ext cx="241300" cy="215900"/>
+          </a:xfrm>
+          <a:prstGeom prst="rect">
+            <a:avLst/>
+          </a:prstGeom>
+        </p:spPr>
+      </p:pic>
+      <p:pic>
+        <p:nvPicPr>
+          <p:cNvPr id="20" name="Picture 19">
+            <a:extLst>
+              <a:ext uri="{FF2B5EF4-FFF2-40B4-BE49-F238E27FC236}">
+                <a16:creationId xmlns:a16="http://schemas.microsoft.com/office/drawing/2014/main" id="{D22491DD-17C4-4544-AACD-3356762B6913}"/>
+              </a:ext>
+            </a:extLst>
+          </p:cNvPr>
+          <p:cNvPicPr>
+            <a:picLocks noChangeAspect="1"/>
+          </p:cNvPicPr>
+          <p:nvPr/>
+        </p:nvPicPr>
+        <p:blipFill>
+          <a:blip r:embed="rId5"/>
+          <a:stretch>
+            <a:fillRect/>
+          </a:stretch>
+        </p:blipFill>
+        <p:spPr>
+          <a:xfrm>
+            <a:off x="870519" y="2493830"/>
+            <a:ext cx="177800" cy="330200"/>
+          </a:xfrm>
+          <a:prstGeom prst="rect">
+            <a:avLst/>
+          </a:prstGeom>
+        </p:spPr>
+      </p:pic>
+      <p:pic>
+        <p:nvPicPr>
+          <p:cNvPr id="34" name="Picture 33">
+            <a:extLst>
+              <a:ext uri="{FF2B5EF4-FFF2-40B4-BE49-F238E27FC236}">
+                <a16:creationId xmlns:a16="http://schemas.microsoft.com/office/drawing/2014/main" id="{AA646B92-833A-B544-A6AD-F21911A3AFF9}"/>
+              </a:ext>
+            </a:extLst>
+          </p:cNvPr>
+          <p:cNvPicPr>
+            <a:picLocks noChangeAspect="1"/>
+          </p:cNvPicPr>
+          <p:nvPr/>
+        </p:nvPicPr>
+        <p:blipFill>
+          <a:blip r:embed="rId6"/>
+          <a:stretch>
+            <a:fillRect/>
+          </a:stretch>
+        </p:blipFill>
+        <p:spPr>
+          <a:xfrm>
+            <a:off x="3721100" y="2463800"/>
+            <a:ext cx="1701800" cy="965200"/>
+          </a:xfrm>
+          <a:prstGeom prst="rect">
+            <a:avLst/>
+          </a:prstGeom>
+        </p:spPr>
+      </p:pic>
+    </p:spTree>
+    <p:extLst>
+      <p:ext uri="{BB962C8B-B14F-4D97-AF65-F5344CB8AC3E}">
+        <p14:creationId xmlns:p14="http://schemas.microsoft.com/office/powerpoint/2010/main" val="4071958076"/>
+      </p:ext>
+    </p:extLst>
+  </p:cSld>
+  <p:clrMapOvr>
+    <a:masterClrMapping/>
+  </p:clrMapOvr>
+</p:sld>
+</file>
+
+<file path=ppt/slides/slide30.xml><?xml version="1.0" encoding="utf-8"?>
+<p:sld xmlns:a="http://schemas.openxmlformats.org/drawingml/2006/main" xmlns:r="http://schemas.openxmlformats.org/officeDocument/2006/relationships" xmlns:p="http://schemas.openxmlformats.org/presentationml/2006/main">
+  <p:cSld>
+    <p:spTree>
+      <p:nvGrpSpPr>
+        <p:cNvPr id="1" name=""/>
+        <p:cNvGrpSpPr/>
+        <p:nvPr/>
+      </p:nvGrpSpPr>
+      <p:grpSpPr>
+        <a:xfrm>
+          <a:off x="0" y="0"/>
+          <a:ext cx="0" cy="0"/>
+          <a:chOff x="0" y="0"/>
+          <a:chExt cx="0" cy="0"/>
+        </a:xfrm>
+      </p:grpSpPr>
+      <p:sp>
+        <p:nvSpPr>
+          <p:cNvPr id="4" name="Text Box 2">
+            <a:extLst>
+              <a:ext uri="{FF2B5EF4-FFF2-40B4-BE49-F238E27FC236}">
                 <a16:creationId xmlns:a16="http://schemas.microsoft.com/office/drawing/2014/main" id="{169F15D0-9E86-EA4B-8E06-54E7069F9496}"/>
               </a:ext>
             </a:extLst>
@@ -16045,7 +18598,7 @@
 </p:sld>
 </file>
 
-<file path=ppt/slides/slide23.xml><?xml version="1.0" encoding="utf-8"?>
+<file path=ppt/slides/slide31.xml><?xml version="1.0" encoding="utf-8"?>
 <p:sld xmlns:a="http://schemas.openxmlformats.org/drawingml/2006/main" xmlns:r="http://schemas.openxmlformats.org/officeDocument/2006/relationships" xmlns:p="http://schemas.openxmlformats.org/presentationml/2006/main">
   <p:cSld>
     <p:spTree>
@@ -16370,7 +18923,7 @@
 </p:sld>
 </file>
 
-<file path=ppt/slides/slide24.xml><?xml version="1.0" encoding="utf-8"?>
+<file path=ppt/slides/slide32.xml><?xml version="1.0" encoding="utf-8"?>
 <p:sld xmlns:a="http://schemas.openxmlformats.org/drawingml/2006/main" xmlns:r="http://schemas.openxmlformats.org/officeDocument/2006/relationships" xmlns:p="http://schemas.openxmlformats.org/presentationml/2006/main">
   <p:cSld>
     <p:spTree>
@@ -16551,7 +19104,7 @@
 </p:sld>
 </file>
 
-<file path=ppt/slides/slide25.xml><?xml version="1.0" encoding="utf-8"?>
+<file path=ppt/slides/slide33.xml><?xml version="1.0" encoding="utf-8"?>
 <p:sld xmlns:a="http://schemas.openxmlformats.org/drawingml/2006/main" xmlns:r="http://schemas.openxmlformats.org/officeDocument/2006/relationships" xmlns:p="http://schemas.openxmlformats.org/presentationml/2006/main">
   <p:cSld>
     <p:spTree>
@@ -16783,7 +19336,7 @@
 </p:sld>
 </file>
 
-<file path=ppt/slides/slide26.xml><?xml version="1.0" encoding="utf-8"?>
+<file path=ppt/slides/slide34.xml><?xml version="1.0" encoding="utf-8"?>
 <p:sld xmlns:a="http://schemas.openxmlformats.org/drawingml/2006/main" xmlns:r="http://schemas.openxmlformats.org/officeDocument/2006/relationships" xmlns:p="http://schemas.openxmlformats.org/presentationml/2006/main">
   <p:cSld>
     <p:spTree>
@@ -17057,7 +19610,7 @@
 </p:sld>
 </file>
 
-<file path=ppt/slides/slide27.xml><?xml version="1.0" encoding="utf-8"?>
+<file path=ppt/slides/slide35.xml><?xml version="1.0" encoding="utf-8"?>
 <p:sld xmlns:a="http://schemas.openxmlformats.org/drawingml/2006/main" xmlns:r="http://schemas.openxmlformats.org/officeDocument/2006/relationships" xmlns:p="http://schemas.openxmlformats.org/presentationml/2006/main">
   <p:cSld>
     <p:spTree>
@@ -17400,7 +19953,7 @@
 </p:sld>
 </file>
 
-<file path=ppt/slides/slide28.xml><?xml version="1.0" encoding="utf-8"?>
+<file path=ppt/slides/slide36.xml><?xml version="1.0" encoding="utf-8"?>
 <p:sld xmlns:a="http://schemas.openxmlformats.org/drawingml/2006/main" xmlns:r="http://schemas.openxmlformats.org/officeDocument/2006/relationships" xmlns:p="http://schemas.openxmlformats.org/presentationml/2006/main">
   <p:cSld>
     <p:spTree>
@@ -17764,7 +20317,7 @@
 </p:sld>
 </file>
 
-<file path=ppt/slides/slide29.xml><?xml version="1.0" encoding="utf-8"?>
+<file path=ppt/slides/slide37.xml><?xml version="1.0" encoding="utf-8"?>
 <p:sld xmlns:a="http://schemas.openxmlformats.org/drawingml/2006/main" xmlns:r="http://schemas.openxmlformats.org/officeDocument/2006/relationships" xmlns:p="http://schemas.openxmlformats.org/presentationml/2006/main">
   <p:cSld>
     <p:spTree>
@@ -18859,347 +21412,7 @@
 </p:sld>
 </file>
 
-<file path=ppt/slides/slide3.xml><?xml version="1.0" encoding="utf-8"?>
-<p:sld xmlns:a="http://schemas.openxmlformats.org/drawingml/2006/main" xmlns:r="http://schemas.openxmlformats.org/officeDocument/2006/relationships" xmlns:p="http://schemas.openxmlformats.org/presentationml/2006/main">
-  <p:cSld>
-    <p:spTree>
-      <p:nvGrpSpPr>
-        <p:cNvPr id="1" name=""/>
-        <p:cNvGrpSpPr/>
-        <p:nvPr/>
-      </p:nvGrpSpPr>
-      <p:grpSpPr>
-        <a:xfrm>
-          <a:off x="0" y="0"/>
-          <a:ext cx="0" cy="0"/>
-          <a:chOff x="0" y="0"/>
-          <a:chExt cx="0" cy="0"/>
-        </a:xfrm>
-      </p:grpSpPr>
-      <p:cxnSp>
-        <p:nvCxnSpPr>
-          <p:cNvPr id="4" name="Straight Arrow Connector 3">
-            <a:extLst>
-              <a:ext uri="{FF2B5EF4-FFF2-40B4-BE49-F238E27FC236}">
-                <a16:creationId xmlns:a16="http://schemas.microsoft.com/office/drawing/2014/main" id="{F7C163C7-6389-894E-921C-5D10C9551E0F}"/>
-              </a:ext>
-            </a:extLst>
-          </p:cNvPr>
-          <p:cNvCxnSpPr/>
-          <p:nvPr/>
-        </p:nvCxnSpPr>
-        <p:spPr>
-          <a:xfrm flipV="1">
-            <a:off x="1226371" y="1645920"/>
-            <a:ext cx="0" cy="4356847"/>
-          </a:xfrm>
-          <a:prstGeom prst="straightConnector1">
-            <a:avLst/>
-          </a:prstGeom>
-          <a:ln>
-            <a:tailEnd type="triangle"/>
-          </a:ln>
-          <a:effectLst/>
-        </p:spPr>
-        <p:style>
-          <a:lnRef idx="2">
-            <a:schemeClr val="accent1"/>
-          </a:lnRef>
-          <a:fillRef idx="0">
-            <a:schemeClr val="accent1"/>
-          </a:fillRef>
-          <a:effectRef idx="1">
-            <a:schemeClr val="accent1"/>
-          </a:effectRef>
-          <a:fontRef idx="minor">
-            <a:schemeClr val="tx1"/>
-          </a:fontRef>
-        </p:style>
-      </p:cxnSp>
-      <p:sp>
-        <p:nvSpPr>
-          <p:cNvPr id="14" name="Rectangle 13">
-            <a:extLst>
-              <a:ext uri="{FF2B5EF4-FFF2-40B4-BE49-F238E27FC236}">
-                <a16:creationId xmlns:a16="http://schemas.microsoft.com/office/drawing/2014/main" id="{EAB98CC8-5841-6E4B-B3F7-B13D1F406B06}"/>
-              </a:ext>
-            </a:extLst>
-          </p:cNvPr>
-          <p:cNvSpPr/>
-          <p:nvPr/>
-        </p:nvSpPr>
-        <p:spPr>
-          <a:xfrm>
-            <a:off x="950757" y="562845"/>
-            <a:ext cx="5524718" cy="584775"/>
-          </a:xfrm>
-          <a:prstGeom prst="rect">
-            <a:avLst/>
-          </a:prstGeom>
-        </p:spPr>
-        <p:txBody>
-          <a:bodyPr wrap="none">
-            <a:spAutoFit/>
-          </a:bodyPr>
-          <a:lstStyle/>
-          <a:p>
-            <a:r>
-              <a:rPr lang="es-CL" sz="3200" dirty="0">
-                <a:solidFill>
-                  <a:srgbClr val="FF9300"/>
-                </a:solidFill>
-                <a:latin typeface="Trebuchet MS" pitchFamily="34" charset="0"/>
-              </a:rPr>
-              <a:t>Representación de una Recta</a:t>
-            </a:r>
-          </a:p>
-        </p:txBody>
-      </p:sp>
-      <p:cxnSp>
-        <p:nvCxnSpPr>
-          <p:cNvPr id="15" name="Straight Arrow Connector 14">
-            <a:extLst>
-              <a:ext uri="{FF2B5EF4-FFF2-40B4-BE49-F238E27FC236}">
-                <a16:creationId xmlns:a16="http://schemas.microsoft.com/office/drawing/2014/main" id="{C19ECE64-9AAA-CC4F-A738-6F8EBEA0AAEB}"/>
-              </a:ext>
-            </a:extLst>
-          </p:cNvPr>
-          <p:cNvCxnSpPr>
-            <a:cxnSpLocks/>
-          </p:cNvCxnSpPr>
-          <p:nvPr/>
-        </p:nvCxnSpPr>
-        <p:spPr>
-          <a:xfrm flipV="1">
-            <a:off x="1226371" y="6002767"/>
-            <a:ext cx="6840071" cy="1"/>
-          </a:xfrm>
-          <a:prstGeom prst="straightConnector1">
-            <a:avLst/>
-          </a:prstGeom>
-          <a:ln>
-            <a:tailEnd type="triangle"/>
-          </a:ln>
-          <a:effectLst/>
-        </p:spPr>
-        <p:style>
-          <a:lnRef idx="2">
-            <a:schemeClr val="accent1"/>
-          </a:lnRef>
-          <a:fillRef idx="0">
-            <a:schemeClr val="accent1"/>
-          </a:fillRef>
-          <a:effectRef idx="1">
-            <a:schemeClr val="accent1"/>
-          </a:effectRef>
-          <a:fontRef idx="minor">
-            <a:schemeClr val="tx1"/>
-          </a:fontRef>
-        </p:style>
-      </p:cxnSp>
-      <p:cxnSp>
-        <p:nvCxnSpPr>
-          <p:cNvPr id="12" name="Straight Connector 11">
-            <a:extLst>
-              <a:ext uri="{FF2B5EF4-FFF2-40B4-BE49-F238E27FC236}">
-                <a16:creationId xmlns:a16="http://schemas.microsoft.com/office/drawing/2014/main" id="{AB07C504-D7AF-4F42-A452-EF4F5A82A749}"/>
-              </a:ext>
-            </a:extLst>
-          </p:cNvPr>
-          <p:cNvCxnSpPr>
-            <a:cxnSpLocks/>
-          </p:cNvCxnSpPr>
-          <p:nvPr/>
-        </p:nvCxnSpPr>
-        <p:spPr>
-          <a:xfrm>
-            <a:off x="1226370" y="2658930"/>
-            <a:ext cx="5637009" cy="3343837"/>
-          </a:xfrm>
-          <a:prstGeom prst="line">
-            <a:avLst/>
-          </a:prstGeom>
-          <a:effectLst/>
-        </p:spPr>
-        <p:style>
-          <a:lnRef idx="2">
-            <a:schemeClr val="dk1"/>
-          </a:lnRef>
-          <a:fillRef idx="0">
-            <a:schemeClr val="dk1"/>
-          </a:fillRef>
-          <a:effectRef idx="1">
-            <a:schemeClr val="dk1"/>
-          </a:effectRef>
-          <a:fontRef idx="minor">
-            <a:schemeClr val="tx1"/>
-          </a:fontRef>
-        </p:style>
-      </p:cxnSp>
-      <p:pic>
-        <p:nvPicPr>
-          <p:cNvPr id="13" name="Picture 12">
-            <a:extLst>
-              <a:ext uri="{FF2B5EF4-FFF2-40B4-BE49-F238E27FC236}">
-                <a16:creationId xmlns:a16="http://schemas.microsoft.com/office/drawing/2014/main" id="{FA479032-EF6D-2C45-B495-BEC505CB8437}"/>
-              </a:ext>
-            </a:extLst>
-          </p:cNvPr>
-          <p:cNvPicPr>
-            <a:picLocks noChangeAspect="1"/>
-          </p:cNvPicPr>
-          <p:nvPr/>
-        </p:nvPicPr>
-        <p:blipFill>
-          <a:blip r:embed="rId2"/>
-          <a:stretch>
-            <a:fillRect/>
-          </a:stretch>
-        </p:blipFill>
-        <p:spPr>
-          <a:xfrm>
-            <a:off x="3796701" y="1687156"/>
-            <a:ext cx="2260600" cy="419100"/>
-          </a:xfrm>
-          <a:prstGeom prst="rect">
-            <a:avLst/>
-          </a:prstGeom>
-        </p:spPr>
-      </p:pic>
-      <p:pic>
-        <p:nvPicPr>
-          <p:cNvPr id="16" name="Picture 15">
-            <a:extLst>
-              <a:ext uri="{FF2B5EF4-FFF2-40B4-BE49-F238E27FC236}">
-                <a16:creationId xmlns:a16="http://schemas.microsoft.com/office/drawing/2014/main" id="{06BFEFF4-359F-724D-B134-BE02058FE0EC}"/>
-              </a:ext>
-            </a:extLst>
-          </p:cNvPr>
-          <p:cNvPicPr>
-            <a:picLocks noChangeAspect="1"/>
-          </p:cNvPicPr>
-          <p:nvPr/>
-        </p:nvPicPr>
-        <p:blipFill>
-          <a:blip r:embed="rId3"/>
-          <a:stretch>
-            <a:fillRect/>
-          </a:stretch>
-        </p:blipFill>
-        <p:spPr>
-          <a:xfrm>
-            <a:off x="832419" y="1687156"/>
-            <a:ext cx="215900" cy="304800"/>
-          </a:xfrm>
-          <a:prstGeom prst="rect">
-            <a:avLst/>
-          </a:prstGeom>
-        </p:spPr>
-      </p:pic>
-      <p:pic>
-        <p:nvPicPr>
-          <p:cNvPr id="19" name="Picture 18">
-            <a:extLst>
-              <a:ext uri="{FF2B5EF4-FFF2-40B4-BE49-F238E27FC236}">
-                <a16:creationId xmlns:a16="http://schemas.microsoft.com/office/drawing/2014/main" id="{49979498-437F-4445-A1DE-AE0AE52963C3}"/>
-              </a:ext>
-            </a:extLst>
-          </p:cNvPr>
-          <p:cNvPicPr>
-            <a:picLocks noChangeAspect="1"/>
-          </p:cNvPicPr>
-          <p:nvPr/>
-        </p:nvPicPr>
-        <p:blipFill>
-          <a:blip r:embed="rId4"/>
-          <a:stretch>
-            <a:fillRect/>
-          </a:stretch>
-        </p:blipFill>
-        <p:spPr>
-          <a:xfrm>
-            <a:off x="7825142" y="6187205"/>
-            <a:ext cx="241300" cy="215900"/>
-          </a:xfrm>
-          <a:prstGeom prst="rect">
-            <a:avLst/>
-          </a:prstGeom>
-        </p:spPr>
-      </p:pic>
-      <p:pic>
-        <p:nvPicPr>
-          <p:cNvPr id="20" name="Picture 19">
-            <a:extLst>
-              <a:ext uri="{FF2B5EF4-FFF2-40B4-BE49-F238E27FC236}">
-                <a16:creationId xmlns:a16="http://schemas.microsoft.com/office/drawing/2014/main" id="{D22491DD-17C4-4544-AACD-3356762B6913}"/>
-              </a:ext>
-            </a:extLst>
-          </p:cNvPr>
-          <p:cNvPicPr>
-            <a:picLocks noChangeAspect="1"/>
-          </p:cNvPicPr>
-          <p:nvPr/>
-        </p:nvPicPr>
-        <p:blipFill>
-          <a:blip r:embed="rId5"/>
-          <a:stretch>
-            <a:fillRect/>
-          </a:stretch>
-        </p:blipFill>
-        <p:spPr>
-          <a:xfrm>
-            <a:off x="870519" y="2493830"/>
-            <a:ext cx="177800" cy="330200"/>
-          </a:xfrm>
-          <a:prstGeom prst="rect">
-            <a:avLst/>
-          </a:prstGeom>
-        </p:spPr>
-      </p:pic>
-      <p:pic>
-        <p:nvPicPr>
-          <p:cNvPr id="34" name="Picture 33">
-            <a:extLst>
-              <a:ext uri="{FF2B5EF4-FFF2-40B4-BE49-F238E27FC236}">
-                <a16:creationId xmlns:a16="http://schemas.microsoft.com/office/drawing/2014/main" id="{AA646B92-833A-B544-A6AD-F21911A3AFF9}"/>
-              </a:ext>
-            </a:extLst>
-          </p:cNvPr>
-          <p:cNvPicPr>
-            <a:picLocks noChangeAspect="1"/>
-          </p:cNvPicPr>
-          <p:nvPr/>
-        </p:nvPicPr>
-        <p:blipFill>
-          <a:blip r:embed="rId6"/>
-          <a:stretch>
-            <a:fillRect/>
-          </a:stretch>
-        </p:blipFill>
-        <p:spPr>
-          <a:xfrm>
-            <a:off x="3721100" y="2463800"/>
-            <a:ext cx="1701800" cy="965200"/>
-          </a:xfrm>
-          <a:prstGeom prst="rect">
-            <a:avLst/>
-          </a:prstGeom>
-        </p:spPr>
-      </p:pic>
-    </p:spTree>
-    <p:extLst>
-      <p:ext uri="{BB962C8B-B14F-4D97-AF65-F5344CB8AC3E}">
-        <p14:creationId xmlns:p14="http://schemas.microsoft.com/office/powerpoint/2010/main" val="4071958076"/>
-      </p:ext>
-    </p:extLst>
-  </p:cSld>
-  <p:clrMapOvr>
-    <a:masterClrMapping/>
-  </p:clrMapOvr>
-</p:sld>
-</file>
-
-<file path=ppt/slides/slide30.xml><?xml version="1.0" encoding="utf-8"?>
+<file path=ppt/slides/slide38.xml><?xml version="1.0" encoding="utf-8"?>
 <p:sld xmlns:a="http://schemas.openxmlformats.org/drawingml/2006/main" xmlns:r="http://schemas.openxmlformats.org/officeDocument/2006/relationships" xmlns:p="http://schemas.openxmlformats.org/presentationml/2006/main">
   <p:cSld>
     <p:spTree>
@@ -20119,7 +22332,7 @@
 </p:sld>
 </file>
 
-<file path=ppt/slides/slide31.xml><?xml version="1.0" encoding="utf-8"?>
+<file path=ppt/slides/slide39.xml><?xml version="1.0" encoding="utf-8"?>
 <p:sld xmlns:a="http://schemas.openxmlformats.org/drawingml/2006/main" xmlns:r="http://schemas.openxmlformats.org/officeDocument/2006/relationships" xmlns:p="http://schemas.openxmlformats.org/presentationml/2006/main">
   <p:cSld>
     <p:spTree>
@@ -20965,7 +23178,407 @@
 </p:sld>
 </file>
 
-<file path=ppt/slides/slide32.xml><?xml version="1.0" encoding="utf-8"?>
+<file path=ppt/slides/slide4.xml><?xml version="1.0" encoding="utf-8"?>
+<p:sld xmlns:a="http://schemas.openxmlformats.org/drawingml/2006/main" xmlns:r="http://schemas.openxmlformats.org/officeDocument/2006/relationships" xmlns:p="http://schemas.openxmlformats.org/presentationml/2006/main">
+  <p:cSld>
+    <p:spTree>
+      <p:nvGrpSpPr>
+        <p:cNvPr id="1" name=""/>
+        <p:cNvGrpSpPr/>
+        <p:nvPr/>
+      </p:nvGrpSpPr>
+      <p:grpSpPr>
+        <a:xfrm>
+          <a:off x="0" y="0"/>
+          <a:ext cx="0" cy="0"/>
+          <a:chOff x="0" y="0"/>
+          <a:chExt cx="0" cy="0"/>
+        </a:xfrm>
+      </p:grpSpPr>
+      <p:cxnSp>
+        <p:nvCxnSpPr>
+          <p:cNvPr id="4" name="Straight Arrow Connector 3">
+            <a:extLst>
+              <a:ext uri="{FF2B5EF4-FFF2-40B4-BE49-F238E27FC236}">
+                <a16:creationId xmlns:a16="http://schemas.microsoft.com/office/drawing/2014/main" id="{F7C163C7-6389-894E-921C-5D10C9551E0F}"/>
+              </a:ext>
+            </a:extLst>
+          </p:cNvPr>
+          <p:cNvCxnSpPr/>
+          <p:nvPr/>
+        </p:nvCxnSpPr>
+        <p:spPr>
+          <a:xfrm flipV="1">
+            <a:off x="1226371" y="1645920"/>
+            <a:ext cx="0" cy="4356847"/>
+          </a:xfrm>
+          <a:prstGeom prst="straightConnector1">
+            <a:avLst/>
+          </a:prstGeom>
+          <a:ln>
+            <a:tailEnd type="triangle"/>
+          </a:ln>
+          <a:effectLst/>
+        </p:spPr>
+        <p:style>
+          <a:lnRef idx="2">
+            <a:schemeClr val="accent1"/>
+          </a:lnRef>
+          <a:fillRef idx="0">
+            <a:schemeClr val="accent1"/>
+          </a:fillRef>
+          <a:effectRef idx="1">
+            <a:schemeClr val="accent1"/>
+          </a:effectRef>
+          <a:fontRef idx="minor">
+            <a:schemeClr val="tx1"/>
+          </a:fontRef>
+        </p:style>
+      </p:cxnSp>
+      <p:sp>
+        <p:nvSpPr>
+          <p:cNvPr id="14" name="Rectangle 13">
+            <a:extLst>
+              <a:ext uri="{FF2B5EF4-FFF2-40B4-BE49-F238E27FC236}">
+                <a16:creationId xmlns:a16="http://schemas.microsoft.com/office/drawing/2014/main" id="{EAB98CC8-5841-6E4B-B3F7-B13D1F406B06}"/>
+              </a:ext>
+            </a:extLst>
+          </p:cNvPr>
+          <p:cNvSpPr/>
+          <p:nvPr/>
+        </p:nvSpPr>
+        <p:spPr>
+          <a:xfrm>
+            <a:off x="950757" y="562845"/>
+            <a:ext cx="5524718" cy="584775"/>
+          </a:xfrm>
+          <a:prstGeom prst="rect">
+            <a:avLst/>
+          </a:prstGeom>
+        </p:spPr>
+        <p:txBody>
+          <a:bodyPr wrap="none">
+            <a:spAutoFit/>
+          </a:bodyPr>
+          <a:lstStyle/>
+          <a:p>
+            <a:r>
+              <a:rPr lang="es-CL" sz="3200" dirty="0">
+                <a:solidFill>
+                  <a:srgbClr val="FF9300"/>
+                </a:solidFill>
+                <a:latin typeface="Trebuchet MS" pitchFamily="34" charset="0"/>
+              </a:rPr>
+              <a:t>Representación de una Recta</a:t>
+            </a:r>
+          </a:p>
+        </p:txBody>
+      </p:sp>
+      <p:cxnSp>
+        <p:nvCxnSpPr>
+          <p:cNvPr id="15" name="Straight Arrow Connector 14">
+            <a:extLst>
+              <a:ext uri="{FF2B5EF4-FFF2-40B4-BE49-F238E27FC236}">
+                <a16:creationId xmlns:a16="http://schemas.microsoft.com/office/drawing/2014/main" id="{C19ECE64-9AAA-CC4F-A738-6F8EBEA0AAEB}"/>
+              </a:ext>
+            </a:extLst>
+          </p:cNvPr>
+          <p:cNvCxnSpPr>
+            <a:cxnSpLocks/>
+          </p:cNvCxnSpPr>
+          <p:nvPr/>
+        </p:nvCxnSpPr>
+        <p:spPr>
+          <a:xfrm flipV="1">
+            <a:off x="1226371" y="6002767"/>
+            <a:ext cx="6840071" cy="1"/>
+          </a:xfrm>
+          <a:prstGeom prst="straightConnector1">
+            <a:avLst/>
+          </a:prstGeom>
+          <a:ln>
+            <a:tailEnd type="triangle"/>
+          </a:ln>
+          <a:effectLst/>
+        </p:spPr>
+        <p:style>
+          <a:lnRef idx="2">
+            <a:schemeClr val="accent1"/>
+          </a:lnRef>
+          <a:fillRef idx="0">
+            <a:schemeClr val="accent1"/>
+          </a:fillRef>
+          <a:effectRef idx="1">
+            <a:schemeClr val="accent1"/>
+          </a:effectRef>
+          <a:fontRef idx="minor">
+            <a:schemeClr val="tx1"/>
+          </a:fontRef>
+        </p:style>
+      </p:cxnSp>
+      <p:cxnSp>
+        <p:nvCxnSpPr>
+          <p:cNvPr id="12" name="Straight Connector 11">
+            <a:extLst>
+              <a:ext uri="{FF2B5EF4-FFF2-40B4-BE49-F238E27FC236}">
+                <a16:creationId xmlns:a16="http://schemas.microsoft.com/office/drawing/2014/main" id="{AB07C504-D7AF-4F42-A452-EF4F5A82A749}"/>
+              </a:ext>
+            </a:extLst>
+          </p:cNvPr>
+          <p:cNvCxnSpPr>
+            <a:cxnSpLocks/>
+          </p:cNvCxnSpPr>
+          <p:nvPr/>
+        </p:nvCxnSpPr>
+        <p:spPr>
+          <a:xfrm>
+            <a:off x="1226370" y="2658930"/>
+            <a:ext cx="5637009" cy="3343837"/>
+          </a:xfrm>
+          <a:prstGeom prst="line">
+            <a:avLst/>
+          </a:prstGeom>
+          <a:effectLst/>
+        </p:spPr>
+        <p:style>
+          <a:lnRef idx="2">
+            <a:schemeClr val="dk1"/>
+          </a:lnRef>
+          <a:fillRef idx="0">
+            <a:schemeClr val="dk1"/>
+          </a:fillRef>
+          <a:effectRef idx="1">
+            <a:schemeClr val="dk1"/>
+          </a:effectRef>
+          <a:fontRef idx="minor">
+            <a:schemeClr val="tx1"/>
+          </a:fontRef>
+        </p:style>
+      </p:cxnSp>
+      <p:pic>
+        <p:nvPicPr>
+          <p:cNvPr id="13" name="Picture 12">
+            <a:extLst>
+              <a:ext uri="{FF2B5EF4-FFF2-40B4-BE49-F238E27FC236}">
+                <a16:creationId xmlns:a16="http://schemas.microsoft.com/office/drawing/2014/main" id="{FA479032-EF6D-2C45-B495-BEC505CB8437}"/>
+              </a:ext>
+            </a:extLst>
+          </p:cNvPr>
+          <p:cNvPicPr>
+            <a:picLocks noChangeAspect="1"/>
+          </p:cNvPicPr>
+          <p:nvPr/>
+        </p:nvPicPr>
+        <p:blipFill>
+          <a:blip r:embed="rId2"/>
+          <a:stretch>
+            <a:fillRect/>
+          </a:stretch>
+        </p:blipFill>
+        <p:spPr>
+          <a:xfrm>
+            <a:off x="3796701" y="1687156"/>
+            <a:ext cx="2260600" cy="419100"/>
+          </a:xfrm>
+          <a:prstGeom prst="rect">
+            <a:avLst/>
+          </a:prstGeom>
+        </p:spPr>
+      </p:pic>
+      <p:pic>
+        <p:nvPicPr>
+          <p:cNvPr id="16" name="Picture 15">
+            <a:extLst>
+              <a:ext uri="{FF2B5EF4-FFF2-40B4-BE49-F238E27FC236}">
+                <a16:creationId xmlns:a16="http://schemas.microsoft.com/office/drawing/2014/main" id="{06BFEFF4-359F-724D-B134-BE02058FE0EC}"/>
+              </a:ext>
+            </a:extLst>
+          </p:cNvPr>
+          <p:cNvPicPr>
+            <a:picLocks noChangeAspect="1"/>
+          </p:cNvPicPr>
+          <p:nvPr/>
+        </p:nvPicPr>
+        <p:blipFill>
+          <a:blip r:embed="rId3"/>
+          <a:stretch>
+            <a:fillRect/>
+          </a:stretch>
+        </p:blipFill>
+        <p:spPr>
+          <a:xfrm>
+            <a:off x="832419" y="1687156"/>
+            <a:ext cx="215900" cy="304800"/>
+          </a:xfrm>
+          <a:prstGeom prst="rect">
+            <a:avLst/>
+          </a:prstGeom>
+        </p:spPr>
+      </p:pic>
+      <p:pic>
+        <p:nvPicPr>
+          <p:cNvPr id="19" name="Picture 18">
+            <a:extLst>
+              <a:ext uri="{FF2B5EF4-FFF2-40B4-BE49-F238E27FC236}">
+                <a16:creationId xmlns:a16="http://schemas.microsoft.com/office/drawing/2014/main" id="{49979498-437F-4445-A1DE-AE0AE52963C3}"/>
+              </a:ext>
+            </a:extLst>
+          </p:cNvPr>
+          <p:cNvPicPr>
+            <a:picLocks noChangeAspect="1"/>
+          </p:cNvPicPr>
+          <p:nvPr/>
+        </p:nvPicPr>
+        <p:blipFill>
+          <a:blip r:embed="rId4"/>
+          <a:stretch>
+            <a:fillRect/>
+          </a:stretch>
+        </p:blipFill>
+        <p:spPr>
+          <a:xfrm>
+            <a:off x="7825142" y="6187205"/>
+            <a:ext cx="241300" cy="215900"/>
+          </a:xfrm>
+          <a:prstGeom prst="rect">
+            <a:avLst/>
+          </a:prstGeom>
+        </p:spPr>
+      </p:pic>
+      <p:pic>
+        <p:nvPicPr>
+          <p:cNvPr id="20" name="Picture 19">
+            <a:extLst>
+              <a:ext uri="{FF2B5EF4-FFF2-40B4-BE49-F238E27FC236}">
+                <a16:creationId xmlns:a16="http://schemas.microsoft.com/office/drawing/2014/main" id="{D22491DD-17C4-4544-AACD-3356762B6913}"/>
+              </a:ext>
+            </a:extLst>
+          </p:cNvPr>
+          <p:cNvPicPr>
+            <a:picLocks noChangeAspect="1"/>
+          </p:cNvPicPr>
+          <p:nvPr/>
+        </p:nvPicPr>
+        <p:blipFill>
+          <a:blip r:embed="rId5"/>
+          <a:stretch>
+            <a:fillRect/>
+          </a:stretch>
+        </p:blipFill>
+        <p:spPr>
+          <a:xfrm>
+            <a:off x="870519" y="2493830"/>
+            <a:ext cx="177800" cy="330200"/>
+          </a:xfrm>
+          <a:prstGeom prst="rect">
+            <a:avLst/>
+          </a:prstGeom>
+        </p:spPr>
+      </p:pic>
+      <p:pic>
+        <p:nvPicPr>
+          <p:cNvPr id="34" name="Picture 33">
+            <a:extLst>
+              <a:ext uri="{FF2B5EF4-FFF2-40B4-BE49-F238E27FC236}">
+                <a16:creationId xmlns:a16="http://schemas.microsoft.com/office/drawing/2014/main" id="{AA646B92-833A-B544-A6AD-F21911A3AFF9}"/>
+              </a:ext>
+            </a:extLst>
+          </p:cNvPr>
+          <p:cNvPicPr>
+            <a:picLocks noChangeAspect="1"/>
+          </p:cNvPicPr>
+          <p:nvPr/>
+        </p:nvPicPr>
+        <p:blipFill>
+          <a:blip r:embed="rId6"/>
+          <a:stretch>
+            <a:fillRect/>
+          </a:stretch>
+        </p:blipFill>
+        <p:spPr>
+          <a:xfrm>
+            <a:off x="3721100" y="2463800"/>
+            <a:ext cx="1701800" cy="965200"/>
+          </a:xfrm>
+          <a:prstGeom prst="rect">
+            <a:avLst/>
+          </a:prstGeom>
+        </p:spPr>
+      </p:pic>
+      <p:pic>
+        <p:nvPicPr>
+          <p:cNvPr id="11" name="Picture 10">
+            <a:extLst>
+              <a:ext uri="{FF2B5EF4-FFF2-40B4-BE49-F238E27FC236}">
+                <a16:creationId xmlns:a16="http://schemas.microsoft.com/office/drawing/2014/main" id="{8E1C930C-2ABB-1247-8036-83C475C81862}"/>
+              </a:ext>
+            </a:extLst>
+          </p:cNvPr>
+          <p:cNvPicPr>
+            <a:picLocks noChangeAspect="1"/>
+          </p:cNvPicPr>
+          <p:nvPr/>
+        </p:nvPicPr>
+        <p:blipFill>
+          <a:blip r:embed="rId7"/>
+          <a:stretch>
+            <a:fillRect/>
+          </a:stretch>
+        </p:blipFill>
+        <p:spPr>
+          <a:xfrm>
+            <a:off x="6768129" y="6187205"/>
+            <a:ext cx="190500" cy="215900"/>
+          </a:xfrm>
+          <a:prstGeom prst="rect">
+            <a:avLst/>
+          </a:prstGeom>
+        </p:spPr>
+      </p:pic>
+      <p:pic>
+        <p:nvPicPr>
+          <p:cNvPr id="2" name="Picture 1">
+            <a:extLst>
+              <a:ext uri="{FF2B5EF4-FFF2-40B4-BE49-F238E27FC236}">
+                <a16:creationId xmlns:a16="http://schemas.microsoft.com/office/drawing/2014/main" id="{2F6CEF2C-8214-9F45-83E2-E563A4DEDB26}"/>
+              </a:ext>
+            </a:extLst>
+          </p:cNvPr>
+          <p:cNvPicPr>
+            <a:picLocks noChangeAspect="1"/>
+          </p:cNvPicPr>
+          <p:nvPr/>
+        </p:nvPicPr>
+        <p:blipFill>
+          <a:blip r:embed="rId8"/>
+          <a:stretch>
+            <a:fillRect/>
+          </a:stretch>
+        </p:blipFill>
+        <p:spPr>
+          <a:xfrm>
+            <a:off x="5637012" y="2480694"/>
+            <a:ext cx="1079500" cy="952500"/>
+          </a:xfrm>
+          <a:prstGeom prst="rect">
+            <a:avLst/>
+          </a:prstGeom>
+        </p:spPr>
+      </p:pic>
+    </p:spTree>
+    <p:extLst>
+      <p:ext uri="{BB962C8B-B14F-4D97-AF65-F5344CB8AC3E}">
+        <p14:creationId xmlns:p14="http://schemas.microsoft.com/office/powerpoint/2010/main" val="1698544391"/>
+      </p:ext>
+    </p:extLst>
+  </p:cSld>
+  <p:clrMapOvr>
+    <a:masterClrMapping/>
+  </p:clrMapOvr>
+</p:sld>
+</file>
+
+<file path=ppt/slides/slide40.xml><?xml version="1.0" encoding="utf-8"?>
 <p:sld xmlns:a="http://schemas.openxmlformats.org/drawingml/2006/main" xmlns:r="http://schemas.openxmlformats.org/officeDocument/2006/relationships" xmlns:p="http://schemas.openxmlformats.org/presentationml/2006/main">
   <p:cSld>
     <p:spTree>
@@ -21232,7 +23845,7 @@
 </p:sld>
 </file>
 
-<file path=ppt/slides/slide33.xml><?xml version="1.0" encoding="utf-8"?>
+<file path=ppt/slides/slide41.xml><?xml version="1.0" encoding="utf-8"?>
 <p:sld xmlns:a="http://schemas.openxmlformats.org/drawingml/2006/main" xmlns:r="http://schemas.openxmlformats.org/officeDocument/2006/relationships" xmlns:p="http://schemas.openxmlformats.org/presentationml/2006/main">
   <p:cSld>
     <p:spTree>
@@ -21499,7 +24112,7 @@
 </p:sld>
 </file>
 
-<file path=ppt/slides/slide34.xml><?xml version="1.0" encoding="utf-8"?>
+<file path=ppt/slides/slide42.xml><?xml version="1.0" encoding="utf-8"?>
 <p:sld xmlns:a="http://schemas.openxmlformats.org/drawingml/2006/main" xmlns:r="http://schemas.openxmlformats.org/officeDocument/2006/relationships" xmlns:p="http://schemas.openxmlformats.org/presentationml/2006/main">
   <p:cSld>
     <p:spTree>
@@ -21766,7 +24379,7 @@
 </p:sld>
 </file>
 
-<file path=ppt/slides/slide35.xml><?xml version="1.0" encoding="utf-8"?>
+<file path=ppt/slides/slide43.xml><?xml version="1.0" encoding="utf-8"?>
 <p:sld xmlns:a="http://schemas.openxmlformats.org/drawingml/2006/main" xmlns:r="http://schemas.openxmlformats.org/officeDocument/2006/relationships" xmlns:p="http://schemas.openxmlformats.org/presentationml/2006/main">
   <p:cSld>
     <p:spTree>
@@ -22161,7 +24774,7 @@
 </p:sld>
 </file>
 
-<file path=ppt/slides/slide36.xml><?xml version="1.0" encoding="utf-8"?>
+<file path=ppt/slides/slide44.xml><?xml version="1.0" encoding="utf-8"?>
 <p:sld xmlns:a="http://schemas.openxmlformats.org/drawingml/2006/main" xmlns:r="http://schemas.openxmlformats.org/officeDocument/2006/relationships" xmlns:p="http://schemas.openxmlformats.org/presentationml/2006/main">
   <p:cSld>
     <p:spTree>
@@ -22777,7 +25390,7 @@
 </p:sld>
 </file>
 
-<file path=ppt/slides/slide4.xml><?xml version="1.0" encoding="utf-8"?>
+<file path=ppt/slides/slide45.xml><?xml version="1.0" encoding="utf-8"?>
 <p:sld xmlns:a="http://schemas.openxmlformats.org/drawingml/2006/main" xmlns:r="http://schemas.openxmlformats.org/officeDocument/2006/relationships" xmlns:p="http://schemas.openxmlformats.org/presentationml/2006/main">
   <p:cSld>
     <p:spTree>
@@ -22794,172 +25407,12 @@
           <a:chExt cx="0" cy="0"/>
         </a:xfrm>
       </p:grpSpPr>
-      <p:cxnSp>
-        <p:nvCxnSpPr>
-          <p:cNvPr id="4" name="Straight Arrow Connector 3">
-            <a:extLst>
-              <a:ext uri="{FF2B5EF4-FFF2-40B4-BE49-F238E27FC236}">
-                <a16:creationId xmlns:a16="http://schemas.microsoft.com/office/drawing/2014/main" id="{F7C163C7-6389-894E-921C-5D10C9551E0F}"/>
-              </a:ext>
-            </a:extLst>
-          </p:cNvPr>
-          <p:cNvCxnSpPr/>
-          <p:nvPr/>
-        </p:nvCxnSpPr>
-        <p:spPr>
-          <a:xfrm flipV="1">
-            <a:off x="1226371" y="1645920"/>
-            <a:ext cx="0" cy="4356847"/>
-          </a:xfrm>
-          <a:prstGeom prst="straightConnector1">
-            <a:avLst/>
-          </a:prstGeom>
-          <a:ln>
-            <a:tailEnd type="triangle"/>
-          </a:ln>
-          <a:effectLst/>
-        </p:spPr>
-        <p:style>
-          <a:lnRef idx="2">
-            <a:schemeClr val="accent1"/>
-          </a:lnRef>
-          <a:fillRef idx="0">
-            <a:schemeClr val="accent1"/>
-          </a:fillRef>
-          <a:effectRef idx="1">
-            <a:schemeClr val="accent1"/>
-          </a:effectRef>
-          <a:fontRef idx="minor">
-            <a:schemeClr val="tx1"/>
-          </a:fontRef>
-        </p:style>
-      </p:cxnSp>
-      <p:sp>
-        <p:nvSpPr>
-          <p:cNvPr id="14" name="Rectangle 13">
-            <a:extLst>
-              <a:ext uri="{FF2B5EF4-FFF2-40B4-BE49-F238E27FC236}">
-                <a16:creationId xmlns:a16="http://schemas.microsoft.com/office/drawing/2014/main" id="{EAB98CC8-5841-6E4B-B3F7-B13D1F406B06}"/>
-              </a:ext>
-            </a:extLst>
-          </p:cNvPr>
-          <p:cNvSpPr/>
-          <p:nvPr/>
-        </p:nvSpPr>
-        <p:spPr>
-          <a:xfrm>
-            <a:off x="950757" y="562845"/>
-            <a:ext cx="5524718" cy="584775"/>
-          </a:xfrm>
-          <a:prstGeom prst="rect">
-            <a:avLst/>
-          </a:prstGeom>
-        </p:spPr>
-        <p:txBody>
-          <a:bodyPr wrap="none">
-            <a:spAutoFit/>
-          </a:bodyPr>
-          <a:lstStyle/>
-          <a:p>
-            <a:r>
-              <a:rPr lang="es-CL" sz="3200" dirty="0">
-                <a:solidFill>
-                  <a:srgbClr val="FF9300"/>
-                </a:solidFill>
-                <a:latin typeface="Trebuchet MS" pitchFamily="34" charset="0"/>
-              </a:rPr>
-              <a:t>Representación de una Recta</a:t>
-            </a:r>
-          </a:p>
-        </p:txBody>
-      </p:sp>
-      <p:cxnSp>
-        <p:nvCxnSpPr>
-          <p:cNvPr id="15" name="Straight Arrow Connector 14">
-            <a:extLst>
-              <a:ext uri="{FF2B5EF4-FFF2-40B4-BE49-F238E27FC236}">
-                <a16:creationId xmlns:a16="http://schemas.microsoft.com/office/drawing/2014/main" id="{C19ECE64-9AAA-CC4F-A738-6F8EBEA0AAEB}"/>
-              </a:ext>
-            </a:extLst>
-          </p:cNvPr>
-          <p:cNvCxnSpPr>
-            <a:cxnSpLocks/>
-          </p:cNvCxnSpPr>
-          <p:nvPr/>
-        </p:nvCxnSpPr>
-        <p:spPr>
-          <a:xfrm flipV="1">
-            <a:off x="1226371" y="6002767"/>
-            <a:ext cx="6840071" cy="1"/>
-          </a:xfrm>
-          <a:prstGeom prst="straightConnector1">
-            <a:avLst/>
-          </a:prstGeom>
-          <a:ln>
-            <a:tailEnd type="triangle"/>
-          </a:ln>
-          <a:effectLst/>
-        </p:spPr>
-        <p:style>
-          <a:lnRef idx="2">
-            <a:schemeClr val="accent1"/>
-          </a:lnRef>
-          <a:fillRef idx="0">
-            <a:schemeClr val="accent1"/>
-          </a:fillRef>
-          <a:effectRef idx="1">
-            <a:schemeClr val="accent1"/>
-          </a:effectRef>
-          <a:fontRef idx="minor">
-            <a:schemeClr val="tx1"/>
-          </a:fontRef>
-        </p:style>
-      </p:cxnSp>
-      <p:cxnSp>
-        <p:nvCxnSpPr>
-          <p:cNvPr id="12" name="Straight Connector 11">
-            <a:extLst>
-              <a:ext uri="{FF2B5EF4-FFF2-40B4-BE49-F238E27FC236}">
-                <a16:creationId xmlns:a16="http://schemas.microsoft.com/office/drawing/2014/main" id="{AB07C504-D7AF-4F42-A452-EF4F5A82A749}"/>
-              </a:ext>
-            </a:extLst>
-          </p:cNvPr>
-          <p:cNvCxnSpPr>
-            <a:cxnSpLocks/>
-          </p:cNvCxnSpPr>
-          <p:nvPr/>
-        </p:nvCxnSpPr>
-        <p:spPr>
-          <a:xfrm>
-            <a:off x="1226370" y="2658930"/>
-            <a:ext cx="5637009" cy="3343837"/>
-          </a:xfrm>
-          <a:prstGeom prst="line">
-            <a:avLst/>
-          </a:prstGeom>
-          <a:effectLst/>
-        </p:spPr>
-        <p:style>
-          <a:lnRef idx="2">
-            <a:schemeClr val="dk1"/>
-          </a:lnRef>
-          <a:fillRef idx="0">
-            <a:schemeClr val="dk1"/>
-          </a:fillRef>
-          <a:effectRef idx="1">
-            <a:schemeClr val="dk1"/>
-          </a:effectRef>
-          <a:fontRef idx="minor">
-            <a:schemeClr val="tx1"/>
-          </a:fontRef>
-        </p:style>
-      </p:cxnSp>
       <p:pic>
         <p:nvPicPr>
-          <p:cNvPr id="13" name="Picture 12">
-            <a:extLst>
-              <a:ext uri="{FF2B5EF4-FFF2-40B4-BE49-F238E27FC236}">
-                <a16:creationId xmlns:a16="http://schemas.microsoft.com/office/drawing/2014/main" id="{FA479032-EF6D-2C45-B495-BEC505CB8437}"/>
+          <p:cNvPr id="5" name="Picture 4">
+            <a:extLst>
+              <a:ext uri="{FF2B5EF4-FFF2-40B4-BE49-F238E27FC236}">
+                <a16:creationId xmlns:a16="http://schemas.microsoft.com/office/drawing/2014/main" id="{3B839CB9-8D78-AF42-9139-EE3DCD9E4FAB}"/>
               </a:ext>
             </a:extLst>
           </p:cNvPr>
@@ -22976,8 +25429,8 @@
         </p:blipFill>
         <p:spPr>
           <a:xfrm>
-            <a:off x="3796701" y="1687156"/>
-            <a:ext cx="2260600" cy="419100"/>
+            <a:off x="1323623" y="2465211"/>
+            <a:ext cx="2755900" cy="2540000"/>
           </a:xfrm>
           <a:prstGeom prst="rect">
             <a:avLst/>
@@ -22986,10 +25439,10 @@
       </p:pic>
       <p:pic>
         <p:nvPicPr>
-          <p:cNvPr id="16" name="Picture 15">
-            <a:extLst>
-              <a:ext uri="{FF2B5EF4-FFF2-40B4-BE49-F238E27FC236}">
-                <a16:creationId xmlns:a16="http://schemas.microsoft.com/office/drawing/2014/main" id="{06BFEFF4-359F-724D-B134-BE02058FE0EC}"/>
+          <p:cNvPr id="7" name="Picture 6">
+            <a:extLst>
+              <a:ext uri="{FF2B5EF4-FFF2-40B4-BE49-F238E27FC236}">
+                <a16:creationId xmlns:a16="http://schemas.microsoft.com/office/drawing/2014/main" id="{5FCD9B7B-0E0A-1A4C-BDD8-1DDE87E843F7}"/>
               </a:ext>
             </a:extLst>
           </p:cNvPr>
@@ -23006,20 +25459,183 @@
         </p:blipFill>
         <p:spPr>
           <a:xfrm>
-            <a:off x="832419" y="1687156"/>
-            <a:ext cx="215900" cy="304800"/>
+            <a:off x="5026377" y="2439811"/>
+            <a:ext cx="2794000" cy="2565400"/>
           </a:xfrm>
           <a:prstGeom prst="rect">
             <a:avLst/>
           </a:prstGeom>
         </p:spPr>
       </p:pic>
+      <p:sp>
+        <p:nvSpPr>
+          <p:cNvPr id="10" name="Rectangle 9">
+            <a:extLst>
+              <a:ext uri="{FF2B5EF4-FFF2-40B4-BE49-F238E27FC236}">
+                <a16:creationId xmlns:a16="http://schemas.microsoft.com/office/drawing/2014/main" id="{19898595-E29D-8B49-8EB1-F45A0E85AD53}"/>
+              </a:ext>
+            </a:extLst>
+          </p:cNvPr>
+          <p:cNvSpPr/>
+          <p:nvPr/>
+        </p:nvSpPr>
+        <p:spPr>
+          <a:xfrm>
+            <a:off x="1346200" y="618667"/>
+            <a:ext cx="5506156" cy="461665"/>
+          </a:xfrm>
+          <a:prstGeom prst="rect">
+            <a:avLst/>
+          </a:prstGeom>
+        </p:spPr>
+        <p:txBody>
+          <a:bodyPr wrap="square">
+            <a:spAutoFit/>
+          </a:bodyPr>
+          <a:lstStyle/>
+          <a:p>
+            <a:pPr eaLnBrk="0" hangingPunct="0"/>
+            <a:r>
+              <a:rPr lang="es-ES_tradnl" sz="2400" dirty="0">
+                <a:solidFill>
+                  <a:srgbClr val="FF9300"/>
+                </a:solidFill>
+                <a:latin typeface="Trebuchet MS" pitchFamily="34" charset="0"/>
+              </a:rPr>
+              <a:t>Transformada </a:t>
+            </a:r>
+            <a:r>
+              <a:rPr lang="es-ES_tradnl" sz="2400" dirty="0" err="1">
+                <a:solidFill>
+                  <a:srgbClr val="FF9300"/>
+                </a:solidFill>
+                <a:latin typeface="Trebuchet MS" pitchFamily="34" charset="0"/>
+              </a:rPr>
+              <a:t>Hough</a:t>
+            </a:r>
+            <a:r>
+              <a:rPr lang="es-ES_tradnl" sz="2400" dirty="0">
+                <a:solidFill>
+                  <a:srgbClr val="FF9300"/>
+                </a:solidFill>
+                <a:latin typeface="Trebuchet MS" pitchFamily="34" charset="0"/>
+              </a:rPr>
+              <a:t> para Círculos</a:t>
+            </a:r>
+          </a:p>
+        </p:txBody>
+      </p:sp>
+    </p:spTree>
+    <p:extLst>
+      <p:ext uri="{BB962C8B-B14F-4D97-AF65-F5344CB8AC3E}">
+        <p14:creationId xmlns:p14="http://schemas.microsoft.com/office/powerpoint/2010/main" val="3731473494"/>
+      </p:ext>
+    </p:extLst>
+  </p:cSld>
+  <p:clrMapOvr>
+    <a:masterClrMapping/>
+  </p:clrMapOvr>
+  <p:timing>
+    <p:tnLst>
+      <p:par>
+        <p:cTn id="1" dur="indefinite" restart="never" nodeType="tmRoot">
+          <p:childTnLst>
+            <p:seq concurrent="1" nextAc="seek">
+              <p:cTn id="2" dur="indefinite" nodeType="mainSeq">
+                <p:childTnLst>
+                  <p:par>
+                    <p:cTn id="3" fill="hold">
+                      <p:stCondLst>
+                        <p:cond delay="indefinite"/>
+                      </p:stCondLst>
+                      <p:childTnLst>
+                        <p:par>
+                          <p:cTn id="4" fill="hold">
+                            <p:stCondLst>
+                              <p:cond delay="0"/>
+                            </p:stCondLst>
+                            <p:childTnLst>
+                              <p:par>
+                                <p:cTn id="5" presetID="1" presetClass="entr" presetSubtype="0" fill="hold" nodeType="clickEffect">
+                                  <p:stCondLst>
+                                    <p:cond delay="0"/>
+                                  </p:stCondLst>
+                                  <p:childTnLst>
+                                    <p:set>
+                                      <p:cBhvr>
+                                        <p:cTn id="6" dur="1" fill="hold">
+                                          <p:stCondLst>
+                                            <p:cond delay="0"/>
+                                          </p:stCondLst>
+                                        </p:cTn>
+                                        <p:tgtEl>
+                                          <p:spTgt spid="7"/>
+                                        </p:tgtEl>
+                                        <p:attrNameLst>
+                                          <p:attrName>style.visibility</p:attrName>
+                                        </p:attrNameLst>
+                                      </p:cBhvr>
+                                      <p:to>
+                                        <p:strVal val="visible"/>
+                                      </p:to>
+                                    </p:set>
+                                  </p:childTnLst>
+                                </p:cTn>
+                              </p:par>
+                            </p:childTnLst>
+                          </p:cTn>
+                        </p:par>
+                      </p:childTnLst>
+                    </p:cTn>
+                  </p:par>
+                </p:childTnLst>
+              </p:cTn>
+              <p:prevCondLst>
+                <p:cond evt="onPrev" delay="0">
+                  <p:tgtEl>
+                    <p:sldTgt/>
+                  </p:tgtEl>
+                </p:cond>
+              </p:prevCondLst>
+              <p:nextCondLst>
+                <p:cond evt="onNext" delay="0">
+                  <p:tgtEl>
+                    <p:sldTgt/>
+                  </p:tgtEl>
+                </p:cond>
+              </p:nextCondLst>
+            </p:seq>
+          </p:childTnLst>
+        </p:cTn>
+      </p:par>
+    </p:tnLst>
+  </p:timing>
+</p:sld>
+</file>
+
+<file path=ppt/slides/slide46.xml><?xml version="1.0" encoding="utf-8"?>
+<p:sld xmlns:a="http://schemas.openxmlformats.org/drawingml/2006/main" xmlns:r="http://schemas.openxmlformats.org/officeDocument/2006/relationships" xmlns:p="http://schemas.openxmlformats.org/presentationml/2006/main">
+  <p:cSld>
+    <p:spTree>
+      <p:nvGrpSpPr>
+        <p:cNvPr id="1" name=""/>
+        <p:cNvGrpSpPr/>
+        <p:nvPr/>
+      </p:nvGrpSpPr>
+      <p:grpSpPr>
+        <a:xfrm>
+          <a:off x="0" y="0"/>
+          <a:ext cx="0" cy="0"/>
+          <a:chOff x="0" y="0"/>
+          <a:chExt cx="0" cy="0"/>
+        </a:xfrm>
+      </p:grpSpPr>
       <p:pic>
         <p:nvPicPr>
-          <p:cNvPr id="19" name="Picture 18">
-            <a:extLst>
-              <a:ext uri="{FF2B5EF4-FFF2-40B4-BE49-F238E27FC236}">
-                <a16:creationId xmlns:a16="http://schemas.microsoft.com/office/drawing/2014/main" id="{49979498-437F-4445-A1DE-AE0AE52963C3}"/>
+          <p:cNvPr id="6" name="Picture 5">
+            <a:extLst>
+              <a:ext uri="{FF2B5EF4-FFF2-40B4-BE49-F238E27FC236}">
+                <a16:creationId xmlns:a16="http://schemas.microsoft.com/office/drawing/2014/main" id="{1E6394BD-705D-074A-924A-5996AB4D2092}"/>
               </a:ext>
             </a:extLst>
           </p:cNvPr>
@@ -23029,145 +25645,65 @@
           <p:nvPr/>
         </p:nvPicPr>
         <p:blipFill>
-          <a:blip r:embed="rId4"/>
+          <a:blip r:embed="rId2"/>
           <a:stretch>
             <a:fillRect/>
           </a:stretch>
         </p:blipFill>
         <p:spPr>
           <a:xfrm>
-            <a:off x="7825142" y="6187205"/>
-            <a:ext cx="241300" cy="215900"/>
+            <a:off x="1568201" y="1840088"/>
+            <a:ext cx="6007597" cy="4481689"/>
           </a:xfrm>
           <a:prstGeom prst="rect">
             <a:avLst/>
           </a:prstGeom>
         </p:spPr>
       </p:pic>
-      <p:pic>
-        <p:nvPicPr>
-          <p:cNvPr id="20" name="Picture 19">
-            <a:extLst>
-              <a:ext uri="{FF2B5EF4-FFF2-40B4-BE49-F238E27FC236}">
-                <a16:creationId xmlns:a16="http://schemas.microsoft.com/office/drawing/2014/main" id="{D22491DD-17C4-4544-AACD-3356762B6913}"/>
-              </a:ext>
-            </a:extLst>
-          </p:cNvPr>
-          <p:cNvPicPr>
-            <a:picLocks noChangeAspect="1"/>
-          </p:cNvPicPr>
-          <p:nvPr/>
-        </p:nvPicPr>
-        <p:blipFill>
-          <a:blip r:embed="rId5"/>
-          <a:stretch>
-            <a:fillRect/>
-          </a:stretch>
-        </p:blipFill>
-        <p:spPr>
-          <a:xfrm>
-            <a:off x="870519" y="2493830"/>
-            <a:ext cx="177800" cy="330200"/>
+      <p:sp>
+        <p:nvSpPr>
+          <p:cNvPr id="8" name="Rectangle 7">
+            <a:extLst>
+              <a:ext uri="{FF2B5EF4-FFF2-40B4-BE49-F238E27FC236}">
+                <a16:creationId xmlns:a16="http://schemas.microsoft.com/office/drawing/2014/main" id="{BB139F6D-1919-574F-AEE3-6C3A35ABC49F}"/>
+              </a:ext>
+            </a:extLst>
+          </p:cNvPr>
+          <p:cNvSpPr/>
+          <p:nvPr/>
+        </p:nvSpPr>
+        <p:spPr>
+          <a:xfrm>
+            <a:off x="1346199" y="618667"/>
+            <a:ext cx="5232021" cy="461665"/>
           </a:xfrm>
           <a:prstGeom prst="rect">
             <a:avLst/>
           </a:prstGeom>
         </p:spPr>
-      </p:pic>
-      <p:pic>
-        <p:nvPicPr>
-          <p:cNvPr id="34" name="Picture 33">
-            <a:extLst>
-              <a:ext uri="{FF2B5EF4-FFF2-40B4-BE49-F238E27FC236}">
-                <a16:creationId xmlns:a16="http://schemas.microsoft.com/office/drawing/2014/main" id="{AA646B92-833A-B544-A6AD-F21911A3AFF9}"/>
-              </a:ext>
-            </a:extLst>
-          </p:cNvPr>
-          <p:cNvPicPr>
-            <a:picLocks noChangeAspect="1"/>
-          </p:cNvPicPr>
-          <p:nvPr/>
-        </p:nvPicPr>
-        <p:blipFill>
-          <a:blip r:embed="rId6"/>
-          <a:stretch>
-            <a:fillRect/>
-          </a:stretch>
-        </p:blipFill>
-        <p:spPr>
-          <a:xfrm>
-            <a:off x="3721100" y="2463800"/>
-            <a:ext cx="1701800" cy="965200"/>
-          </a:xfrm>
-          <a:prstGeom prst="rect">
-            <a:avLst/>
-          </a:prstGeom>
-        </p:spPr>
-      </p:pic>
-      <p:pic>
-        <p:nvPicPr>
-          <p:cNvPr id="11" name="Picture 10">
-            <a:extLst>
-              <a:ext uri="{FF2B5EF4-FFF2-40B4-BE49-F238E27FC236}">
-                <a16:creationId xmlns:a16="http://schemas.microsoft.com/office/drawing/2014/main" id="{8E1C930C-2ABB-1247-8036-83C475C81862}"/>
-              </a:ext>
-            </a:extLst>
-          </p:cNvPr>
-          <p:cNvPicPr>
-            <a:picLocks noChangeAspect="1"/>
-          </p:cNvPicPr>
-          <p:nvPr/>
-        </p:nvPicPr>
-        <p:blipFill>
-          <a:blip r:embed="rId7"/>
-          <a:stretch>
-            <a:fillRect/>
-          </a:stretch>
-        </p:blipFill>
-        <p:spPr>
-          <a:xfrm>
-            <a:off x="6768129" y="6187205"/>
-            <a:ext cx="190500" cy="215900"/>
-          </a:xfrm>
-          <a:prstGeom prst="rect">
-            <a:avLst/>
-          </a:prstGeom>
-        </p:spPr>
-      </p:pic>
-      <p:pic>
-        <p:nvPicPr>
-          <p:cNvPr id="2" name="Picture 1">
-            <a:extLst>
-              <a:ext uri="{FF2B5EF4-FFF2-40B4-BE49-F238E27FC236}">
-                <a16:creationId xmlns:a16="http://schemas.microsoft.com/office/drawing/2014/main" id="{2F6CEF2C-8214-9F45-83E2-E563A4DEDB26}"/>
-              </a:ext>
-            </a:extLst>
-          </p:cNvPr>
-          <p:cNvPicPr>
-            <a:picLocks noChangeAspect="1"/>
-          </p:cNvPicPr>
-          <p:nvPr/>
-        </p:nvPicPr>
-        <p:blipFill>
-          <a:blip r:embed="rId8"/>
-          <a:stretch>
-            <a:fillRect/>
-          </a:stretch>
-        </p:blipFill>
-        <p:spPr>
-          <a:xfrm>
-            <a:off x="5637012" y="2480694"/>
-            <a:ext cx="1079500" cy="952500"/>
-          </a:xfrm>
-          <a:prstGeom prst="rect">
-            <a:avLst/>
-          </a:prstGeom>
-        </p:spPr>
-      </p:pic>
+        <p:txBody>
+          <a:bodyPr wrap="square">
+            <a:spAutoFit/>
+          </a:bodyPr>
+          <a:lstStyle/>
+          <a:p>
+            <a:pPr eaLnBrk="0" hangingPunct="0"/>
+            <a:r>
+              <a:rPr lang="es-ES_tradnl" sz="2400" dirty="0">
+                <a:solidFill>
+                  <a:srgbClr val="FF9300"/>
+                </a:solidFill>
+                <a:latin typeface="Trebuchet MS" pitchFamily="34" charset="0"/>
+              </a:rPr>
+              <a:t>Segmentación de Iris</a:t>
+            </a:r>
+          </a:p>
+        </p:txBody>
+      </p:sp>
     </p:spTree>
     <p:extLst>
       <p:ext uri="{BB962C8B-B14F-4D97-AF65-F5344CB8AC3E}">
-        <p14:creationId xmlns:p14="http://schemas.microsoft.com/office/powerpoint/2010/main" val="1698544391"/>
+        <p14:creationId xmlns:p14="http://schemas.microsoft.com/office/powerpoint/2010/main" val="2089653004"/>
       </p:ext>
     </p:extLst>
   </p:cSld>

--- a/clases/Cap08_Segmentacion/presentations/IMG08_Hough.pptx
+++ b/clases/Cap08_Segmentacion/presentations/IMG08_Hough.pptx
@@ -253,7 +253,7 @@
           <a:p>
             <a:fld id="{678C770B-B503-C841-A55C-00AF9EBD4322}" type="datetimeFigureOut">
               <a:rPr lang="en-US" smtClean="0"/>
-              <a:t>11/18/21</a:t>
+              <a:t>11/8/22</a:t>
             </a:fld>
             <a:endParaRPr lang="en-US"/>
           </a:p>
@@ -795,7 +795,7 @@
           <a:p>
             <a:fld id="{2D6C505C-4733-2D4D-B465-C1E86A553F67}" type="datetimeFigureOut">
               <a:rPr lang="en-US" smtClean="0"/>
-              <a:t>11/18/21</a:t>
+              <a:t>11/8/22</a:t>
             </a:fld>
             <a:endParaRPr lang="en-US"/>
           </a:p>
@@ -965,7 +965,7 @@
           <a:p>
             <a:fld id="{2D6C505C-4733-2D4D-B465-C1E86A553F67}" type="datetimeFigureOut">
               <a:rPr lang="en-US" smtClean="0"/>
-              <a:t>11/18/21</a:t>
+              <a:t>11/8/22</a:t>
             </a:fld>
             <a:endParaRPr lang="en-US"/>
           </a:p>
@@ -1145,7 +1145,7 @@
           <a:p>
             <a:fld id="{2D6C505C-4733-2D4D-B465-C1E86A553F67}" type="datetimeFigureOut">
               <a:rPr lang="en-US" smtClean="0"/>
-              <a:t>11/18/21</a:t>
+              <a:t>11/8/22</a:t>
             </a:fld>
             <a:endParaRPr lang="en-US"/>
           </a:p>
@@ -1315,7 +1315,7 @@
           <a:p>
             <a:fld id="{2D6C505C-4733-2D4D-B465-C1E86A553F67}" type="datetimeFigureOut">
               <a:rPr lang="en-US" smtClean="0"/>
-              <a:t>11/18/21</a:t>
+              <a:t>11/8/22</a:t>
             </a:fld>
             <a:endParaRPr lang="en-US"/>
           </a:p>
@@ -1561,7 +1561,7 @@
           <a:p>
             <a:fld id="{2D6C505C-4733-2D4D-B465-C1E86A553F67}" type="datetimeFigureOut">
               <a:rPr lang="en-US" smtClean="0"/>
-              <a:t>11/18/21</a:t>
+              <a:t>11/8/22</a:t>
             </a:fld>
             <a:endParaRPr lang="en-US"/>
           </a:p>
@@ -1849,7 +1849,7 @@
           <a:p>
             <a:fld id="{2D6C505C-4733-2D4D-B465-C1E86A553F67}" type="datetimeFigureOut">
               <a:rPr lang="en-US" smtClean="0"/>
-              <a:t>11/18/21</a:t>
+              <a:t>11/8/22</a:t>
             </a:fld>
             <a:endParaRPr lang="en-US"/>
           </a:p>
@@ -2271,7 +2271,7 @@
           <a:p>
             <a:fld id="{2D6C505C-4733-2D4D-B465-C1E86A553F67}" type="datetimeFigureOut">
               <a:rPr lang="en-US" smtClean="0"/>
-              <a:t>11/18/21</a:t>
+              <a:t>11/8/22</a:t>
             </a:fld>
             <a:endParaRPr lang="en-US"/>
           </a:p>
@@ -2389,7 +2389,7 @@
           <a:p>
             <a:fld id="{2D6C505C-4733-2D4D-B465-C1E86A553F67}" type="datetimeFigureOut">
               <a:rPr lang="en-US" smtClean="0"/>
-              <a:t>11/18/21</a:t>
+              <a:t>11/8/22</a:t>
             </a:fld>
             <a:endParaRPr lang="en-US"/>
           </a:p>
@@ -2484,7 +2484,7 @@
           <a:p>
             <a:fld id="{2D6C505C-4733-2D4D-B465-C1E86A553F67}" type="datetimeFigureOut">
               <a:rPr lang="en-US" smtClean="0"/>
-              <a:t>11/18/21</a:t>
+              <a:t>11/8/22</a:t>
             </a:fld>
             <a:endParaRPr lang="en-US"/>
           </a:p>
@@ -2761,7 +2761,7 @@
           <a:p>
             <a:fld id="{2D6C505C-4733-2D4D-B465-C1E86A553F67}" type="datetimeFigureOut">
               <a:rPr lang="en-US" smtClean="0"/>
-              <a:t>11/18/21</a:t>
+              <a:t>11/8/22</a:t>
             </a:fld>
             <a:endParaRPr lang="en-US"/>
           </a:p>
@@ -3014,7 +3014,7 @@
           <a:p>
             <a:fld id="{2D6C505C-4733-2D4D-B465-C1E86A553F67}" type="datetimeFigureOut">
               <a:rPr lang="en-US" smtClean="0"/>
-              <a:t>11/18/21</a:t>
+              <a:t>11/8/22</a:t>
             </a:fld>
             <a:endParaRPr lang="en-US"/>
           </a:p>
@@ -3227,7 +3227,7 @@
           <a:p>
             <a:fld id="{2D6C505C-4733-2D4D-B465-C1E86A553F67}" type="datetimeFigureOut">
               <a:rPr lang="en-US" smtClean="0"/>
-              <a:t>11/18/21</a:t>
+              <a:t>11/8/22</a:t>
             </a:fld>
             <a:endParaRPr lang="en-US"/>
           </a:p>
@@ -3960,7 +3960,7 @@
                 </a:solidFill>
                 <a:latin typeface="Trebuchet MS" pitchFamily="34" charset="0"/>
               </a:rPr>
-              <a:t>Departmento de Ciencia de la Computación</a:t>
+              <a:t>Departamento de Ciencia de la Computación</a:t>
             </a:r>
           </a:p>
           <a:p>
@@ -3988,27 +3988,8 @@
                 </a:solidFill>
                 <a:latin typeface="Trebuchet MS" pitchFamily="34" charset="0"/>
               </a:rPr>
-              <a:t>Universidad Católica </a:t>
+              <a:t>Universidad Católica de Chile</a:t>
             </a:r>
-            <a:r>
-              <a:rPr lang="es-CL" sz="1200">
-                <a:solidFill>
-                  <a:schemeClr val="bg1">
-                    <a:lumMod val="75000"/>
-                  </a:schemeClr>
-                </a:solidFill>
-                <a:latin typeface="Trebuchet MS" pitchFamily="34" charset="0"/>
-              </a:rPr>
-              <a:t>de Chile</a:t>
-            </a:r>
-            <a:endParaRPr lang="es-CL" sz="1200" dirty="0">
-              <a:solidFill>
-                <a:schemeClr val="bg1">
-                  <a:lumMod val="75000"/>
-                </a:schemeClr>
-              </a:solidFill>
-              <a:latin typeface="Trebuchet MS" pitchFamily="34" charset="0"/>
-            </a:endParaRPr>
           </a:p>
         </p:txBody>
       </p:sp>

--- a/clases/Cap08_Segmentacion/presentations/IMG08_Hough.pptx
+++ b/clases/Cap08_Segmentacion/presentations/IMG08_Hough.pptx
@@ -5,55 +5,56 @@
     <p:sldMasterId id="2147483648" r:id="rId1"/>
   </p:sldMasterIdLst>
   <p:notesMasterIdLst>
-    <p:notesMasterId r:id="rId48"/>
+    <p:notesMasterId r:id="rId49"/>
   </p:notesMasterIdLst>
   <p:sldIdLst>
     <p:sldId id="307" r:id="rId2"/>
-    <p:sldId id="800" r:id="rId3"/>
-    <p:sldId id="806" r:id="rId4"/>
-    <p:sldId id="802" r:id="rId5"/>
-    <p:sldId id="803" r:id="rId6"/>
-    <p:sldId id="805" r:id="rId7"/>
-    <p:sldId id="804" r:id="rId8"/>
-    <p:sldId id="807" r:id="rId9"/>
-    <p:sldId id="808" r:id="rId10"/>
-    <p:sldId id="809" r:id="rId11"/>
-    <p:sldId id="810" r:id="rId12"/>
-    <p:sldId id="811" r:id="rId13"/>
-    <p:sldId id="815" r:id="rId14"/>
-    <p:sldId id="816" r:id="rId15"/>
-    <p:sldId id="817" r:id="rId16"/>
-    <p:sldId id="818" r:id="rId17"/>
-    <p:sldId id="812" r:id="rId18"/>
-    <p:sldId id="813" r:id="rId19"/>
-    <p:sldId id="814" r:id="rId20"/>
-    <p:sldId id="819" r:id="rId21"/>
-    <p:sldId id="843" r:id="rId22"/>
-    <p:sldId id="848" r:id="rId23"/>
-    <p:sldId id="847" r:id="rId24"/>
-    <p:sldId id="844" r:id="rId25"/>
-    <p:sldId id="845" r:id="rId26"/>
-    <p:sldId id="846" r:id="rId27"/>
-    <p:sldId id="849" r:id="rId28"/>
-    <p:sldId id="836" r:id="rId29"/>
-    <p:sldId id="820" r:id="rId30"/>
-    <p:sldId id="827" r:id="rId31"/>
-    <p:sldId id="821" r:id="rId32"/>
-    <p:sldId id="822" r:id="rId33"/>
-    <p:sldId id="823" r:id="rId34"/>
-    <p:sldId id="824" r:id="rId35"/>
-    <p:sldId id="825" r:id="rId36"/>
-    <p:sldId id="826" r:id="rId37"/>
-    <p:sldId id="829" r:id="rId38"/>
-    <p:sldId id="830" r:id="rId39"/>
-    <p:sldId id="831" r:id="rId40"/>
-    <p:sldId id="828" r:id="rId41"/>
-    <p:sldId id="832" r:id="rId42"/>
-    <p:sldId id="833" r:id="rId43"/>
-    <p:sldId id="834" r:id="rId44"/>
-    <p:sldId id="835" r:id="rId45"/>
-    <p:sldId id="850" r:id="rId46"/>
-    <p:sldId id="851" r:id="rId47"/>
+    <p:sldId id="852" r:id="rId3"/>
+    <p:sldId id="800" r:id="rId4"/>
+    <p:sldId id="806" r:id="rId5"/>
+    <p:sldId id="802" r:id="rId6"/>
+    <p:sldId id="803" r:id="rId7"/>
+    <p:sldId id="805" r:id="rId8"/>
+    <p:sldId id="804" r:id="rId9"/>
+    <p:sldId id="807" r:id="rId10"/>
+    <p:sldId id="808" r:id="rId11"/>
+    <p:sldId id="809" r:id="rId12"/>
+    <p:sldId id="810" r:id="rId13"/>
+    <p:sldId id="811" r:id="rId14"/>
+    <p:sldId id="815" r:id="rId15"/>
+    <p:sldId id="816" r:id="rId16"/>
+    <p:sldId id="817" r:id="rId17"/>
+    <p:sldId id="818" r:id="rId18"/>
+    <p:sldId id="812" r:id="rId19"/>
+    <p:sldId id="813" r:id="rId20"/>
+    <p:sldId id="814" r:id="rId21"/>
+    <p:sldId id="819" r:id="rId22"/>
+    <p:sldId id="843" r:id="rId23"/>
+    <p:sldId id="848" r:id="rId24"/>
+    <p:sldId id="847" r:id="rId25"/>
+    <p:sldId id="844" r:id="rId26"/>
+    <p:sldId id="845" r:id="rId27"/>
+    <p:sldId id="846" r:id="rId28"/>
+    <p:sldId id="849" r:id="rId29"/>
+    <p:sldId id="836" r:id="rId30"/>
+    <p:sldId id="820" r:id="rId31"/>
+    <p:sldId id="827" r:id="rId32"/>
+    <p:sldId id="821" r:id="rId33"/>
+    <p:sldId id="822" r:id="rId34"/>
+    <p:sldId id="823" r:id="rId35"/>
+    <p:sldId id="824" r:id="rId36"/>
+    <p:sldId id="825" r:id="rId37"/>
+    <p:sldId id="826" r:id="rId38"/>
+    <p:sldId id="829" r:id="rId39"/>
+    <p:sldId id="830" r:id="rId40"/>
+    <p:sldId id="831" r:id="rId41"/>
+    <p:sldId id="828" r:id="rId42"/>
+    <p:sldId id="832" r:id="rId43"/>
+    <p:sldId id="833" r:id="rId44"/>
+    <p:sldId id="834" r:id="rId45"/>
+    <p:sldId id="835" r:id="rId46"/>
+    <p:sldId id="850" r:id="rId47"/>
+    <p:sldId id="851" r:id="rId48"/>
   </p:sldIdLst>
   <p:sldSz cx="9144000" cy="6858000" type="screen4x3"/>
   <p:notesSz cx="6858000" cy="9144000"/>
@@ -253,7 +254,7 @@
           <a:p>
             <a:fld id="{678C770B-B503-C841-A55C-00AF9EBD4322}" type="datetimeFigureOut">
               <a:rPr lang="en-US" smtClean="0"/>
-              <a:t>11/8/22</a:t>
+              <a:t>11/14/24</a:t>
             </a:fld>
             <a:endParaRPr lang="en-US"/>
           </a:p>
@@ -597,7 +598,7 @@
           <a:lstStyle/>
           <a:p>
             <a:pPr eaLnBrk="1" hangingPunct="1"/>
-            <a:endParaRPr lang="es-ES"/>
+            <a:endParaRPr lang="es-ES" dirty="0"/>
           </a:p>
         </p:txBody>
       </p:sp>
@@ -605,6 +606,123 @@
     <p:extLst>
       <p:ext uri="{BB962C8B-B14F-4D97-AF65-F5344CB8AC3E}">
         <p14:creationId xmlns:p14="http://schemas.microsoft.com/office/powerpoint/2010/main" val="1094606390"/>
+      </p:ext>
+    </p:extLst>
+  </p:cSld>
+  <p:clrMapOvr>
+    <a:masterClrMapping/>
+  </p:clrMapOvr>
+</p:notes>
+</file>
+
+<file path=ppt/notesSlides/notesSlide2.xml><?xml version="1.0" encoding="utf-8"?>
+<p:notes xmlns:a="http://schemas.openxmlformats.org/drawingml/2006/main" xmlns:r="http://schemas.openxmlformats.org/officeDocument/2006/relationships" xmlns:p="http://schemas.openxmlformats.org/presentationml/2006/main">
+  <p:cSld>
+    <p:spTree>
+      <p:nvGrpSpPr>
+        <p:cNvPr id="1" name="">
+          <a:extLst>
+            <a:ext uri="{FF2B5EF4-FFF2-40B4-BE49-F238E27FC236}">
+              <a16:creationId xmlns:a16="http://schemas.microsoft.com/office/drawing/2014/main" id="{11381F7B-B612-1A28-18D4-764797F80860}"/>
+            </a:ext>
+          </a:extLst>
+        </p:cNvPr>
+        <p:cNvGrpSpPr/>
+        <p:nvPr/>
+      </p:nvGrpSpPr>
+      <p:grpSpPr>
+        <a:xfrm>
+          <a:off x="0" y="0"/>
+          <a:ext cx="0" cy="0"/>
+          <a:chOff x="0" y="0"/>
+          <a:chExt cx="0" cy="0"/>
+        </a:xfrm>
+      </p:grpSpPr>
+      <p:sp>
+        <p:nvSpPr>
+          <p:cNvPr id="63490" name="Rectangle 7">
+            <a:extLst>
+              <a:ext uri="{FF2B5EF4-FFF2-40B4-BE49-F238E27FC236}">
+                <a16:creationId xmlns:a16="http://schemas.microsoft.com/office/drawing/2014/main" id="{1877F36F-94F7-9FF3-45C9-D99D7E7F3F02}"/>
+              </a:ext>
+            </a:extLst>
+          </p:cNvPr>
+          <p:cNvSpPr>
+            <a:spLocks noGrp="1" noChangeArrowheads="1"/>
+          </p:cNvSpPr>
+          <p:nvPr>
+            <p:ph type="sldNum" sz="quarter" idx="5"/>
+          </p:nvPr>
+        </p:nvSpPr>
+        <p:spPr>
+          <a:noFill/>
+        </p:spPr>
+        <p:txBody>
+          <a:bodyPr/>
+          <a:lstStyle/>
+          <a:p>
+            <a:fld id="{39368921-76A0-4AD0-9C73-38820D030D86}" type="slidenum">
+              <a:rPr lang="en-US"/>
+              <a:pPr/>
+              <a:t>2</a:t>
+            </a:fld>
+            <a:endParaRPr lang="en-US"/>
+          </a:p>
+        </p:txBody>
+      </p:sp>
+      <p:sp>
+        <p:nvSpPr>
+          <p:cNvPr id="63491" name="Rectangle 2">
+            <a:extLst>
+              <a:ext uri="{FF2B5EF4-FFF2-40B4-BE49-F238E27FC236}">
+                <a16:creationId xmlns:a16="http://schemas.microsoft.com/office/drawing/2014/main" id="{09C33EE4-CC64-2714-B9C0-9DAD345B1447}"/>
+              </a:ext>
+            </a:extLst>
+          </p:cNvPr>
+          <p:cNvSpPr>
+            <a:spLocks noGrp="1" noRot="1" noChangeAspect="1" noChangeArrowheads="1" noTextEdit="1"/>
+          </p:cNvSpPr>
+          <p:nvPr>
+            <p:ph type="sldImg"/>
+          </p:nvPr>
+        </p:nvSpPr>
+        <p:spPr>
+          <a:ln/>
+        </p:spPr>
+      </p:sp>
+      <p:sp>
+        <p:nvSpPr>
+          <p:cNvPr id="63492" name="Rectangle 3">
+            <a:extLst>
+              <a:ext uri="{FF2B5EF4-FFF2-40B4-BE49-F238E27FC236}">
+                <a16:creationId xmlns:a16="http://schemas.microsoft.com/office/drawing/2014/main" id="{32902852-50D7-A818-5454-9CAF7EC41C46}"/>
+              </a:ext>
+            </a:extLst>
+          </p:cNvPr>
+          <p:cNvSpPr>
+            <a:spLocks noGrp="1" noChangeArrowheads="1"/>
+          </p:cNvSpPr>
+          <p:nvPr>
+            <p:ph type="body" idx="1"/>
+          </p:nvPr>
+        </p:nvSpPr>
+        <p:spPr>
+          <a:noFill/>
+          <a:ln/>
+        </p:spPr>
+        <p:txBody>
+          <a:bodyPr/>
+          <a:lstStyle/>
+          <a:p>
+            <a:pPr eaLnBrk="1" hangingPunct="1"/>
+            <a:endParaRPr lang="es-ES" dirty="0"/>
+          </a:p>
+        </p:txBody>
+      </p:sp>
+    </p:spTree>
+    <p:extLst>
+      <p:ext uri="{BB962C8B-B14F-4D97-AF65-F5344CB8AC3E}">
+        <p14:creationId xmlns:p14="http://schemas.microsoft.com/office/powerpoint/2010/main" val="157776451"/>
       </p:ext>
     </p:extLst>
   </p:cSld>
@@ -795,7 +913,7 @@
           <a:p>
             <a:fld id="{2D6C505C-4733-2D4D-B465-C1E86A553F67}" type="datetimeFigureOut">
               <a:rPr lang="en-US" smtClean="0"/>
-              <a:t>11/8/22</a:t>
+              <a:t>11/14/24</a:t>
             </a:fld>
             <a:endParaRPr lang="en-US"/>
           </a:p>
@@ -965,7 +1083,7 @@
           <a:p>
             <a:fld id="{2D6C505C-4733-2D4D-B465-C1E86A553F67}" type="datetimeFigureOut">
               <a:rPr lang="en-US" smtClean="0"/>
-              <a:t>11/8/22</a:t>
+              <a:t>11/14/24</a:t>
             </a:fld>
             <a:endParaRPr lang="en-US"/>
           </a:p>
@@ -1145,7 +1263,7 @@
           <a:p>
             <a:fld id="{2D6C505C-4733-2D4D-B465-C1E86A553F67}" type="datetimeFigureOut">
               <a:rPr lang="en-US" smtClean="0"/>
-              <a:t>11/8/22</a:t>
+              <a:t>11/14/24</a:t>
             </a:fld>
             <a:endParaRPr lang="en-US"/>
           </a:p>
@@ -1315,7 +1433,7 @@
           <a:p>
             <a:fld id="{2D6C505C-4733-2D4D-B465-C1E86A553F67}" type="datetimeFigureOut">
               <a:rPr lang="en-US" smtClean="0"/>
-              <a:t>11/8/22</a:t>
+              <a:t>11/14/24</a:t>
             </a:fld>
             <a:endParaRPr lang="en-US"/>
           </a:p>
@@ -1561,7 +1679,7 @@
           <a:p>
             <a:fld id="{2D6C505C-4733-2D4D-B465-C1E86A553F67}" type="datetimeFigureOut">
               <a:rPr lang="en-US" smtClean="0"/>
-              <a:t>11/8/22</a:t>
+              <a:t>11/14/24</a:t>
             </a:fld>
             <a:endParaRPr lang="en-US"/>
           </a:p>
@@ -1849,7 +1967,7 @@
           <a:p>
             <a:fld id="{2D6C505C-4733-2D4D-B465-C1E86A553F67}" type="datetimeFigureOut">
               <a:rPr lang="en-US" smtClean="0"/>
-              <a:t>11/8/22</a:t>
+              <a:t>11/14/24</a:t>
             </a:fld>
             <a:endParaRPr lang="en-US"/>
           </a:p>
@@ -2271,7 +2389,7 @@
           <a:p>
             <a:fld id="{2D6C505C-4733-2D4D-B465-C1E86A553F67}" type="datetimeFigureOut">
               <a:rPr lang="en-US" smtClean="0"/>
-              <a:t>11/8/22</a:t>
+              <a:t>11/14/24</a:t>
             </a:fld>
             <a:endParaRPr lang="en-US"/>
           </a:p>
@@ -2389,7 +2507,7 @@
           <a:p>
             <a:fld id="{2D6C505C-4733-2D4D-B465-C1E86A553F67}" type="datetimeFigureOut">
               <a:rPr lang="en-US" smtClean="0"/>
-              <a:t>11/8/22</a:t>
+              <a:t>11/14/24</a:t>
             </a:fld>
             <a:endParaRPr lang="en-US"/>
           </a:p>
@@ -2484,7 +2602,7 @@
           <a:p>
             <a:fld id="{2D6C505C-4733-2D4D-B465-C1E86A553F67}" type="datetimeFigureOut">
               <a:rPr lang="en-US" smtClean="0"/>
-              <a:t>11/8/22</a:t>
+              <a:t>11/14/24</a:t>
             </a:fld>
             <a:endParaRPr lang="en-US"/>
           </a:p>
@@ -2761,7 +2879,7 @@
           <a:p>
             <a:fld id="{2D6C505C-4733-2D4D-B465-C1E86A553F67}" type="datetimeFigureOut">
               <a:rPr lang="en-US" smtClean="0"/>
-              <a:t>11/8/22</a:t>
+              <a:t>11/14/24</a:t>
             </a:fld>
             <a:endParaRPr lang="en-US"/>
           </a:p>
@@ -3014,7 +3132,7 @@
           <a:p>
             <a:fld id="{2D6C505C-4733-2D4D-B465-C1E86A553F67}" type="datetimeFigureOut">
               <a:rPr lang="en-US" smtClean="0"/>
-              <a:t>11/8/22</a:t>
+              <a:t>11/14/24</a:t>
             </a:fld>
             <a:endParaRPr lang="en-US"/>
           </a:p>
@@ -3227,7 +3345,7 @@
           <a:p>
             <a:fld id="{2D6C505C-4733-2D4D-B465-C1E86A553F67}" type="datetimeFigureOut">
               <a:rPr lang="en-US" smtClean="0"/>
-              <a:t>11/8/22</a:t>
+              <a:t>11/14/24</a:t>
             </a:fld>
             <a:endParaRPr lang="en-US"/>
           </a:p>
@@ -4850,94 +4968,6 @@
       </p:grpSpPr>
       <p:sp>
         <p:nvSpPr>
-          <p:cNvPr id="15" name="Rounded Rectangle 14">
-            <a:extLst>
-              <a:ext uri="{FF2B5EF4-FFF2-40B4-BE49-F238E27FC236}">
-                <a16:creationId xmlns:a16="http://schemas.microsoft.com/office/drawing/2014/main" id="{6FC090F4-6CBA-9442-841C-284C8FC285A1}"/>
-              </a:ext>
-            </a:extLst>
-          </p:cNvPr>
-          <p:cNvSpPr/>
-          <p:nvPr/>
-        </p:nvSpPr>
-        <p:spPr>
-          <a:xfrm>
-            <a:off x="3737762" y="5794509"/>
-            <a:ext cx="4340901" cy="814648"/>
-          </a:xfrm>
-          <a:prstGeom prst="roundRect">
-            <a:avLst/>
-          </a:prstGeom>
-        </p:spPr>
-        <p:style>
-          <a:lnRef idx="1">
-            <a:schemeClr val="accent6"/>
-          </a:lnRef>
-          <a:fillRef idx="2">
-            <a:schemeClr val="accent6"/>
-          </a:fillRef>
-          <a:effectRef idx="1">
-            <a:schemeClr val="accent6"/>
-          </a:effectRef>
-          <a:fontRef idx="minor">
-            <a:schemeClr val="dk1"/>
-          </a:fontRef>
-        </p:style>
-        <p:txBody>
-          <a:bodyPr rtlCol="0" anchor="ctr"/>
-          <a:lstStyle/>
-          <a:p>
-            <a:pPr algn="ctr"/>
-            <a:endParaRPr lang="en-US"/>
-          </a:p>
-        </p:txBody>
-      </p:sp>
-      <p:sp>
-        <p:nvSpPr>
-          <p:cNvPr id="4" name="Rounded Rectangle 3">
-            <a:extLst>
-              <a:ext uri="{FF2B5EF4-FFF2-40B4-BE49-F238E27FC236}">
-                <a16:creationId xmlns:a16="http://schemas.microsoft.com/office/drawing/2014/main" id="{9EBA2E2D-963A-C54F-89F9-2EDFCE7FE0B1}"/>
-              </a:ext>
-            </a:extLst>
-          </p:cNvPr>
-          <p:cNvSpPr/>
-          <p:nvPr/>
-        </p:nvSpPr>
-        <p:spPr>
-          <a:xfrm>
-            <a:off x="3687850" y="1479665"/>
-            <a:ext cx="2546696" cy="814648"/>
-          </a:xfrm>
-          <a:prstGeom prst="roundRect">
-            <a:avLst/>
-          </a:prstGeom>
-        </p:spPr>
-        <p:style>
-          <a:lnRef idx="1">
-            <a:schemeClr val="accent1"/>
-          </a:lnRef>
-          <a:fillRef idx="3">
-            <a:schemeClr val="accent1"/>
-          </a:fillRef>
-          <a:effectRef idx="2">
-            <a:schemeClr val="accent1"/>
-          </a:effectRef>
-          <a:fontRef idx="minor">
-            <a:schemeClr val="lt1"/>
-          </a:fontRef>
-        </p:style>
-        <p:txBody>
-          <a:bodyPr rtlCol="0" anchor="ctr"/>
-          <a:lstStyle/>
-          <a:p>
-            <a:pPr algn="ctr"/>
-            <a:endParaRPr lang="en-US"/>
-          </a:p>
-        </p:txBody>
-      </p:sp>
-      <p:sp>
-        <p:nvSpPr>
           <p:cNvPr id="14" name="Rectangle 13">
             <a:extLst>
               <a:ext uri="{FF2B5EF4-FFF2-40B4-BE49-F238E27FC236}">
@@ -5302,7 +5332,7 @@
     </p:spTree>
     <p:extLst>
       <p:ext uri="{BB962C8B-B14F-4D97-AF65-F5344CB8AC3E}">
-        <p14:creationId xmlns:p14="http://schemas.microsoft.com/office/powerpoint/2010/main" val="3674403696"/>
+        <p14:creationId xmlns:p14="http://schemas.microsoft.com/office/powerpoint/2010/main" val="1273034827"/>
       </p:ext>
     </p:extLst>
   </p:cSld>
@@ -5329,6 +5359,487 @@
           <a:chExt cx="0" cy="0"/>
         </a:xfrm>
       </p:grpSpPr>
+      <p:sp>
+        <p:nvSpPr>
+          <p:cNvPr id="15" name="Rounded Rectangle 14">
+            <a:extLst>
+              <a:ext uri="{FF2B5EF4-FFF2-40B4-BE49-F238E27FC236}">
+                <a16:creationId xmlns:a16="http://schemas.microsoft.com/office/drawing/2014/main" id="{6FC090F4-6CBA-9442-841C-284C8FC285A1}"/>
+              </a:ext>
+            </a:extLst>
+          </p:cNvPr>
+          <p:cNvSpPr/>
+          <p:nvPr/>
+        </p:nvSpPr>
+        <p:spPr>
+          <a:xfrm>
+            <a:off x="3737762" y="5794509"/>
+            <a:ext cx="4340901" cy="814648"/>
+          </a:xfrm>
+          <a:prstGeom prst="roundRect">
+            <a:avLst/>
+          </a:prstGeom>
+        </p:spPr>
+        <p:style>
+          <a:lnRef idx="1">
+            <a:schemeClr val="accent6"/>
+          </a:lnRef>
+          <a:fillRef idx="2">
+            <a:schemeClr val="accent6"/>
+          </a:fillRef>
+          <a:effectRef idx="1">
+            <a:schemeClr val="accent6"/>
+          </a:effectRef>
+          <a:fontRef idx="minor">
+            <a:schemeClr val="dk1"/>
+          </a:fontRef>
+        </p:style>
+        <p:txBody>
+          <a:bodyPr rtlCol="0" anchor="ctr"/>
+          <a:lstStyle/>
+          <a:p>
+            <a:pPr algn="ctr"/>
+            <a:endParaRPr lang="en-US"/>
+          </a:p>
+        </p:txBody>
+      </p:sp>
+      <p:sp>
+        <p:nvSpPr>
+          <p:cNvPr id="4" name="Rounded Rectangle 3">
+            <a:extLst>
+              <a:ext uri="{FF2B5EF4-FFF2-40B4-BE49-F238E27FC236}">
+                <a16:creationId xmlns:a16="http://schemas.microsoft.com/office/drawing/2014/main" id="{9EBA2E2D-963A-C54F-89F9-2EDFCE7FE0B1}"/>
+              </a:ext>
+            </a:extLst>
+          </p:cNvPr>
+          <p:cNvSpPr/>
+          <p:nvPr/>
+        </p:nvSpPr>
+        <p:spPr>
+          <a:xfrm>
+            <a:off x="3687850" y="1479665"/>
+            <a:ext cx="2546696" cy="814648"/>
+          </a:xfrm>
+          <a:prstGeom prst="roundRect">
+            <a:avLst/>
+          </a:prstGeom>
+        </p:spPr>
+        <p:style>
+          <a:lnRef idx="1">
+            <a:schemeClr val="accent1"/>
+          </a:lnRef>
+          <a:fillRef idx="3">
+            <a:schemeClr val="accent1"/>
+          </a:fillRef>
+          <a:effectRef idx="2">
+            <a:schemeClr val="accent1"/>
+          </a:effectRef>
+          <a:fontRef idx="minor">
+            <a:schemeClr val="lt1"/>
+          </a:fontRef>
+        </p:style>
+        <p:txBody>
+          <a:bodyPr rtlCol="0" anchor="ctr"/>
+          <a:lstStyle/>
+          <a:p>
+            <a:pPr algn="ctr"/>
+            <a:endParaRPr lang="en-US"/>
+          </a:p>
+        </p:txBody>
+      </p:sp>
+      <p:sp>
+        <p:nvSpPr>
+          <p:cNvPr id="14" name="Rectangle 13">
+            <a:extLst>
+              <a:ext uri="{FF2B5EF4-FFF2-40B4-BE49-F238E27FC236}">
+                <a16:creationId xmlns:a16="http://schemas.microsoft.com/office/drawing/2014/main" id="{EAB98CC8-5841-6E4B-B3F7-B13D1F406B06}"/>
+              </a:ext>
+            </a:extLst>
+          </p:cNvPr>
+          <p:cNvSpPr/>
+          <p:nvPr/>
+        </p:nvSpPr>
+        <p:spPr>
+          <a:xfrm>
+            <a:off x="950757" y="562845"/>
+            <a:ext cx="5524718" cy="584775"/>
+          </a:xfrm>
+          <a:prstGeom prst="rect">
+            <a:avLst/>
+          </a:prstGeom>
+        </p:spPr>
+        <p:txBody>
+          <a:bodyPr wrap="none">
+            <a:spAutoFit/>
+          </a:bodyPr>
+          <a:lstStyle/>
+          <a:p>
+            <a:r>
+              <a:rPr lang="es-CL" sz="3200" dirty="0">
+                <a:solidFill>
+                  <a:srgbClr val="FF9300"/>
+                </a:solidFill>
+                <a:latin typeface="Trebuchet MS" pitchFamily="34" charset="0"/>
+              </a:rPr>
+              <a:t>Representación de una Recta</a:t>
+            </a:r>
+          </a:p>
+        </p:txBody>
+      </p:sp>
+      <p:pic>
+        <p:nvPicPr>
+          <p:cNvPr id="13" name="Picture 12">
+            <a:extLst>
+              <a:ext uri="{FF2B5EF4-FFF2-40B4-BE49-F238E27FC236}">
+                <a16:creationId xmlns:a16="http://schemas.microsoft.com/office/drawing/2014/main" id="{FA479032-EF6D-2C45-B495-BEC505CB8437}"/>
+              </a:ext>
+            </a:extLst>
+          </p:cNvPr>
+          <p:cNvPicPr>
+            <a:picLocks noChangeAspect="1"/>
+          </p:cNvPicPr>
+          <p:nvPr/>
+        </p:nvPicPr>
+        <p:blipFill>
+          <a:blip r:embed="rId2"/>
+          <a:stretch>
+            <a:fillRect/>
+          </a:stretch>
+        </p:blipFill>
+        <p:spPr>
+          <a:xfrm>
+            <a:off x="3796701" y="1687156"/>
+            <a:ext cx="2260600" cy="419100"/>
+          </a:xfrm>
+          <a:prstGeom prst="rect">
+            <a:avLst/>
+          </a:prstGeom>
+        </p:spPr>
+      </p:pic>
+      <p:pic>
+        <p:nvPicPr>
+          <p:cNvPr id="34" name="Picture 33">
+            <a:extLst>
+              <a:ext uri="{FF2B5EF4-FFF2-40B4-BE49-F238E27FC236}">
+                <a16:creationId xmlns:a16="http://schemas.microsoft.com/office/drawing/2014/main" id="{AA646B92-833A-B544-A6AD-F21911A3AFF9}"/>
+              </a:ext>
+            </a:extLst>
+          </p:cNvPr>
+          <p:cNvPicPr>
+            <a:picLocks noChangeAspect="1"/>
+          </p:cNvPicPr>
+          <p:nvPr/>
+        </p:nvPicPr>
+        <p:blipFill>
+          <a:blip r:embed="rId3"/>
+          <a:stretch>
+            <a:fillRect/>
+          </a:stretch>
+        </p:blipFill>
+        <p:spPr>
+          <a:xfrm>
+            <a:off x="3721100" y="2463800"/>
+            <a:ext cx="1701800" cy="965200"/>
+          </a:xfrm>
+          <a:prstGeom prst="rect">
+            <a:avLst/>
+          </a:prstGeom>
+        </p:spPr>
+      </p:pic>
+      <p:pic>
+        <p:nvPicPr>
+          <p:cNvPr id="2" name="Picture 1">
+            <a:extLst>
+              <a:ext uri="{FF2B5EF4-FFF2-40B4-BE49-F238E27FC236}">
+                <a16:creationId xmlns:a16="http://schemas.microsoft.com/office/drawing/2014/main" id="{2F6CEF2C-8214-9F45-83E2-E563A4DEDB26}"/>
+              </a:ext>
+            </a:extLst>
+          </p:cNvPr>
+          <p:cNvPicPr>
+            <a:picLocks noChangeAspect="1"/>
+          </p:cNvPicPr>
+          <p:nvPr/>
+        </p:nvPicPr>
+        <p:blipFill>
+          <a:blip r:embed="rId4"/>
+          <a:stretch>
+            <a:fillRect/>
+          </a:stretch>
+        </p:blipFill>
+        <p:spPr>
+          <a:xfrm>
+            <a:off x="5637012" y="2480694"/>
+            <a:ext cx="1079500" cy="952500"/>
+          </a:xfrm>
+          <a:prstGeom prst="rect">
+            <a:avLst/>
+          </a:prstGeom>
+        </p:spPr>
+      </p:pic>
+      <p:pic>
+        <p:nvPicPr>
+          <p:cNvPr id="5" name="Picture 4">
+            <a:extLst>
+              <a:ext uri="{FF2B5EF4-FFF2-40B4-BE49-F238E27FC236}">
+                <a16:creationId xmlns:a16="http://schemas.microsoft.com/office/drawing/2014/main" id="{C4959EFD-5AD3-1040-971D-0AE27EBEA608}"/>
+              </a:ext>
+            </a:extLst>
+          </p:cNvPr>
+          <p:cNvPicPr>
+            <a:picLocks noChangeAspect="1"/>
+          </p:cNvPicPr>
+          <p:nvPr/>
+        </p:nvPicPr>
+        <p:blipFill>
+          <a:blip r:embed="rId5"/>
+          <a:stretch>
+            <a:fillRect/>
+          </a:stretch>
+        </p:blipFill>
+        <p:spPr>
+          <a:xfrm>
+            <a:off x="7024751" y="2477844"/>
+            <a:ext cx="1790700" cy="952500"/>
+          </a:xfrm>
+          <a:prstGeom prst="rect">
+            <a:avLst/>
+          </a:prstGeom>
+        </p:spPr>
+      </p:pic>
+      <p:pic>
+        <p:nvPicPr>
+          <p:cNvPr id="24" name="Picture 23">
+            <a:extLst>
+              <a:ext uri="{FF2B5EF4-FFF2-40B4-BE49-F238E27FC236}">
+                <a16:creationId xmlns:a16="http://schemas.microsoft.com/office/drawing/2014/main" id="{8BD4B785-2108-7D49-8E40-220565BB8111}"/>
+              </a:ext>
+            </a:extLst>
+          </p:cNvPr>
+          <p:cNvPicPr>
+            <a:picLocks noChangeAspect="1"/>
+          </p:cNvPicPr>
+          <p:nvPr/>
+        </p:nvPicPr>
+        <p:blipFill>
+          <a:blip r:embed="rId6"/>
+          <a:stretch>
+            <a:fillRect/>
+          </a:stretch>
+        </p:blipFill>
+        <p:spPr>
+          <a:xfrm>
+            <a:off x="4927001" y="3843007"/>
+            <a:ext cx="1714500" cy="838200"/>
+          </a:xfrm>
+          <a:prstGeom prst="rect">
+            <a:avLst/>
+          </a:prstGeom>
+        </p:spPr>
+      </p:pic>
+      <p:pic>
+        <p:nvPicPr>
+          <p:cNvPr id="25" name="Picture 24">
+            <a:extLst>
+              <a:ext uri="{FF2B5EF4-FFF2-40B4-BE49-F238E27FC236}">
+                <a16:creationId xmlns:a16="http://schemas.microsoft.com/office/drawing/2014/main" id="{3AD8B67B-EBBA-3345-8344-04D02D53D7DC}"/>
+              </a:ext>
+            </a:extLst>
+          </p:cNvPr>
+          <p:cNvPicPr>
+            <a:picLocks noChangeAspect="1"/>
+          </p:cNvPicPr>
+          <p:nvPr/>
+        </p:nvPicPr>
+        <p:blipFill>
+          <a:blip r:embed="rId7"/>
+          <a:stretch>
+            <a:fillRect/>
+          </a:stretch>
+        </p:blipFill>
+        <p:spPr>
+          <a:xfrm>
+            <a:off x="7146063" y="3877684"/>
+            <a:ext cx="1765300" cy="838200"/>
+          </a:xfrm>
+          <a:prstGeom prst="rect">
+            <a:avLst/>
+          </a:prstGeom>
+        </p:spPr>
+      </p:pic>
+      <p:cxnSp>
+        <p:nvCxnSpPr>
+          <p:cNvPr id="7" name="Elbow Connector 6">
+            <a:extLst>
+              <a:ext uri="{FF2B5EF4-FFF2-40B4-BE49-F238E27FC236}">
+                <a16:creationId xmlns:a16="http://schemas.microsoft.com/office/drawing/2014/main" id="{CB07AE50-FD07-C04C-8B74-CA180FCEFF5D}"/>
+              </a:ext>
+            </a:extLst>
+          </p:cNvPr>
+          <p:cNvCxnSpPr>
+            <a:cxnSpLocks/>
+          </p:cNvCxnSpPr>
+          <p:nvPr/>
+        </p:nvCxnSpPr>
+        <p:spPr>
+          <a:xfrm rot="10800000" flipV="1">
+            <a:off x="1104414" y="1896706"/>
+            <a:ext cx="2476162" cy="2496048"/>
+          </a:xfrm>
+          <a:prstGeom prst="bentConnector2">
+            <a:avLst/>
+          </a:prstGeom>
+          <a:ln>
+            <a:tailEnd type="triangle"/>
+          </a:ln>
+        </p:spPr>
+        <p:style>
+          <a:lnRef idx="2">
+            <a:schemeClr val="accent1"/>
+          </a:lnRef>
+          <a:fillRef idx="0">
+            <a:schemeClr val="accent1"/>
+          </a:fillRef>
+          <a:effectRef idx="1">
+            <a:schemeClr val="accent1"/>
+          </a:effectRef>
+          <a:fontRef idx="minor">
+            <a:schemeClr val="tx1"/>
+          </a:fontRef>
+        </p:style>
+      </p:cxnSp>
+      <p:pic>
+        <p:nvPicPr>
+          <p:cNvPr id="26" name="Picture 25">
+            <a:extLst>
+              <a:ext uri="{FF2B5EF4-FFF2-40B4-BE49-F238E27FC236}">
+                <a16:creationId xmlns:a16="http://schemas.microsoft.com/office/drawing/2014/main" id="{EDA5F1FF-388A-5545-A973-F12ECFFEB7E5}"/>
+              </a:ext>
+            </a:extLst>
+          </p:cNvPr>
+          <p:cNvPicPr>
+            <a:picLocks noChangeAspect="1"/>
+          </p:cNvPicPr>
+          <p:nvPr/>
+        </p:nvPicPr>
+        <p:blipFill>
+          <a:blip r:embed="rId8"/>
+          <a:stretch>
+            <a:fillRect/>
+          </a:stretch>
+        </p:blipFill>
+        <p:spPr>
+          <a:xfrm>
+            <a:off x="1048711" y="4681272"/>
+            <a:ext cx="3962400" cy="952500"/>
+          </a:xfrm>
+          <a:prstGeom prst="rect">
+            <a:avLst/>
+          </a:prstGeom>
+        </p:spPr>
+      </p:pic>
+      <p:pic>
+        <p:nvPicPr>
+          <p:cNvPr id="3" name="Picture 2">
+            <a:extLst>
+              <a:ext uri="{FF2B5EF4-FFF2-40B4-BE49-F238E27FC236}">
+                <a16:creationId xmlns:a16="http://schemas.microsoft.com/office/drawing/2014/main" id="{D6EC9E1D-1BED-794C-A632-6301B65E8905}"/>
+              </a:ext>
+            </a:extLst>
+          </p:cNvPr>
+          <p:cNvPicPr>
+            <a:picLocks noChangeAspect="1"/>
+          </p:cNvPicPr>
+          <p:nvPr/>
+        </p:nvPicPr>
+        <p:blipFill>
+          <a:blip r:embed="rId9"/>
+          <a:stretch>
+            <a:fillRect/>
+          </a:stretch>
+        </p:blipFill>
+        <p:spPr>
+          <a:xfrm>
+            <a:off x="3885601" y="5986158"/>
+            <a:ext cx="3797300" cy="431800"/>
+          </a:xfrm>
+          <a:prstGeom prst="rect">
+            <a:avLst/>
+          </a:prstGeom>
+        </p:spPr>
+      </p:pic>
+      <p:cxnSp>
+        <p:nvCxnSpPr>
+          <p:cNvPr id="6" name="Elbow Connector 5">
+            <a:extLst>
+              <a:ext uri="{FF2B5EF4-FFF2-40B4-BE49-F238E27FC236}">
+                <a16:creationId xmlns:a16="http://schemas.microsoft.com/office/drawing/2014/main" id="{1775D2F7-D870-0F4A-9961-1E6FAFE35503}"/>
+              </a:ext>
+            </a:extLst>
+          </p:cNvPr>
+          <p:cNvCxnSpPr>
+            <a:cxnSpLocks/>
+          </p:cNvCxnSpPr>
+          <p:nvPr/>
+        </p:nvCxnSpPr>
+        <p:spPr>
+          <a:xfrm>
+            <a:off x="1065336" y="5756040"/>
+            <a:ext cx="2664404" cy="495668"/>
+          </a:xfrm>
+          <a:prstGeom prst="bentConnector3">
+            <a:avLst>
+              <a:gd name="adj1" fmla="val 81"/>
+            </a:avLst>
+          </a:prstGeom>
+          <a:ln>
+            <a:tailEnd type="triangle"/>
+          </a:ln>
+        </p:spPr>
+        <p:style>
+          <a:lnRef idx="2">
+            <a:schemeClr val="accent1"/>
+          </a:lnRef>
+          <a:fillRef idx="0">
+            <a:schemeClr val="accent1"/>
+          </a:fillRef>
+          <a:effectRef idx="1">
+            <a:schemeClr val="accent1"/>
+          </a:effectRef>
+          <a:fontRef idx="minor">
+            <a:schemeClr val="tx1"/>
+          </a:fontRef>
+        </p:style>
+      </p:cxnSp>
+    </p:spTree>
+    <p:extLst>
+      <p:ext uri="{BB962C8B-B14F-4D97-AF65-F5344CB8AC3E}">
+        <p14:creationId xmlns:p14="http://schemas.microsoft.com/office/powerpoint/2010/main" val="3674403696"/>
+      </p:ext>
+    </p:extLst>
+  </p:cSld>
+  <p:clrMapOvr>
+    <a:masterClrMapping/>
+  </p:clrMapOvr>
+</p:sld>
+</file>
+
+<file path=ppt/slides/slide12.xml><?xml version="1.0" encoding="utf-8"?>
+<p:sld xmlns:a="http://schemas.openxmlformats.org/drawingml/2006/main" xmlns:r="http://schemas.openxmlformats.org/officeDocument/2006/relationships" xmlns:p="http://schemas.openxmlformats.org/presentationml/2006/main">
+  <p:cSld>
+    <p:spTree>
+      <p:nvGrpSpPr>
+        <p:cNvPr id="1" name=""/>
+        <p:cNvGrpSpPr/>
+        <p:nvPr/>
+      </p:nvGrpSpPr>
+      <p:grpSpPr>
+        <a:xfrm>
+          <a:off x="0" y="0"/>
+          <a:ext cx="0" cy="0"/>
+          <a:chOff x="0" y="0"/>
+          <a:chExt cx="0" cy="0"/>
+        </a:xfrm>
+      </p:grpSpPr>
       <p:cxnSp>
         <p:nvCxnSpPr>
           <p:cNvPr id="4" name="Straight Arrow Connector 3">
@@ -5918,7 +6429,7 @@
 </p:sld>
 </file>
 
-<file path=ppt/slides/slide12.xml><?xml version="1.0" encoding="utf-8"?>
+<file path=ppt/slides/slide13.xml><?xml version="1.0" encoding="utf-8"?>
 <p:sld xmlns:a="http://schemas.openxmlformats.org/drawingml/2006/main" xmlns:r="http://schemas.openxmlformats.org/officeDocument/2006/relationships" xmlns:p="http://schemas.openxmlformats.org/presentationml/2006/main">
   <p:cSld>
     <p:spTree>
@@ -6977,7 +7488,7 @@
 </p:sld>
 </file>
 
-<file path=ppt/slides/slide13.xml><?xml version="1.0" encoding="utf-8"?>
+<file path=ppt/slides/slide14.xml><?xml version="1.0" encoding="utf-8"?>
 <p:sld xmlns:a="http://schemas.openxmlformats.org/drawingml/2006/main" xmlns:r="http://schemas.openxmlformats.org/officeDocument/2006/relationships" xmlns:p="http://schemas.openxmlformats.org/presentationml/2006/main">
   <p:cSld>
     <p:spTree>
@@ -7957,7 +8468,7 @@
 </p:sld>
 </file>
 
-<file path=ppt/slides/slide14.xml><?xml version="1.0" encoding="utf-8"?>
+<file path=ppt/slides/slide15.xml><?xml version="1.0" encoding="utf-8"?>
 <p:sld xmlns:a="http://schemas.openxmlformats.org/drawingml/2006/main" xmlns:r="http://schemas.openxmlformats.org/officeDocument/2006/relationships" xmlns:p="http://schemas.openxmlformats.org/presentationml/2006/main">
   <p:cSld>
     <p:spTree>
@@ -8937,7 +9448,7 @@
 </p:sld>
 </file>
 
-<file path=ppt/slides/slide15.xml><?xml version="1.0" encoding="utf-8"?>
+<file path=ppt/slides/slide16.xml><?xml version="1.0" encoding="utf-8"?>
 <p:sld xmlns:a="http://schemas.openxmlformats.org/drawingml/2006/main" xmlns:r="http://schemas.openxmlformats.org/officeDocument/2006/relationships" xmlns:p="http://schemas.openxmlformats.org/presentationml/2006/main">
   <p:cSld>
     <p:spTree>
@@ -9917,7 +10428,7 @@
 </p:sld>
 </file>
 
-<file path=ppt/slides/slide16.xml><?xml version="1.0" encoding="utf-8"?>
+<file path=ppt/slides/slide17.xml><?xml version="1.0" encoding="utf-8"?>
 <p:sld xmlns:a="http://schemas.openxmlformats.org/drawingml/2006/main" xmlns:r="http://schemas.openxmlformats.org/officeDocument/2006/relationships" xmlns:p="http://schemas.openxmlformats.org/presentationml/2006/main">
   <p:cSld>
     <p:spTree>
@@ -10811,7 +11322,7 @@
 </p:sld>
 </file>
 
-<file path=ppt/slides/slide17.xml><?xml version="1.0" encoding="utf-8"?>
+<file path=ppt/slides/slide18.xml><?xml version="1.0" encoding="utf-8"?>
 <p:sld xmlns:a="http://schemas.openxmlformats.org/drawingml/2006/main" xmlns:r="http://schemas.openxmlformats.org/officeDocument/2006/relationships" xmlns:p="http://schemas.openxmlformats.org/presentationml/2006/main">
   <p:cSld>
     <p:spTree>
@@ -11708,7 +12219,7 @@
 </p:sld>
 </file>
 
-<file path=ppt/slides/slide18.xml><?xml version="1.0" encoding="utf-8"?>
+<file path=ppt/slides/slide19.xml><?xml version="1.0" encoding="utf-8"?>
 <p:sld xmlns:a="http://schemas.openxmlformats.org/drawingml/2006/main" xmlns:r="http://schemas.openxmlformats.org/officeDocument/2006/relationships" xmlns:p="http://schemas.openxmlformats.org/presentationml/2006/main">
   <p:cSld>
     <p:spTree>
@@ -12837,7 +13348,1307 @@
 </p:sld>
 </file>
 
-<file path=ppt/slides/slide19.xml><?xml version="1.0" encoding="utf-8"?>
+<file path=ppt/slides/slide2.xml><?xml version="1.0" encoding="utf-8"?>
+<p:sld xmlns:a="http://schemas.openxmlformats.org/drawingml/2006/main" xmlns:r="http://schemas.openxmlformats.org/officeDocument/2006/relationships" xmlns:p="http://schemas.openxmlformats.org/presentationml/2006/main">
+  <p:cSld>
+    <p:bg>
+      <p:bgPr>
+        <a:solidFill>
+          <a:schemeClr val="tx1"/>
+        </a:solidFill>
+        <a:effectLst/>
+      </p:bgPr>
+    </p:bg>
+    <p:spTree>
+      <p:nvGrpSpPr>
+        <p:cNvPr id="1" name="">
+          <a:extLst>
+            <a:ext uri="{FF2B5EF4-FFF2-40B4-BE49-F238E27FC236}">
+              <a16:creationId xmlns:a16="http://schemas.microsoft.com/office/drawing/2014/main" id="{1435F5FF-573C-4851-676D-5EECC4C0309C}"/>
+            </a:ext>
+          </a:extLst>
+        </p:cNvPr>
+        <p:cNvGrpSpPr/>
+        <p:nvPr/>
+      </p:nvGrpSpPr>
+      <p:grpSpPr>
+        <a:xfrm>
+          <a:off x="0" y="0"/>
+          <a:ext cx="0" cy="0"/>
+          <a:chOff x="0" y="0"/>
+          <a:chExt cx="0" cy="0"/>
+        </a:xfrm>
+      </p:grpSpPr>
+      <p:sp>
+        <p:nvSpPr>
+          <p:cNvPr id="8194" name="Text Box 5">
+            <a:extLst>
+              <a:ext uri="{FF2B5EF4-FFF2-40B4-BE49-F238E27FC236}">
+                <a16:creationId xmlns:a16="http://schemas.microsoft.com/office/drawing/2014/main" id="{387BB888-221C-CE5E-D381-FD269BA19E0D}"/>
+              </a:ext>
+            </a:extLst>
+          </p:cNvPr>
+          <p:cNvSpPr txBox="1">
+            <a:spLocks noChangeArrowheads="1"/>
+          </p:cNvSpPr>
+          <p:nvPr/>
+        </p:nvSpPr>
+        <p:spPr bwMode="auto">
+          <a:xfrm>
+            <a:off x="2549021" y="1690179"/>
+            <a:ext cx="4012637" cy="3539430"/>
+          </a:xfrm>
+          <a:prstGeom prst="rect">
+            <a:avLst/>
+          </a:prstGeom>
+          <a:noFill/>
+          <a:ln w="9525">
+            <a:noFill/>
+            <a:miter lim="800000"/>
+            <a:headEnd/>
+            <a:tailEnd/>
+          </a:ln>
+        </p:spPr>
+        <p:txBody>
+          <a:bodyPr wrap="none">
+            <a:spAutoFit/>
+          </a:bodyPr>
+          <a:lstStyle/>
+          <a:p>
+            <a:pPr algn="ctr"/>
+            <a:r>
+              <a:rPr lang="es-CL" sz="2400" dirty="0">
+                <a:solidFill>
+                  <a:srgbClr val="FF0000"/>
+                </a:solidFill>
+                <a:latin typeface="Trebuchet MS" pitchFamily="34" charset="0"/>
+              </a:rPr>
+              <a:t>P</a:t>
+            </a:r>
+            <a:r>
+              <a:rPr lang="es-CL" sz="2400" dirty="0">
+                <a:solidFill>
+                  <a:srgbClr val="3366FF"/>
+                </a:solidFill>
+                <a:latin typeface="Trebuchet MS" pitchFamily="34" charset="0"/>
+              </a:rPr>
+              <a:t>r</a:t>
+            </a:r>
+            <a:r>
+              <a:rPr lang="es-CL" sz="2400" dirty="0">
+                <a:solidFill>
+                  <a:srgbClr val="FFFF00"/>
+                </a:solidFill>
+                <a:latin typeface="Trebuchet MS" pitchFamily="34" charset="0"/>
+              </a:rPr>
+              <a:t>o</a:t>
+            </a:r>
+            <a:r>
+              <a:rPr lang="es-CL" sz="2400" dirty="0">
+                <a:solidFill>
+                  <a:srgbClr val="00FF00"/>
+                </a:solidFill>
+                <a:latin typeface="Trebuchet MS" pitchFamily="34" charset="0"/>
+              </a:rPr>
+              <a:t>c</a:t>
+            </a:r>
+            <a:r>
+              <a:rPr lang="es-CL" sz="2400" dirty="0">
+                <a:solidFill>
+                  <a:schemeClr val="bg1"/>
+                </a:solidFill>
+                <a:latin typeface="Trebuchet MS" pitchFamily="34" charset="0"/>
+              </a:rPr>
+              <a:t>e</a:t>
+            </a:r>
+            <a:r>
+              <a:rPr lang="es-CL" sz="2400" dirty="0">
+                <a:solidFill>
+                  <a:srgbClr val="FF6600"/>
+                </a:solidFill>
+                <a:latin typeface="Trebuchet MS" pitchFamily="34" charset="0"/>
+              </a:rPr>
+              <a:t>s</a:t>
+            </a:r>
+            <a:r>
+              <a:rPr lang="es-CL" sz="2400" dirty="0">
+                <a:solidFill>
+                  <a:srgbClr val="FF0000"/>
+                </a:solidFill>
+                <a:latin typeface="Trebuchet MS" pitchFamily="34" charset="0"/>
+              </a:rPr>
+              <a:t>a</a:t>
+            </a:r>
+            <a:r>
+              <a:rPr lang="es-CL" sz="2400" dirty="0">
+                <a:solidFill>
+                  <a:srgbClr val="3366FF"/>
+                </a:solidFill>
+                <a:latin typeface="Trebuchet MS" pitchFamily="34" charset="0"/>
+              </a:rPr>
+              <a:t>m</a:t>
+            </a:r>
+            <a:r>
+              <a:rPr lang="es-CL" sz="2400" dirty="0">
+                <a:solidFill>
+                  <a:srgbClr val="FFFF00"/>
+                </a:solidFill>
+                <a:latin typeface="Trebuchet MS" pitchFamily="34" charset="0"/>
+              </a:rPr>
+              <a:t>i</a:t>
+            </a:r>
+            <a:r>
+              <a:rPr lang="es-CL" sz="2400" dirty="0">
+                <a:solidFill>
+                  <a:srgbClr val="00FF00"/>
+                </a:solidFill>
+                <a:latin typeface="Trebuchet MS" pitchFamily="34" charset="0"/>
+              </a:rPr>
+              <a:t>e</a:t>
+            </a:r>
+            <a:r>
+              <a:rPr lang="es-CL" sz="2400" dirty="0">
+                <a:solidFill>
+                  <a:schemeClr val="bg1"/>
+                </a:solidFill>
+                <a:latin typeface="Trebuchet MS" pitchFamily="34" charset="0"/>
+              </a:rPr>
+              <a:t>n</a:t>
+            </a:r>
+            <a:r>
+              <a:rPr lang="es-CL" sz="2400" dirty="0">
+                <a:solidFill>
+                  <a:srgbClr val="FF6600"/>
+                </a:solidFill>
+                <a:latin typeface="Trebuchet MS" pitchFamily="34" charset="0"/>
+              </a:rPr>
+              <a:t>t</a:t>
+            </a:r>
+            <a:r>
+              <a:rPr lang="es-CL" sz="2400" dirty="0">
+                <a:solidFill>
+                  <a:srgbClr val="FF0000"/>
+                </a:solidFill>
+                <a:latin typeface="Trebuchet MS" pitchFamily="34" charset="0"/>
+              </a:rPr>
+              <a:t>o</a:t>
+            </a:r>
+            <a:r>
+              <a:rPr lang="es-CL" sz="2400" dirty="0">
+                <a:solidFill>
+                  <a:srgbClr val="3333CC"/>
+                </a:solidFill>
+                <a:latin typeface="Trebuchet MS" pitchFamily="34" charset="0"/>
+              </a:rPr>
+              <a:t> </a:t>
+            </a:r>
+            <a:r>
+              <a:rPr lang="es-CL" sz="2400" dirty="0">
+                <a:solidFill>
+                  <a:srgbClr val="3366FF"/>
+                </a:solidFill>
+                <a:latin typeface="Trebuchet MS" pitchFamily="34" charset="0"/>
+              </a:rPr>
+              <a:t>d</a:t>
+            </a:r>
+            <a:r>
+              <a:rPr lang="es-CL" sz="2400" dirty="0">
+                <a:solidFill>
+                  <a:srgbClr val="FFFF00"/>
+                </a:solidFill>
+                <a:latin typeface="Trebuchet MS" pitchFamily="34" charset="0"/>
+              </a:rPr>
+              <a:t>e </a:t>
+            </a:r>
+            <a:r>
+              <a:rPr lang="es-CL" sz="2400" dirty="0">
+                <a:solidFill>
+                  <a:srgbClr val="00FF00"/>
+                </a:solidFill>
+                <a:latin typeface="Trebuchet MS" pitchFamily="34" charset="0"/>
+              </a:rPr>
+              <a:t>I</a:t>
+            </a:r>
+            <a:r>
+              <a:rPr lang="es-CL" sz="2400" dirty="0">
+                <a:solidFill>
+                  <a:schemeClr val="bg1"/>
+                </a:solidFill>
+                <a:latin typeface="Trebuchet MS" pitchFamily="34" charset="0"/>
+              </a:rPr>
+              <a:t>m</a:t>
+            </a:r>
+            <a:r>
+              <a:rPr lang="es-CL" sz="2400" dirty="0">
+                <a:solidFill>
+                  <a:srgbClr val="FF6600"/>
+                </a:solidFill>
+                <a:latin typeface="Trebuchet MS" pitchFamily="34" charset="0"/>
+              </a:rPr>
+              <a:t>á</a:t>
+            </a:r>
+            <a:r>
+              <a:rPr lang="es-CL" sz="2400" dirty="0">
+                <a:solidFill>
+                  <a:srgbClr val="FF0000"/>
+                </a:solidFill>
+                <a:latin typeface="Trebuchet MS" pitchFamily="34" charset="0"/>
+              </a:rPr>
+              <a:t>g</a:t>
+            </a:r>
+            <a:r>
+              <a:rPr lang="es-CL" sz="2400" dirty="0">
+                <a:solidFill>
+                  <a:srgbClr val="3366FF"/>
+                </a:solidFill>
+                <a:latin typeface="Trebuchet MS" pitchFamily="34" charset="0"/>
+              </a:rPr>
+              <a:t>e</a:t>
+            </a:r>
+            <a:r>
+              <a:rPr lang="es-CL" sz="2400" dirty="0">
+                <a:solidFill>
+                  <a:srgbClr val="FFFF00"/>
+                </a:solidFill>
+                <a:latin typeface="Trebuchet MS" pitchFamily="34" charset="0"/>
+              </a:rPr>
+              <a:t>n</a:t>
+            </a:r>
+            <a:r>
+              <a:rPr lang="es-CL" sz="2400" dirty="0">
+                <a:solidFill>
+                  <a:srgbClr val="00FF00"/>
+                </a:solidFill>
+                <a:latin typeface="Trebuchet MS" pitchFamily="34" charset="0"/>
+              </a:rPr>
+              <a:t>e</a:t>
+            </a:r>
+            <a:r>
+              <a:rPr lang="es-CL" sz="2400" dirty="0">
+                <a:solidFill>
+                  <a:schemeClr val="bg1"/>
+                </a:solidFill>
+                <a:latin typeface="Trebuchet MS" pitchFamily="34" charset="0"/>
+              </a:rPr>
+              <a:t>s</a:t>
+            </a:r>
+            <a:endParaRPr lang="es-CL" sz="2400" dirty="0">
+              <a:solidFill>
+                <a:srgbClr val="FF0000"/>
+              </a:solidFill>
+              <a:latin typeface="Trebuchet MS" pitchFamily="34" charset="0"/>
+            </a:endParaRPr>
+          </a:p>
+          <a:p>
+            <a:pPr algn="ctr"/>
+            <a:r>
+              <a:rPr lang="es-CL" sz="2400" dirty="0">
+                <a:solidFill>
+                  <a:schemeClr val="bg2">
+                    <a:lumMod val="60000"/>
+                    <a:lumOff val="40000"/>
+                  </a:schemeClr>
+                </a:solidFill>
+                <a:latin typeface="Trebuchet MS" pitchFamily="34" charset="0"/>
+              </a:rPr>
+              <a:t> </a:t>
+            </a:r>
+          </a:p>
+          <a:p>
+            <a:pPr algn="ctr"/>
+            <a:endParaRPr lang="es-CL" sz="2400" dirty="0">
+              <a:solidFill>
+                <a:srgbClr val="3333CC"/>
+              </a:solidFill>
+              <a:latin typeface="Trebuchet MS" pitchFamily="34" charset="0"/>
+            </a:endParaRPr>
+          </a:p>
+          <a:p>
+            <a:pPr algn="ctr"/>
+            <a:endParaRPr lang="es-CL" sz="2400" dirty="0">
+              <a:solidFill>
+                <a:srgbClr val="3333CC"/>
+              </a:solidFill>
+              <a:latin typeface="Trebuchet MS" pitchFamily="34" charset="0"/>
+            </a:endParaRPr>
+          </a:p>
+          <a:p>
+            <a:pPr algn="ctr"/>
+            <a:endParaRPr lang="es-CL" sz="2400" dirty="0">
+              <a:solidFill>
+                <a:srgbClr val="3333CC"/>
+              </a:solidFill>
+              <a:latin typeface="Trebuchet MS" pitchFamily="34" charset="0"/>
+            </a:endParaRPr>
+          </a:p>
+          <a:p>
+            <a:pPr algn="ctr"/>
+            <a:endParaRPr lang="es-CL" sz="2400" dirty="0">
+              <a:solidFill>
+                <a:srgbClr val="3333CC"/>
+              </a:solidFill>
+              <a:latin typeface="Trebuchet MS" pitchFamily="34" charset="0"/>
+            </a:endParaRPr>
+          </a:p>
+          <a:p>
+            <a:pPr algn="ctr"/>
+            <a:endParaRPr lang="es-CL" dirty="0">
+              <a:solidFill>
+                <a:srgbClr val="3333CC"/>
+              </a:solidFill>
+              <a:latin typeface="Trebuchet MS" pitchFamily="34" charset="0"/>
+            </a:endParaRPr>
+          </a:p>
+          <a:p>
+            <a:pPr algn="ctr"/>
+            <a:r>
+              <a:rPr lang="es-CL" sz="1400" dirty="0">
+                <a:solidFill>
+                  <a:schemeClr val="bg1">
+                    <a:lumMod val="75000"/>
+                  </a:schemeClr>
+                </a:solidFill>
+                <a:latin typeface="Trebuchet MS" pitchFamily="34" charset="0"/>
+              </a:rPr>
+              <a:t>Domingo Mery</a:t>
+            </a:r>
+          </a:p>
+          <a:p>
+            <a:pPr algn="ctr"/>
+            <a:endParaRPr lang="es-CL" sz="1200" dirty="0">
+              <a:solidFill>
+                <a:schemeClr val="bg1">
+                  <a:lumMod val="75000"/>
+                </a:schemeClr>
+              </a:solidFill>
+              <a:latin typeface="Trebuchet MS" pitchFamily="34" charset="0"/>
+            </a:endParaRPr>
+          </a:p>
+          <a:p>
+            <a:pPr algn="ctr"/>
+            <a:r>
+              <a:rPr lang="es-CL" sz="1200" dirty="0">
+                <a:solidFill>
+                  <a:schemeClr val="bg1">
+                    <a:lumMod val="75000"/>
+                  </a:schemeClr>
+                </a:solidFill>
+                <a:latin typeface="Trebuchet MS" pitchFamily="34" charset="0"/>
+              </a:rPr>
+              <a:t>Departamento de Ciencia de la Computación</a:t>
+            </a:r>
+          </a:p>
+          <a:p>
+            <a:pPr algn="ctr"/>
+            <a:r>
+              <a:rPr lang="es-CL" sz="1200" dirty="0">
+                <a:solidFill>
+                  <a:schemeClr val="bg1">
+                    <a:lumMod val="75000"/>
+                  </a:schemeClr>
+                </a:solidFill>
+                <a:latin typeface="Trebuchet MS" pitchFamily="34" charset="0"/>
+              </a:rPr>
+              <a:t>Escuela de Ingeniería</a:t>
+            </a:r>
+          </a:p>
+          <a:p>
+            <a:pPr algn="ctr"/>
+            <a:r>
+              <a:rPr lang="es-CL" sz="1200" dirty="0">
+                <a:solidFill>
+                  <a:schemeClr val="bg1">
+                    <a:lumMod val="75000"/>
+                  </a:schemeClr>
+                </a:solidFill>
+                <a:latin typeface="Trebuchet MS" pitchFamily="34" charset="0"/>
+              </a:rPr>
+              <a:t>Universidad Católica de Chile</a:t>
+            </a:r>
+          </a:p>
+        </p:txBody>
+      </p:sp>
+      <p:pic>
+        <p:nvPicPr>
+          <p:cNvPr id="3" name="Picture 2" descr="Screen Shot 2014-07-28 at 3.30.32 PM.png">
+            <a:extLst>
+              <a:ext uri="{FF2B5EF4-FFF2-40B4-BE49-F238E27FC236}">
+                <a16:creationId xmlns:a16="http://schemas.microsoft.com/office/drawing/2014/main" id="{40111FE0-6496-D546-8CA1-16B241ACBEC7}"/>
+              </a:ext>
+            </a:extLst>
+          </p:cNvPr>
+          <p:cNvPicPr>
+            <a:picLocks noChangeAspect="1"/>
+          </p:cNvPicPr>
+          <p:nvPr/>
+        </p:nvPicPr>
+        <p:blipFill>
+          <a:blip r:embed="rId3">
+            <a:extLst>
+              <a:ext uri="{28A0092B-C50C-407E-A947-70E740481C1C}">
+                <a14:useLocalDpi xmlns:a14="http://schemas.microsoft.com/office/drawing/2010/main" val="0"/>
+              </a:ext>
+            </a:extLst>
+          </a:blip>
+          <a:stretch>
+            <a:fillRect/>
+          </a:stretch>
+        </p:blipFill>
+        <p:spPr>
+          <a:xfrm>
+            <a:off x="3403599" y="932796"/>
+            <a:ext cx="2252133" cy="709948"/>
+          </a:xfrm>
+          <a:prstGeom prst="rect">
+            <a:avLst/>
+          </a:prstGeom>
+        </p:spPr>
+      </p:pic>
+      <p:sp>
+        <p:nvSpPr>
+          <p:cNvPr id="4" name="Rectangle 3">
+            <a:extLst>
+              <a:ext uri="{FF2B5EF4-FFF2-40B4-BE49-F238E27FC236}">
+                <a16:creationId xmlns:a16="http://schemas.microsoft.com/office/drawing/2014/main" id="{80BBF6D9-2856-8B12-B16E-8469CC590BF9}"/>
+              </a:ext>
+            </a:extLst>
+          </p:cNvPr>
+          <p:cNvSpPr/>
+          <p:nvPr/>
+        </p:nvSpPr>
+        <p:spPr>
+          <a:xfrm>
+            <a:off x="3700665" y="1065604"/>
+            <a:ext cx="94889" cy="94882"/>
+          </a:xfrm>
+          <a:prstGeom prst="rect">
+            <a:avLst/>
+          </a:prstGeom>
+          <a:solidFill>
+            <a:srgbClr val="FF0000">
+              <a:alpha val="73000"/>
+            </a:srgbClr>
+          </a:solidFill>
+          <a:ln>
+            <a:noFill/>
+          </a:ln>
+          <a:effectLst/>
+        </p:spPr>
+        <p:style>
+          <a:lnRef idx="1">
+            <a:schemeClr val="accent1"/>
+          </a:lnRef>
+          <a:fillRef idx="3">
+            <a:schemeClr val="accent1"/>
+          </a:fillRef>
+          <a:effectRef idx="2">
+            <a:schemeClr val="accent1"/>
+          </a:effectRef>
+          <a:fontRef idx="minor">
+            <a:schemeClr val="lt1"/>
+          </a:fontRef>
+        </p:style>
+        <p:txBody>
+          <a:bodyPr rtlCol="0" anchor="ctr"/>
+          <a:lstStyle/>
+          <a:p>
+            <a:pPr algn="ctr"/>
+            <a:endParaRPr lang="en-US"/>
+          </a:p>
+        </p:txBody>
+      </p:sp>
+      <p:sp>
+        <p:nvSpPr>
+          <p:cNvPr id="6" name="Rectangle 5">
+            <a:extLst>
+              <a:ext uri="{FF2B5EF4-FFF2-40B4-BE49-F238E27FC236}">
+                <a16:creationId xmlns:a16="http://schemas.microsoft.com/office/drawing/2014/main" id="{7DE848E6-B2B5-49DD-E559-9E0F556560B4}"/>
+              </a:ext>
+            </a:extLst>
+          </p:cNvPr>
+          <p:cNvSpPr/>
+          <p:nvPr/>
+        </p:nvSpPr>
+        <p:spPr>
+          <a:xfrm>
+            <a:off x="3853065" y="1218004"/>
+            <a:ext cx="94889" cy="94882"/>
+          </a:xfrm>
+          <a:prstGeom prst="rect">
+            <a:avLst/>
+          </a:prstGeom>
+          <a:solidFill>
+            <a:srgbClr val="FFD300">
+              <a:alpha val="73000"/>
+            </a:srgbClr>
+          </a:solidFill>
+          <a:ln>
+            <a:noFill/>
+          </a:ln>
+          <a:effectLst/>
+        </p:spPr>
+        <p:style>
+          <a:lnRef idx="1">
+            <a:schemeClr val="accent1"/>
+          </a:lnRef>
+          <a:fillRef idx="3">
+            <a:schemeClr val="accent1"/>
+          </a:fillRef>
+          <a:effectRef idx="2">
+            <a:schemeClr val="accent1"/>
+          </a:effectRef>
+          <a:fontRef idx="minor">
+            <a:schemeClr val="lt1"/>
+          </a:fontRef>
+        </p:style>
+        <p:txBody>
+          <a:bodyPr rtlCol="0" anchor="ctr"/>
+          <a:lstStyle/>
+          <a:p>
+            <a:pPr algn="ctr"/>
+            <a:endParaRPr lang="en-US"/>
+          </a:p>
+        </p:txBody>
+      </p:sp>
+      <p:sp>
+        <p:nvSpPr>
+          <p:cNvPr id="7" name="Rectangle 6">
+            <a:extLst>
+              <a:ext uri="{FF2B5EF4-FFF2-40B4-BE49-F238E27FC236}">
+                <a16:creationId xmlns:a16="http://schemas.microsoft.com/office/drawing/2014/main" id="{F23FCC54-18D1-8F4F-DDBB-C246FAB60AF5}"/>
+              </a:ext>
+            </a:extLst>
+          </p:cNvPr>
+          <p:cNvSpPr/>
+          <p:nvPr/>
+        </p:nvSpPr>
+        <p:spPr>
+          <a:xfrm>
+            <a:off x="3618618" y="1370404"/>
+            <a:ext cx="94889" cy="94882"/>
+          </a:xfrm>
+          <a:prstGeom prst="rect">
+            <a:avLst/>
+          </a:prstGeom>
+          <a:solidFill>
+            <a:srgbClr val="3366FF">
+              <a:alpha val="73000"/>
+            </a:srgbClr>
+          </a:solidFill>
+          <a:ln>
+            <a:noFill/>
+          </a:ln>
+          <a:effectLst/>
+        </p:spPr>
+        <p:style>
+          <a:lnRef idx="1">
+            <a:schemeClr val="accent1"/>
+          </a:lnRef>
+          <a:fillRef idx="3">
+            <a:schemeClr val="accent1"/>
+          </a:fillRef>
+          <a:effectRef idx="2">
+            <a:schemeClr val="accent1"/>
+          </a:effectRef>
+          <a:fontRef idx="minor">
+            <a:schemeClr val="lt1"/>
+          </a:fontRef>
+        </p:style>
+        <p:txBody>
+          <a:bodyPr rtlCol="0" anchor="ctr"/>
+          <a:lstStyle/>
+          <a:p>
+            <a:pPr algn="ctr"/>
+            <a:endParaRPr lang="en-US"/>
+          </a:p>
+        </p:txBody>
+      </p:sp>
+      <p:sp>
+        <p:nvSpPr>
+          <p:cNvPr id="8" name="Rectangle 7">
+            <a:extLst>
+              <a:ext uri="{FF2B5EF4-FFF2-40B4-BE49-F238E27FC236}">
+                <a16:creationId xmlns:a16="http://schemas.microsoft.com/office/drawing/2014/main" id="{68A876B7-E25E-28D7-112A-7A6EC80250D5}"/>
+              </a:ext>
+            </a:extLst>
+          </p:cNvPr>
+          <p:cNvSpPr/>
+          <p:nvPr/>
+        </p:nvSpPr>
+        <p:spPr>
+          <a:xfrm>
+            <a:off x="4005465" y="990856"/>
+            <a:ext cx="94889" cy="94882"/>
+          </a:xfrm>
+          <a:prstGeom prst="rect">
+            <a:avLst/>
+          </a:prstGeom>
+          <a:solidFill>
+            <a:schemeClr val="bg1">
+              <a:alpha val="73000"/>
+            </a:schemeClr>
+          </a:solidFill>
+          <a:ln>
+            <a:noFill/>
+          </a:ln>
+          <a:effectLst/>
+        </p:spPr>
+        <p:style>
+          <a:lnRef idx="1">
+            <a:schemeClr val="accent1"/>
+          </a:lnRef>
+          <a:fillRef idx="3">
+            <a:schemeClr val="accent1"/>
+          </a:fillRef>
+          <a:effectRef idx="2">
+            <a:schemeClr val="accent1"/>
+          </a:effectRef>
+          <a:fontRef idx="minor">
+            <a:schemeClr val="lt1"/>
+          </a:fontRef>
+        </p:style>
+        <p:txBody>
+          <a:bodyPr rtlCol="0" anchor="ctr"/>
+          <a:lstStyle/>
+          <a:p>
+            <a:pPr algn="ctr"/>
+            <a:endParaRPr lang="en-US"/>
+          </a:p>
+        </p:txBody>
+      </p:sp>
+      <p:sp>
+        <p:nvSpPr>
+          <p:cNvPr id="9" name="Rectangle 8">
+            <a:extLst>
+              <a:ext uri="{FF2B5EF4-FFF2-40B4-BE49-F238E27FC236}">
+                <a16:creationId xmlns:a16="http://schemas.microsoft.com/office/drawing/2014/main" id="{C184F01D-B875-9B70-180F-07EC67653CD5}"/>
+              </a:ext>
+            </a:extLst>
+          </p:cNvPr>
+          <p:cNvSpPr/>
+          <p:nvPr/>
+        </p:nvSpPr>
+        <p:spPr>
+          <a:xfrm>
+            <a:off x="3808392" y="1501786"/>
+            <a:ext cx="94889" cy="94882"/>
+          </a:xfrm>
+          <a:prstGeom prst="rect">
+            <a:avLst/>
+          </a:prstGeom>
+          <a:solidFill>
+            <a:srgbClr val="00FF00">
+              <a:alpha val="73000"/>
+            </a:srgbClr>
+          </a:solidFill>
+          <a:ln>
+            <a:noFill/>
+          </a:ln>
+          <a:effectLst/>
+        </p:spPr>
+        <p:style>
+          <a:lnRef idx="1">
+            <a:schemeClr val="accent1"/>
+          </a:lnRef>
+          <a:fillRef idx="3">
+            <a:schemeClr val="accent1"/>
+          </a:fillRef>
+          <a:effectRef idx="2">
+            <a:schemeClr val="accent1"/>
+          </a:effectRef>
+          <a:fontRef idx="minor">
+            <a:schemeClr val="lt1"/>
+          </a:fontRef>
+        </p:style>
+        <p:txBody>
+          <a:bodyPr rtlCol="0" anchor="ctr"/>
+          <a:lstStyle/>
+          <a:p>
+            <a:pPr algn="ctr"/>
+            <a:endParaRPr lang="en-US"/>
+          </a:p>
+        </p:txBody>
+      </p:sp>
+      <p:sp>
+        <p:nvSpPr>
+          <p:cNvPr id="10" name="TextBox 9">
+            <a:extLst>
+              <a:ext uri="{FF2B5EF4-FFF2-40B4-BE49-F238E27FC236}">
+                <a16:creationId xmlns:a16="http://schemas.microsoft.com/office/drawing/2014/main" id="{F2A7927A-EB24-F548-FB44-BF62BC20DFEE}"/>
+              </a:ext>
+            </a:extLst>
+          </p:cNvPr>
+          <p:cNvSpPr txBox="1"/>
+          <p:nvPr/>
+        </p:nvSpPr>
+        <p:spPr>
+          <a:xfrm>
+            <a:off x="1" y="3031066"/>
+            <a:ext cx="9144000" cy="769441"/>
+          </a:xfrm>
+          <a:prstGeom prst="rect">
+            <a:avLst/>
+          </a:prstGeom>
+          <a:noFill/>
+        </p:spPr>
+        <p:txBody>
+          <a:bodyPr wrap="square" rtlCol="0">
+            <a:spAutoFit/>
+          </a:bodyPr>
+          <a:lstStyle/>
+          <a:p>
+            <a:pPr algn="ctr"/>
+            <a:r>
+              <a:rPr lang="es-CL" sz="2400" b="1" dirty="0">
+                <a:solidFill>
+                  <a:srgbClr val="FFFFFF"/>
+                </a:solidFill>
+                <a:latin typeface="Trebuchet MS"/>
+                <a:cs typeface="Trebuchet MS"/>
+              </a:rPr>
+              <a:t>Transformada de Hough</a:t>
+            </a:r>
+          </a:p>
+          <a:p>
+            <a:pPr algn="ctr"/>
+            <a:endParaRPr lang="es-CL" sz="1000" dirty="0">
+              <a:solidFill>
+                <a:srgbClr val="FFFFFF"/>
+              </a:solidFill>
+              <a:latin typeface="Trebuchet MS"/>
+              <a:cs typeface="Trebuchet MS"/>
+            </a:endParaRPr>
+          </a:p>
+          <a:p>
+            <a:pPr algn="ctr"/>
+            <a:r>
+              <a:rPr lang="es-CL" sz="1000" dirty="0">
+                <a:solidFill>
+                  <a:srgbClr val="FFFFFF"/>
+                </a:solidFill>
+                <a:latin typeface="Trebuchet MS"/>
+                <a:cs typeface="Trebuchet MS"/>
+              </a:rPr>
+              <a:t>[ Capítulo 8 ]</a:t>
+            </a:r>
+          </a:p>
+        </p:txBody>
+      </p:sp>
+    </p:spTree>
+    <p:extLst>
+      <p:ext uri="{BB962C8B-B14F-4D97-AF65-F5344CB8AC3E}">
+        <p14:creationId xmlns:p14="http://schemas.microsoft.com/office/powerpoint/2010/main" val="3745256050"/>
+      </p:ext>
+    </p:extLst>
+  </p:cSld>
+  <p:clrMapOvr>
+    <a:masterClrMapping/>
+  </p:clrMapOvr>
+  <p:timing>
+    <p:tnLst>
+      <p:par>
+        <p:cTn id="1" dur="indefinite" restart="never" nodeType="tmRoot">
+          <p:childTnLst>
+            <p:seq concurrent="1" nextAc="seek">
+              <p:cTn id="2" dur="indefinite" nodeType="mainSeq">
+                <p:childTnLst>
+                  <p:par>
+                    <p:cTn id="3" fill="hold">
+                      <p:stCondLst>
+                        <p:cond delay="indefinite"/>
+                      </p:stCondLst>
+                      <p:childTnLst>
+                        <p:par>
+                          <p:cTn id="4" fill="hold">
+                            <p:stCondLst>
+                              <p:cond delay="0"/>
+                            </p:stCondLst>
+                            <p:childTnLst>
+                              <p:par>
+                                <p:cTn id="5" presetID="2" presetClass="entr" presetSubtype="8" fill="hold" grpId="0" nodeType="clickEffect">
+                                  <p:stCondLst>
+                                    <p:cond delay="0"/>
+                                  </p:stCondLst>
+                                  <p:childTnLst>
+                                    <p:set>
+                                      <p:cBhvr>
+                                        <p:cTn id="6" dur="1" fill="hold">
+                                          <p:stCondLst>
+                                            <p:cond delay="0"/>
+                                          </p:stCondLst>
+                                        </p:cTn>
+                                        <p:tgtEl>
+                                          <p:spTgt spid="9"/>
+                                        </p:tgtEl>
+                                        <p:attrNameLst>
+                                          <p:attrName>style.visibility</p:attrName>
+                                        </p:attrNameLst>
+                                      </p:cBhvr>
+                                      <p:to>
+                                        <p:strVal val="visible"/>
+                                      </p:to>
+                                    </p:set>
+                                    <p:anim calcmode="lin" valueType="num">
+                                      <p:cBhvr additive="base">
+                                        <p:cTn id="7" dur="500" fill="hold"/>
+                                        <p:tgtEl>
+                                          <p:spTgt spid="9"/>
+                                        </p:tgtEl>
+                                        <p:attrNameLst>
+                                          <p:attrName>ppt_x</p:attrName>
+                                        </p:attrNameLst>
+                                      </p:cBhvr>
+                                      <p:tavLst>
+                                        <p:tav tm="0">
+                                          <p:val>
+                                            <p:strVal val="0-#ppt_w/2"/>
+                                          </p:val>
+                                        </p:tav>
+                                        <p:tav tm="100000">
+                                          <p:val>
+                                            <p:strVal val="#ppt_x"/>
+                                          </p:val>
+                                        </p:tav>
+                                      </p:tavLst>
+                                    </p:anim>
+                                    <p:anim calcmode="lin" valueType="num">
+                                      <p:cBhvr additive="base">
+                                        <p:cTn id="8" dur="500" fill="hold"/>
+                                        <p:tgtEl>
+                                          <p:spTgt spid="9"/>
+                                        </p:tgtEl>
+                                        <p:attrNameLst>
+                                          <p:attrName>ppt_y</p:attrName>
+                                        </p:attrNameLst>
+                                      </p:cBhvr>
+                                      <p:tavLst>
+                                        <p:tav tm="0">
+                                          <p:val>
+                                            <p:strVal val="#ppt_y"/>
+                                          </p:val>
+                                        </p:tav>
+                                        <p:tav tm="100000">
+                                          <p:val>
+                                            <p:strVal val="#ppt_y"/>
+                                          </p:val>
+                                        </p:tav>
+                                      </p:tavLst>
+                                    </p:anim>
+                                  </p:childTnLst>
+                                </p:cTn>
+                              </p:par>
+                            </p:childTnLst>
+                          </p:cTn>
+                        </p:par>
+                        <p:par>
+                          <p:cTn id="9" fill="hold">
+                            <p:stCondLst>
+                              <p:cond delay="500"/>
+                            </p:stCondLst>
+                            <p:childTnLst>
+                              <p:par>
+                                <p:cTn id="10" presetID="2" presetClass="entr" presetSubtype="8" fill="hold" grpId="0" nodeType="afterEffect">
+                                  <p:stCondLst>
+                                    <p:cond delay="0"/>
+                                  </p:stCondLst>
+                                  <p:childTnLst>
+                                    <p:set>
+                                      <p:cBhvr>
+                                        <p:cTn id="11" dur="1" fill="hold">
+                                          <p:stCondLst>
+                                            <p:cond delay="0"/>
+                                          </p:stCondLst>
+                                        </p:cTn>
+                                        <p:tgtEl>
+                                          <p:spTgt spid="7"/>
+                                        </p:tgtEl>
+                                        <p:attrNameLst>
+                                          <p:attrName>style.visibility</p:attrName>
+                                        </p:attrNameLst>
+                                      </p:cBhvr>
+                                      <p:to>
+                                        <p:strVal val="visible"/>
+                                      </p:to>
+                                    </p:set>
+                                    <p:anim calcmode="lin" valueType="num">
+                                      <p:cBhvr additive="base">
+                                        <p:cTn id="12" dur="500" fill="hold"/>
+                                        <p:tgtEl>
+                                          <p:spTgt spid="7"/>
+                                        </p:tgtEl>
+                                        <p:attrNameLst>
+                                          <p:attrName>ppt_x</p:attrName>
+                                        </p:attrNameLst>
+                                      </p:cBhvr>
+                                      <p:tavLst>
+                                        <p:tav tm="0">
+                                          <p:val>
+                                            <p:strVal val="0-#ppt_w/2"/>
+                                          </p:val>
+                                        </p:tav>
+                                        <p:tav tm="100000">
+                                          <p:val>
+                                            <p:strVal val="#ppt_x"/>
+                                          </p:val>
+                                        </p:tav>
+                                      </p:tavLst>
+                                    </p:anim>
+                                    <p:anim calcmode="lin" valueType="num">
+                                      <p:cBhvr additive="base">
+                                        <p:cTn id="13" dur="500" fill="hold"/>
+                                        <p:tgtEl>
+                                          <p:spTgt spid="7"/>
+                                        </p:tgtEl>
+                                        <p:attrNameLst>
+                                          <p:attrName>ppt_y</p:attrName>
+                                        </p:attrNameLst>
+                                      </p:cBhvr>
+                                      <p:tavLst>
+                                        <p:tav tm="0">
+                                          <p:val>
+                                            <p:strVal val="#ppt_y"/>
+                                          </p:val>
+                                        </p:tav>
+                                        <p:tav tm="100000">
+                                          <p:val>
+                                            <p:strVal val="#ppt_y"/>
+                                          </p:val>
+                                        </p:tav>
+                                      </p:tavLst>
+                                    </p:anim>
+                                  </p:childTnLst>
+                                </p:cTn>
+                              </p:par>
+                            </p:childTnLst>
+                          </p:cTn>
+                        </p:par>
+                        <p:par>
+                          <p:cTn id="14" fill="hold">
+                            <p:stCondLst>
+                              <p:cond delay="1000"/>
+                            </p:stCondLst>
+                            <p:childTnLst>
+                              <p:par>
+                                <p:cTn id="15" presetID="2" presetClass="entr" presetSubtype="8" fill="hold" grpId="0" nodeType="afterEffect">
+                                  <p:stCondLst>
+                                    <p:cond delay="0"/>
+                                  </p:stCondLst>
+                                  <p:childTnLst>
+                                    <p:set>
+                                      <p:cBhvr>
+                                        <p:cTn id="16" dur="1" fill="hold">
+                                          <p:stCondLst>
+                                            <p:cond delay="0"/>
+                                          </p:stCondLst>
+                                        </p:cTn>
+                                        <p:tgtEl>
+                                          <p:spTgt spid="6"/>
+                                        </p:tgtEl>
+                                        <p:attrNameLst>
+                                          <p:attrName>style.visibility</p:attrName>
+                                        </p:attrNameLst>
+                                      </p:cBhvr>
+                                      <p:to>
+                                        <p:strVal val="visible"/>
+                                      </p:to>
+                                    </p:set>
+                                    <p:anim calcmode="lin" valueType="num">
+                                      <p:cBhvr additive="base">
+                                        <p:cTn id="17" dur="500" fill="hold"/>
+                                        <p:tgtEl>
+                                          <p:spTgt spid="6"/>
+                                        </p:tgtEl>
+                                        <p:attrNameLst>
+                                          <p:attrName>ppt_x</p:attrName>
+                                        </p:attrNameLst>
+                                      </p:cBhvr>
+                                      <p:tavLst>
+                                        <p:tav tm="0">
+                                          <p:val>
+                                            <p:strVal val="0-#ppt_w/2"/>
+                                          </p:val>
+                                        </p:tav>
+                                        <p:tav tm="100000">
+                                          <p:val>
+                                            <p:strVal val="#ppt_x"/>
+                                          </p:val>
+                                        </p:tav>
+                                      </p:tavLst>
+                                    </p:anim>
+                                    <p:anim calcmode="lin" valueType="num">
+                                      <p:cBhvr additive="base">
+                                        <p:cTn id="18" dur="500" fill="hold"/>
+                                        <p:tgtEl>
+                                          <p:spTgt spid="6"/>
+                                        </p:tgtEl>
+                                        <p:attrNameLst>
+                                          <p:attrName>ppt_y</p:attrName>
+                                        </p:attrNameLst>
+                                      </p:cBhvr>
+                                      <p:tavLst>
+                                        <p:tav tm="0">
+                                          <p:val>
+                                            <p:strVal val="#ppt_y"/>
+                                          </p:val>
+                                        </p:tav>
+                                        <p:tav tm="100000">
+                                          <p:val>
+                                            <p:strVal val="#ppt_y"/>
+                                          </p:val>
+                                        </p:tav>
+                                      </p:tavLst>
+                                    </p:anim>
+                                  </p:childTnLst>
+                                </p:cTn>
+                              </p:par>
+                            </p:childTnLst>
+                          </p:cTn>
+                        </p:par>
+                        <p:par>
+                          <p:cTn id="19" fill="hold">
+                            <p:stCondLst>
+                              <p:cond delay="1500"/>
+                            </p:stCondLst>
+                            <p:childTnLst>
+                              <p:par>
+                                <p:cTn id="20" presetID="2" presetClass="entr" presetSubtype="8" fill="hold" grpId="0" nodeType="afterEffect">
+                                  <p:stCondLst>
+                                    <p:cond delay="0"/>
+                                  </p:stCondLst>
+                                  <p:childTnLst>
+                                    <p:set>
+                                      <p:cBhvr>
+                                        <p:cTn id="21" dur="1" fill="hold">
+                                          <p:stCondLst>
+                                            <p:cond delay="0"/>
+                                          </p:stCondLst>
+                                        </p:cTn>
+                                        <p:tgtEl>
+                                          <p:spTgt spid="8"/>
+                                        </p:tgtEl>
+                                        <p:attrNameLst>
+                                          <p:attrName>style.visibility</p:attrName>
+                                        </p:attrNameLst>
+                                      </p:cBhvr>
+                                      <p:to>
+                                        <p:strVal val="visible"/>
+                                      </p:to>
+                                    </p:set>
+                                    <p:anim calcmode="lin" valueType="num">
+                                      <p:cBhvr additive="base">
+                                        <p:cTn id="22" dur="500" fill="hold"/>
+                                        <p:tgtEl>
+                                          <p:spTgt spid="8"/>
+                                        </p:tgtEl>
+                                        <p:attrNameLst>
+                                          <p:attrName>ppt_x</p:attrName>
+                                        </p:attrNameLst>
+                                      </p:cBhvr>
+                                      <p:tavLst>
+                                        <p:tav tm="0">
+                                          <p:val>
+                                            <p:strVal val="0-#ppt_w/2"/>
+                                          </p:val>
+                                        </p:tav>
+                                        <p:tav tm="100000">
+                                          <p:val>
+                                            <p:strVal val="#ppt_x"/>
+                                          </p:val>
+                                        </p:tav>
+                                      </p:tavLst>
+                                    </p:anim>
+                                    <p:anim calcmode="lin" valueType="num">
+                                      <p:cBhvr additive="base">
+                                        <p:cTn id="23" dur="500" fill="hold"/>
+                                        <p:tgtEl>
+                                          <p:spTgt spid="8"/>
+                                        </p:tgtEl>
+                                        <p:attrNameLst>
+                                          <p:attrName>ppt_y</p:attrName>
+                                        </p:attrNameLst>
+                                      </p:cBhvr>
+                                      <p:tavLst>
+                                        <p:tav tm="0">
+                                          <p:val>
+                                            <p:strVal val="#ppt_y"/>
+                                          </p:val>
+                                        </p:tav>
+                                        <p:tav tm="100000">
+                                          <p:val>
+                                            <p:strVal val="#ppt_y"/>
+                                          </p:val>
+                                        </p:tav>
+                                      </p:tavLst>
+                                    </p:anim>
+                                  </p:childTnLst>
+                                </p:cTn>
+                              </p:par>
+                            </p:childTnLst>
+                          </p:cTn>
+                        </p:par>
+                        <p:par>
+                          <p:cTn id="24" fill="hold">
+                            <p:stCondLst>
+                              <p:cond delay="2000"/>
+                            </p:stCondLst>
+                            <p:childTnLst>
+                              <p:par>
+                                <p:cTn id="25" presetID="2" presetClass="entr" presetSubtype="8" fill="hold" grpId="0" nodeType="afterEffect">
+                                  <p:stCondLst>
+                                    <p:cond delay="0"/>
+                                  </p:stCondLst>
+                                  <p:childTnLst>
+                                    <p:set>
+                                      <p:cBhvr>
+                                        <p:cTn id="26" dur="1" fill="hold">
+                                          <p:stCondLst>
+                                            <p:cond delay="0"/>
+                                          </p:stCondLst>
+                                        </p:cTn>
+                                        <p:tgtEl>
+                                          <p:spTgt spid="4"/>
+                                        </p:tgtEl>
+                                        <p:attrNameLst>
+                                          <p:attrName>style.visibility</p:attrName>
+                                        </p:attrNameLst>
+                                      </p:cBhvr>
+                                      <p:to>
+                                        <p:strVal val="visible"/>
+                                      </p:to>
+                                    </p:set>
+                                    <p:anim calcmode="lin" valueType="num">
+                                      <p:cBhvr additive="base">
+                                        <p:cTn id="27" dur="500" fill="hold"/>
+                                        <p:tgtEl>
+                                          <p:spTgt spid="4"/>
+                                        </p:tgtEl>
+                                        <p:attrNameLst>
+                                          <p:attrName>ppt_x</p:attrName>
+                                        </p:attrNameLst>
+                                      </p:cBhvr>
+                                      <p:tavLst>
+                                        <p:tav tm="0">
+                                          <p:val>
+                                            <p:strVal val="0-#ppt_w/2"/>
+                                          </p:val>
+                                        </p:tav>
+                                        <p:tav tm="100000">
+                                          <p:val>
+                                            <p:strVal val="#ppt_x"/>
+                                          </p:val>
+                                        </p:tav>
+                                      </p:tavLst>
+                                    </p:anim>
+                                    <p:anim calcmode="lin" valueType="num">
+                                      <p:cBhvr additive="base">
+                                        <p:cTn id="28" dur="500" fill="hold"/>
+                                        <p:tgtEl>
+                                          <p:spTgt spid="4"/>
+                                        </p:tgtEl>
+                                        <p:attrNameLst>
+                                          <p:attrName>ppt_y</p:attrName>
+                                        </p:attrNameLst>
+                                      </p:cBhvr>
+                                      <p:tavLst>
+                                        <p:tav tm="0">
+                                          <p:val>
+                                            <p:strVal val="#ppt_y"/>
+                                          </p:val>
+                                        </p:tav>
+                                        <p:tav tm="100000">
+                                          <p:val>
+                                            <p:strVal val="#ppt_y"/>
+                                          </p:val>
+                                        </p:tav>
+                                      </p:tavLst>
+                                    </p:anim>
+                                  </p:childTnLst>
+                                </p:cTn>
+                              </p:par>
+                            </p:childTnLst>
+                          </p:cTn>
+                        </p:par>
+                        <p:par>
+                          <p:cTn id="29" fill="hold">
+                            <p:stCondLst>
+                              <p:cond delay="2500"/>
+                            </p:stCondLst>
+                            <p:childTnLst>
+                              <p:par>
+                                <p:cTn id="30" presetID="22" presetClass="entr" presetSubtype="8" fill="hold" grpId="0" nodeType="afterEffect">
+                                  <p:stCondLst>
+                                    <p:cond delay="1000"/>
+                                  </p:stCondLst>
+                                  <p:childTnLst>
+                                    <p:set>
+                                      <p:cBhvr>
+                                        <p:cTn id="31" dur="1" fill="hold">
+                                          <p:stCondLst>
+                                            <p:cond delay="0"/>
+                                          </p:stCondLst>
+                                        </p:cTn>
+                                        <p:tgtEl>
+                                          <p:spTgt spid="10"/>
+                                        </p:tgtEl>
+                                        <p:attrNameLst>
+                                          <p:attrName>style.visibility</p:attrName>
+                                        </p:attrNameLst>
+                                      </p:cBhvr>
+                                      <p:to>
+                                        <p:strVal val="visible"/>
+                                      </p:to>
+                                    </p:set>
+                                    <p:animEffect transition="in" filter="wipe(left)">
+                                      <p:cBhvr>
+                                        <p:cTn id="32" dur="2000"/>
+                                        <p:tgtEl>
+                                          <p:spTgt spid="10"/>
+                                        </p:tgtEl>
+                                      </p:cBhvr>
+                                    </p:animEffect>
+                                  </p:childTnLst>
+                                </p:cTn>
+                              </p:par>
+                            </p:childTnLst>
+                          </p:cTn>
+                        </p:par>
+                      </p:childTnLst>
+                    </p:cTn>
+                  </p:par>
+                </p:childTnLst>
+              </p:cTn>
+              <p:prevCondLst>
+                <p:cond evt="onPrev" delay="0">
+                  <p:tgtEl>
+                    <p:sldTgt/>
+                  </p:tgtEl>
+                </p:cond>
+              </p:prevCondLst>
+              <p:nextCondLst>
+                <p:cond evt="onNext" delay="0">
+                  <p:tgtEl>
+                    <p:sldTgt/>
+                  </p:tgtEl>
+                </p:cond>
+              </p:nextCondLst>
+            </p:seq>
+          </p:childTnLst>
+        </p:cTn>
+      </p:par>
+    </p:tnLst>
+    <p:bldLst>
+      <p:bldP spid="4" grpId="0" animBg="1"/>
+      <p:bldP spid="6" grpId="0" animBg="1"/>
+      <p:bldP spid="7" grpId="0" animBg="1"/>
+      <p:bldP spid="8" grpId="0" animBg="1"/>
+      <p:bldP spid="9" grpId="0" animBg="1"/>
+      <p:bldP spid="10" grpId="0"/>
+    </p:bldLst>
+  </p:timing>
+</p:sld>
+</file>
+
+<file path=ppt/slides/slide20.xml><?xml version="1.0" encoding="utf-8"?>
 <p:sld xmlns:a="http://schemas.openxmlformats.org/drawingml/2006/main" xmlns:r="http://schemas.openxmlformats.org/officeDocument/2006/relationships" xmlns:p="http://schemas.openxmlformats.org/presentationml/2006/main">
   <p:cSld>
     <p:spTree>
@@ -14132,287 +15943,7 @@
 </p:sld>
 </file>
 
-<file path=ppt/slides/slide2.xml><?xml version="1.0" encoding="utf-8"?>
-<p:sld xmlns:a="http://schemas.openxmlformats.org/drawingml/2006/main" xmlns:r="http://schemas.openxmlformats.org/officeDocument/2006/relationships" xmlns:p="http://schemas.openxmlformats.org/presentationml/2006/main">
-  <p:cSld>
-    <p:spTree>
-      <p:nvGrpSpPr>
-        <p:cNvPr id="1" name=""/>
-        <p:cNvGrpSpPr/>
-        <p:nvPr/>
-      </p:nvGrpSpPr>
-      <p:grpSpPr>
-        <a:xfrm>
-          <a:off x="0" y="0"/>
-          <a:ext cx="0" cy="0"/>
-          <a:chOff x="0" y="0"/>
-          <a:chExt cx="0" cy="0"/>
-        </a:xfrm>
-      </p:grpSpPr>
-      <p:cxnSp>
-        <p:nvCxnSpPr>
-          <p:cNvPr id="4" name="Straight Arrow Connector 3">
-            <a:extLst>
-              <a:ext uri="{FF2B5EF4-FFF2-40B4-BE49-F238E27FC236}">
-                <a16:creationId xmlns:a16="http://schemas.microsoft.com/office/drawing/2014/main" id="{F7C163C7-6389-894E-921C-5D10C9551E0F}"/>
-              </a:ext>
-            </a:extLst>
-          </p:cNvPr>
-          <p:cNvCxnSpPr/>
-          <p:nvPr/>
-        </p:nvCxnSpPr>
-        <p:spPr>
-          <a:xfrm flipV="1">
-            <a:off x="1226371" y="1645920"/>
-            <a:ext cx="0" cy="4356847"/>
-          </a:xfrm>
-          <a:prstGeom prst="straightConnector1">
-            <a:avLst/>
-          </a:prstGeom>
-          <a:ln>
-            <a:tailEnd type="triangle"/>
-          </a:ln>
-          <a:effectLst/>
-        </p:spPr>
-        <p:style>
-          <a:lnRef idx="2">
-            <a:schemeClr val="accent1"/>
-          </a:lnRef>
-          <a:fillRef idx="0">
-            <a:schemeClr val="accent1"/>
-          </a:fillRef>
-          <a:effectRef idx="1">
-            <a:schemeClr val="accent1"/>
-          </a:effectRef>
-          <a:fontRef idx="minor">
-            <a:schemeClr val="tx1"/>
-          </a:fontRef>
-        </p:style>
-      </p:cxnSp>
-      <p:sp>
-        <p:nvSpPr>
-          <p:cNvPr id="14" name="Rectangle 13">
-            <a:extLst>
-              <a:ext uri="{FF2B5EF4-FFF2-40B4-BE49-F238E27FC236}">
-                <a16:creationId xmlns:a16="http://schemas.microsoft.com/office/drawing/2014/main" id="{EAB98CC8-5841-6E4B-B3F7-B13D1F406B06}"/>
-              </a:ext>
-            </a:extLst>
-          </p:cNvPr>
-          <p:cNvSpPr/>
-          <p:nvPr/>
-        </p:nvSpPr>
-        <p:spPr>
-          <a:xfrm>
-            <a:off x="950757" y="562845"/>
-            <a:ext cx="5524718" cy="584775"/>
-          </a:xfrm>
-          <a:prstGeom prst="rect">
-            <a:avLst/>
-          </a:prstGeom>
-        </p:spPr>
-        <p:txBody>
-          <a:bodyPr wrap="none">
-            <a:spAutoFit/>
-          </a:bodyPr>
-          <a:lstStyle/>
-          <a:p>
-            <a:r>
-              <a:rPr lang="es-CL" sz="3200" dirty="0">
-                <a:solidFill>
-                  <a:srgbClr val="FF9300"/>
-                </a:solidFill>
-                <a:latin typeface="Trebuchet MS" pitchFamily="34" charset="0"/>
-              </a:rPr>
-              <a:t>Representación de una Recta</a:t>
-            </a:r>
-          </a:p>
-        </p:txBody>
-      </p:sp>
-      <p:cxnSp>
-        <p:nvCxnSpPr>
-          <p:cNvPr id="15" name="Straight Arrow Connector 14">
-            <a:extLst>
-              <a:ext uri="{FF2B5EF4-FFF2-40B4-BE49-F238E27FC236}">
-                <a16:creationId xmlns:a16="http://schemas.microsoft.com/office/drawing/2014/main" id="{C19ECE64-9AAA-CC4F-A738-6F8EBEA0AAEB}"/>
-              </a:ext>
-            </a:extLst>
-          </p:cNvPr>
-          <p:cNvCxnSpPr>
-            <a:cxnSpLocks/>
-          </p:cNvCxnSpPr>
-          <p:nvPr/>
-        </p:nvCxnSpPr>
-        <p:spPr>
-          <a:xfrm flipV="1">
-            <a:off x="1226371" y="6002767"/>
-            <a:ext cx="6840071" cy="1"/>
-          </a:xfrm>
-          <a:prstGeom prst="straightConnector1">
-            <a:avLst/>
-          </a:prstGeom>
-          <a:ln>
-            <a:tailEnd type="triangle"/>
-          </a:ln>
-          <a:effectLst/>
-        </p:spPr>
-        <p:style>
-          <a:lnRef idx="2">
-            <a:schemeClr val="accent1"/>
-          </a:lnRef>
-          <a:fillRef idx="0">
-            <a:schemeClr val="accent1"/>
-          </a:fillRef>
-          <a:effectRef idx="1">
-            <a:schemeClr val="accent1"/>
-          </a:effectRef>
-          <a:fontRef idx="minor">
-            <a:schemeClr val="tx1"/>
-          </a:fontRef>
-        </p:style>
-      </p:cxnSp>
-      <p:cxnSp>
-        <p:nvCxnSpPr>
-          <p:cNvPr id="12" name="Straight Connector 11">
-            <a:extLst>
-              <a:ext uri="{FF2B5EF4-FFF2-40B4-BE49-F238E27FC236}">
-                <a16:creationId xmlns:a16="http://schemas.microsoft.com/office/drawing/2014/main" id="{AB07C504-D7AF-4F42-A452-EF4F5A82A749}"/>
-              </a:ext>
-            </a:extLst>
-          </p:cNvPr>
-          <p:cNvCxnSpPr>
-            <a:cxnSpLocks/>
-          </p:cNvCxnSpPr>
-          <p:nvPr/>
-        </p:nvCxnSpPr>
-        <p:spPr>
-          <a:xfrm>
-            <a:off x="1226370" y="2658930"/>
-            <a:ext cx="5637009" cy="3343837"/>
-          </a:xfrm>
-          <a:prstGeom prst="line">
-            <a:avLst/>
-          </a:prstGeom>
-          <a:effectLst/>
-        </p:spPr>
-        <p:style>
-          <a:lnRef idx="2">
-            <a:schemeClr val="dk1"/>
-          </a:lnRef>
-          <a:fillRef idx="0">
-            <a:schemeClr val="dk1"/>
-          </a:fillRef>
-          <a:effectRef idx="1">
-            <a:schemeClr val="dk1"/>
-          </a:effectRef>
-          <a:fontRef idx="minor">
-            <a:schemeClr val="tx1"/>
-          </a:fontRef>
-        </p:style>
-      </p:cxnSp>
-      <p:pic>
-        <p:nvPicPr>
-          <p:cNvPr id="13" name="Picture 12">
-            <a:extLst>
-              <a:ext uri="{FF2B5EF4-FFF2-40B4-BE49-F238E27FC236}">
-                <a16:creationId xmlns:a16="http://schemas.microsoft.com/office/drawing/2014/main" id="{FA479032-EF6D-2C45-B495-BEC505CB8437}"/>
-              </a:ext>
-            </a:extLst>
-          </p:cNvPr>
-          <p:cNvPicPr>
-            <a:picLocks noChangeAspect="1"/>
-          </p:cNvPicPr>
-          <p:nvPr/>
-        </p:nvPicPr>
-        <p:blipFill>
-          <a:blip r:embed="rId2"/>
-          <a:stretch>
-            <a:fillRect/>
-          </a:stretch>
-        </p:blipFill>
-        <p:spPr>
-          <a:xfrm>
-            <a:off x="3796701" y="1687156"/>
-            <a:ext cx="2260600" cy="419100"/>
-          </a:xfrm>
-          <a:prstGeom prst="rect">
-            <a:avLst/>
-          </a:prstGeom>
-        </p:spPr>
-      </p:pic>
-      <p:pic>
-        <p:nvPicPr>
-          <p:cNvPr id="16" name="Picture 15">
-            <a:extLst>
-              <a:ext uri="{FF2B5EF4-FFF2-40B4-BE49-F238E27FC236}">
-                <a16:creationId xmlns:a16="http://schemas.microsoft.com/office/drawing/2014/main" id="{06BFEFF4-359F-724D-B134-BE02058FE0EC}"/>
-              </a:ext>
-            </a:extLst>
-          </p:cNvPr>
-          <p:cNvPicPr>
-            <a:picLocks noChangeAspect="1"/>
-          </p:cNvPicPr>
-          <p:nvPr/>
-        </p:nvPicPr>
-        <p:blipFill>
-          <a:blip r:embed="rId3"/>
-          <a:stretch>
-            <a:fillRect/>
-          </a:stretch>
-        </p:blipFill>
-        <p:spPr>
-          <a:xfrm>
-            <a:off x="832419" y="1687156"/>
-            <a:ext cx="215900" cy="304800"/>
-          </a:xfrm>
-          <a:prstGeom prst="rect">
-            <a:avLst/>
-          </a:prstGeom>
-        </p:spPr>
-      </p:pic>
-      <p:pic>
-        <p:nvPicPr>
-          <p:cNvPr id="19" name="Picture 18">
-            <a:extLst>
-              <a:ext uri="{FF2B5EF4-FFF2-40B4-BE49-F238E27FC236}">
-                <a16:creationId xmlns:a16="http://schemas.microsoft.com/office/drawing/2014/main" id="{49979498-437F-4445-A1DE-AE0AE52963C3}"/>
-              </a:ext>
-            </a:extLst>
-          </p:cNvPr>
-          <p:cNvPicPr>
-            <a:picLocks noChangeAspect="1"/>
-          </p:cNvPicPr>
-          <p:nvPr/>
-        </p:nvPicPr>
-        <p:blipFill>
-          <a:blip r:embed="rId4"/>
-          <a:stretch>
-            <a:fillRect/>
-          </a:stretch>
-        </p:blipFill>
-        <p:spPr>
-          <a:xfrm>
-            <a:off x="7825142" y="6187205"/>
-            <a:ext cx="241300" cy="215900"/>
-          </a:xfrm>
-          <a:prstGeom prst="rect">
-            <a:avLst/>
-          </a:prstGeom>
-        </p:spPr>
-      </p:pic>
-    </p:spTree>
-    <p:extLst>
-      <p:ext uri="{BB962C8B-B14F-4D97-AF65-F5344CB8AC3E}">
-        <p14:creationId xmlns:p14="http://schemas.microsoft.com/office/powerpoint/2010/main" val="2852924284"/>
-      </p:ext>
-    </p:extLst>
-  </p:cSld>
-  <p:clrMapOvr>
-    <a:masterClrMapping/>
-  </p:clrMapOvr>
-</p:sld>
-</file>
-
-<file path=ppt/slides/slide20.xml><?xml version="1.0" encoding="utf-8"?>
+<file path=ppt/slides/slide21.xml><?xml version="1.0" encoding="utf-8"?>
 <p:sld xmlns:a="http://schemas.openxmlformats.org/drawingml/2006/main" xmlns:r="http://schemas.openxmlformats.org/officeDocument/2006/relationships" xmlns:p="http://schemas.openxmlformats.org/presentationml/2006/main">
   <p:cSld>
     <p:spTree>
@@ -15830,181 +17361,6 @@
 </p:sld>
 </file>
 
-<file path=ppt/slides/slide21.xml><?xml version="1.0" encoding="utf-8"?>
-<p:sld xmlns:a="http://schemas.openxmlformats.org/drawingml/2006/main" xmlns:r="http://schemas.openxmlformats.org/officeDocument/2006/relationships" xmlns:p="http://schemas.openxmlformats.org/presentationml/2006/main">
-  <p:cSld>
-    <p:spTree>
-      <p:nvGrpSpPr>
-        <p:cNvPr id="1" name=""/>
-        <p:cNvGrpSpPr/>
-        <p:nvPr/>
-      </p:nvGrpSpPr>
-      <p:grpSpPr>
-        <a:xfrm>
-          <a:off x="0" y="0"/>
-          <a:ext cx="0" cy="0"/>
-          <a:chOff x="0" y="0"/>
-          <a:chExt cx="0" cy="0"/>
-        </a:xfrm>
-      </p:grpSpPr>
-      <p:sp>
-        <p:nvSpPr>
-          <p:cNvPr id="4" name="Text Box 2">
-            <a:extLst>
-              <a:ext uri="{FF2B5EF4-FFF2-40B4-BE49-F238E27FC236}">
-                <a16:creationId xmlns:a16="http://schemas.microsoft.com/office/drawing/2014/main" id="{607B9EB0-E241-3846-9636-071FFE114F6E}"/>
-              </a:ext>
-            </a:extLst>
-          </p:cNvPr>
-          <p:cNvSpPr txBox="1">
-            <a:spLocks noChangeArrowheads="1"/>
-          </p:cNvSpPr>
-          <p:nvPr/>
-        </p:nvSpPr>
-        <p:spPr bwMode="auto">
-          <a:xfrm>
-            <a:off x="595313" y="329248"/>
-            <a:ext cx="8218487" cy="461665"/>
-          </a:xfrm>
-          <a:prstGeom prst="rect">
-            <a:avLst/>
-          </a:prstGeom>
-          <a:noFill/>
-          <a:ln w="9525">
-            <a:noFill/>
-            <a:miter lim="800000"/>
-            <a:headEnd/>
-            <a:tailEnd/>
-          </a:ln>
-        </p:spPr>
-        <p:txBody>
-          <a:bodyPr>
-            <a:spAutoFit/>
-          </a:bodyPr>
-          <a:lstStyle/>
-          <a:p>
-            <a:pPr eaLnBrk="0" hangingPunct="0"/>
-            <a:r>
-              <a:rPr lang="es-ES_tradnl" sz="2400" dirty="0">
-                <a:solidFill>
-                  <a:srgbClr val="FF9300"/>
-                </a:solidFill>
-                <a:latin typeface="Trebuchet MS" pitchFamily="34" charset="0"/>
-              </a:rPr>
-              <a:t>Ejemplo: Puntos que pertenecen a dos líneas</a:t>
-            </a:r>
-            <a:endParaRPr lang="es-ES_tradnl" sz="2400" dirty="0">
-              <a:solidFill>
-                <a:srgbClr val="0000FF"/>
-              </a:solidFill>
-              <a:latin typeface="Trebuchet MS" pitchFamily="34" charset="0"/>
-            </a:endParaRPr>
-          </a:p>
-        </p:txBody>
-      </p:sp>
-      <p:pic>
-        <p:nvPicPr>
-          <p:cNvPr id="5" name="Picture 4">
-            <a:extLst>
-              <a:ext uri="{FF2B5EF4-FFF2-40B4-BE49-F238E27FC236}">
-                <a16:creationId xmlns:a16="http://schemas.microsoft.com/office/drawing/2014/main" id="{CA174907-7E18-664F-A33E-8022FE1FCCFF}"/>
-              </a:ext>
-            </a:extLst>
-          </p:cNvPr>
-          <p:cNvPicPr>
-            <a:picLocks noChangeAspect="1"/>
-          </p:cNvPicPr>
-          <p:nvPr/>
-        </p:nvPicPr>
-        <p:blipFill>
-          <a:blip r:embed="rId2"/>
-          <a:stretch>
-            <a:fillRect/>
-          </a:stretch>
-        </p:blipFill>
-        <p:spPr>
-          <a:xfrm>
-            <a:off x="720000" y="1800000"/>
-            <a:ext cx="3600000" cy="3600000"/>
-          </a:xfrm>
-          <a:prstGeom prst="rect">
-            <a:avLst/>
-          </a:prstGeom>
-        </p:spPr>
-      </p:pic>
-      <p:pic>
-        <p:nvPicPr>
-          <p:cNvPr id="8" name="Picture 7">
-            <a:extLst>
-              <a:ext uri="{FF2B5EF4-FFF2-40B4-BE49-F238E27FC236}">
-                <a16:creationId xmlns:a16="http://schemas.microsoft.com/office/drawing/2014/main" id="{52A230D1-356A-1E48-AB53-7370541424FC}"/>
-              </a:ext>
-            </a:extLst>
-          </p:cNvPr>
-          <p:cNvPicPr>
-            <a:picLocks noChangeAspect="1"/>
-          </p:cNvPicPr>
-          <p:nvPr/>
-        </p:nvPicPr>
-        <p:blipFill>
-          <a:blip r:embed="rId3"/>
-          <a:stretch>
-            <a:fillRect/>
-          </a:stretch>
-        </p:blipFill>
-        <p:spPr>
-          <a:xfrm>
-            <a:off x="612050" y="3383175"/>
-            <a:ext cx="127500" cy="180000"/>
-          </a:xfrm>
-          <a:prstGeom prst="rect">
-            <a:avLst/>
-          </a:prstGeom>
-        </p:spPr>
-      </p:pic>
-      <p:pic>
-        <p:nvPicPr>
-          <p:cNvPr id="9" name="Picture 8">
-            <a:extLst>
-              <a:ext uri="{FF2B5EF4-FFF2-40B4-BE49-F238E27FC236}">
-                <a16:creationId xmlns:a16="http://schemas.microsoft.com/office/drawing/2014/main" id="{EED9D556-B7E3-E44F-AE05-102D5A4FCA77}"/>
-              </a:ext>
-            </a:extLst>
-          </p:cNvPr>
-          <p:cNvPicPr>
-            <a:picLocks noChangeAspect="1"/>
-          </p:cNvPicPr>
-          <p:nvPr/>
-        </p:nvPicPr>
-        <p:blipFill>
-          <a:blip r:embed="rId4"/>
-          <a:stretch>
-            <a:fillRect/>
-          </a:stretch>
-        </p:blipFill>
-        <p:spPr>
-          <a:xfrm>
-            <a:off x="2384242" y="5374600"/>
-            <a:ext cx="160941" cy="144000"/>
-          </a:xfrm>
-          <a:prstGeom prst="rect">
-            <a:avLst/>
-          </a:prstGeom>
-        </p:spPr>
-      </p:pic>
-    </p:spTree>
-    <p:extLst>
-      <p:ext uri="{BB962C8B-B14F-4D97-AF65-F5344CB8AC3E}">
-        <p14:creationId xmlns:p14="http://schemas.microsoft.com/office/powerpoint/2010/main" val="437726165"/>
-      </p:ext>
-    </p:extLst>
-  </p:cSld>
-  <p:clrMapOvr>
-    <a:masterClrMapping/>
-  </p:clrMapOvr>
-</p:sld>
-</file>
-
 <file path=ppt/slides/slide22.xml><?xml version="1.0" encoding="utf-8"?>
 <p:sld xmlns:a="http://schemas.openxmlformats.org/drawingml/2006/main" xmlns:r="http://schemas.openxmlformats.org/officeDocument/2006/relationships" xmlns:p="http://schemas.openxmlformats.org/presentationml/2006/main">
   <p:cSld>
@@ -16079,10 +17435,10 @@
       </p:sp>
       <p:pic>
         <p:nvPicPr>
-          <p:cNvPr id="6" name="Picture 5">
-            <a:extLst>
-              <a:ext uri="{FF2B5EF4-FFF2-40B4-BE49-F238E27FC236}">
-                <a16:creationId xmlns:a16="http://schemas.microsoft.com/office/drawing/2014/main" id="{6AC44AC0-2767-C847-A898-EE700372AB69}"/>
+          <p:cNvPr id="5" name="Picture 4">
+            <a:extLst>
+              <a:ext uri="{FF2B5EF4-FFF2-40B4-BE49-F238E27FC236}">
+                <a16:creationId xmlns:a16="http://schemas.microsoft.com/office/drawing/2014/main" id="{CA174907-7E18-664F-A33E-8022FE1FCCFF}"/>
               </a:ext>
             </a:extLst>
           </p:cNvPr>
@@ -16109,10 +17465,10 @@
       </p:pic>
       <p:pic>
         <p:nvPicPr>
-          <p:cNvPr id="7" name="Picture 6">
-            <a:extLst>
-              <a:ext uri="{FF2B5EF4-FFF2-40B4-BE49-F238E27FC236}">
-                <a16:creationId xmlns:a16="http://schemas.microsoft.com/office/drawing/2014/main" id="{91C98332-C3F8-894D-BA0E-F6D4634E08CC}"/>
+          <p:cNvPr id="8" name="Picture 7">
+            <a:extLst>
+              <a:ext uri="{FF2B5EF4-FFF2-40B4-BE49-F238E27FC236}">
+                <a16:creationId xmlns:a16="http://schemas.microsoft.com/office/drawing/2014/main" id="{52A230D1-356A-1E48-AB53-7370541424FC}"/>
               </a:ext>
             </a:extLst>
           </p:cNvPr>
@@ -16129,8 +17485,8 @@
         </p:blipFill>
         <p:spPr>
           <a:xfrm>
-            <a:off x="5040000" y="1800000"/>
-            <a:ext cx="3600000" cy="3600000"/>
+            <a:off x="612050" y="3383175"/>
+            <a:ext cx="127500" cy="180000"/>
           </a:xfrm>
           <a:prstGeom prst="rect">
             <a:avLst/>
@@ -16139,10 +17495,10 @@
       </p:pic>
       <p:pic>
         <p:nvPicPr>
-          <p:cNvPr id="8" name="Picture 7">
-            <a:extLst>
-              <a:ext uri="{FF2B5EF4-FFF2-40B4-BE49-F238E27FC236}">
-                <a16:creationId xmlns:a16="http://schemas.microsoft.com/office/drawing/2014/main" id="{1312B17B-2E74-FB4F-9E2E-C8FCE5C58A40}"/>
+          <p:cNvPr id="9" name="Picture 8">
+            <a:extLst>
+              <a:ext uri="{FF2B5EF4-FFF2-40B4-BE49-F238E27FC236}">
+                <a16:creationId xmlns:a16="http://schemas.microsoft.com/office/drawing/2014/main" id="{EED9D556-B7E3-E44F-AE05-102D5A4FCA77}"/>
               </a:ext>
             </a:extLst>
           </p:cNvPr>
@@ -16159,96 +17515,6 @@
         </p:blipFill>
         <p:spPr>
           <a:xfrm>
-            <a:off x="5040000" y="3505108"/>
-            <a:ext cx="139700" cy="177800"/>
-          </a:xfrm>
-          <a:prstGeom prst="rect">
-            <a:avLst/>
-          </a:prstGeom>
-        </p:spPr>
-      </p:pic>
-      <p:pic>
-        <p:nvPicPr>
-          <p:cNvPr id="9" name="Picture 8">
-            <a:extLst>
-              <a:ext uri="{FF2B5EF4-FFF2-40B4-BE49-F238E27FC236}">
-                <a16:creationId xmlns:a16="http://schemas.microsoft.com/office/drawing/2014/main" id="{B0ECC894-3A99-9343-9706-5427EB7DBDAC}"/>
-              </a:ext>
-            </a:extLst>
-          </p:cNvPr>
-          <p:cNvPicPr>
-            <a:picLocks noChangeAspect="1"/>
-          </p:cNvPicPr>
-          <p:nvPr/>
-        </p:nvPicPr>
-        <p:blipFill>
-          <a:blip r:embed="rId5"/>
-          <a:stretch>
-            <a:fillRect/>
-          </a:stretch>
-        </p:blipFill>
-        <p:spPr>
-          <a:xfrm>
-            <a:off x="6978174" y="5400000"/>
-            <a:ext cx="114300" cy="190500"/>
-          </a:xfrm>
-          <a:prstGeom prst="rect">
-            <a:avLst/>
-          </a:prstGeom>
-        </p:spPr>
-      </p:pic>
-      <p:pic>
-        <p:nvPicPr>
-          <p:cNvPr id="10" name="Picture 9">
-            <a:extLst>
-              <a:ext uri="{FF2B5EF4-FFF2-40B4-BE49-F238E27FC236}">
-                <a16:creationId xmlns:a16="http://schemas.microsoft.com/office/drawing/2014/main" id="{9E0777DD-475D-D647-977D-6A989E7C7D4C}"/>
-              </a:ext>
-            </a:extLst>
-          </p:cNvPr>
-          <p:cNvPicPr>
-            <a:picLocks noChangeAspect="1"/>
-          </p:cNvPicPr>
-          <p:nvPr/>
-        </p:nvPicPr>
-        <p:blipFill>
-          <a:blip r:embed="rId6"/>
-          <a:stretch>
-            <a:fillRect/>
-          </a:stretch>
-        </p:blipFill>
-        <p:spPr>
-          <a:xfrm>
-            <a:off x="612050" y="3383175"/>
-            <a:ext cx="127500" cy="180000"/>
-          </a:xfrm>
-          <a:prstGeom prst="rect">
-            <a:avLst/>
-          </a:prstGeom>
-        </p:spPr>
-      </p:pic>
-      <p:pic>
-        <p:nvPicPr>
-          <p:cNvPr id="11" name="Picture 10">
-            <a:extLst>
-              <a:ext uri="{FF2B5EF4-FFF2-40B4-BE49-F238E27FC236}">
-                <a16:creationId xmlns:a16="http://schemas.microsoft.com/office/drawing/2014/main" id="{2CC45A6F-BDAB-A845-9F77-60CD50CE82E7}"/>
-              </a:ext>
-            </a:extLst>
-          </p:cNvPr>
-          <p:cNvPicPr>
-            <a:picLocks noChangeAspect="1"/>
-          </p:cNvPicPr>
-          <p:nvPr/>
-        </p:nvPicPr>
-        <p:blipFill>
-          <a:blip r:embed="rId7"/>
-          <a:stretch>
-            <a:fillRect/>
-          </a:stretch>
-        </p:blipFill>
-        <p:spPr>
-          <a:xfrm>
             <a:off x="2384242" y="5374600"/>
             <a:ext cx="160941" cy="144000"/>
           </a:xfrm>
@@ -16260,7 +17526,7 @@
     </p:spTree>
     <p:extLst>
       <p:ext uri="{BB962C8B-B14F-4D97-AF65-F5344CB8AC3E}">
-        <p14:creationId xmlns:p14="http://schemas.microsoft.com/office/powerpoint/2010/main" val="1766380559"/>
+        <p14:creationId xmlns:p14="http://schemas.microsoft.com/office/powerpoint/2010/main" val="437726165"/>
       </p:ext>
     </p:extLst>
   </p:cSld>
@@ -16344,10 +17610,10 @@
       </p:sp>
       <p:pic>
         <p:nvPicPr>
-          <p:cNvPr id="3" name="Picture 2">
-            <a:extLst>
-              <a:ext uri="{FF2B5EF4-FFF2-40B4-BE49-F238E27FC236}">
-                <a16:creationId xmlns:a16="http://schemas.microsoft.com/office/drawing/2014/main" id="{E04E814B-C413-3945-A023-33284ADA9707}"/>
+          <p:cNvPr id="6" name="Picture 5">
+            <a:extLst>
+              <a:ext uri="{FF2B5EF4-FFF2-40B4-BE49-F238E27FC236}">
+                <a16:creationId xmlns:a16="http://schemas.microsoft.com/office/drawing/2014/main" id="{6AC44AC0-2767-C847-A898-EE700372AB69}"/>
               </a:ext>
             </a:extLst>
           </p:cNvPr>
@@ -16374,10 +17640,10 @@
       </p:pic>
       <p:pic>
         <p:nvPicPr>
-          <p:cNvPr id="5" name="Picture 4">
-            <a:extLst>
-              <a:ext uri="{FF2B5EF4-FFF2-40B4-BE49-F238E27FC236}">
-                <a16:creationId xmlns:a16="http://schemas.microsoft.com/office/drawing/2014/main" id="{A1F6C709-93D5-1441-9904-DD8D7CB9C987}"/>
+          <p:cNvPr id="7" name="Picture 6">
+            <a:extLst>
+              <a:ext uri="{FF2B5EF4-FFF2-40B4-BE49-F238E27FC236}">
+                <a16:creationId xmlns:a16="http://schemas.microsoft.com/office/drawing/2014/main" id="{91C98332-C3F8-894D-BA0E-F6D4634E08CC}"/>
               </a:ext>
             </a:extLst>
           </p:cNvPr>
@@ -16404,10 +17670,10 @@
       </p:pic>
       <p:pic>
         <p:nvPicPr>
-          <p:cNvPr id="6" name="Picture 5">
-            <a:extLst>
-              <a:ext uri="{FF2B5EF4-FFF2-40B4-BE49-F238E27FC236}">
-                <a16:creationId xmlns:a16="http://schemas.microsoft.com/office/drawing/2014/main" id="{234CAE5F-D15B-1A40-84A3-2ED91DCBCBF2}"/>
+          <p:cNvPr id="8" name="Picture 7">
+            <a:extLst>
+              <a:ext uri="{FF2B5EF4-FFF2-40B4-BE49-F238E27FC236}">
+                <a16:creationId xmlns:a16="http://schemas.microsoft.com/office/drawing/2014/main" id="{1312B17B-2E74-FB4F-9E2E-C8FCE5C58A40}"/>
               </a:ext>
             </a:extLst>
           </p:cNvPr>
@@ -16434,10 +17700,10 @@
       </p:pic>
       <p:pic>
         <p:nvPicPr>
-          <p:cNvPr id="7" name="Picture 6">
-            <a:extLst>
-              <a:ext uri="{FF2B5EF4-FFF2-40B4-BE49-F238E27FC236}">
-                <a16:creationId xmlns:a16="http://schemas.microsoft.com/office/drawing/2014/main" id="{66F14EC9-0B3A-7B45-9A4C-644543394BBD}"/>
+          <p:cNvPr id="9" name="Picture 8">
+            <a:extLst>
+              <a:ext uri="{FF2B5EF4-FFF2-40B4-BE49-F238E27FC236}">
+                <a16:creationId xmlns:a16="http://schemas.microsoft.com/office/drawing/2014/main" id="{B0ECC894-3A99-9343-9706-5427EB7DBDAC}"/>
               </a:ext>
             </a:extLst>
           </p:cNvPr>
@@ -16464,10 +17730,10 @@
       </p:pic>
       <p:pic>
         <p:nvPicPr>
-          <p:cNvPr id="8" name="Picture 7">
-            <a:extLst>
-              <a:ext uri="{FF2B5EF4-FFF2-40B4-BE49-F238E27FC236}">
-                <a16:creationId xmlns:a16="http://schemas.microsoft.com/office/drawing/2014/main" id="{AEBB73DA-2FC6-6F49-B1FB-C1CCDF3FE943}"/>
+          <p:cNvPr id="10" name="Picture 9">
+            <a:extLst>
+              <a:ext uri="{FF2B5EF4-FFF2-40B4-BE49-F238E27FC236}">
+                <a16:creationId xmlns:a16="http://schemas.microsoft.com/office/drawing/2014/main" id="{9E0777DD-475D-D647-977D-6A989E7C7D4C}"/>
               </a:ext>
             </a:extLst>
           </p:cNvPr>
@@ -16494,10 +17760,10 @@
       </p:pic>
       <p:pic>
         <p:nvPicPr>
-          <p:cNvPr id="9" name="Picture 8">
-            <a:extLst>
-              <a:ext uri="{FF2B5EF4-FFF2-40B4-BE49-F238E27FC236}">
-                <a16:creationId xmlns:a16="http://schemas.microsoft.com/office/drawing/2014/main" id="{73E71593-EDB9-564F-BC0F-D1E13D5A5C33}"/>
+          <p:cNvPr id="11" name="Picture 10">
+            <a:extLst>
+              <a:ext uri="{FF2B5EF4-FFF2-40B4-BE49-F238E27FC236}">
+                <a16:creationId xmlns:a16="http://schemas.microsoft.com/office/drawing/2014/main" id="{2CC45A6F-BDAB-A845-9F77-60CD50CE82E7}"/>
               </a:ext>
             </a:extLst>
           </p:cNvPr>
@@ -16525,7 +17791,7 @@
     </p:spTree>
     <p:extLst>
       <p:ext uri="{BB962C8B-B14F-4D97-AF65-F5344CB8AC3E}">
-        <p14:creationId xmlns:p14="http://schemas.microsoft.com/office/powerpoint/2010/main" val="3952583365"/>
+        <p14:creationId xmlns:p14="http://schemas.microsoft.com/office/powerpoint/2010/main" val="1766380559"/>
       </p:ext>
     </p:extLst>
   </p:cSld>
@@ -16609,6 +17875,271 @@
       </p:sp>
       <p:pic>
         <p:nvPicPr>
+          <p:cNvPr id="3" name="Picture 2">
+            <a:extLst>
+              <a:ext uri="{FF2B5EF4-FFF2-40B4-BE49-F238E27FC236}">
+                <a16:creationId xmlns:a16="http://schemas.microsoft.com/office/drawing/2014/main" id="{E04E814B-C413-3945-A023-33284ADA9707}"/>
+              </a:ext>
+            </a:extLst>
+          </p:cNvPr>
+          <p:cNvPicPr>
+            <a:picLocks noChangeAspect="1"/>
+          </p:cNvPicPr>
+          <p:nvPr/>
+        </p:nvPicPr>
+        <p:blipFill>
+          <a:blip r:embed="rId2"/>
+          <a:stretch>
+            <a:fillRect/>
+          </a:stretch>
+        </p:blipFill>
+        <p:spPr>
+          <a:xfrm>
+            <a:off x="720000" y="1800000"/>
+            <a:ext cx="3600000" cy="3600000"/>
+          </a:xfrm>
+          <a:prstGeom prst="rect">
+            <a:avLst/>
+          </a:prstGeom>
+        </p:spPr>
+      </p:pic>
+      <p:pic>
+        <p:nvPicPr>
+          <p:cNvPr id="5" name="Picture 4">
+            <a:extLst>
+              <a:ext uri="{FF2B5EF4-FFF2-40B4-BE49-F238E27FC236}">
+                <a16:creationId xmlns:a16="http://schemas.microsoft.com/office/drawing/2014/main" id="{A1F6C709-93D5-1441-9904-DD8D7CB9C987}"/>
+              </a:ext>
+            </a:extLst>
+          </p:cNvPr>
+          <p:cNvPicPr>
+            <a:picLocks noChangeAspect="1"/>
+          </p:cNvPicPr>
+          <p:nvPr/>
+        </p:nvPicPr>
+        <p:blipFill>
+          <a:blip r:embed="rId3"/>
+          <a:stretch>
+            <a:fillRect/>
+          </a:stretch>
+        </p:blipFill>
+        <p:spPr>
+          <a:xfrm>
+            <a:off x="5040000" y="1800000"/>
+            <a:ext cx="3600000" cy="3600000"/>
+          </a:xfrm>
+          <a:prstGeom prst="rect">
+            <a:avLst/>
+          </a:prstGeom>
+        </p:spPr>
+      </p:pic>
+      <p:pic>
+        <p:nvPicPr>
+          <p:cNvPr id="6" name="Picture 5">
+            <a:extLst>
+              <a:ext uri="{FF2B5EF4-FFF2-40B4-BE49-F238E27FC236}">
+                <a16:creationId xmlns:a16="http://schemas.microsoft.com/office/drawing/2014/main" id="{234CAE5F-D15B-1A40-84A3-2ED91DCBCBF2}"/>
+              </a:ext>
+            </a:extLst>
+          </p:cNvPr>
+          <p:cNvPicPr>
+            <a:picLocks noChangeAspect="1"/>
+          </p:cNvPicPr>
+          <p:nvPr/>
+        </p:nvPicPr>
+        <p:blipFill>
+          <a:blip r:embed="rId4"/>
+          <a:stretch>
+            <a:fillRect/>
+          </a:stretch>
+        </p:blipFill>
+        <p:spPr>
+          <a:xfrm>
+            <a:off x="5040000" y="3505108"/>
+            <a:ext cx="139700" cy="177800"/>
+          </a:xfrm>
+          <a:prstGeom prst="rect">
+            <a:avLst/>
+          </a:prstGeom>
+        </p:spPr>
+      </p:pic>
+      <p:pic>
+        <p:nvPicPr>
+          <p:cNvPr id="7" name="Picture 6">
+            <a:extLst>
+              <a:ext uri="{FF2B5EF4-FFF2-40B4-BE49-F238E27FC236}">
+                <a16:creationId xmlns:a16="http://schemas.microsoft.com/office/drawing/2014/main" id="{66F14EC9-0B3A-7B45-9A4C-644543394BBD}"/>
+              </a:ext>
+            </a:extLst>
+          </p:cNvPr>
+          <p:cNvPicPr>
+            <a:picLocks noChangeAspect="1"/>
+          </p:cNvPicPr>
+          <p:nvPr/>
+        </p:nvPicPr>
+        <p:blipFill>
+          <a:blip r:embed="rId5"/>
+          <a:stretch>
+            <a:fillRect/>
+          </a:stretch>
+        </p:blipFill>
+        <p:spPr>
+          <a:xfrm>
+            <a:off x="6978174" y="5400000"/>
+            <a:ext cx="114300" cy="190500"/>
+          </a:xfrm>
+          <a:prstGeom prst="rect">
+            <a:avLst/>
+          </a:prstGeom>
+        </p:spPr>
+      </p:pic>
+      <p:pic>
+        <p:nvPicPr>
+          <p:cNvPr id="8" name="Picture 7">
+            <a:extLst>
+              <a:ext uri="{FF2B5EF4-FFF2-40B4-BE49-F238E27FC236}">
+                <a16:creationId xmlns:a16="http://schemas.microsoft.com/office/drawing/2014/main" id="{AEBB73DA-2FC6-6F49-B1FB-C1CCDF3FE943}"/>
+              </a:ext>
+            </a:extLst>
+          </p:cNvPr>
+          <p:cNvPicPr>
+            <a:picLocks noChangeAspect="1"/>
+          </p:cNvPicPr>
+          <p:nvPr/>
+        </p:nvPicPr>
+        <p:blipFill>
+          <a:blip r:embed="rId6"/>
+          <a:stretch>
+            <a:fillRect/>
+          </a:stretch>
+        </p:blipFill>
+        <p:spPr>
+          <a:xfrm>
+            <a:off x="612050" y="3383175"/>
+            <a:ext cx="127500" cy="180000"/>
+          </a:xfrm>
+          <a:prstGeom prst="rect">
+            <a:avLst/>
+          </a:prstGeom>
+        </p:spPr>
+      </p:pic>
+      <p:pic>
+        <p:nvPicPr>
+          <p:cNvPr id="9" name="Picture 8">
+            <a:extLst>
+              <a:ext uri="{FF2B5EF4-FFF2-40B4-BE49-F238E27FC236}">
+                <a16:creationId xmlns:a16="http://schemas.microsoft.com/office/drawing/2014/main" id="{73E71593-EDB9-564F-BC0F-D1E13D5A5C33}"/>
+              </a:ext>
+            </a:extLst>
+          </p:cNvPr>
+          <p:cNvPicPr>
+            <a:picLocks noChangeAspect="1"/>
+          </p:cNvPicPr>
+          <p:nvPr/>
+        </p:nvPicPr>
+        <p:blipFill>
+          <a:blip r:embed="rId7"/>
+          <a:stretch>
+            <a:fillRect/>
+          </a:stretch>
+        </p:blipFill>
+        <p:spPr>
+          <a:xfrm>
+            <a:off x="2384242" y="5374600"/>
+            <a:ext cx="160941" cy="144000"/>
+          </a:xfrm>
+          <a:prstGeom prst="rect">
+            <a:avLst/>
+          </a:prstGeom>
+        </p:spPr>
+      </p:pic>
+    </p:spTree>
+    <p:extLst>
+      <p:ext uri="{BB962C8B-B14F-4D97-AF65-F5344CB8AC3E}">
+        <p14:creationId xmlns:p14="http://schemas.microsoft.com/office/powerpoint/2010/main" val="3952583365"/>
+      </p:ext>
+    </p:extLst>
+  </p:cSld>
+  <p:clrMapOvr>
+    <a:masterClrMapping/>
+  </p:clrMapOvr>
+</p:sld>
+</file>
+
+<file path=ppt/slides/slide25.xml><?xml version="1.0" encoding="utf-8"?>
+<p:sld xmlns:a="http://schemas.openxmlformats.org/drawingml/2006/main" xmlns:r="http://schemas.openxmlformats.org/officeDocument/2006/relationships" xmlns:p="http://schemas.openxmlformats.org/presentationml/2006/main">
+  <p:cSld>
+    <p:spTree>
+      <p:nvGrpSpPr>
+        <p:cNvPr id="1" name=""/>
+        <p:cNvGrpSpPr/>
+        <p:nvPr/>
+      </p:nvGrpSpPr>
+      <p:grpSpPr>
+        <a:xfrm>
+          <a:off x="0" y="0"/>
+          <a:ext cx="0" cy="0"/>
+          <a:chOff x="0" y="0"/>
+          <a:chExt cx="0" cy="0"/>
+        </a:xfrm>
+      </p:grpSpPr>
+      <p:sp>
+        <p:nvSpPr>
+          <p:cNvPr id="4" name="Text Box 2">
+            <a:extLst>
+              <a:ext uri="{FF2B5EF4-FFF2-40B4-BE49-F238E27FC236}">
+                <a16:creationId xmlns:a16="http://schemas.microsoft.com/office/drawing/2014/main" id="{607B9EB0-E241-3846-9636-071FFE114F6E}"/>
+              </a:ext>
+            </a:extLst>
+          </p:cNvPr>
+          <p:cNvSpPr txBox="1">
+            <a:spLocks noChangeArrowheads="1"/>
+          </p:cNvSpPr>
+          <p:nvPr/>
+        </p:nvSpPr>
+        <p:spPr bwMode="auto">
+          <a:xfrm>
+            <a:off x="595313" y="329248"/>
+            <a:ext cx="8218487" cy="461665"/>
+          </a:xfrm>
+          <a:prstGeom prst="rect">
+            <a:avLst/>
+          </a:prstGeom>
+          <a:noFill/>
+          <a:ln w="9525">
+            <a:noFill/>
+            <a:miter lim="800000"/>
+            <a:headEnd/>
+            <a:tailEnd/>
+          </a:ln>
+        </p:spPr>
+        <p:txBody>
+          <a:bodyPr>
+            <a:spAutoFit/>
+          </a:bodyPr>
+          <a:lstStyle/>
+          <a:p>
+            <a:pPr eaLnBrk="0" hangingPunct="0"/>
+            <a:r>
+              <a:rPr lang="es-ES_tradnl" sz="2400" dirty="0">
+                <a:solidFill>
+                  <a:srgbClr val="FF9300"/>
+                </a:solidFill>
+                <a:latin typeface="Trebuchet MS" pitchFamily="34" charset="0"/>
+              </a:rPr>
+              <a:t>Ejemplo: Puntos que pertenecen a dos líneas</a:t>
+            </a:r>
+            <a:endParaRPr lang="es-ES_tradnl" sz="2400" dirty="0">
+              <a:solidFill>
+                <a:srgbClr val="0000FF"/>
+              </a:solidFill>
+              <a:latin typeface="Trebuchet MS" pitchFamily="34" charset="0"/>
+            </a:endParaRPr>
+          </a:p>
+        </p:txBody>
+      </p:sp>
+      <p:pic>
+        <p:nvPicPr>
           <p:cNvPr id="6" name="Picture 5">
             <a:extLst>
               <a:ext uri="{FF2B5EF4-FFF2-40B4-BE49-F238E27FC236}">
@@ -16800,7 +18331,7 @@
 </p:sld>
 </file>
 
-<file path=ppt/slides/slide25.xml><?xml version="1.0" encoding="utf-8"?>
+<file path=ppt/slides/slide26.xml><?xml version="1.0" encoding="utf-8"?>
 <p:sld xmlns:a="http://schemas.openxmlformats.org/drawingml/2006/main" xmlns:r="http://schemas.openxmlformats.org/officeDocument/2006/relationships" xmlns:p="http://schemas.openxmlformats.org/presentationml/2006/main">
   <p:cSld>
     <p:spTree>
@@ -17268,7 +18799,7 @@
 </p:sld>
 </file>
 
-<file path=ppt/slides/slide26.xml><?xml version="1.0" encoding="utf-8"?>
+<file path=ppt/slides/slide27.xml><?xml version="1.0" encoding="utf-8"?>
 <p:sld xmlns:a="http://schemas.openxmlformats.org/drawingml/2006/main" xmlns:r="http://schemas.openxmlformats.org/officeDocument/2006/relationships" xmlns:p="http://schemas.openxmlformats.org/presentationml/2006/main">
   <p:cSld>
     <p:spTree>
@@ -17738,7 +19269,7 @@
 </p:sld>
 </file>
 
-<file path=ppt/slides/slide27.xml><?xml version="1.0" encoding="utf-8"?>
+<file path=ppt/slides/slide28.xml><?xml version="1.0" encoding="utf-8"?>
 <p:sld xmlns:a="http://schemas.openxmlformats.org/drawingml/2006/main" xmlns:r="http://schemas.openxmlformats.org/officeDocument/2006/relationships" xmlns:p="http://schemas.openxmlformats.org/presentationml/2006/main">
   <p:cSld>
     <p:spTree>
@@ -18003,7 +19534,7 @@
 </p:sld>
 </file>
 
-<file path=ppt/slides/slide28.xml><?xml version="1.0" encoding="utf-8"?>
+<file path=ppt/slides/slide29.xml><?xml version="1.0" encoding="utf-8"?>
 <p:sld xmlns:a="http://schemas.openxmlformats.org/drawingml/2006/main" xmlns:r="http://schemas.openxmlformats.org/officeDocument/2006/relationships" xmlns:p="http://schemas.openxmlformats.org/presentationml/2006/main">
   <p:cSld>
     <p:spTree>
@@ -18033,103 +19564,6 @@
 </p:sld>
 </file>
 
-<file path=ppt/slides/slide29.xml><?xml version="1.0" encoding="utf-8"?>
-<p:sld xmlns:a="http://schemas.openxmlformats.org/drawingml/2006/main" xmlns:r="http://schemas.openxmlformats.org/officeDocument/2006/relationships" xmlns:p="http://schemas.openxmlformats.org/presentationml/2006/main">
-  <p:cSld>
-    <p:spTree>
-      <p:nvGrpSpPr>
-        <p:cNvPr id="1" name=""/>
-        <p:cNvGrpSpPr/>
-        <p:nvPr/>
-      </p:nvGrpSpPr>
-      <p:grpSpPr>
-        <a:xfrm>
-          <a:off x="0" y="0"/>
-          <a:ext cx="0" cy="0"/>
-          <a:chOff x="0" y="0"/>
-          <a:chExt cx="0" cy="0"/>
-        </a:xfrm>
-      </p:grpSpPr>
-      <p:sp>
-        <p:nvSpPr>
-          <p:cNvPr id="4" name="Text Box 2">
-            <a:extLst>
-              <a:ext uri="{FF2B5EF4-FFF2-40B4-BE49-F238E27FC236}">
-                <a16:creationId xmlns:a16="http://schemas.microsoft.com/office/drawing/2014/main" id="{169F15D0-9E86-EA4B-8E06-54E7069F9496}"/>
-              </a:ext>
-            </a:extLst>
-          </p:cNvPr>
-          <p:cNvSpPr txBox="1">
-            <a:spLocks noChangeArrowheads="1"/>
-          </p:cNvSpPr>
-          <p:nvPr/>
-        </p:nvSpPr>
-        <p:spPr bwMode="auto">
-          <a:xfrm>
-            <a:off x="595313" y="329248"/>
-            <a:ext cx="8218487" cy="1200329"/>
-          </a:xfrm>
-          <a:prstGeom prst="rect">
-            <a:avLst/>
-          </a:prstGeom>
-          <a:noFill/>
-          <a:ln w="9525">
-            <a:noFill/>
-            <a:miter lim="800000"/>
-            <a:headEnd/>
-            <a:tailEnd/>
-          </a:ln>
-        </p:spPr>
-        <p:txBody>
-          <a:bodyPr>
-            <a:spAutoFit/>
-          </a:bodyPr>
-          <a:lstStyle/>
-          <a:p>
-            <a:pPr eaLnBrk="0" hangingPunct="0"/>
-            <a:r>
-              <a:rPr lang="es-ES_tradnl" sz="2400" dirty="0">
-                <a:solidFill>
-                  <a:srgbClr val="FF9300"/>
-                </a:solidFill>
-                <a:latin typeface="Trebuchet MS" pitchFamily="34" charset="0"/>
-              </a:rPr>
-              <a:t>Algoritmo de detección de líneas rectas en imágenes</a:t>
-            </a:r>
-          </a:p>
-          <a:p>
-            <a:pPr eaLnBrk="0" hangingPunct="0"/>
-            <a:endParaRPr lang="es-ES_tradnl" sz="2400" dirty="0">
-              <a:solidFill>
-                <a:srgbClr val="0000FF"/>
-              </a:solidFill>
-              <a:latin typeface="Trebuchet MS" pitchFamily="34" charset="0"/>
-            </a:endParaRPr>
-          </a:p>
-          <a:p>
-            <a:pPr eaLnBrk="0" hangingPunct="0"/>
-            <a:endParaRPr lang="es-ES_tradnl" sz="2400" dirty="0">
-              <a:solidFill>
-                <a:srgbClr val="0000FF"/>
-              </a:solidFill>
-              <a:latin typeface="Trebuchet MS" pitchFamily="34" charset="0"/>
-            </a:endParaRPr>
-          </a:p>
-        </p:txBody>
-      </p:sp>
-    </p:spTree>
-    <p:extLst>
-      <p:ext uri="{BB962C8B-B14F-4D97-AF65-F5344CB8AC3E}">
-        <p14:creationId xmlns:p14="http://schemas.microsoft.com/office/powerpoint/2010/main" val="1463893563"/>
-      </p:ext>
-    </p:extLst>
-  </p:cSld>
-  <p:clrMapOvr>
-    <a:masterClrMapping/>
-  </p:clrMapOvr>
-</p:sld>
-</file>
-
 <file path=ppt/slides/slide3.xml><?xml version="1.0" encoding="utf-8"?>
 <p:sld xmlns:a="http://schemas.openxmlformats.org/drawingml/2006/main" xmlns:r="http://schemas.openxmlformats.org/officeDocument/2006/relationships" xmlns:p="http://schemas.openxmlformats.org/presentationml/2006/main">
   <p:cSld>
@@ -18397,70 +19831,10 @@
           </a:prstGeom>
         </p:spPr>
       </p:pic>
-      <p:pic>
-        <p:nvPicPr>
-          <p:cNvPr id="20" name="Picture 19">
-            <a:extLst>
-              <a:ext uri="{FF2B5EF4-FFF2-40B4-BE49-F238E27FC236}">
-                <a16:creationId xmlns:a16="http://schemas.microsoft.com/office/drawing/2014/main" id="{D22491DD-17C4-4544-AACD-3356762B6913}"/>
-              </a:ext>
-            </a:extLst>
-          </p:cNvPr>
-          <p:cNvPicPr>
-            <a:picLocks noChangeAspect="1"/>
-          </p:cNvPicPr>
-          <p:nvPr/>
-        </p:nvPicPr>
-        <p:blipFill>
-          <a:blip r:embed="rId5"/>
-          <a:stretch>
-            <a:fillRect/>
-          </a:stretch>
-        </p:blipFill>
-        <p:spPr>
-          <a:xfrm>
-            <a:off x="870519" y="2493830"/>
-            <a:ext cx="177800" cy="330200"/>
-          </a:xfrm>
-          <a:prstGeom prst="rect">
-            <a:avLst/>
-          </a:prstGeom>
-        </p:spPr>
-      </p:pic>
-      <p:pic>
-        <p:nvPicPr>
-          <p:cNvPr id="34" name="Picture 33">
-            <a:extLst>
-              <a:ext uri="{FF2B5EF4-FFF2-40B4-BE49-F238E27FC236}">
-                <a16:creationId xmlns:a16="http://schemas.microsoft.com/office/drawing/2014/main" id="{AA646B92-833A-B544-A6AD-F21911A3AFF9}"/>
-              </a:ext>
-            </a:extLst>
-          </p:cNvPr>
-          <p:cNvPicPr>
-            <a:picLocks noChangeAspect="1"/>
-          </p:cNvPicPr>
-          <p:nvPr/>
-        </p:nvPicPr>
-        <p:blipFill>
-          <a:blip r:embed="rId6"/>
-          <a:stretch>
-            <a:fillRect/>
-          </a:stretch>
-        </p:blipFill>
-        <p:spPr>
-          <a:xfrm>
-            <a:off x="3721100" y="2463800"/>
-            <a:ext cx="1701800" cy="965200"/>
-          </a:xfrm>
-          <a:prstGeom prst="rect">
-            <a:avLst/>
-          </a:prstGeom>
-        </p:spPr>
-      </p:pic>
     </p:spTree>
     <p:extLst>
       <p:ext uri="{BB962C8B-B14F-4D97-AF65-F5344CB8AC3E}">
-        <p14:creationId xmlns:p14="http://schemas.microsoft.com/office/powerpoint/2010/main" val="4071958076"/>
+        <p14:creationId xmlns:p14="http://schemas.microsoft.com/office/powerpoint/2010/main" val="2852924284"/>
       </p:ext>
     </p:extLst>
   </p:cSld>
@@ -18504,6 +19878,103 @@
         <p:spPr bwMode="auto">
           <a:xfrm>
             <a:off x="595313" y="329248"/>
+            <a:ext cx="8218487" cy="1200329"/>
+          </a:xfrm>
+          <a:prstGeom prst="rect">
+            <a:avLst/>
+          </a:prstGeom>
+          <a:noFill/>
+          <a:ln w="9525">
+            <a:noFill/>
+            <a:miter lim="800000"/>
+            <a:headEnd/>
+            <a:tailEnd/>
+          </a:ln>
+        </p:spPr>
+        <p:txBody>
+          <a:bodyPr>
+            <a:spAutoFit/>
+          </a:bodyPr>
+          <a:lstStyle/>
+          <a:p>
+            <a:pPr eaLnBrk="0" hangingPunct="0"/>
+            <a:r>
+              <a:rPr lang="es-ES_tradnl" sz="2400" dirty="0">
+                <a:solidFill>
+                  <a:srgbClr val="FF9300"/>
+                </a:solidFill>
+                <a:latin typeface="Trebuchet MS" pitchFamily="34" charset="0"/>
+              </a:rPr>
+              <a:t>Algoritmo de detección de líneas rectas en imágenes</a:t>
+            </a:r>
+          </a:p>
+          <a:p>
+            <a:pPr eaLnBrk="0" hangingPunct="0"/>
+            <a:endParaRPr lang="es-ES_tradnl" sz="2400" dirty="0">
+              <a:solidFill>
+                <a:srgbClr val="0000FF"/>
+              </a:solidFill>
+              <a:latin typeface="Trebuchet MS" pitchFamily="34" charset="0"/>
+            </a:endParaRPr>
+          </a:p>
+          <a:p>
+            <a:pPr eaLnBrk="0" hangingPunct="0"/>
+            <a:endParaRPr lang="es-ES_tradnl" sz="2400" dirty="0">
+              <a:solidFill>
+                <a:srgbClr val="0000FF"/>
+              </a:solidFill>
+              <a:latin typeface="Trebuchet MS" pitchFamily="34" charset="0"/>
+            </a:endParaRPr>
+          </a:p>
+        </p:txBody>
+      </p:sp>
+    </p:spTree>
+    <p:extLst>
+      <p:ext uri="{BB962C8B-B14F-4D97-AF65-F5344CB8AC3E}">
+        <p14:creationId xmlns:p14="http://schemas.microsoft.com/office/powerpoint/2010/main" val="1463893563"/>
+      </p:ext>
+    </p:extLst>
+  </p:cSld>
+  <p:clrMapOvr>
+    <a:masterClrMapping/>
+  </p:clrMapOvr>
+</p:sld>
+</file>
+
+<file path=ppt/slides/slide31.xml><?xml version="1.0" encoding="utf-8"?>
+<p:sld xmlns:a="http://schemas.openxmlformats.org/drawingml/2006/main" xmlns:r="http://schemas.openxmlformats.org/officeDocument/2006/relationships" xmlns:p="http://schemas.openxmlformats.org/presentationml/2006/main">
+  <p:cSld>
+    <p:spTree>
+      <p:nvGrpSpPr>
+        <p:cNvPr id="1" name=""/>
+        <p:cNvGrpSpPr/>
+        <p:nvPr/>
+      </p:nvGrpSpPr>
+      <p:grpSpPr>
+        <a:xfrm>
+          <a:off x="0" y="0"/>
+          <a:ext cx="0" cy="0"/>
+          <a:chOff x="0" y="0"/>
+          <a:chExt cx="0" cy="0"/>
+        </a:xfrm>
+      </p:grpSpPr>
+      <p:sp>
+        <p:nvSpPr>
+          <p:cNvPr id="4" name="Text Box 2">
+            <a:extLst>
+              <a:ext uri="{FF2B5EF4-FFF2-40B4-BE49-F238E27FC236}">
+                <a16:creationId xmlns:a16="http://schemas.microsoft.com/office/drawing/2014/main" id="{169F15D0-9E86-EA4B-8E06-54E7069F9496}"/>
+              </a:ext>
+            </a:extLst>
+          </p:cNvPr>
+          <p:cNvSpPr txBox="1">
+            <a:spLocks noChangeArrowheads="1"/>
+          </p:cNvSpPr>
+          <p:nvPr/>
+        </p:nvSpPr>
+        <p:spPr bwMode="auto">
+          <a:xfrm>
+            <a:off x="595313" y="329248"/>
             <a:ext cx="8218487" cy="1569660"/>
           </a:xfrm>
           <a:prstGeom prst="rect">
@@ -18579,7 +20050,7 @@
 </p:sld>
 </file>
 
-<file path=ppt/slides/slide31.xml><?xml version="1.0" encoding="utf-8"?>
+<file path=ppt/slides/slide32.xml><?xml version="1.0" encoding="utf-8"?>
 <p:sld xmlns:a="http://schemas.openxmlformats.org/drawingml/2006/main" xmlns:r="http://schemas.openxmlformats.org/officeDocument/2006/relationships" xmlns:p="http://schemas.openxmlformats.org/presentationml/2006/main">
   <p:cSld>
     <p:spTree>
@@ -18904,187 +20375,6 @@
 </p:sld>
 </file>
 
-<file path=ppt/slides/slide32.xml><?xml version="1.0" encoding="utf-8"?>
-<p:sld xmlns:a="http://schemas.openxmlformats.org/drawingml/2006/main" xmlns:r="http://schemas.openxmlformats.org/officeDocument/2006/relationships" xmlns:p="http://schemas.openxmlformats.org/presentationml/2006/main">
-  <p:cSld>
-    <p:spTree>
-      <p:nvGrpSpPr>
-        <p:cNvPr id="1" name=""/>
-        <p:cNvGrpSpPr/>
-        <p:nvPr/>
-      </p:nvGrpSpPr>
-      <p:grpSpPr>
-        <a:xfrm>
-          <a:off x="0" y="0"/>
-          <a:ext cx="0" cy="0"/>
-          <a:chOff x="0" y="0"/>
-          <a:chExt cx="0" cy="0"/>
-        </a:xfrm>
-      </p:grpSpPr>
-      <p:sp>
-        <p:nvSpPr>
-          <p:cNvPr id="4" name="Text Box 2">
-            <a:extLst>
-              <a:ext uri="{FF2B5EF4-FFF2-40B4-BE49-F238E27FC236}">
-                <a16:creationId xmlns:a16="http://schemas.microsoft.com/office/drawing/2014/main" id="{169F15D0-9E86-EA4B-8E06-54E7069F9496}"/>
-              </a:ext>
-            </a:extLst>
-          </p:cNvPr>
-          <p:cNvSpPr txBox="1">
-            <a:spLocks noChangeArrowheads="1"/>
-          </p:cNvSpPr>
-          <p:nvPr/>
-        </p:nvSpPr>
-        <p:spPr bwMode="auto">
-          <a:xfrm>
-            <a:off x="595313" y="329248"/>
-            <a:ext cx="8218487" cy="3046988"/>
-          </a:xfrm>
-          <a:prstGeom prst="rect">
-            <a:avLst/>
-          </a:prstGeom>
-          <a:noFill/>
-          <a:ln w="9525">
-            <a:noFill/>
-            <a:miter lim="800000"/>
-            <a:headEnd/>
-            <a:tailEnd/>
-          </a:ln>
-        </p:spPr>
-        <p:txBody>
-          <a:bodyPr>
-            <a:spAutoFit/>
-          </a:bodyPr>
-          <a:lstStyle/>
-          <a:p>
-            <a:pPr eaLnBrk="0" hangingPunct="0"/>
-            <a:r>
-              <a:rPr lang="es-ES_tradnl" sz="2400" dirty="0">
-                <a:solidFill>
-                  <a:srgbClr val="FF9300"/>
-                </a:solidFill>
-                <a:latin typeface="Trebuchet MS" pitchFamily="34" charset="0"/>
-              </a:rPr>
-              <a:t>Algoritmo de detección de líneas rectas en imágenes</a:t>
-            </a:r>
-          </a:p>
-          <a:p>
-            <a:pPr eaLnBrk="0" hangingPunct="0"/>
-            <a:endParaRPr lang="es-ES_tradnl" sz="2400" dirty="0">
-              <a:solidFill>
-                <a:srgbClr val="0000FF"/>
-              </a:solidFill>
-              <a:latin typeface="Trebuchet MS" pitchFamily="34" charset="0"/>
-            </a:endParaRPr>
-          </a:p>
-          <a:p>
-            <a:pPr eaLnBrk="0" hangingPunct="0"/>
-            <a:r>
-              <a:rPr lang="es-ES_tradnl" sz="2400" dirty="0">
-                <a:solidFill>
-                  <a:srgbClr val="0000FF"/>
-                </a:solidFill>
-                <a:latin typeface="Trebuchet MS" pitchFamily="34" charset="0"/>
-              </a:rPr>
-              <a:t>0. Leer imagen de entrada X</a:t>
-            </a:r>
-          </a:p>
-          <a:p>
-            <a:pPr eaLnBrk="0" hangingPunct="0"/>
-            <a:endParaRPr lang="es-ES_tradnl" sz="2400" dirty="0">
-              <a:solidFill>
-                <a:srgbClr val="0000FF"/>
-              </a:solidFill>
-              <a:latin typeface="Trebuchet MS" pitchFamily="34" charset="0"/>
-            </a:endParaRPr>
-          </a:p>
-          <a:p>
-            <a:pPr eaLnBrk="0" hangingPunct="0"/>
-            <a:r>
-              <a:rPr lang="es-ES_tradnl" sz="2400" dirty="0">
-                <a:solidFill>
-                  <a:srgbClr val="0000FF"/>
-                </a:solidFill>
-                <a:latin typeface="Trebuchet MS" pitchFamily="34" charset="0"/>
-              </a:rPr>
-              <a:t>1. Inicializar en cero H, el histograma 2D </a:t>
-            </a:r>
-          </a:p>
-          <a:p>
-            <a:pPr eaLnBrk="0" hangingPunct="0"/>
-            <a:endParaRPr lang="es-ES_tradnl" sz="2400" dirty="0">
-              <a:solidFill>
-                <a:srgbClr val="0000FF"/>
-              </a:solidFill>
-              <a:latin typeface="Trebuchet MS" pitchFamily="34" charset="0"/>
-            </a:endParaRPr>
-          </a:p>
-          <a:p>
-            <a:pPr eaLnBrk="0" hangingPunct="0"/>
-            <a:r>
-              <a:rPr lang="es-ES_tradnl" sz="2400" dirty="0">
-                <a:solidFill>
-                  <a:srgbClr val="0000FF"/>
-                </a:solidFill>
-                <a:latin typeface="Trebuchet MS" pitchFamily="34" charset="0"/>
-              </a:rPr>
-              <a:t>2. Calcular E, la imagen binaria de los bordes de X</a:t>
-            </a:r>
-          </a:p>
-          <a:p>
-            <a:pPr eaLnBrk="0" hangingPunct="0"/>
-            <a:endParaRPr lang="es-ES_tradnl" sz="2400" dirty="0">
-              <a:solidFill>
-                <a:srgbClr val="0000FF"/>
-              </a:solidFill>
-              <a:latin typeface="Trebuchet MS" pitchFamily="34" charset="0"/>
-            </a:endParaRPr>
-          </a:p>
-        </p:txBody>
-      </p:sp>
-      <p:pic>
-        <p:nvPicPr>
-          <p:cNvPr id="5" name="Picture 4">
-            <a:extLst>
-              <a:ext uri="{FF2B5EF4-FFF2-40B4-BE49-F238E27FC236}">
-                <a16:creationId xmlns:a16="http://schemas.microsoft.com/office/drawing/2014/main" id="{B78B22A0-996D-0048-A0FE-6E2A8E6D368F}"/>
-              </a:ext>
-            </a:extLst>
-          </p:cNvPr>
-          <p:cNvPicPr>
-            <a:picLocks noChangeAspect="1"/>
-          </p:cNvPicPr>
-          <p:nvPr/>
-        </p:nvPicPr>
-        <p:blipFill>
-          <a:blip r:embed="rId2"/>
-          <a:stretch>
-            <a:fillRect/>
-          </a:stretch>
-        </p:blipFill>
-        <p:spPr>
-          <a:xfrm>
-            <a:off x="6428360" y="1828681"/>
-            <a:ext cx="792000" cy="396000"/>
-          </a:xfrm>
-          <a:prstGeom prst="rect">
-            <a:avLst/>
-          </a:prstGeom>
-        </p:spPr>
-      </p:pic>
-    </p:spTree>
-    <p:extLst>
-      <p:ext uri="{BB962C8B-B14F-4D97-AF65-F5344CB8AC3E}">
-        <p14:creationId xmlns:p14="http://schemas.microsoft.com/office/powerpoint/2010/main" val="3675494923"/>
-      </p:ext>
-    </p:extLst>
-  </p:cSld>
-  <p:clrMapOvr>
-    <a:masterClrMapping/>
-  </p:clrMapOvr>
-</p:sld>
-</file>
-
 <file path=ppt/slides/slide33.xml><?xml version="1.0" encoding="utf-8"?>
 <p:sld xmlns:a="http://schemas.openxmlformats.org/drawingml/2006/main" xmlns:r="http://schemas.openxmlformats.org/officeDocument/2006/relationships" xmlns:p="http://schemas.openxmlformats.org/presentationml/2006/main">
   <p:cSld>
@@ -19119,7 +20409,7 @@
         <p:spPr bwMode="auto">
           <a:xfrm>
             <a:off x="595313" y="329248"/>
-            <a:ext cx="8218487" cy="3785652"/>
+            <a:ext cx="8218487" cy="3046988"/>
           </a:xfrm>
           <a:prstGeom prst="rect">
             <a:avLst/>
@@ -19221,27 +20511,6 @@
               <a:latin typeface="Trebuchet MS" pitchFamily="34" charset="0"/>
             </a:endParaRPr>
           </a:p>
-          <a:p>
-            <a:pPr eaLnBrk="0" hangingPunct="0"/>
-            <a:r>
-              <a:rPr lang="es-ES_tradnl" sz="2400" dirty="0">
-                <a:solidFill>
-                  <a:srgbClr val="0000FF"/>
-                </a:solidFill>
-                <a:latin typeface="Trebuchet MS" pitchFamily="34" charset="0"/>
-              </a:rPr>
-              <a:t>3. Para cada pixel ‘1’ en E, obtener las coordenadas </a:t>
-            </a:r>
-          </a:p>
-          <a:p>
-            <a:pPr eaLnBrk="0" hangingPunct="0"/>
-            <a:endParaRPr lang="es-ES_tradnl" sz="2400" dirty="0">
-              <a:solidFill>
-                <a:srgbClr val="0000FF"/>
-              </a:solidFill>
-              <a:latin typeface="Trebuchet MS" pitchFamily="34" charset="0"/>
-            </a:endParaRPr>
-          </a:p>
         </p:txBody>
       </p:sp>
       <p:pic>
@@ -19274,40 +20543,10 @@
           </a:prstGeom>
         </p:spPr>
       </p:pic>
-      <p:pic>
-        <p:nvPicPr>
-          <p:cNvPr id="7" name="Picture 6">
-            <a:extLst>
-              <a:ext uri="{FF2B5EF4-FFF2-40B4-BE49-F238E27FC236}">
-                <a16:creationId xmlns:a16="http://schemas.microsoft.com/office/drawing/2014/main" id="{41CBC5E7-A625-E240-B97D-3702136F0ED6}"/>
-              </a:ext>
-            </a:extLst>
-          </p:cNvPr>
-          <p:cNvPicPr>
-            <a:picLocks noChangeAspect="1"/>
-          </p:cNvPicPr>
-          <p:nvPr/>
-        </p:nvPicPr>
-        <p:blipFill>
-          <a:blip r:embed="rId3"/>
-          <a:stretch>
-            <a:fillRect/>
-          </a:stretch>
-        </p:blipFill>
-        <p:spPr>
-          <a:xfrm>
-            <a:off x="7933240" y="3296053"/>
-            <a:ext cx="815296" cy="396000"/>
-          </a:xfrm>
-          <a:prstGeom prst="rect">
-            <a:avLst/>
-          </a:prstGeom>
-        </p:spPr>
-      </p:pic>
     </p:spTree>
     <p:extLst>
       <p:ext uri="{BB962C8B-B14F-4D97-AF65-F5344CB8AC3E}">
-        <p14:creationId xmlns:p14="http://schemas.microsoft.com/office/powerpoint/2010/main" val="3419655027"/>
+        <p14:creationId xmlns:p14="http://schemas.microsoft.com/office/powerpoint/2010/main" val="3675494923"/>
       </p:ext>
     </p:extLst>
   </p:cSld>
@@ -19351,7 +20590,7 @@
         <p:spPr bwMode="auto">
           <a:xfrm>
             <a:off x="595313" y="329248"/>
-            <a:ext cx="8218487" cy="4154984"/>
+            <a:ext cx="8218487" cy="3785652"/>
           </a:xfrm>
           <a:prstGeom prst="rect">
             <a:avLst/>
@@ -19474,18 +20713,6 @@
               <a:latin typeface="Trebuchet MS" pitchFamily="34" charset="0"/>
             </a:endParaRPr>
           </a:p>
-          <a:p>
-            <a:pPr eaLnBrk="0" hangingPunct="0"/>
-            <a:r>
-              <a:rPr lang="es-ES_tradnl" sz="2400" dirty="0">
-                <a:solidFill>
-                  <a:srgbClr val="0000FF"/>
-                </a:solidFill>
-                <a:latin typeface="Trebuchet MS" pitchFamily="34" charset="0"/>
-              </a:rPr>
-              <a:t>4. Calcular la curva</a:t>
-            </a:r>
-          </a:p>
         </p:txBody>
       </p:sp>
       <p:pic>
@@ -19520,10 +20747,10 @@
       </p:pic>
       <p:pic>
         <p:nvPicPr>
-          <p:cNvPr id="6" name="Picture 5">
-            <a:extLst>
-              <a:ext uri="{FF2B5EF4-FFF2-40B4-BE49-F238E27FC236}">
-                <a16:creationId xmlns:a16="http://schemas.microsoft.com/office/drawing/2014/main" id="{77F43763-083F-7A43-AEE8-ECC097DF35AD}"/>
+          <p:cNvPr id="7" name="Picture 6">
+            <a:extLst>
+              <a:ext uri="{FF2B5EF4-FFF2-40B4-BE49-F238E27FC236}">
+                <a16:creationId xmlns:a16="http://schemas.microsoft.com/office/drawing/2014/main" id="{41CBC5E7-A625-E240-B97D-3702136F0ED6}"/>
               </a:ext>
             </a:extLst>
           </p:cNvPr>
@@ -19540,36 +20767,6 @@
         </p:blipFill>
         <p:spPr>
           <a:xfrm>
-            <a:off x="3580033" y="4040516"/>
-            <a:ext cx="3165883" cy="360000"/>
-          </a:xfrm>
-          <a:prstGeom prst="rect">
-            <a:avLst/>
-          </a:prstGeom>
-        </p:spPr>
-      </p:pic>
-      <p:pic>
-        <p:nvPicPr>
-          <p:cNvPr id="7" name="Picture 6">
-            <a:extLst>
-              <a:ext uri="{FF2B5EF4-FFF2-40B4-BE49-F238E27FC236}">
-                <a16:creationId xmlns:a16="http://schemas.microsoft.com/office/drawing/2014/main" id="{41CBC5E7-A625-E240-B97D-3702136F0ED6}"/>
-              </a:ext>
-            </a:extLst>
-          </p:cNvPr>
-          <p:cNvPicPr>
-            <a:picLocks noChangeAspect="1"/>
-          </p:cNvPicPr>
-          <p:nvPr/>
-        </p:nvPicPr>
-        <p:blipFill>
-          <a:blip r:embed="rId4"/>
-          <a:stretch>
-            <a:fillRect/>
-          </a:stretch>
-        </p:blipFill>
-        <p:spPr>
-          <a:xfrm>
             <a:off x="7933240" y="3296053"/>
             <a:ext cx="815296" cy="396000"/>
           </a:xfrm>
@@ -19581,7 +20778,7 @@
     </p:spTree>
     <p:extLst>
       <p:ext uri="{BB962C8B-B14F-4D97-AF65-F5344CB8AC3E}">
-        <p14:creationId xmlns:p14="http://schemas.microsoft.com/office/powerpoint/2010/main" val="1473377325"/>
+        <p14:creationId xmlns:p14="http://schemas.microsoft.com/office/powerpoint/2010/main" val="3419655027"/>
       </p:ext>
     </p:extLst>
   </p:cSld>
@@ -19625,7 +20822,7 @@
         <p:spPr bwMode="auto">
           <a:xfrm>
             <a:off x="595313" y="329248"/>
-            <a:ext cx="8218487" cy="5262979"/>
+            <a:ext cx="8218487" cy="4154984"/>
           </a:xfrm>
           <a:prstGeom prst="rect">
             <a:avLst/>
@@ -19760,45 +20957,6 @@
               <a:t>4. Calcular la curva</a:t>
             </a:r>
           </a:p>
-          <a:p>
-            <a:pPr eaLnBrk="0" hangingPunct="0"/>
-            <a:endParaRPr lang="es-ES_tradnl" sz="2400" dirty="0">
-              <a:solidFill>
-                <a:srgbClr val="0000FF"/>
-              </a:solidFill>
-              <a:latin typeface="Trebuchet MS" pitchFamily="34" charset="0"/>
-            </a:endParaRPr>
-          </a:p>
-          <a:p>
-            <a:pPr eaLnBrk="0" hangingPunct="0"/>
-            <a:r>
-              <a:rPr lang="es-ES_tradnl" sz="2400" dirty="0">
-                <a:solidFill>
-                  <a:srgbClr val="0000FF"/>
-                </a:solidFill>
-                <a:latin typeface="Trebuchet MS" pitchFamily="34" charset="0"/>
-              </a:rPr>
-              <a:t>5. </a:t>
-            </a:r>
-            <a:r>
-              <a:rPr lang="es-ES_tradnl" sz="2400" dirty="0" err="1">
-                <a:solidFill>
-                  <a:srgbClr val="0000FF"/>
-                </a:solidFill>
-                <a:latin typeface="Trebuchet MS" pitchFamily="34" charset="0"/>
-              </a:rPr>
-              <a:t>Discretizar</a:t>
-            </a:r>
-            <a:r>
-              <a:rPr lang="es-ES_tradnl" sz="2400" dirty="0">
-                <a:solidFill>
-                  <a:srgbClr val="0000FF"/>
-                </a:solidFill>
-                <a:latin typeface="Trebuchet MS" pitchFamily="34" charset="0"/>
-              </a:rPr>
-              <a:t> la curva            y actualizar histograma H sumando +1 en las celdas por donde pasa la curva</a:t>
-            </a:r>
-          </a:p>
         </p:txBody>
       </p:sp>
       <p:pic>
@@ -19891,40 +21049,10 @@
           </a:prstGeom>
         </p:spPr>
       </p:pic>
-      <p:pic>
-        <p:nvPicPr>
-          <p:cNvPr id="8" name="Picture 7">
-            <a:extLst>
-              <a:ext uri="{FF2B5EF4-FFF2-40B4-BE49-F238E27FC236}">
-                <a16:creationId xmlns:a16="http://schemas.microsoft.com/office/drawing/2014/main" id="{0F1704C8-BA9B-C64C-BE20-D46B8947ABF9}"/>
-              </a:ext>
-            </a:extLst>
-          </p:cNvPr>
-          <p:cNvPicPr>
-            <a:picLocks noChangeAspect="1"/>
-          </p:cNvPicPr>
-          <p:nvPr/>
-        </p:nvPicPr>
-        <p:blipFill>
-          <a:blip r:embed="rId2"/>
-          <a:stretch>
-            <a:fillRect/>
-          </a:stretch>
-        </p:blipFill>
-        <p:spPr>
-          <a:xfrm>
-            <a:off x="3817716" y="4704596"/>
-            <a:ext cx="792000" cy="396000"/>
-          </a:xfrm>
-          <a:prstGeom prst="rect">
-            <a:avLst/>
-          </a:prstGeom>
-        </p:spPr>
-      </p:pic>
     </p:spTree>
     <p:extLst>
       <p:ext uri="{BB962C8B-B14F-4D97-AF65-F5344CB8AC3E}">
-        <p14:creationId xmlns:p14="http://schemas.microsoft.com/office/powerpoint/2010/main" val="2676098502"/>
+        <p14:creationId xmlns:p14="http://schemas.microsoft.com/office/powerpoint/2010/main" val="1473377325"/>
       </p:ext>
     </p:extLst>
   </p:cSld>
@@ -19968,7 +21096,7 @@
         <p:spPr bwMode="auto">
           <a:xfrm>
             <a:off x="595313" y="329248"/>
-            <a:ext cx="8218487" cy="6370975"/>
+            <a:ext cx="8218487" cy="5262979"/>
           </a:xfrm>
           <a:prstGeom prst="rect">
             <a:avLst/>
@@ -20142,6 +21270,349 @@
               <a:t> la curva            y actualizar histograma H sumando +1 en las celdas por donde pasa la curva</a:t>
             </a:r>
           </a:p>
+        </p:txBody>
+      </p:sp>
+      <p:pic>
+        <p:nvPicPr>
+          <p:cNvPr id="5" name="Picture 4">
+            <a:extLst>
+              <a:ext uri="{FF2B5EF4-FFF2-40B4-BE49-F238E27FC236}">
+                <a16:creationId xmlns:a16="http://schemas.microsoft.com/office/drawing/2014/main" id="{B78B22A0-996D-0048-A0FE-6E2A8E6D368F}"/>
+              </a:ext>
+            </a:extLst>
+          </p:cNvPr>
+          <p:cNvPicPr>
+            <a:picLocks noChangeAspect="1"/>
+          </p:cNvPicPr>
+          <p:nvPr/>
+        </p:nvPicPr>
+        <p:blipFill>
+          <a:blip r:embed="rId2"/>
+          <a:stretch>
+            <a:fillRect/>
+          </a:stretch>
+        </p:blipFill>
+        <p:spPr>
+          <a:xfrm>
+            <a:off x="6428360" y="1828681"/>
+            <a:ext cx="792000" cy="396000"/>
+          </a:xfrm>
+          <a:prstGeom prst="rect">
+            <a:avLst/>
+          </a:prstGeom>
+        </p:spPr>
+      </p:pic>
+      <p:pic>
+        <p:nvPicPr>
+          <p:cNvPr id="6" name="Picture 5">
+            <a:extLst>
+              <a:ext uri="{FF2B5EF4-FFF2-40B4-BE49-F238E27FC236}">
+                <a16:creationId xmlns:a16="http://schemas.microsoft.com/office/drawing/2014/main" id="{77F43763-083F-7A43-AEE8-ECC097DF35AD}"/>
+              </a:ext>
+            </a:extLst>
+          </p:cNvPr>
+          <p:cNvPicPr>
+            <a:picLocks noChangeAspect="1"/>
+          </p:cNvPicPr>
+          <p:nvPr/>
+        </p:nvPicPr>
+        <p:blipFill>
+          <a:blip r:embed="rId3"/>
+          <a:stretch>
+            <a:fillRect/>
+          </a:stretch>
+        </p:blipFill>
+        <p:spPr>
+          <a:xfrm>
+            <a:off x="3580033" y="4040516"/>
+            <a:ext cx="3165883" cy="360000"/>
+          </a:xfrm>
+          <a:prstGeom prst="rect">
+            <a:avLst/>
+          </a:prstGeom>
+        </p:spPr>
+      </p:pic>
+      <p:pic>
+        <p:nvPicPr>
+          <p:cNvPr id="7" name="Picture 6">
+            <a:extLst>
+              <a:ext uri="{FF2B5EF4-FFF2-40B4-BE49-F238E27FC236}">
+                <a16:creationId xmlns:a16="http://schemas.microsoft.com/office/drawing/2014/main" id="{41CBC5E7-A625-E240-B97D-3702136F0ED6}"/>
+              </a:ext>
+            </a:extLst>
+          </p:cNvPr>
+          <p:cNvPicPr>
+            <a:picLocks noChangeAspect="1"/>
+          </p:cNvPicPr>
+          <p:nvPr/>
+        </p:nvPicPr>
+        <p:blipFill>
+          <a:blip r:embed="rId4"/>
+          <a:stretch>
+            <a:fillRect/>
+          </a:stretch>
+        </p:blipFill>
+        <p:spPr>
+          <a:xfrm>
+            <a:off x="7933240" y="3296053"/>
+            <a:ext cx="815296" cy="396000"/>
+          </a:xfrm>
+          <a:prstGeom prst="rect">
+            <a:avLst/>
+          </a:prstGeom>
+        </p:spPr>
+      </p:pic>
+      <p:pic>
+        <p:nvPicPr>
+          <p:cNvPr id="8" name="Picture 7">
+            <a:extLst>
+              <a:ext uri="{FF2B5EF4-FFF2-40B4-BE49-F238E27FC236}">
+                <a16:creationId xmlns:a16="http://schemas.microsoft.com/office/drawing/2014/main" id="{0F1704C8-BA9B-C64C-BE20-D46B8947ABF9}"/>
+              </a:ext>
+            </a:extLst>
+          </p:cNvPr>
+          <p:cNvPicPr>
+            <a:picLocks noChangeAspect="1"/>
+          </p:cNvPicPr>
+          <p:nvPr/>
+        </p:nvPicPr>
+        <p:blipFill>
+          <a:blip r:embed="rId2"/>
+          <a:stretch>
+            <a:fillRect/>
+          </a:stretch>
+        </p:blipFill>
+        <p:spPr>
+          <a:xfrm>
+            <a:off x="3817716" y="4704596"/>
+            <a:ext cx="792000" cy="396000"/>
+          </a:xfrm>
+          <a:prstGeom prst="rect">
+            <a:avLst/>
+          </a:prstGeom>
+        </p:spPr>
+      </p:pic>
+    </p:spTree>
+    <p:extLst>
+      <p:ext uri="{BB962C8B-B14F-4D97-AF65-F5344CB8AC3E}">
+        <p14:creationId xmlns:p14="http://schemas.microsoft.com/office/powerpoint/2010/main" val="2676098502"/>
+      </p:ext>
+    </p:extLst>
+  </p:cSld>
+  <p:clrMapOvr>
+    <a:masterClrMapping/>
+  </p:clrMapOvr>
+</p:sld>
+</file>
+
+<file path=ppt/slides/slide37.xml><?xml version="1.0" encoding="utf-8"?>
+<p:sld xmlns:a="http://schemas.openxmlformats.org/drawingml/2006/main" xmlns:r="http://schemas.openxmlformats.org/officeDocument/2006/relationships" xmlns:p="http://schemas.openxmlformats.org/presentationml/2006/main">
+  <p:cSld>
+    <p:spTree>
+      <p:nvGrpSpPr>
+        <p:cNvPr id="1" name=""/>
+        <p:cNvGrpSpPr/>
+        <p:nvPr/>
+      </p:nvGrpSpPr>
+      <p:grpSpPr>
+        <a:xfrm>
+          <a:off x="0" y="0"/>
+          <a:ext cx="0" cy="0"/>
+          <a:chOff x="0" y="0"/>
+          <a:chExt cx="0" cy="0"/>
+        </a:xfrm>
+      </p:grpSpPr>
+      <p:sp>
+        <p:nvSpPr>
+          <p:cNvPr id="4" name="Text Box 2">
+            <a:extLst>
+              <a:ext uri="{FF2B5EF4-FFF2-40B4-BE49-F238E27FC236}">
+                <a16:creationId xmlns:a16="http://schemas.microsoft.com/office/drawing/2014/main" id="{169F15D0-9E86-EA4B-8E06-54E7069F9496}"/>
+              </a:ext>
+            </a:extLst>
+          </p:cNvPr>
+          <p:cNvSpPr txBox="1">
+            <a:spLocks noChangeArrowheads="1"/>
+          </p:cNvSpPr>
+          <p:nvPr/>
+        </p:nvSpPr>
+        <p:spPr bwMode="auto">
+          <a:xfrm>
+            <a:off x="595313" y="329248"/>
+            <a:ext cx="8218487" cy="6370975"/>
+          </a:xfrm>
+          <a:prstGeom prst="rect">
+            <a:avLst/>
+          </a:prstGeom>
+          <a:noFill/>
+          <a:ln w="9525">
+            <a:noFill/>
+            <a:miter lim="800000"/>
+            <a:headEnd/>
+            <a:tailEnd/>
+          </a:ln>
+        </p:spPr>
+        <p:txBody>
+          <a:bodyPr>
+            <a:spAutoFit/>
+          </a:bodyPr>
+          <a:lstStyle/>
+          <a:p>
+            <a:pPr eaLnBrk="0" hangingPunct="0"/>
+            <a:r>
+              <a:rPr lang="es-ES_tradnl" sz="2400" dirty="0">
+                <a:solidFill>
+                  <a:srgbClr val="FF9300"/>
+                </a:solidFill>
+                <a:latin typeface="Trebuchet MS" pitchFamily="34" charset="0"/>
+              </a:rPr>
+              <a:t>Algoritmo de detección de líneas rectas en imágenes</a:t>
+            </a:r>
+          </a:p>
+          <a:p>
+            <a:pPr eaLnBrk="0" hangingPunct="0"/>
+            <a:endParaRPr lang="es-ES_tradnl" sz="2400" dirty="0">
+              <a:solidFill>
+                <a:srgbClr val="0000FF"/>
+              </a:solidFill>
+              <a:latin typeface="Trebuchet MS" pitchFamily="34" charset="0"/>
+            </a:endParaRPr>
+          </a:p>
+          <a:p>
+            <a:pPr eaLnBrk="0" hangingPunct="0"/>
+            <a:r>
+              <a:rPr lang="es-ES_tradnl" sz="2400" dirty="0">
+                <a:solidFill>
+                  <a:srgbClr val="0000FF"/>
+                </a:solidFill>
+                <a:latin typeface="Trebuchet MS" pitchFamily="34" charset="0"/>
+              </a:rPr>
+              <a:t>0. Leer imagen de entrada X</a:t>
+            </a:r>
+          </a:p>
+          <a:p>
+            <a:pPr eaLnBrk="0" hangingPunct="0"/>
+            <a:endParaRPr lang="es-ES_tradnl" sz="2400" dirty="0">
+              <a:solidFill>
+                <a:srgbClr val="0000FF"/>
+              </a:solidFill>
+              <a:latin typeface="Trebuchet MS" pitchFamily="34" charset="0"/>
+            </a:endParaRPr>
+          </a:p>
+          <a:p>
+            <a:pPr eaLnBrk="0" hangingPunct="0"/>
+            <a:r>
+              <a:rPr lang="es-ES_tradnl" sz="2400" dirty="0">
+                <a:solidFill>
+                  <a:srgbClr val="0000FF"/>
+                </a:solidFill>
+                <a:latin typeface="Trebuchet MS" pitchFamily="34" charset="0"/>
+              </a:rPr>
+              <a:t>1. Inicializar en cero H, el histograma 2D </a:t>
+            </a:r>
+          </a:p>
+          <a:p>
+            <a:pPr eaLnBrk="0" hangingPunct="0"/>
+            <a:endParaRPr lang="es-ES_tradnl" sz="2400" dirty="0">
+              <a:solidFill>
+                <a:srgbClr val="0000FF"/>
+              </a:solidFill>
+              <a:latin typeface="Trebuchet MS" pitchFamily="34" charset="0"/>
+            </a:endParaRPr>
+          </a:p>
+          <a:p>
+            <a:pPr eaLnBrk="0" hangingPunct="0"/>
+            <a:r>
+              <a:rPr lang="es-ES_tradnl" sz="2400" dirty="0">
+                <a:solidFill>
+                  <a:srgbClr val="0000FF"/>
+                </a:solidFill>
+                <a:latin typeface="Trebuchet MS" pitchFamily="34" charset="0"/>
+              </a:rPr>
+              <a:t>2. Calcular E, la imagen binaria de los bordes de X</a:t>
+            </a:r>
+          </a:p>
+          <a:p>
+            <a:pPr eaLnBrk="0" hangingPunct="0"/>
+            <a:endParaRPr lang="es-ES_tradnl" sz="2400" dirty="0">
+              <a:solidFill>
+                <a:srgbClr val="0000FF"/>
+              </a:solidFill>
+              <a:latin typeface="Trebuchet MS" pitchFamily="34" charset="0"/>
+            </a:endParaRPr>
+          </a:p>
+          <a:p>
+            <a:pPr eaLnBrk="0" hangingPunct="0"/>
+            <a:r>
+              <a:rPr lang="es-ES_tradnl" sz="2400" dirty="0">
+                <a:solidFill>
+                  <a:srgbClr val="0000FF"/>
+                </a:solidFill>
+                <a:latin typeface="Trebuchet MS" pitchFamily="34" charset="0"/>
+              </a:rPr>
+              <a:t>3. Para cada pixel ‘1’ en E, obtener las coordenadas </a:t>
+            </a:r>
+          </a:p>
+          <a:p>
+            <a:pPr eaLnBrk="0" hangingPunct="0"/>
+            <a:endParaRPr lang="es-ES_tradnl" sz="2400" dirty="0">
+              <a:solidFill>
+                <a:srgbClr val="0000FF"/>
+              </a:solidFill>
+              <a:latin typeface="Trebuchet MS" pitchFamily="34" charset="0"/>
+            </a:endParaRPr>
+          </a:p>
+          <a:p>
+            <a:pPr eaLnBrk="0" hangingPunct="0"/>
+            <a:r>
+              <a:rPr lang="es-ES_tradnl" sz="2400" dirty="0">
+                <a:solidFill>
+                  <a:srgbClr val="0000FF"/>
+                </a:solidFill>
+                <a:latin typeface="Trebuchet MS" pitchFamily="34" charset="0"/>
+              </a:rPr>
+              <a:t>4. Calcular la curva</a:t>
+            </a:r>
+          </a:p>
+          <a:p>
+            <a:pPr eaLnBrk="0" hangingPunct="0"/>
+            <a:endParaRPr lang="es-ES_tradnl" sz="2400" dirty="0">
+              <a:solidFill>
+                <a:srgbClr val="0000FF"/>
+              </a:solidFill>
+              <a:latin typeface="Trebuchet MS" pitchFamily="34" charset="0"/>
+            </a:endParaRPr>
+          </a:p>
+          <a:p>
+            <a:pPr eaLnBrk="0" hangingPunct="0"/>
+            <a:r>
+              <a:rPr lang="es-ES_tradnl" sz="2400" dirty="0">
+                <a:solidFill>
+                  <a:srgbClr val="0000FF"/>
+                </a:solidFill>
+                <a:latin typeface="Trebuchet MS" pitchFamily="34" charset="0"/>
+              </a:rPr>
+              <a:t>5. </a:t>
+            </a:r>
+            <a:r>
+              <a:rPr lang="es-ES_tradnl" sz="2400" dirty="0" err="1">
+                <a:solidFill>
+                  <a:srgbClr val="0000FF"/>
+                </a:solidFill>
+                <a:latin typeface="Trebuchet MS" pitchFamily="34" charset="0"/>
+              </a:rPr>
+              <a:t>Discretizar</a:t>
+            </a:r>
+            <a:r>
+              <a:rPr lang="es-ES_tradnl" sz="2400" dirty="0">
+                <a:solidFill>
+                  <a:srgbClr val="0000FF"/>
+                </a:solidFill>
+                <a:latin typeface="Trebuchet MS" pitchFamily="34" charset="0"/>
+              </a:rPr>
+              <a:t> la curva            y actualizar histograma H sumando +1 en las celdas por donde pasa la curva</a:t>
+            </a:r>
+          </a:p>
           <a:p>
             <a:pPr eaLnBrk="0" hangingPunct="0"/>
             <a:endParaRPr lang="es-ES_tradnl" sz="2400" dirty="0">
@@ -20298,7 +21769,7 @@
 </p:sld>
 </file>
 
-<file path=ppt/slides/slide37.xml><?xml version="1.0" encoding="utf-8"?>
+<file path=ppt/slides/slide38.xml><?xml version="1.0" encoding="utf-8"?>
 <p:sld xmlns:a="http://schemas.openxmlformats.org/drawingml/2006/main" xmlns:r="http://schemas.openxmlformats.org/officeDocument/2006/relationships" xmlns:p="http://schemas.openxmlformats.org/presentationml/2006/main">
   <p:cSld>
     <p:spTree>
@@ -21393,7 +22864,7 @@
 </p:sld>
 </file>
 
-<file path=ppt/slides/slide38.xml><?xml version="1.0" encoding="utf-8"?>
+<file path=ppt/slides/slide39.xml><?xml version="1.0" encoding="utf-8"?>
 <p:sld xmlns:a="http://schemas.openxmlformats.org/drawingml/2006/main" xmlns:r="http://schemas.openxmlformats.org/officeDocument/2006/relationships" xmlns:p="http://schemas.openxmlformats.org/presentationml/2006/main">
   <p:cSld>
     <p:spTree>
@@ -22313,7 +23784,347 @@
 </p:sld>
 </file>
 
-<file path=ppt/slides/slide39.xml><?xml version="1.0" encoding="utf-8"?>
+<file path=ppt/slides/slide4.xml><?xml version="1.0" encoding="utf-8"?>
+<p:sld xmlns:a="http://schemas.openxmlformats.org/drawingml/2006/main" xmlns:r="http://schemas.openxmlformats.org/officeDocument/2006/relationships" xmlns:p="http://schemas.openxmlformats.org/presentationml/2006/main">
+  <p:cSld>
+    <p:spTree>
+      <p:nvGrpSpPr>
+        <p:cNvPr id="1" name=""/>
+        <p:cNvGrpSpPr/>
+        <p:nvPr/>
+      </p:nvGrpSpPr>
+      <p:grpSpPr>
+        <a:xfrm>
+          <a:off x="0" y="0"/>
+          <a:ext cx="0" cy="0"/>
+          <a:chOff x="0" y="0"/>
+          <a:chExt cx="0" cy="0"/>
+        </a:xfrm>
+      </p:grpSpPr>
+      <p:cxnSp>
+        <p:nvCxnSpPr>
+          <p:cNvPr id="4" name="Straight Arrow Connector 3">
+            <a:extLst>
+              <a:ext uri="{FF2B5EF4-FFF2-40B4-BE49-F238E27FC236}">
+                <a16:creationId xmlns:a16="http://schemas.microsoft.com/office/drawing/2014/main" id="{F7C163C7-6389-894E-921C-5D10C9551E0F}"/>
+              </a:ext>
+            </a:extLst>
+          </p:cNvPr>
+          <p:cNvCxnSpPr/>
+          <p:nvPr/>
+        </p:nvCxnSpPr>
+        <p:spPr>
+          <a:xfrm flipV="1">
+            <a:off x="1226371" y="1645920"/>
+            <a:ext cx="0" cy="4356847"/>
+          </a:xfrm>
+          <a:prstGeom prst="straightConnector1">
+            <a:avLst/>
+          </a:prstGeom>
+          <a:ln>
+            <a:tailEnd type="triangle"/>
+          </a:ln>
+          <a:effectLst/>
+        </p:spPr>
+        <p:style>
+          <a:lnRef idx="2">
+            <a:schemeClr val="accent1"/>
+          </a:lnRef>
+          <a:fillRef idx="0">
+            <a:schemeClr val="accent1"/>
+          </a:fillRef>
+          <a:effectRef idx="1">
+            <a:schemeClr val="accent1"/>
+          </a:effectRef>
+          <a:fontRef idx="minor">
+            <a:schemeClr val="tx1"/>
+          </a:fontRef>
+        </p:style>
+      </p:cxnSp>
+      <p:sp>
+        <p:nvSpPr>
+          <p:cNvPr id="14" name="Rectangle 13">
+            <a:extLst>
+              <a:ext uri="{FF2B5EF4-FFF2-40B4-BE49-F238E27FC236}">
+                <a16:creationId xmlns:a16="http://schemas.microsoft.com/office/drawing/2014/main" id="{EAB98CC8-5841-6E4B-B3F7-B13D1F406B06}"/>
+              </a:ext>
+            </a:extLst>
+          </p:cNvPr>
+          <p:cNvSpPr/>
+          <p:nvPr/>
+        </p:nvSpPr>
+        <p:spPr>
+          <a:xfrm>
+            <a:off x="950757" y="562845"/>
+            <a:ext cx="5524718" cy="584775"/>
+          </a:xfrm>
+          <a:prstGeom prst="rect">
+            <a:avLst/>
+          </a:prstGeom>
+        </p:spPr>
+        <p:txBody>
+          <a:bodyPr wrap="none">
+            <a:spAutoFit/>
+          </a:bodyPr>
+          <a:lstStyle/>
+          <a:p>
+            <a:r>
+              <a:rPr lang="es-CL" sz="3200" dirty="0">
+                <a:solidFill>
+                  <a:srgbClr val="FF9300"/>
+                </a:solidFill>
+                <a:latin typeface="Trebuchet MS" pitchFamily="34" charset="0"/>
+              </a:rPr>
+              <a:t>Representación de una Recta</a:t>
+            </a:r>
+          </a:p>
+        </p:txBody>
+      </p:sp>
+      <p:cxnSp>
+        <p:nvCxnSpPr>
+          <p:cNvPr id="15" name="Straight Arrow Connector 14">
+            <a:extLst>
+              <a:ext uri="{FF2B5EF4-FFF2-40B4-BE49-F238E27FC236}">
+                <a16:creationId xmlns:a16="http://schemas.microsoft.com/office/drawing/2014/main" id="{C19ECE64-9AAA-CC4F-A738-6F8EBEA0AAEB}"/>
+              </a:ext>
+            </a:extLst>
+          </p:cNvPr>
+          <p:cNvCxnSpPr>
+            <a:cxnSpLocks/>
+          </p:cNvCxnSpPr>
+          <p:nvPr/>
+        </p:nvCxnSpPr>
+        <p:spPr>
+          <a:xfrm flipV="1">
+            <a:off x="1226371" y="6002767"/>
+            <a:ext cx="6840071" cy="1"/>
+          </a:xfrm>
+          <a:prstGeom prst="straightConnector1">
+            <a:avLst/>
+          </a:prstGeom>
+          <a:ln>
+            <a:tailEnd type="triangle"/>
+          </a:ln>
+          <a:effectLst/>
+        </p:spPr>
+        <p:style>
+          <a:lnRef idx="2">
+            <a:schemeClr val="accent1"/>
+          </a:lnRef>
+          <a:fillRef idx="0">
+            <a:schemeClr val="accent1"/>
+          </a:fillRef>
+          <a:effectRef idx="1">
+            <a:schemeClr val="accent1"/>
+          </a:effectRef>
+          <a:fontRef idx="minor">
+            <a:schemeClr val="tx1"/>
+          </a:fontRef>
+        </p:style>
+      </p:cxnSp>
+      <p:cxnSp>
+        <p:nvCxnSpPr>
+          <p:cNvPr id="12" name="Straight Connector 11">
+            <a:extLst>
+              <a:ext uri="{FF2B5EF4-FFF2-40B4-BE49-F238E27FC236}">
+                <a16:creationId xmlns:a16="http://schemas.microsoft.com/office/drawing/2014/main" id="{AB07C504-D7AF-4F42-A452-EF4F5A82A749}"/>
+              </a:ext>
+            </a:extLst>
+          </p:cNvPr>
+          <p:cNvCxnSpPr>
+            <a:cxnSpLocks/>
+          </p:cNvCxnSpPr>
+          <p:nvPr/>
+        </p:nvCxnSpPr>
+        <p:spPr>
+          <a:xfrm>
+            <a:off x="1226370" y="2658930"/>
+            <a:ext cx="5637009" cy="3343837"/>
+          </a:xfrm>
+          <a:prstGeom prst="line">
+            <a:avLst/>
+          </a:prstGeom>
+          <a:effectLst/>
+        </p:spPr>
+        <p:style>
+          <a:lnRef idx="2">
+            <a:schemeClr val="dk1"/>
+          </a:lnRef>
+          <a:fillRef idx="0">
+            <a:schemeClr val="dk1"/>
+          </a:fillRef>
+          <a:effectRef idx="1">
+            <a:schemeClr val="dk1"/>
+          </a:effectRef>
+          <a:fontRef idx="minor">
+            <a:schemeClr val="tx1"/>
+          </a:fontRef>
+        </p:style>
+      </p:cxnSp>
+      <p:pic>
+        <p:nvPicPr>
+          <p:cNvPr id="13" name="Picture 12">
+            <a:extLst>
+              <a:ext uri="{FF2B5EF4-FFF2-40B4-BE49-F238E27FC236}">
+                <a16:creationId xmlns:a16="http://schemas.microsoft.com/office/drawing/2014/main" id="{FA479032-EF6D-2C45-B495-BEC505CB8437}"/>
+              </a:ext>
+            </a:extLst>
+          </p:cNvPr>
+          <p:cNvPicPr>
+            <a:picLocks noChangeAspect="1"/>
+          </p:cNvPicPr>
+          <p:nvPr/>
+        </p:nvPicPr>
+        <p:blipFill>
+          <a:blip r:embed="rId2"/>
+          <a:stretch>
+            <a:fillRect/>
+          </a:stretch>
+        </p:blipFill>
+        <p:spPr>
+          <a:xfrm>
+            <a:off x="3796701" y="1687156"/>
+            <a:ext cx="2260600" cy="419100"/>
+          </a:xfrm>
+          <a:prstGeom prst="rect">
+            <a:avLst/>
+          </a:prstGeom>
+        </p:spPr>
+      </p:pic>
+      <p:pic>
+        <p:nvPicPr>
+          <p:cNvPr id="16" name="Picture 15">
+            <a:extLst>
+              <a:ext uri="{FF2B5EF4-FFF2-40B4-BE49-F238E27FC236}">
+                <a16:creationId xmlns:a16="http://schemas.microsoft.com/office/drawing/2014/main" id="{06BFEFF4-359F-724D-B134-BE02058FE0EC}"/>
+              </a:ext>
+            </a:extLst>
+          </p:cNvPr>
+          <p:cNvPicPr>
+            <a:picLocks noChangeAspect="1"/>
+          </p:cNvPicPr>
+          <p:nvPr/>
+        </p:nvPicPr>
+        <p:blipFill>
+          <a:blip r:embed="rId3"/>
+          <a:stretch>
+            <a:fillRect/>
+          </a:stretch>
+        </p:blipFill>
+        <p:spPr>
+          <a:xfrm>
+            <a:off x="832419" y="1687156"/>
+            <a:ext cx="215900" cy="304800"/>
+          </a:xfrm>
+          <a:prstGeom prst="rect">
+            <a:avLst/>
+          </a:prstGeom>
+        </p:spPr>
+      </p:pic>
+      <p:pic>
+        <p:nvPicPr>
+          <p:cNvPr id="19" name="Picture 18">
+            <a:extLst>
+              <a:ext uri="{FF2B5EF4-FFF2-40B4-BE49-F238E27FC236}">
+                <a16:creationId xmlns:a16="http://schemas.microsoft.com/office/drawing/2014/main" id="{49979498-437F-4445-A1DE-AE0AE52963C3}"/>
+              </a:ext>
+            </a:extLst>
+          </p:cNvPr>
+          <p:cNvPicPr>
+            <a:picLocks noChangeAspect="1"/>
+          </p:cNvPicPr>
+          <p:nvPr/>
+        </p:nvPicPr>
+        <p:blipFill>
+          <a:blip r:embed="rId4"/>
+          <a:stretch>
+            <a:fillRect/>
+          </a:stretch>
+        </p:blipFill>
+        <p:spPr>
+          <a:xfrm>
+            <a:off x="7825142" y="6187205"/>
+            <a:ext cx="241300" cy="215900"/>
+          </a:xfrm>
+          <a:prstGeom prst="rect">
+            <a:avLst/>
+          </a:prstGeom>
+        </p:spPr>
+      </p:pic>
+      <p:pic>
+        <p:nvPicPr>
+          <p:cNvPr id="20" name="Picture 19">
+            <a:extLst>
+              <a:ext uri="{FF2B5EF4-FFF2-40B4-BE49-F238E27FC236}">
+                <a16:creationId xmlns:a16="http://schemas.microsoft.com/office/drawing/2014/main" id="{D22491DD-17C4-4544-AACD-3356762B6913}"/>
+              </a:ext>
+            </a:extLst>
+          </p:cNvPr>
+          <p:cNvPicPr>
+            <a:picLocks noChangeAspect="1"/>
+          </p:cNvPicPr>
+          <p:nvPr/>
+        </p:nvPicPr>
+        <p:blipFill>
+          <a:blip r:embed="rId5"/>
+          <a:stretch>
+            <a:fillRect/>
+          </a:stretch>
+        </p:blipFill>
+        <p:spPr>
+          <a:xfrm>
+            <a:off x="870519" y="2493830"/>
+            <a:ext cx="177800" cy="330200"/>
+          </a:xfrm>
+          <a:prstGeom prst="rect">
+            <a:avLst/>
+          </a:prstGeom>
+        </p:spPr>
+      </p:pic>
+      <p:pic>
+        <p:nvPicPr>
+          <p:cNvPr id="34" name="Picture 33">
+            <a:extLst>
+              <a:ext uri="{FF2B5EF4-FFF2-40B4-BE49-F238E27FC236}">
+                <a16:creationId xmlns:a16="http://schemas.microsoft.com/office/drawing/2014/main" id="{AA646B92-833A-B544-A6AD-F21911A3AFF9}"/>
+              </a:ext>
+            </a:extLst>
+          </p:cNvPr>
+          <p:cNvPicPr>
+            <a:picLocks noChangeAspect="1"/>
+          </p:cNvPicPr>
+          <p:nvPr/>
+        </p:nvPicPr>
+        <p:blipFill>
+          <a:blip r:embed="rId6"/>
+          <a:stretch>
+            <a:fillRect/>
+          </a:stretch>
+        </p:blipFill>
+        <p:spPr>
+          <a:xfrm>
+            <a:off x="3721100" y="2463800"/>
+            <a:ext cx="1701800" cy="965200"/>
+          </a:xfrm>
+          <a:prstGeom prst="rect">
+            <a:avLst/>
+          </a:prstGeom>
+        </p:spPr>
+      </p:pic>
+    </p:spTree>
+    <p:extLst>
+      <p:ext uri="{BB962C8B-B14F-4D97-AF65-F5344CB8AC3E}">
+        <p14:creationId xmlns:p14="http://schemas.microsoft.com/office/powerpoint/2010/main" val="4071958076"/>
+      </p:ext>
+    </p:extLst>
+  </p:cSld>
+  <p:clrMapOvr>
+    <a:masterClrMapping/>
+  </p:clrMapOvr>
+</p:sld>
+</file>
+
+<file path=ppt/slides/slide40.xml><?xml version="1.0" encoding="utf-8"?>
 <p:sld xmlns:a="http://schemas.openxmlformats.org/drawingml/2006/main" xmlns:r="http://schemas.openxmlformats.org/officeDocument/2006/relationships" xmlns:p="http://schemas.openxmlformats.org/presentationml/2006/main">
   <p:cSld>
     <p:spTree>
@@ -23159,407 +24970,7 @@
 </p:sld>
 </file>
 
-<file path=ppt/slides/slide4.xml><?xml version="1.0" encoding="utf-8"?>
-<p:sld xmlns:a="http://schemas.openxmlformats.org/drawingml/2006/main" xmlns:r="http://schemas.openxmlformats.org/officeDocument/2006/relationships" xmlns:p="http://schemas.openxmlformats.org/presentationml/2006/main">
-  <p:cSld>
-    <p:spTree>
-      <p:nvGrpSpPr>
-        <p:cNvPr id="1" name=""/>
-        <p:cNvGrpSpPr/>
-        <p:nvPr/>
-      </p:nvGrpSpPr>
-      <p:grpSpPr>
-        <a:xfrm>
-          <a:off x="0" y="0"/>
-          <a:ext cx="0" cy="0"/>
-          <a:chOff x="0" y="0"/>
-          <a:chExt cx="0" cy="0"/>
-        </a:xfrm>
-      </p:grpSpPr>
-      <p:cxnSp>
-        <p:nvCxnSpPr>
-          <p:cNvPr id="4" name="Straight Arrow Connector 3">
-            <a:extLst>
-              <a:ext uri="{FF2B5EF4-FFF2-40B4-BE49-F238E27FC236}">
-                <a16:creationId xmlns:a16="http://schemas.microsoft.com/office/drawing/2014/main" id="{F7C163C7-6389-894E-921C-5D10C9551E0F}"/>
-              </a:ext>
-            </a:extLst>
-          </p:cNvPr>
-          <p:cNvCxnSpPr/>
-          <p:nvPr/>
-        </p:nvCxnSpPr>
-        <p:spPr>
-          <a:xfrm flipV="1">
-            <a:off x="1226371" y="1645920"/>
-            <a:ext cx="0" cy="4356847"/>
-          </a:xfrm>
-          <a:prstGeom prst="straightConnector1">
-            <a:avLst/>
-          </a:prstGeom>
-          <a:ln>
-            <a:tailEnd type="triangle"/>
-          </a:ln>
-          <a:effectLst/>
-        </p:spPr>
-        <p:style>
-          <a:lnRef idx="2">
-            <a:schemeClr val="accent1"/>
-          </a:lnRef>
-          <a:fillRef idx="0">
-            <a:schemeClr val="accent1"/>
-          </a:fillRef>
-          <a:effectRef idx="1">
-            <a:schemeClr val="accent1"/>
-          </a:effectRef>
-          <a:fontRef idx="minor">
-            <a:schemeClr val="tx1"/>
-          </a:fontRef>
-        </p:style>
-      </p:cxnSp>
-      <p:sp>
-        <p:nvSpPr>
-          <p:cNvPr id="14" name="Rectangle 13">
-            <a:extLst>
-              <a:ext uri="{FF2B5EF4-FFF2-40B4-BE49-F238E27FC236}">
-                <a16:creationId xmlns:a16="http://schemas.microsoft.com/office/drawing/2014/main" id="{EAB98CC8-5841-6E4B-B3F7-B13D1F406B06}"/>
-              </a:ext>
-            </a:extLst>
-          </p:cNvPr>
-          <p:cNvSpPr/>
-          <p:nvPr/>
-        </p:nvSpPr>
-        <p:spPr>
-          <a:xfrm>
-            <a:off x="950757" y="562845"/>
-            <a:ext cx="5524718" cy="584775"/>
-          </a:xfrm>
-          <a:prstGeom prst="rect">
-            <a:avLst/>
-          </a:prstGeom>
-        </p:spPr>
-        <p:txBody>
-          <a:bodyPr wrap="none">
-            <a:spAutoFit/>
-          </a:bodyPr>
-          <a:lstStyle/>
-          <a:p>
-            <a:r>
-              <a:rPr lang="es-CL" sz="3200" dirty="0">
-                <a:solidFill>
-                  <a:srgbClr val="FF9300"/>
-                </a:solidFill>
-                <a:latin typeface="Trebuchet MS" pitchFamily="34" charset="0"/>
-              </a:rPr>
-              <a:t>Representación de una Recta</a:t>
-            </a:r>
-          </a:p>
-        </p:txBody>
-      </p:sp>
-      <p:cxnSp>
-        <p:nvCxnSpPr>
-          <p:cNvPr id="15" name="Straight Arrow Connector 14">
-            <a:extLst>
-              <a:ext uri="{FF2B5EF4-FFF2-40B4-BE49-F238E27FC236}">
-                <a16:creationId xmlns:a16="http://schemas.microsoft.com/office/drawing/2014/main" id="{C19ECE64-9AAA-CC4F-A738-6F8EBEA0AAEB}"/>
-              </a:ext>
-            </a:extLst>
-          </p:cNvPr>
-          <p:cNvCxnSpPr>
-            <a:cxnSpLocks/>
-          </p:cNvCxnSpPr>
-          <p:nvPr/>
-        </p:nvCxnSpPr>
-        <p:spPr>
-          <a:xfrm flipV="1">
-            <a:off x="1226371" y="6002767"/>
-            <a:ext cx="6840071" cy="1"/>
-          </a:xfrm>
-          <a:prstGeom prst="straightConnector1">
-            <a:avLst/>
-          </a:prstGeom>
-          <a:ln>
-            <a:tailEnd type="triangle"/>
-          </a:ln>
-          <a:effectLst/>
-        </p:spPr>
-        <p:style>
-          <a:lnRef idx="2">
-            <a:schemeClr val="accent1"/>
-          </a:lnRef>
-          <a:fillRef idx="0">
-            <a:schemeClr val="accent1"/>
-          </a:fillRef>
-          <a:effectRef idx="1">
-            <a:schemeClr val="accent1"/>
-          </a:effectRef>
-          <a:fontRef idx="minor">
-            <a:schemeClr val="tx1"/>
-          </a:fontRef>
-        </p:style>
-      </p:cxnSp>
-      <p:cxnSp>
-        <p:nvCxnSpPr>
-          <p:cNvPr id="12" name="Straight Connector 11">
-            <a:extLst>
-              <a:ext uri="{FF2B5EF4-FFF2-40B4-BE49-F238E27FC236}">
-                <a16:creationId xmlns:a16="http://schemas.microsoft.com/office/drawing/2014/main" id="{AB07C504-D7AF-4F42-A452-EF4F5A82A749}"/>
-              </a:ext>
-            </a:extLst>
-          </p:cNvPr>
-          <p:cNvCxnSpPr>
-            <a:cxnSpLocks/>
-          </p:cNvCxnSpPr>
-          <p:nvPr/>
-        </p:nvCxnSpPr>
-        <p:spPr>
-          <a:xfrm>
-            <a:off x="1226370" y="2658930"/>
-            <a:ext cx="5637009" cy="3343837"/>
-          </a:xfrm>
-          <a:prstGeom prst="line">
-            <a:avLst/>
-          </a:prstGeom>
-          <a:effectLst/>
-        </p:spPr>
-        <p:style>
-          <a:lnRef idx="2">
-            <a:schemeClr val="dk1"/>
-          </a:lnRef>
-          <a:fillRef idx="0">
-            <a:schemeClr val="dk1"/>
-          </a:fillRef>
-          <a:effectRef idx="1">
-            <a:schemeClr val="dk1"/>
-          </a:effectRef>
-          <a:fontRef idx="minor">
-            <a:schemeClr val="tx1"/>
-          </a:fontRef>
-        </p:style>
-      </p:cxnSp>
-      <p:pic>
-        <p:nvPicPr>
-          <p:cNvPr id="13" name="Picture 12">
-            <a:extLst>
-              <a:ext uri="{FF2B5EF4-FFF2-40B4-BE49-F238E27FC236}">
-                <a16:creationId xmlns:a16="http://schemas.microsoft.com/office/drawing/2014/main" id="{FA479032-EF6D-2C45-B495-BEC505CB8437}"/>
-              </a:ext>
-            </a:extLst>
-          </p:cNvPr>
-          <p:cNvPicPr>
-            <a:picLocks noChangeAspect="1"/>
-          </p:cNvPicPr>
-          <p:nvPr/>
-        </p:nvPicPr>
-        <p:blipFill>
-          <a:blip r:embed="rId2"/>
-          <a:stretch>
-            <a:fillRect/>
-          </a:stretch>
-        </p:blipFill>
-        <p:spPr>
-          <a:xfrm>
-            <a:off x="3796701" y="1687156"/>
-            <a:ext cx="2260600" cy="419100"/>
-          </a:xfrm>
-          <a:prstGeom prst="rect">
-            <a:avLst/>
-          </a:prstGeom>
-        </p:spPr>
-      </p:pic>
-      <p:pic>
-        <p:nvPicPr>
-          <p:cNvPr id="16" name="Picture 15">
-            <a:extLst>
-              <a:ext uri="{FF2B5EF4-FFF2-40B4-BE49-F238E27FC236}">
-                <a16:creationId xmlns:a16="http://schemas.microsoft.com/office/drawing/2014/main" id="{06BFEFF4-359F-724D-B134-BE02058FE0EC}"/>
-              </a:ext>
-            </a:extLst>
-          </p:cNvPr>
-          <p:cNvPicPr>
-            <a:picLocks noChangeAspect="1"/>
-          </p:cNvPicPr>
-          <p:nvPr/>
-        </p:nvPicPr>
-        <p:blipFill>
-          <a:blip r:embed="rId3"/>
-          <a:stretch>
-            <a:fillRect/>
-          </a:stretch>
-        </p:blipFill>
-        <p:spPr>
-          <a:xfrm>
-            <a:off x="832419" y="1687156"/>
-            <a:ext cx="215900" cy="304800"/>
-          </a:xfrm>
-          <a:prstGeom prst="rect">
-            <a:avLst/>
-          </a:prstGeom>
-        </p:spPr>
-      </p:pic>
-      <p:pic>
-        <p:nvPicPr>
-          <p:cNvPr id="19" name="Picture 18">
-            <a:extLst>
-              <a:ext uri="{FF2B5EF4-FFF2-40B4-BE49-F238E27FC236}">
-                <a16:creationId xmlns:a16="http://schemas.microsoft.com/office/drawing/2014/main" id="{49979498-437F-4445-A1DE-AE0AE52963C3}"/>
-              </a:ext>
-            </a:extLst>
-          </p:cNvPr>
-          <p:cNvPicPr>
-            <a:picLocks noChangeAspect="1"/>
-          </p:cNvPicPr>
-          <p:nvPr/>
-        </p:nvPicPr>
-        <p:blipFill>
-          <a:blip r:embed="rId4"/>
-          <a:stretch>
-            <a:fillRect/>
-          </a:stretch>
-        </p:blipFill>
-        <p:spPr>
-          <a:xfrm>
-            <a:off x="7825142" y="6187205"/>
-            <a:ext cx="241300" cy="215900"/>
-          </a:xfrm>
-          <a:prstGeom prst="rect">
-            <a:avLst/>
-          </a:prstGeom>
-        </p:spPr>
-      </p:pic>
-      <p:pic>
-        <p:nvPicPr>
-          <p:cNvPr id="20" name="Picture 19">
-            <a:extLst>
-              <a:ext uri="{FF2B5EF4-FFF2-40B4-BE49-F238E27FC236}">
-                <a16:creationId xmlns:a16="http://schemas.microsoft.com/office/drawing/2014/main" id="{D22491DD-17C4-4544-AACD-3356762B6913}"/>
-              </a:ext>
-            </a:extLst>
-          </p:cNvPr>
-          <p:cNvPicPr>
-            <a:picLocks noChangeAspect="1"/>
-          </p:cNvPicPr>
-          <p:nvPr/>
-        </p:nvPicPr>
-        <p:blipFill>
-          <a:blip r:embed="rId5"/>
-          <a:stretch>
-            <a:fillRect/>
-          </a:stretch>
-        </p:blipFill>
-        <p:spPr>
-          <a:xfrm>
-            <a:off x="870519" y="2493830"/>
-            <a:ext cx="177800" cy="330200"/>
-          </a:xfrm>
-          <a:prstGeom prst="rect">
-            <a:avLst/>
-          </a:prstGeom>
-        </p:spPr>
-      </p:pic>
-      <p:pic>
-        <p:nvPicPr>
-          <p:cNvPr id="34" name="Picture 33">
-            <a:extLst>
-              <a:ext uri="{FF2B5EF4-FFF2-40B4-BE49-F238E27FC236}">
-                <a16:creationId xmlns:a16="http://schemas.microsoft.com/office/drawing/2014/main" id="{AA646B92-833A-B544-A6AD-F21911A3AFF9}"/>
-              </a:ext>
-            </a:extLst>
-          </p:cNvPr>
-          <p:cNvPicPr>
-            <a:picLocks noChangeAspect="1"/>
-          </p:cNvPicPr>
-          <p:nvPr/>
-        </p:nvPicPr>
-        <p:blipFill>
-          <a:blip r:embed="rId6"/>
-          <a:stretch>
-            <a:fillRect/>
-          </a:stretch>
-        </p:blipFill>
-        <p:spPr>
-          <a:xfrm>
-            <a:off x="3721100" y="2463800"/>
-            <a:ext cx="1701800" cy="965200"/>
-          </a:xfrm>
-          <a:prstGeom prst="rect">
-            <a:avLst/>
-          </a:prstGeom>
-        </p:spPr>
-      </p:pic>
-      <p:pic>
-        <p:nvPicPr>
-          <p:cNvPr id="11" name="Picture 10">
-            <a:extLst>
-              <a:ext uri="{FF2B5EF4-FFF2-40B4-BE49-F238E27FC236}">
-                <a16:creationId xmlns:a16="http://schemas.microsoft.com/office/drawing/2014/main" id="{8E1C930C-2ABB-1247-8036-83C475C81862}"/>
-              </a:ext>
-            </a:extLst>
-          </p:cNvPr>
-          <p:cNvPicPr>
-            <a:picLocks noChangeAspect="1"/>
-          </p:cNvPicPr>
-          <p:nvPr/>
-        </p:nvPicPr>
-        <p:blipFill>
-          <a:blip r:embed="rId7"/>
-          <a:stretch>
-            <a:fillRect/>
-          </a:stretch>
-        </p:blipFill>
-        <p:spPr>
-          <a:xfrm>
-            <a:off x="6768129" y="6187205"/>
-            <a:ext cx="190500" cy="215900"/>
-          </a:xfrm>
-          <a:prstGeom prst="rect">
-            <a:avLst/>
-          </a:prstGeom>
-        </p:spPr>
-      </p:pic>
-      <p:pic>
-        <p:nvPicPr>
-          <p:cNvPr id="2" name="Picture 1">
-            <a:extLst>
-              <a:ext uri="{FF2B5EF4-FFF2-40B4-BE49-F238E27FC236}">
-                <a16:creationId xmlns:a16="http://schemas.microsoft.com/office/drawing/2014/main" id="{2F6CEF2C-8214-9F45-83E2-E563A4DEDB26}"/>
-              </a:ext>
-            </a:extLst>
-          </p:cNvPr>
-          <p:cNvPicPr>
-            <a:picLocks noChangeAspect="1"/>
-          </p:cNvPicPr>
-          <p:nvPr/>
-        </p:nvPicPr>
-        <p:blipFill>
-          <a:blip r:embed="rId8"/>
-          <a:stretch>
-            <a:fillRect/>
-          </a:stretch>
-        </p:blipFill>
-        <p:spPr>
-          <a:xfrm>
-            <a:off x="5637012" y="2480694"/>
-            <a:ext cx="1079500" cy="952500"/>
-          </a:xfrm>
-          <a:prstGeom prst="rect">
-            <a:avLst/>
-          </a:prstGeom>
-        </p:spPr>
-      </p:pic>
-    </p:spTree>
-    <p:extLst>
-      <p:ext uri="{BB962C8B-B14F-4D97-AF65-F5344CB8AC3E}">
-        <p14:creationId xmlns:p14="http://schemas.microsoft.com/office/powerpoint/2010/main" val="1698544391"/>
-      </p:ext>
-    </p:extLst>
-  </p:cSld>
-  <p:clrMapOvr>
-    <a:masterClrMapping/>
-  </p:clrMapOvr>
-</p:sld>
-</file>
-
-<file path=ppt/slides/slide40.xml><?xml version="1.0" encoding="utf-8"?>
+<file path=ppt/slides/slide41.xml><?xml version="1.0" encoding="utf-8"?>
 <p:sld xmlns:a="http://schemas.openxmlformats.org/drawingml/2006/main" xmlns:r="http://schemas.openxmlformats.org/officeDocument/2006/relationships" xmlns:p="http://schemas.openxmlformats.org/presentationml/2006/main">
   <p:cSld>
     <p:spTree>
@@ -23826,7 +25237,7 @@
 </p:sld>
 </file>
 
-<file path=ppt/slides/slide41.xml><?xml version="1.0" encoding="utf-8"?>
+<file path=ppt/slides/slide42.xml><?xml version="1.0" encoding="utf-8"?>
 <p:sld xmlns:a="http://schemas.openxmlformats.org/drawingml/2006/main" xmlns:r="http://schemas.openxmlformats.org/officeDocument/2006/relationships" xmlns:p="http://schemas.openxmlformats.org/presentationml/2006/main">
   <p:cSld>
     <p:spTree>
@@ -24093,7 +25504,7 @@
 </p:sld>
 </file>
 
-<file path=ppt/slides/slide42.xml><?xml version="1.0" encoding="utf-8"?>
+<file path=ppt/slides/slide43.xml><?xml version="1.0" encoding="utf-8"?>
 <p:sld xmlns:a="http://schemas.openxmlformats.org/drawingml/2006/main" xmlns:r="http://schemas.openxmlformats.org/officeDocument/2006/relationships" xmlns:p="http://schemas.openxmlformats.org/presentationml/2006/main">
   <p:cSld>
     <p:spTree>
@@ -24360,7 +25771,7 @@
 </p:sld>
 </file>
 
-<file path=ppt/slides/slide43.xml><?xml version="1.0" encoding="utf-8"?>
+<file path=ppt/slides/slide44.xml><?xml version="1.0" encoding="utf-8"?>
 <p:sld xmlns:a="http://schemas.openxmlformats.org/drawingml/2006/main" xmlns:r="http://schemas.openxmlformats.org/officeDocument/2006/relationships" xmlns:p="http://schemas.openxmlformats.org/presentationml/2006/main">
   <p:cSld>
     <p:spTree>
@@ -24755,7 +26166,7 @@
 </p:sld>
 </file>
 
-<file path=ppt/slides/slide44.xml><?xml version="1.0" encoding="utf-8"?>
+<file path=ppt/slides/slide45.xml><?xml version="1.0" encoding="utf-8"?>
 <p:sld xmlns:a="http://schemas.openxmlformats.org/drawingml/2006/main" xmlns:r="http://schemas.openxmlformats.org/officeDocument/2006/relationships" xmlns:p="http://schemas.openxmlformats.org/presentationml/2006/main">
   <p:cSld>
     <p:spTree>
@@ -25371,7 +26782,7 @@
 </p:sld>
 </file>
 
-<file path=ppt/slides/slide45.xml><?xml version="1.0" encoding="utf-8"?>
+<file path=ppt/slides/slide46.xml><?xml version="1.0" encoding="utf-8"?>
 <p:sld xmlns:a="http://schemas.openxmlformats.org/drawingml/2006/main" xmlns:r="http://schemas.openxmlformats.org/officeDocument/2006/relationships" xmlns:p="http://schemas.openxmlformats.org/presentationml/2006/main">
   <p:cSld>
     <p:spTree>
@@ -25594,7 +27005,7 @@
 </p:sld>
 </file>
 
-<file path=ppt/slides/slide46.xml><?xml version="1.0" encoding="utf-8"?>
+<file path=ppt/slides/slide47.xml><?xml version="1.0" encoding="utf-8"?>
 <p:sld xmlns:a="http://schemas.openxmlformats.org/drawingml/2006/main" xmlns:r="http://schemas.openxmlformats.org/officeDocument/2006/relationships" xmlns:p="http://schemas.openxmlformats.org/presentationml/2006/main">
   <p:cSld>
     <p:spTree>
@@ -26081,216 +27492,10 @@
           </a:prstGeom>
         </p:spPr>
       </p:pic>
-      <p:cxnSp>
-        <p:nvCxnSpPr>
-          <p:cNvPr id="17" name="Straight Connector 16">
-            <a:extLst>
-              <a:ext uri="{FF2B5EF4-FFF2-40B4-BE49-F238E27FC236}">
-                <a16:creationId xmlns:a16="http://schemas.microsoft.com/office/drawing/2014/main" id="{730608C9-B67A-E342-9B20-AB1AAD78B9C2}"/>
-              </a:ext>
-            </a:extLst>
-          </p:cNvPr>
-          <p:cNvCxnSpPr>
-            <a:cxnSpLocks/>
-          </p:cNvCxnSpPr>
-          <p:nvPr/>
-        </p:nvCxnSpPr>
-        <p:spPr>
-          <a:xfrm flipV="1">
-            <a:off x="1226369" y="3498993"/>
-            <a:ext cx="1430770" cy="2503774"/>
-          </a:xfrm>
-          <a:prstGeom prst="line">
-            <a:avLst/>
-          </a:prstGeom>
-          <a:effectLst/>
-        </p:spPr>
-        <p:style>
-          <a:lnRef idx="2">
-            <a:schemeClr val="dk1"/>
-          </a:lnRef>
-          <a:fillRef idx="0">
-            <a:schemeClr val="dk1"/>
-          </a:fillRef>
-          <a:effectRef idx="1">
-            <a:schemeClr val="dk1"/>
-          </a:effectRef>
-          <a:fontRef idx="minor">
-            <a:schemeClr val="tx1"/>
-          </a:fontRef>
-        </p:style>
-      </p:cxnSp>
-      <p:pic>
-        <p:nvPicPr>
-          <p:cNvPr id="18" name="Picture 17">
-            <a:extLst>
-              <a:ext uri="{FF2B5EF4-FFF2-40B4-BE49-F238E27FC236}">
-                <a16:creationId xmlns:a16="http://schemas.microsoft.com/office/drawing/2014/main" id="{92495098-CCC4-9143-BD1D-BB79615DDA27}"/>
-              </a:ext>
-            </a:extLst>
-          </p:cNvPr>
-          <p:cNvPicPr>
-            <a:picLocks noChangeAspect="1"/>
-          </p:cNvPicPr>
-          <p:nvPr/>
-        </p:nvPicPr>
-        <p:blipFill>
-          <a:blip r:embed="rId9"/>
-          <a:stretch>
-            <a:fillRect/>
-          </a:stretch>
-        </p:blipFill>
-        <p:spPr>
-          <a:xfrm>
-            <a:off x="1713603" y="4309521"/>
-            <a:ext cx="228600" cy="317500"/>
-          </a:xfrm>
-          <a:prstGeom prst="rect">
-            <a:avLst/>
-          </a:prstGeom>
-        </p:spPr>
-      </p:pic>
-      <p:pic>
-        <p:nvPicPr>
-          <p:cNvPr id="21" name="Picture 20">
-            <a:extLst>
-              <a:ext uri="{FF2B5EF4-FFF2-40B4-BE49-F238E27FC236}">
-                <a16:creationId xmlns:a16="http://schemas.microsoft.com/office/drawing/2014/main" id="{5C921459-9712-4948-B764-1C7CF0E8EAE6}"/>
-              </a:ext>
-            </a:extLst>
-          </p:cNvPr>
-          <p:cNvPicPr>
-            <a:picLocks noChangeAspect="1"/>
-          </p:cNvPicPr>
-          <p:nvPr/>
-        </p:nvPicPr>
-        <p:blipFill>
-          <a:blip r:embed="rId10"/>
-          <a:stretch>
-            <a:fillRect/>
-          </a:stretch>
-        </p:blipFill>
-        <p:spPr>
-          <a:xfrm>
-            <a:off x="1738555" y="5488418"/>
-            <a:ext cx="203200" cy="342900"/>
-          </a:xfrm>
-          <a:prstGeom prst="rect">
-            <a:avLst/>
-          </a:prstGeom>
-        </p:spPr>
-      </p:pic>
-      <p:sp>
-        <p:nvSpPr>
-          <p:cNvPr id="22" name="Arc 21">
-            <a:extLst>
-              <a:ext uri="{FF2B5EF4-FFF2-40B4-BE49-F238E27FC236}">
-                <a16:creationId xmlns:a16="http://schemas.microsoft.com/office/drawing/2014/main" id="{CB9D3660-3A53-F14D-93D7-1487A15595EB}"/>
-              </a:ext>
-            </a:extLst>
-          </p:cNvPr>
-          <p:cNvSpPr/>
-          <p:nvPr/>
-        </p:nvSpPr>
-        <p:spPr>
-          <a:xfrm>
-            <a:off x="948661" y="5576057"/>
-            <a:ext cx="725590" cy="859322"/>
-          </a:xfrm>
-          <a:prstGeom prst="arc">
-            <a:avLst>
-              <a:gd name="adj1" fmla="val 17393150"/>
-              <a:gd name="adj2" fmla="val 0"/>
-            </a:avLst>
-          </a:prstGeom>
-          <a:ln>
-            <a:solidFill>
-              <a:schemeClr val="tx1">
-                <a:lumMod val="65000"/>
-                <a:lumOff val="35000"/>
-              </a:schemeClr>
-            </a:solidFill>
-          </a:ln>
-          <a:effectLst/>
-        </p:spPr>
-        <p:style>
-          <a:lnRef idx="2">
-            <a:schemeClr val="accent1"/>
-          </a:lnRef>
-          <a:fillRef idx="0">
-            <a:schemeClr val="accent1"/>
-          </a:fillRef>
-          <a:effectRef idx="1">
-            <a:schemeClr val="accent1"/>
-          </a:effectRef>
-          <a:fontRef idx="minor">
-            <a:schemeClr val="tx1"/>
-          </a:fontRef>
-        </p:style>
-        <p:txBody>
-          <a:bodyPr rtlCol="0" anchor="ctr"/>
-          <a:lstStyle/>
-          <a:p>
-            <a:pPr algn="ctr"/>
-            <a:endParaRPr lang="en-US"/>
-          </a:p>
-        </p:txBody>
-      </p:sp>
-      <p:sp>
-        <p:nvSpPr>
-          <p:cNvPr id="3" name="Rectangle 2">
-            <a:extLst>
-              <a:ext uri="{FF2B5EF4-FFF2-40B4-BE49-F238E27FC236}">
-                <a16:creationId xmlns:a16="http://schemas.microsoft.com/office/drawing/2014/main" id="{AF75144E-F798-6D4F-9570-63EFBB3E46A9}"/>
-              </a:ext>
-            </a:extLst>
-          </p:cNvPr>
-          <p:cNvSpPr/>
-          <p:nvPr/>
-        </p:nvSpPr>
-        <p:spPr>
-          <a:xfrm rot="1680000">
-            <a:off x="2595955" y="3537061"/>
-            <a:ext cx="180000" cy="180000"/>
-          </a:xfrm>
-          <a:prstGeom prst="rect">
-            <a:avLst/>
-          </a:prstGeom>
-          <a:noFill/>
-          <a:ln>
-            <a:solidFill>
-              <a:schemeClr val="tx1"/>
-            </a:solidFill>
-          </a:ln>
-          <a:effectLst/>
-        </p:spPr>
-        <p:style>
-          <a:lnRef idx="1">
-            <a:schemeClr val="accent1"/>
-          </a:lnRef>
-          <a:fillRef idx="3">
-            <a:schemeClr val="accent1"/>
-          </a:fillRef>
-          <a:effectRef idx="2">
-            <a:schemeClr val="accent1"/>
-          </a:effectRef>
-          <a:fontRef idx="minor">
-            <a:schemeClr val="lt1"/>
-          </a:fontRef>
-        </p:style>
-        <p:txBody>
-          <a:bodyPr rtlCol="0" anchor="ctr"/>
-          <a:lstStyle/>
-          <a:p>
-            <a:pPr algn="ctr"/>
-            <a:endParaRPr lang="en-US"/>
-          </a:p>
-        </p:txBody>
-      </p:sp>
     </p:spTree>
     <p:extLst>
       <p:ext uri="{BB962C8B-B14F-4D97-AF65-F5344CB8AC3E}">
-        <p14:creationId xmlns:p14="http://schemas.microsoft.com/office/powerpoint/2010/main" val="2019711990"/>
+        <p14:creationId xmlns:p14="http://schemas.microsoft.com/office/powerpoint/2010/main" val="1698544391"/>
       </p:ext>
     </p:extLst>
   </p:cSld>
@@ -26842,72 +28047,12 @@
           </a:p>
         </p:txBody>
       </p:sp>
-      <p:pic>
-        <p:nvPicPr>
-          <p:cNvPr id="7" name="Picture 6">
-            <a:extLst>
-              <a:ext uri="{FF2B5EF4-FFF2-40B4-BE49-F238E27FC236}">
-                <a16:creationId xmlns:a16="http://schemas.microsoft.com/office/drawing/2014/main" id="{71B8C5AA-9E13-734E-AF88-B2D01113E5B1}"/>
-              </a:ext>
-            </a:extLst>
-          </p:cNvPr>
-          <p:cNvPicPr>
-            <a:picLocks noChangeAspect="1"/>
-          </p:cNvPicPr>
-          <p:nvPr/>
-        </p:nvPicPr>
-        <p:blipFill>
-          <a:blip r:embed="rId11"/>
-          <a:stretch>
-            <a:fillRect/>
-          </a:stretch>
-        </p:blipFill>
-        <p:spPr>
-          <a:xfrm>
-            <a:off x="4927001" y="3843007"/>
-            <a:ext cx="1714500" cy="838200"/>
-          </a:xfrm>
-          <a:prstGeom prst="rect">
-            <a:avLst/>
-          </a:prstGeom>
-        </p:spPr>
-      </p:pic>
-      <p:pic>
-        <p:nvPicPr>
-          <p:cNvPr id="8" name="Picture 7">
-            <a:extLst>
-              <a:ext uri="{FF2B5EF4-FFF2-40B4-BE49-F238E27FC236}">
-                <a16:creationId xmlns:a16="http://schemas.microsoft.com/office/drawing/2014/main" id="{9E1BB4FD-9C3D-9849-A3B6-33820A8C31B1}"/>
-              </a:ext>
-            </a:extLst>
-          </p:cNvPr>
-          <p:cNvPicPr>
-            <a:picLocks noChangeAspect="1"/>
-          </p:cNvPicPr>
-          <p:nvPr/>
-        </p:nvPicPr>
-        <p:blipFill>
-          <a:blip r:embed="rId12"/>
-          <a:stretch>
-            <a:fillRect/>
-          </a:stretch>
-        </p:blipFill>
-        <p:spPr>
-          <a:xfrm>
-            <a:off x="7146063" y="3877684"/>
-            <a:ext cx="1765300" cy="838200"/>
-          </a:xfrm>
-          <a:prstGeom prst="rect">
-            <a:avLst/>
-          </a:prstGeom>
-        </p:spPr>
-      </p:pic>
       <p:sp>
         <p:nvSpPr>
-          <p:cNvPr id="23" name="Rectangle 22">
-            <a:extLst>
-              <a:ext uri="{FF2B5EF4-FFF2-40B4-BE49-F238E27FC236}">
-                <a16:creationId xmlns:a16="http://schemas.microsoft.com/office/drawing/2014/main" id="{802DB10A-39BD-5747-A5B4-E2C4B87D6212}"/>
+          <p:cNvPr id="3" name="Rectangle 2">
+            <a:extLst>
+              <a:ext uri="{FF2B5EF4-FFF2-40B4-BE49-F238E27FC236}">
+                <a16:creationId xmlns:a16="http://schemas.microsoft.com/office/drawing/2014/main" id="{AF75144E-F798-6D4F-9570-63EFBB3E46A9}"/>
               </a:ext>
             </a:extLst>
           </p:cNvPr>
@@ -26956,7 +28101,7 @@
     </p:spTree>
     <p:extLst>
       <p:ext uri="{BB962C8B-B14F-4D97-AF65-F5344CB8AC3E}">
-        <p14:creationId xmlns:p14="http://schemas.microsoft.com/office/powerpoint/2010/main" val="863553722"/>
+        <p14:creationId xmlns:p14="http://schemas.microsoft.com/office/powerpoint/2010/main" val="2019711990"/>
       </p:ext>
     </p:extLst>
   </p:cSld>
@@ -27510,6 +28655,672 @@
       </p:sp>
       <p:pic>
         <p:nvPicPr>
+          <p:cNvPr id="7" name="Picture 6">
+            <a:extLst>
+              <a:ext uri="{FF2B5EF4-FFF2-40B4-BE49-F238E27FC236}">
+                <a16:creationId xmlns:a16="http://schemas.microsoft.com/office/drawing/2014/main" id="{71B8C5AA-9E13-734E-AF88-B2D01113E5B1}"/>
+              </a:ext>
+            </a:extLst>
+          </p:cNvPr>
+          <p:cNvPicPr>
+            <a:picLocks noChangeAspect="1"/>
+          </p:cNvPicPr>
+          <p:nvPr/>
+        </p:nvPicPr>
+        <p:blipFill>
+          <a:blip r:embed="rId11"/>
+          <a:stretch>
+            <a:fillRect/>
+          </a:stretch>
+        </p:blipFill>
+        <p:spPr>
+          <a:xfrm>
+            <a:off x="4927001" y="3843007"/>
+            <a:ext cx="1714500" cy="838200"/>
+          </a:xfrm>
+          <a:prstGeom prst="rect">
+            <a:avLst/>
+          </a:prstGeom>
+        </p:spPr>
+      </p:pic>
+      <p:pic>
+        <p:nvPicPr>
+          <p:cNvPr id="8" name="Picture 7">
+            <a:extLst>
+              <a:ext uri="{FF2B5EF4-FFF2-40B4-BE49-F238E27FC236}">
+                <a16:creationId xmlns:a16="http://schemas.microsoft.com/office/drawing/2014/main" id="{9E1BB4FD-9C3D-9849-A3B6-33820A8C31B1}"/>
+              </a:ext>
+            </a:extLst>
+          </p:cNvPr>
+          <p:cNvPicPr>
+            <a:picLocks noChangeAspect="1"/>
+          </p:cNvPicPr>
+          <p:nvPr/>
+        </p:nvPicPr>
+        <p:blipFill>
+          <a:blip r:embed="rId12"/>
+          <a:stretch>
+            <a:fillRect/>
+          </a:stretch>
+        </p:blipFill>
+        <p:spPr>
+          <a:xfrm>
+            <a:off x="7146063" y="3877684"/>
+            <a:ext cx="1765300" cy="838200"/>
+          </a:xfrm>
+          <a:prstGeom prst="rect">
+            <a:avLst/>
+          </a:prstGeom>
+        </p:spPr>
+      </p:pic>
+      <p:sp>
+        <p:nvSpPr>
+          <p:cNvPr id="23" name="Rectangle 22">
+            <a:extLst>
+              <a:ext uri="{FF2B5EF4-FFF2-40B4-BE49-F238E27FC236}">
+                <a16:creationId xmlns:a16="http://schemas.microsoft.com/office/drawing/2014/main" id="{802DB10A-39BD-5747-A5B4-E2C4B87D6212}"/>
+              </a:ext>
+            </a:extLst>
+          </p:cNvPr>
+          <p:cNvSpPr/>
+          <p:nvPr/>
+        </p:nvSpPr>
+        <p:spPr>
+          <a:xfrm rot="1680000">
+            <a:off x="2595955" y="3537061"/>
+            <a:ext cx="180000" cy="180000"/>
+          </a:xfrm>
+          <a:prstGeom prst="rect">
+            <a:avLst/>
+          </a:prstGeom>
+          <a:noFill/>
+          <a:ln>
+            <a:solidFill>
+              <a:schemeClr val="tx1"/>
+            </a:solidFill>
+          </a:ln>
+          <a:effectLst/>
+        </p:spPr>
+        <p:style>
+          <a:lnRef idx="1">
+            <a:schemeClr val="accent1"/>
+          </a:lnRef>
+          <a:fillRef idx="3">
+            <a:schemeClr val="accent1"/>
+          </a:fillRef>
+          <a:effectRef idx="2">
+            <a:schemeClr val="accent1"/>
+          </a:effectRef>
+          <a:fontRef idx="minor">
+            <a:schemeClr val="lt1"/>
+          </a:fontRef>
+        </p:style>
+        <p:txBody>
+          <a:bodyPr rtlCol="0" anchor="ctr"/>
+          <a:lstStyle/>
+          <a:p>
+            <a:pPr algn="ctr"/>
+            <a:endParaRPr lang="en-US"/>
+          </a:p>
+        </p:txBody>
+      </p:sp>
+    </p:spTree>
+    <p:extLst>
+      <p:ext uri="{BB962C8B-B14F-4D97-AF65-F5344CB8AC3E}">
+        <p14:creationId xmlns:p14="http://schemas.microsoft.com/office/powerpoint/2010/main" val="863553722"/>
+      </p:ext>
+    </p:extLst>
+  </p:cSld>
+  <p:clrMapOvr>
+    <a:masterClrMapping/>
+  </p:clrMapOvr>
+</p:sld>
+</file>
+
+<file path=ppt/slides/slide8.xml><?xml version="1.0" encoding="utf-8"?>
+<p:sld xmlns:a="http://schemas.openxmlformats.org/drawingml/2006/main" xmlns:r="http://schemas.openxmlformats.org/officeDocument/2006/relationships" xmlns:p="http://schemas.openxmlformats.org/presentationml/2006/main">
+  <p:cSld>
+    <p:spTree>
+      <p:nvGrpSpPr>
+        <p:cNvPr id="1" name=""/>
+        <p:cNvGrpSpPr/>
+        <p:nvPr/>
+      </p:nvGrpSpPr>
+      <p:grpSpPr>
+        <a:xfrm>
+          <a:off x="0" y="0"/>
+          <a:ext cx="0" cy="0"/>
+          <a:chOff x="0" y="0"/>
+          <a:chExt cx="0" cy="0"/>
+        </a:xfrm>
+      </p:grpSpPr>
+      <p:cxnSp>
+        <p:nvCxnSpPr>
+          <p:cNvPr id="4" name="Straight Arrow Connector 3">
+            <a:extLst>
+              <a:ext uri="{FF2B5EF4-FFF2-40B4-BE49-F238E27FC236}">
+                <a16:creationId xmlns:a16="http://schemas.microsoft.com/office/drawing/2014/main" id="{F7C163C7-6389-894E-921C-5D10C9551E0F}"/>
+              </a:ext>
+            </a:extLst>
+          </p:cNvPr>
+          <p:cNvCxnSpPr/>
+          <p:nvPr/>
+        </p:nvCxnSpPr>
+        <p:spPr>
+          <a:xfrm flipV="1">
+            <a:off x="1226371" y="1645920"/>
+            <a:ext cx="0" cy="4356847"/>
+          </a:xfrm>
+          <a:prstGeom prst="straightConnector1">
+            <a:avLst/>
+          </a:prstGeom>
+          <a:ln>
+            <a:tailEnd type="triangle"/>
+          </a:ln>
+          <a:effectLst/>
+        </p:spPr>
+        <p:style>
+          <a:lnRef idx="2">
+            <a:schemeClr val="accent1"/>
+          </a:lnRef>
+          <a:fillRef idx="0">
+            <a:schemeClr val="accent1"/>
+          </a:fillRef>
+          <a:effectRef idx="1">
+            <a:schemeClr val="accent1"/>
+          </a:effectRef>
+          <a:fontRef idx="minor">
+            <a:schemeClr val="tx1"/>
+          </a:fontRef>
+        </p:style>
+      </p:cxnSp>
+      <p:sp>
+        <p:nvSpPr>
+          <p:cNvPr id="14" name="Rectangle 13">
+            <a:extLst>
+              <a:ext uri="{FF2B5EF4-FFF2-40B4-BE49-F238E27FC236}">
+                <a16:creationId xmlns:a16="http://schemas.microsoft.com/office/drawing/2014/main" id="{EAB98CC8-5841-6E4B-B3F7-B13D1F406B06}"/>
+              </a:ext>
+            </a:extLst>
+          </p:cNvPr>
+          <p:cNvSpPr/>
+          <p:nvPr/>
+        </p:nvSpPr>
+        <p:spPr>
+          <a:xfrm>
+            <a:off x="950757" y="562845"/>
+            <a:ext cx="5524718" cy="584775"/>
+          </a:xfrm>
+          <a:prstGeom prst="rect">
+            <a:avLst/>
+          </a:prstGeom>
+        </p:spPr>
+        <p:txBody>
+          <a:bodyPr wrap="none">
+            <a:spAutoFit/>
+          </a:bodyPr>
+          <a:lstStyle/>
+          <a:p>
+            <a:r>
+              <a:rPr lang="es-CL" sz="3200" dirty="0">
+                <a:solidFill>
+                  <a:srgbClr val="FF9300"/>
+                </a:solidFill>
+                <a:latin typeface="Trebuchet MS" pitchFamily="34" charset="0"/>
+              </a:rPr>
+              <a:t>Representación de una Recta</a:t>
+            </a:r>
+          </a:p>
+        </p:txBody>
+      </p:sp>
+      <p:cxnSp>
+        <p:nvCxnSpPr>
+          <p:cNvPr id="15" name="Straight Arrow Connector 14">
+            <a:extLst>
+              <a:ext uri="{FF2B5EF4-FFF2-40B4-BE49-F238E27FC236}">
+                <a16:creationId xmlns:a16="http://schemas.microsoft.com/office/drawing/2014/main" id="{C19ECE64-9AAA-CC4F-A738-6F8EBEA0AAEB}"/>
+              </a:ext>
+            </a:extLst>
+          </p:cNvPr>
+          <p:cNvCxnSpPr>
+            <a:cxnSpLocks/>
+          </p:cNvCxnSpPr>
+          <p:nvPr/>
+        </p:nvCxnSpPr>
+        <p:spPr>
+          <a:xfrm flipV="1">
+            <a:off x="1226371" y="6002767"/>
+            <a:ext cx="6840071" cy="1"/>
+          </a:xfrm>
+          <a:prstGeom prst="straightConnector1">
+            <a:avLst/>
+          </a:prstGeom>
+          <a:ln>
+            <a:tailEnd type="triangle"/>
+          </a:ln>
+          <a:effectLst/>
+        </p:spPr>
+        <p:style>
+          <a:lnRef idx="2">
+            <a:schemeClr val="accent1"/>
+          </a:lnRef>
+          <a:fillRef idx="0">
+            <a:schemeClr val="accent1"/>
+          </a:fillRef>
+          <a:effectRef idx="1">
+            <a:schemeClr val="accent1"/>
+          </a:effectRef>
+          <a:fontRef idx="minor">
+            <a:schemeClr val="tx1"/>
+          </a:fontRef>
+        </p:style>
+      </p:cxnSp>
+      <p:cxnSp>
+        <p:nvCxnSpPr>
+          <p:cNvPr id="12" name="Straight Connector 11">
+            <a:extLst>
+              <a:ext uri="{FF2B5EF4-FFF2-40B4-BE49-F238E27FC236}">
+                <a16:creationId xmlns:a16="http://schemas.microsoft.com/office/drawing/2014/main" id="{AB07C504-D7AF-4F42-A452-EF4F5A82A749}"/>
+              </a:ext>
+            </a:extLst>
+          </p:cNvPr>
+          <p:cNvCxnSpPr>
+            <a:cxnSpLocks/>
+          </p:cNvCxnSpPr>
+          <p:nvPr/>
+        </p:nvCxnSpPr>
+        <p:spPr>
+          <a:xfrm>
+            <a:off x="1226370" y="2658930"/>
+            <a:ext cx="5637009" cy="3343837"/>
+          </a:xfrm>
+          <a:prstGeom prst="line">
+            <a:avLst/>
+          </a:prstGeom>
+          <a:effectLst/>
+        </p:spPr>
+        <p:style>
+          <a:lnRef idx="2">
+            <a:schemeClr val="dk1"/>
+          </a:lnRef>
+          <a:fillRef idx="0">
+            <a:schemeClr val="dk1"/>
+          </a:fillRef>
+          <a:effectRef idx="1">
+            <a:schemeClr val="dk1"/>
+          </a:effectRef>
+          <a:fontRef idx="minor">
+            <a:schemeClr val="tx1"/>
+          </a:fontRef>
+        </p:style>
+      </p:cxnSp>
+      <p:pic>
+        <p:nvPicPr>
+          <p:cNvPr id="13" name="Picture 12">
+            <a:extLst>
+              <a:ext uri="{FF2B5EF4-FFF2-40B4-BE49-F238E27FC236}">
+                <a16:creationId xmlns:a16="http://schemas.microsoft.com/office/drawing/2014/main" id="{FA479032-EF6D-2C45-B495-BEC505CB8437}"/>
+              </a:ext>
+            </a:extLst>
+          </p:cNvPr>
+          <p:cNvPicPr>
+            <a:picLocks noChangeAspect="1"/>
+          </p:cNvPicPr>
+          <p:nvPr/>
+        </p:nvPicPr>
+        <p:blipFill>
+          <a:blip r:embed="rId2"/>
+          <a:stretch>
+            <a:fillRect/>
+          </a:stretch>
+        </p:blipFill>
+        <p:spPr>
+          <a:xfrm>
+            <a:off x="3796701" y="1687156"/>
+            <a:ext cx="2260600" cy="419100"/>
+          </a:xfrm>
+          <a:prstGeom prst="rect">
+            <a:avLst/>
+          </a:prstGeom>
+        </p:spPr>
+      </p:pic>
+      <p:pic>
+        <p:nvPicPr>
+          <p:cNvPr id="16" name="Picture 15">
+            <a:extLst>
+              <a:ext uri="{FF2B5EF4-FFF2-40B4-BE49-F238E27FC236}">
+                <a16:creationId xmlns:a16="http://schemas.microsoft.com/office/drawing/2014/main" id="{06BFEFF4-359F-724D-B134-BE02058FE0EC}"/>
+              </a:ext>
+            </a:extLst>
+          </p:cNvPr>
+          <p:cNvPicPr>
+            <a:picLocks noChangeAspect="1"/>
+          </p:cNvPicPr>
+          <p:nvPr/>
+        </p:nvPicPr>
+        <p:blipFill>
+          <a:blip r:embed="rId3"/>
+          <a:stretch>
+            <a:fillRect/>
+          </a:stretch>
+        </p:blipFill>
+        <p:spPr>
+          <a:xfrm>
+            <a:off x="832419" y="1687156"/>
+            <a:ext cx="215900" cy="304800"/>
+          </a:xfrm>
+          <a:prstGeom prst="rect">
+            <a:avLst/>
+          </a:prstGeom>
+        </p:spPr>
+      </p:pic>
+      <p:pic>
+        <p:nvPicPr>
+          <p:cNvPr id="19" name="Picture 18">
+            <a:extLst>
+              <a:ext uri="{FF2B5EF4-FFF2-40B4-BE49-F238E27FC236}">
+                <a16:creationId xmlns:a16="http://schemas.microsoft.com/office/drawing/2014/main" id="{49979498-437F-4445-A1DE-AE0AE52963C3}"/>
+              </a:ext>
+            </a:extLst>
+          </p:cNvPr>
+          <p:cNvPicPr>
+            <a:picLocks noChangeAspect="1"/>
+          </p:cNvPicPr>
+          <p:nvPr/>
+        </p:nvPicPr>
+        <p:blipFill>
+          <a:blip r:embed="rId4"/>
+          <a:stretch>
+            <a:fillRect/>
+          </a:stretch>
+        </p:blipFill>
+        <p:spPr>
+          <a:xfrm>
+            <a:off x="7825142" y="6187205"/>
+            <a:ext cx="241300" cy="215900"/>
+          </a:xfrm>
+          <a:prstGeom prst="rect">
+            <a:avLst/>
+          </a:prstGeom>
+        </p:spPr>
+      </p:pic>
+      <p:pic>
+        <p:nvPicPr>
+          <p:cNvPr id="20" name="Picture 19">
+            <a:extLst>
+              <a:ext uri="{FF2B5EF4-FFF2-40B4-BE49-F238E27FC236}">
+                <a16:creationId xmlns:a16="http://schemas.microsoft.com/office/drawing/2014/main" id="{D22491DD-17C4-4544-AACD-3356762B6913}"/>
+              </a:ext>
+            </a:extLst>
+          </p:cNvPr>
+          <p:cNvPicPr>
+            <a:picLocks noChangeAspect="1"/>
+          </p:cNvPicPr>
+          <p:nvPr/>
+        </p:nvPicPr>
+        <p:blipFill>
+          <a:blip r:embed="rId5"/>
+          <a:stretch>
+            <a:fillRect/>
+          </a:stretch>
+        </p:blipFill>
+        <p:spPr>
+          <a:xfrm>
+            <a:off x="870519" y="2493830"/>
+            <a:ext cx="177800" cy="330200"/>
+          </a:xfrm>
+          <a:prstGeom prst="rect">
+            <a:avLst/>
+          </a:prstGeom>
+        </p:spPr>
+      </p:pic>
+      <p:pic>
+        <p:nvPicPr>
+          <p:cNvPr id="34" name="Picture 33">
+            <a:extLst>
+              <a:ext uri="{FF2B5EF4-FFF2-40B4-BE49-F238E27FC236}">
+                <a16:creationId xmlns:a16="http://schemas.microsoft.com/office/drawing/2014/main" id="{AA646B92-833A-B544-A6AD-F21911A3AFF9}"/>
+              </a:ext>
+            </a:extLst>
+          </p:cNvPr>
+          <p:cNvPicPr>
+            <a:picLocks noChangeAspect="1"/>
+          </p:cNvPicPr>
+          <p:nvPr/>
+        </p:nvPicPr>
+        <p:blipFill>
+          <a:blip r:embed="rId6"/>
+          <a:stretch>
+            <a:fillRect/>
+          </a:stretch>
+        </p:blipFill>
+        <p:spPr>
+          <a:xfrm>
+            <a:off x="3721100" y="2463800"/>
+            <a:ext cx="1701800" cy="965200"/>
+          </a:xfrm>
+          <a:prstGeom prst="rect">
+            <a:avLst/>
+          </a:prstGeom>
+        </p:spPr>
+      </p:pic>
+      <p:pic>
+        <p:nvPicPr>
+          <p:cNvPr id="11" name="Picture 10">
+            <a:extLst>
+              <a:ext uri="{FF2B5EF4-FFF2-40B4-BE49-F238E27FC236}">
+                <a16:creationId xmlns:a16="http://schemas.microsoft.com/office/drawing/2014/main" id="{8E1C930C-2ABB-1247-8036-83C475C81862}"/>
+              </a:ext>
+            </a:extLst>
+          </p:cNvPr>
+          <p:cNvPicPr>
+            <a:picLocks noChangeAspect="1"/>
+          </p:cNvPicPr>
+          <p:nvPr/>
+        </p:nvPicPr>
+        <p:blipFill>
+          <a:blip r:embed="rId7"/>
+          <a:stretch>
+            <a:fillRect/>
+          </a:stretch>
+        </p:blipFill>
+        <p:spPr>
+          <a:xfrm>
+            <a:off x="6768129" y="6187205"/>
+            <a:ext cx="190500" cy="215900"/>
+          </a:xfrm>
+          <a:prstGeom prst="rect">
+            <a:avLst/>
+          </a:prstGeom>
+        </p:spPr>
+      </p:pic>
+      <p:pic>
+        <p:nvPicPr>
+          <p:cNvPr id="2" name="Picture 1">
+            <a:extLst>
+              <a:ext uri="{FF2B5EF4-FFF2-40B4-BE49-F238E27FC236}">
+                <a16:creationId xmlns:a16="http://schemas.microsoft.com/office/drawing/2014/main" id="{2F6CEF2C-8214-9F45-83E2-E563A4DEDB26}"/>
+              </a:ext>
+            </a:extLst>
+          </p:cNvPr>
+          <p:cNvPicPr>
+            <a:picLocks noChangeAspect="1"/>
+          </p:cNvPicPr>
+          <p:nvPr/>
+        </p:nvPicPr>
+        <p:blipFill>
+          <a:blip r:embed="rId8"/>
+          <a:stretch>
+            <a:fillRect/>
+          </a:stretch>
+        </p:blipFill>
+        <p:spPr>
+          <a:xfrm>
+            <a:off x="5637012" y="2480694"/>
+            <a:ext cx="1079500" cy="952500"/>
+          </a:xfrm>
+          <a:prstGeom prst="rect">
+            <a:avLst/>
+          </a:prstGeom>
+        </p:spPr>
+      </p:pic>
+      <p:cxnSp>
+        <p:nvCxnSpPr>
+          <p:cNvPr id="17" name="Straight Connector 16">
+            <a:extLst>
+              <a:ext uri="{FF2B5EF4-FFF2-40B4-BE49-F238E27FC236}">
+                <a16:creationId xmlns:a16="http://schemas.microsoft.com/office/drawing/2014/main" id="{730608C9-B67A-E342-9B20-AB1AAD78B9C2}"/>
+              </a:ext>
+            </a:extLst>
+          </p:cNvPr>
+          <p:cNvCxnSpPr>
+            <a:cxnSpLocks/>
+          </p:cNvCxnSpPr>
+          <p:nvPr/>
+        </p:nvCxnSpPr>
+        <p:spPr>
+          <a:xfrm flipV="1">
+            <a:off x="1226369" y="3498993"/>
+            <a:ext cx="1430770" cy="2503774"/>
+          </a:xfrm>
+          <a:prstGeom prst="line">
+            <a:avLst/>
+          </a:prstGeom>
+          <a:effectLst/>
+        </p:spPr>
+        <p:style>
+          <a:lnRef idx="2">
+            <a:schemeClr val="dk1"/>
+          </a:lnRef>
+          <a:fillRef idx="0">
+            <a:schemeClr val="dk1"/>
+          </a:fillRef>
+          <a:effectRef idx="1">
+            <a:schemeClr val="dk1"/>
+          </a:effectRef>
+          <a:fontRef idx="minor">
+            <a:schemeClr val="tx1"/>
+          </a:fontRef>
+        </p:style>
+      </p:cxnSp>
+      <p:pic>
+        <p:nvPicPr>
+          <p:cNvPr id="18" name="Picture 17">
+            <a:extLst>
+              <a:ext uri="{FF2B5EF4-FFF2-40B4-BE49-F238E27FC236}">
+                <a16:creationId xmlns:a16="http://schemas.microsoft.com/office/drawing/2014/main" id="{92495098-CCC4-9143-BD1D-BB79615DDA27}"/>
+              </a:ext>
+            </a:extLst>
+          </p:cNvPr>
+          <p:cNvPicPr>
+            <a:picLocks noChangeAspect="1"/>
+          </p:cNvPicPr>
+          <p:nvPr/>
+        </p:nvPicPr>
+        <p:blipFill>
+          <a:blip r:embed="rId9"/>
+          <a:stretch>
+            <a:fillRect/>
+          </a:stretch>
+        </p:blipFill>
+        <p:spPr>
+          <a:xfrm>
+            <a:off x="1713603" y="4309521"/>
+            <a:ext cx="228600" cy="317500"/>
+          </a:xfrm>
+          <a:prstGeom prst="rect">
+            <a:avLst/>
+          </a:prstGeom>
+        </p:spPr>
+      </p:pic>
+      <p:pic>
+        <p:nvPicPr>
+          <p:cNvPr id="21" name="Picture 20">
+            <a:extLst>
+              <a:ext uri="{FF2B5EF4-FFF2-40B4-BE49-F238E27FC236}">
+                <a16:creationId xmlns:a16="http://schemas.microsoft.com/office/drawing/2014/main" id="{5C921459-9712-4948-B764-1C7CF0E8EAE6}"/>
+              </a:ext>
+            </a:extLst>
+          </p:cNvPr>
+          <p:cNvPicPr>
+            <a:picLocks noChangeAspect="1"/>
+          </p:cNvPicPr>
+          <p:nvPr/>
+        </p:nvPicPr>
+        <p:blipFill>
+          <a:blip r:embed="rId10"/>
+          <a:stretch>
+            <a:fillRect/>
+          </a:stretch>
+        </p:blipFill>
+        <p:spPr>
+          <a:xfrm>
+            <a:off x="1738555" y="5488418"/>
+            <a:ext cx="203200" cy="342900"/>
+          </a:xfrm>
+          <a:prstGeom prst="rect">
+            <a:avLst/>
+          </a:prstGeom>
+        </p:spPr>
+      </p:pic>
+      <p:sp>
+        <p:nvSpPr>
+          <p:cNvPr id="22" name="Arc 21">
+            <a:extLst>
+              <a:ext uri="{FF2B5EF4-FFF2-40B4-BE49-F238E27FC236}">
+                <a16:creationId xmlns:a16="http://schemas.microsoft.com/office/drawing/2014/main" id="{CB9D3660-3A53-F14D-93D7-1487A15595EB}"/>
+              </a:ext>
+            </a:extLst>
+          </p:cNvPr>
+          <p:cNvSpPr/>
+          <p:nvPr/>
+        </p:nvSpPr>
+        <p:spPr>
+          <a:xfrm>
+            <a:off x="948661" y="5576057"/>
+            <a:ext cx="725590" cy="859322"/>
+          </a:xfrm>
+          <a:prstGeom prst="arc">
+            <a:avLst>
+              <a:gd name="adj1" fmla="val 17393150"/>
+              <a:gd name="adj2" fmla="val 0"/>
+            </a:avLst>
+          </a:prstGeom>
+          <a:ln>
+            <a:solidFill>
+              <a:schemeClr val="tx1">
+                <a:lumMod val="65000"/>
+                <a:lumOff val="35000"/>
+              </a:schemeClr>
+            </a:solidFill>
+          </a:ln>
+          <a:effectLst/>
+        </p:spPr>
+        <p:style>
+          <a:lnRef idx="2">
+            <a:schemeClr val="accent1"/>
+          </a:lnRef>
+          <a:fillRef idx="0">
+            <a:schemeClr val="accent1"/>
+          </a:fillRef>
+          <a:effectRef idx="1">
+            <a:schemeClr val="accent1"/>
+          </a:effectRef>
+          <a:fontRef idx="minor">
+            <a:schemeClr val="tx1"/>
+          </a:fontRef>
+        </p:style>
+        <p:txBody>
+          <a:bodyPr rtlCol="0" anchor="ctr"/>
+          <a:lstStyle/>
+          <a:p>
+            <a:pPr algn="ctr"/>
+            <a:endParaRPr lang="en-US"/>
+          </a:p>
+        </p:txBody>
+      </p:sp>
+      <p:pic>
+        <p:nvPicPr>
           <p:cNvPr id="5" name="Picture 4">
             <a:extLst>
               <a:ext uri="{FF2B5EF4-FFF2-40B4-BE49-F238E27FC236}">
@@ -27662,7 +29473,7 @@
 </p:sld>
 </file>
 
-<file path=ppt/slides/slide8.xml><?xml version="1.0" encoding="utf-8"?>
+<file path=ppt/slides/slide9.xml><?xml version="1.0" encoding="utf-8"?>
 <p:sld xmlns:a="http://schemas.openxmlformats.org/drawingml/2006/main" xmlns:r="http://schemas.openxmlformats.org/officeDocument/2006/relationships" xmlns:p="http://schemas.openxmlformats.org/presentationml/2006/main">
   <p:cSld>
     <p:spTree>
@@ -28341,399 +30152,6 @@
       </p:par>
     </p:tnLst>
   </p:timing>
-</p:sld>
-</file>
-
-<file path=ppt/slides/slide9.xml><?xml version="1.0" encoding="utf-8"?>
-<p:sld xmlns:a="http://schemas.openxmlformats.org/drawingml/2006/main" xmlns:r="http://schemas.openxmlformats.org/officeDocument/2006/relationships" xmlns:p="http://schemas.openxmlformats.org/presentationml/2006/main">
-  <p:cSld>
-    <p:spTree>
-      <p:nvGrpSpPr>
-        <p:cNvPr id="1" name=""/>
-        <p:cNvGrpSpPr/>
-        <p:nvPr/>
-      </p:nvGrpSpPr>
-      <p:grpSpPr>
-        <a:xfrm>
-          <a:off x="0" y="0"/>
-          <a:ext cx="0" cy="0"/>
-          <a:chOff x="0" y="0"/>
-          <a:chExt cx="0" cy="0"/>
-        </a:xfrm>
-      </p:grpSpPr>
-      <p:sp>
-        <p:nvSpPr>
-          <p:cNvPr id="14" name="Rectangle 13">
-            <a:extLst>
-              <a:ext uri="{FF2B5EF4-FFF2-40B4-BE49-F238E27FC236}">
-                <a16:creationId xmlns:a16="http://schemas.microsoft.com/office/drawing/2014/main" id="{EAB98CC8-5841-6E4B-B3F7-B13D1F406B06}"/>
-              </a:ext>
-            </a:extLst>
-          </p:cNvPr>
-          <p:cNvSpPr/>
-          <p:nvPr/>
-        </p:nvSpPr>
-        <p:spPr>
-          <a:xfrm>
-            <a:off x="950757" y="562845"/>
-            <a:ext cx="5524718" cy="584775"/>
-          </a:xfrm>
-          <a:prstGeom prst="rect">
-            <a:avLst/>
-          </a:prstGeom>
-        </p:spPr>
-        <p:txBody>
-          <a:bodyPr wrap="none">
-            <a:spAutoFit/>
-          </a:bodyPr>
-          <a:lstStyle/>
-          <a:p>
-            <a:r>
-              <a:rPr lang="es-CL" sz="3200" dirty="0">
-                <a:solidFill>
-                  <a:srgbClr val="FF9300"/>
-                </a:solidFill>
-                <a:latin typeface="Trebuchet MS" pitchFamily="34" charset="0"/>
-              </a:rPr>
-              <a:t>Representación de una Recta</a:t>
-            </a:r>
-          </a:p>
-        </p:txBody>
-      </p:sp>
-      <p:pic>
-        <p:nvPicPr>
-          <p:cNvPr id="13" name="Picture 12">
-            <a:extLst>
-              <a:ext uri="{FF2B5EF4-FFF2-40B4-BE49-F238E27FC236}">
-                <a16:creationId xmlns:a16="http://schemas.microsoft.com/office/drawing/2014/main" id="{FA479032-EF6D-2C45-B495-BEC505CB8437}"/>
-              </a:ext>
-            </a:extLst>
-          </p:cNvPr>
-          <p:cNvPicPr>
-            <a:picLocks noChangeAspect="1"/>
-          </p:cNvPicPr>
-          <p:nvPr/>
-        </p:nvPicPr>
-        <p:blipFill>
-          <a:blip r:embed="rId2"/>
-          <a:stretch>
-            <a:fillRect/>
-          </a:stretch>
-        </p:blipFill>
-        <p:spPr>
-          <a:xfrm>
-            <a:off x="3796701" y="1687156"/>
-            <a:ext cx="2260600" cy="419100"/>
-          </a:xfrm>
-          <a:prstGeom prst="rect">
-            <a:avLst/>
-          </a:prstGeom>
-        </p:spPr>
-      </p:pic>
-      <p:pic>
-        <p:nvPicPr>
-          <p:cNvPr id="34" name="Picture 33">
-            <a:extLst>
-              <a:ext uri="{FF2B5EF4-FFF2-40B4-BE49-F238E27FC236}">
-                <a16:creationId xmlns:a16="http://schemas.microsoft.com/office/drawing/2014/main" id="{AA646B92-833A-B544-A6AD-F21911A3AFF9}"/>
-              </a:ext>
-            </a:extLst>
-          </p:cNvPr>
-          <p:cNvPicPr>
-            <a:picLocks noChangeAspect="1"/>
-          </p:cNvPicPr>
-          <p:nvPr/>
-        </p:nvPicPr>
-        <p:blipFill>
-          <a:blip r:embed="rId3"/>
-          <a:stretch>
-            <a:fillRect/>
-          </a:stretch>
-        </p:blipFill>
-        <p:spPr>
-          <a:xfrm>
-            <a:off x="3721100" y="2463800"/>
-            <a:ext cx="1701800" cy="965200"/>
-          </a:xfrm>
-          <a:prstGeom prst="rect">
-            <a:avLst/>
-          </a:prstGeom>
-        </p:spPr>
-      </p:pic>
-      <p:pic>
-        <p:nvPicPr>
-          <p:cNvPr id="2" name="Picture 1">
-            <a:extLst>
-              <a:ext uri="{FF2B5EF4-FFF2-40B4-BE49-F238E27FC236}">
-                <a16:creationId xmlns:a16="http://schemas.microsoft.com/office/drawing/2014/main" id="{2F6CEF2C-8214-9F45-83E2-E563A4DEDB26}"/>
-              </a:ext>
-            </a:extLst>
-          </p:cNvPr>
-          <p:cNvPicPr>
-            <a:picLocks noChangeAspect="1"/>
-          </p:cNvPicPr>
-          <p:nvPr/>
-        </p:nvPicPr>
-        <p:blipFill>
-          <a:blip r:embed="rId4"/>
-          <a:stretch>
-            <a:fillRect/>
-          </a:stretch>
-        </p:blipFill>
-        <p:spPr>
-          <a:xfrm>
-            <a:off x="5637012" y="2480694"/>
-            <a:ext cx="1079500" cy="952500"/>
-          </a:xfrm>
-          <a:prstGeom prst="rect">
-            <a:avLst/>
-          </a:prstGeom>
-        </p:spPr>
-      </p:pic>
-      <p:pic>
-        <p:nvPicPr>
-          <p:cNvPr id="5" name="Picture 4">
-            <a:extLst>
-              <a:ext uri="{FF2B5EF4-FFF2-40B4-BE49-F238E27FC236}">
-                <a16:creationId xmlns:a16="http://schemas.microsoft.com/office/drawing/2014/main" id="{C4959EFD-5AD3-1040-971D-0AE27EBEA608}"/>
-              </a:ext>
-            </a:extLst>
-          </p:cNvPr>
-          <p:cNvPicPr>
-            <a:picLocks noChangeAspect="1"/>
-          </p:cNvPicPr>
-          <p:nvPr/>
-        </p:nvPicPr>
-        <p:blipFill>
-          <a:blip r:embed="rId5"/>
-          <a:stretch>
-            <a:fillRect/>
-          </a:stretch>
-        </p:blipFill>
-        <p:spPr>
-          <a:xfrm>
-            <a:off x="7024751" y="2477844"/>
-            <a:ext cx="1790700" cy="952500"/>
-          </a:xfrm>
-          <a:prstGeom prst="rect">
-            <a:avLst/>
-          </a:prstGeom>
-        </p:spPr>
-      </p:pic>
-      <p:pic>
-        <p:nvPicPr>
-          <p:cNvPr id="24" name="Picture 23">
-            <a:extLst>
-              <a:ext uri="{FF2B5EF4-FFF2-40B4-BE49-F238E27FC236}">
-                <a16:creationId xmlns:a16="http://schemas.microsoft.com/office/drawing/2014/main" id="{8BD4B785-2108-7D49-8E40-220565BB8111}"/>
-              </a:ext>
-            </a:extLst>
-          </p:cNvPr>
-          <p:cNvPicPr>
-            <a:picLocks noChangeAspect="1"/>
-          </p:cNvPicPr>
-          <p:nvPr/>
-        </p:nvPicPr>
-        <p:blipFill>
-          <a:blip r:embed="rId6"/>
-          <a:stretch>
-            <a:fillRect/>
-          </a:stretch>
-        </p:blipFill>
-        <p:spPr>
-          <a:xfrm>
-            <a:off x="4927001" y="3843007"/>
-            <a:ext cx="1714500" cy="838200"/>
-          </a:xfrm>
-          <a:prstGeom prst="rect">
-            <a:avLst/>
-          </a:prstGeom>
-        </p:spPr>
-      </p:pic>
-      <p:pic>
-        <p:nvPicPr>
-          <p:cNvPr id="25" name="Picture 24">
-            <a:extLst>
-              <a:ext uri="{FF2B5EF4-FFF2-40B4-BE49-F238E27FC236}">
-                <a16:creationId xmlns:a16="http://schemas.microsoft.com/office/drawing/2014/main" id="{3AD8B67B-EBBA-3345-8344-04D02D53D7DC}"/>
-              </a:ext>
-            </a:extLst>
-          </p:cNvPr>
-          <p:cNvPicPr>
-            <a:picLocks noChangeAspect="1"/>
-          </p:cNvPicPr>
-          <p:nvPr/>
-        </p:nvPicPr>
-        <p:blipFill>
-          <a:blip r:embed="rId7"/>
-          <a:stretch>
-            <a:fillRect/>
-          </a:stretch>
-        </p:blipFill>
-        <p:spPr>
-          <a:xfrm>
-            <a:off x="7146063" y="3877684"/>
-            <a:ext cx="1765300" cy="838200"/>
-          </a:xfrm>
-          <a:prstGeom prst="rect">
-            <a:avLst/>
-          </a:prstGeom>
-        </p:spPr>
-      </p:pic>
-      <p:cxnSp>
-        <p:nvCxnSpPr>
-          <p:cNvPr id="7" name="Elbow Connector 6">
-            <a:extLst>
-              <a:ext uri="{FF2B5EF4-FFF2-40B4-BE49-F238E27FC236}">
-                <a16:creationId xmlns:a16="http://schemas.microsoft.com/office/drawing/2014/main" id="{CB07AE50-FD07-C04C-8B74-CA180FCEFF5D}"/>
-              </a:ext>
-            </a:extLst>
-          </p:cNvPr>
-          <p:cNvCxnSpPr>
-            <a:cxnSpLocks/>
-          </p:cNvCxnSpPr>
-          <p:nvPr/>
-        </p:nvCxnSpPr>
-        <p:spPr>
-          <a:xfrm rot="10800000" flipV="1">
-            <a:off x="1104414" y="1896706"/>
-            <a:ext cx="2476162" cy="2496048"/>
-          </a:xfrm>
-          <a:prstGeom prst="bentConnector2">
-            <a:avLst/>
-          </a:prstGeom>
-          <a:ln>
-            <a:tailEnd type="triangle"/>
-          </a:ln>
-        </p:spPr>
-        <p:style>
-          <a:lnRef idx="2">
-            <a:schemeClr val="accent1"/>
-          </a:lnRef>
-          <a:fillRef idx="0">
-            <a:schemeClr val="accent1"/>
-          </a:fillRef>
-          <a:effectRef idx="1">
-            <a:schemeClr val="accent1"/>
-          </a:effectRef>
-          <a:fontRef idx="minor">
-            <a:schemeClr val="tx1"/>
-          </a:fontRef>
-        </p:style>
-      </p:cxnSp>
-      <p:pic>
-        <p:nvPicPr>
-          <p:cNvPr id="26" name="Picture 25">
-            <a:extLst>
-              <a:ext uri="{FF2B5EF4-FFF2-40B4-BE49-F238E27FC236}">
-                <a16:creationId xmlns:a16="http://schemas.microsoft.com/office/drawing/2014/main" id="{EDA5F1FF-388A-5545-A973-F12ECFFEB7E5}"/>
-              </a:ext>
-            </a:extLst>
-          </p:cNvPr>
-          <p:cNvPicPr>
-            <a:picLocks noChangeAspect="1"/>
-          </p:cNvPicPr>
-          <p:nvPr/>
-        </p:nvPicPr>
-        <p:blipFill>
-          <a:blip r:embed="rId8"/>
-          <a:stretch>
-            <a:fillRect/>
-          </a:stretch>
-        </p:blipFill>
-        <p:spPr>
-          <a:xfrm>
-            <a:off x="1048711" y="4681272"/>
-            <a:ext cx="3962400" cy="952500"/>
-          </a:xfrm>
-          <a:prstGeom prst="rect">
-            <a:avLst/>
-          </a:prstGeom>
-        </p:spPr>
-      </p:pic>
-      <p:pic>
-        <p:nvPicPr>
-          <p:cNvPr id="3" name="Picture 2">
-            <a:extLst>
-              <a:ext uri="{FF2B5EF4-FFF2-40B4-BE49-F238E27FC236}">
-                <a16:creationId xmlns:a16="http://schemas.microsoft.com/office/drawing/2014/main" id="{D6EC9E1D-1BED-794C-A632-6301B65E8905}"/>
-              </a:ext>
-            </a:extLst>
-          </p:cNvPr>
-          <p:cNvPicPr>
-            <a:picLocks noChangeAspect="1"/>
-          </p:cNvPicPr>
-          <p:nvPr/>
-        </p:nvPicPr>
-        <p:blipFill>
-          <a:blip r:embed="rId9"/>
-          <a:stretch>
-            <a:fillRect/>
-          </a:stretch>
-        </p:blipFill>
-        <p:spPr>
-          <a:xfrm>
-            <a:off x="3885601" y="5986158"/>
-            <a:ext cx="3797300" cy="431800"/>
-          </a:xfrm>
-          <a:prstGeom prst="rect">
-            <a:avLst/>
-          </a:prstGeom>
-        </p:spPr>
-      </p:pic>
-      <p:cxnSp>
-        <p:nvCxnSpPr>
-          <p:cNvPr id="6" name="Elbow Connector 5">
-            <a:extLst>
-              <a:ext uri="{FF2B5EF4-FFF2-40B4-BE49-F238E27FC236}">
-                <a16:creationId xmlns:a16="http://schemas.microsoft.com/office/drawing/2014/main" id="{1775D2F7-D870-0F4A-9961-1E6FAFE35503}"/>
-              </a:ext>
-            </a:extLst>
-          </p:cNvPr>
-          <p:cNvCxnSpPr>
-            <a:cxnSpLocks/>
-          </p:cNvCxnSpPr>
-          <p:nvPr/>
-        </p:nvCxnSpPr>
-        <p:spPr>
-          <a:xfrm>
-            <a:off x="1065336" y="5756040"/>
-            <a:ext cx="2664404" cy="495668"/>
-          </a:xfrm>
-          <a:prstGeom prst="bentConnector3">
-            <a:avLst>
-              <a:gd name="adj1" fmla="val 81"/>
-            </a:avLst>
-          </a:prstGeom>
-          <a:ln>
-            <a:tailEnd type="triangle"/>
-          </a:ln>
-        </p:spPr>
-        <p:style>
-          <a:lnRef idx="2">
-            <a:schemeClr val="accent1"/>
-          </a:lnRef>
-          <a:fillRef idx="0">
-            <a:schemeClr val="accent1"/>
-          </a:fillRef>
-          <a:effectRef idx="1">
-            <a:schemeClr val="accent1"/>
-          </a:effectRef>
-          <a:fontRef idx="minor">
-            <a:schemeClr val="tx1"/>
-          </a:fontRef>
-        </p:style>
-      </p:cxnSp>
-    </p:spTree>
-    <p:extLst>
-      <p:ext uri="{BB962C8B-B14F-4D97-AF65-F5344CB8AC3E}">
-        <p14:creationId xmlns:p14="http://schemas.microsoft.com/office/powerpoint/2010/main" val="1273034827"/>
-      </p:ext>
-    </p:extLst>
-  </p:cSld>
-  <p:clrMapOvr>
-    <a:masterClrMapping/>
-  </p:clrMapOvr>
 </p:sld>
 </file>
 
